--- a/Diagrama Classes e Site/Apresentacao Projeto 1.pptx
+++ b/Diagrama Classes e Site/Apresentacao Projeto 1.pptx
@@ -117,6 +117,11 @@
       </a:defRPr>
     </a:lvl9pPr>
   </p:defaultTextStyle>
+  <p:extLst>
+    <p:ext uri="{EFAFB233-063F-42B5-8137-9DF3F51BA10A}">
+      <p15:sldGuideLst xmlns:p15="http://schemas.microsoft.com/office/powerpoint/2012/main"/>
+    </p:ext>
+  </p:extLst>
 </p:presentation>
 </file>
 
@@ -177,7 +182,7 @@
           <a:noFill/>
           <a:extLst>
             <a:ext uri="{909E8E84-426E-40dd-AFC4-6F175D3DCCD1}">
-              <a14:hiddenFill xmlns:a14="http://schemas.microsoft.com/office/drawing/2010/main" xmlns="">
+              <a14:hiddenFill xmlns="" xmlns:a14="http://schemas.microsoft.com/office/drawing/2010/main">
                 <a:solidFill>
                   <a:srgbClr val="FFFFFF"/>
                 </a:solidFill>
@@ -236,7 +241,7 @@
             </a:ln>
             <a:extLst>
               <a:ext uri="{91240B29-F687-4f45-9708-019B960494DF}">
-                <a14:hiddenLine xmlns:a14="http://schemas.microsoft.com/office/drawing/2010/main" xmlns="" w="9525">
+                <a14:hiddenLine xmlns="" xmlns:a14="http://schemas.microsoft.com/office/drawing/2010/main" w="9525">
                   <a:solidFill>
                     <a:srgbClr val="000000"/>
                   </a:solidFill>
@@ -326,7 +331,7 @@
             </a:ln>
             <a:extLst>
               <a:ext uri="{91240B29-F687-4f45-9708-019B960494DF}">
-                <a14:hiddenLine xmlns:a14="http://schemas.microsoft.com/office/drawing/2010/main" xmlns="" w="9525">
+                <a14:hiddenLine xmlns="" xmlns:a14="http://schemas.microsoft.com/office/drawing/2010/main" w="9525">
                   <a:solidFill>
                     <a:srgbClr val="000000"/>
                   </a:solidFill>
@@ -416,7 +421,7 @@
             </a:ln>
             <a:extLst>
               <a:ext uri="{91240B29-F687-4f45-9708-019B960494DF}">
-                <a14:hiddenLine xmlns:a14="http://schemas.microsoft.com/office/drawing/2010/main" xmlns="" w="9525">
+                <a14:hiddenLine xmlns="" xmlns:a14="http://schemas.microsoft.com/office/drawing/2010/main" w="9525">
                   <a:solidFill>
                     <a:srgbClr val="000000"/>
                   </a:solidFill>
@@ -450,7 +455,7 @@
             </a:ln>
             <a:extLst>
               <a:ext uri="{91240B29-F687-4f45-9708-019B960494DF}">
-                <a14:hiddenLine xmlns:a14="http://schemas.microsoft.com/office/drawing/2010/main" xmlns="" w="9525">
+                <a14:hiddenLine xmlns="" xmlns:a14="http://schemas.microsoft.com/office/drawing/2010/main" w="9525">
                   <a:solidFill>
                     <a:srgbClr val="000000"/>
                   </a:solidFill>
@@ -540,7 +545,7 @@
             </a:ln>
             <a:extLst>
               <a:ext uri="{91240B29-F687-4f45-9708-019B960494DF}">
-                <a14:hiddenLine xmlns:a14="http://schemas.microsoft.com/office/drawing/2010/main" xmlns="" w="9525">
+                <a14:hiddenLine xmlns="" xmlns:a14="http://schemas.microsoft.com/office/drawing/2010/main" w="9525">
                   <a:solidFill>
                     <a:srgbClr val="000000"/>
                   </a:solidFill>
@@ -602,7 +607,7 @@
             </a:ln>
             <a:extLst>
               <a:ext uri="{91240B29-F687-4f45-9708-019B960494DF}">
-                <a14:hiddenLine xmlns:a14="http://schemas.microsoft.com/office/drawing/2010/main" xmlns="" w="9525">
+                <a14:hiddenLine xmlns="" xmlns:a14="http://schemas.microsoft.com/office/drawing/2010/main" w="9525">
                   <a:solidFill>
                     <a:srgbClr val="000000"/>
                   </a:solidFill>
@@ -664,7 +669,7 @@
             </a:ln>
             <a:extLst>
               <a:ext uri="{91240B29-F687-4f45-9708-019B960494DF}">
-                <a14:hiddenLine xmlns:a14="http://schemas.microsoft.com/office/drawing/2010/main" xmlns="" w="9525">
+                <a14:hiddenLine xmlns="" xmlns:a14="http://schemas.microsoft.com/office/drawing/2010/main" w="9525">
                   <a:solidFill>
                     <a:srgbClr val="000000"/>
                   </a:solidFill>
@@ -754,7 +759,7 @@
             </a:ln>
             <a:extLst>
               <a:ext uri="{91240B29-F687-4f45-9708-019B960494DF}">
-                <a14:hiddenLine xmlns:a14="http://schemas.microsoft.com/office/drawing/2010/main" xmlns="" w="9525">
+                <a14:hiddenLine xmlns="" xmlns:a14="http://schemas.microsoft.com/office/drawing/2010/main" w="9525">
                   <a:solidFill>
                     <a:srgbClr val="000000"/>
                   </a:solidFill>
@@ -816,7 +821,7 @@
             </a:ln>
             <a:extLst>
               <a:ext uri="{91240B29-F687-4f45-9708-019B960494DF}">
-                <a14:hiddenLine xmlns:a14="http://schemas.microsoft.com/office/drawing/2010/main" xmlns="" w="9525">
+                <a14:hiddenLine xmlns="" xmlns:a14="http://schemas.microsoft.com/office/drawing/2010/main" w="9525">
                   <a:solidFill>
                     <a:srgbClr val="000000"/>
                   </a:solidFill>
@@ -878,7 +883,7 @@
             </a:ln>
             <a:extLst>
               <a:ext uri="{91240B29-F687-4f45-9708-019B960494DF}">
-                <a14:hiddenLine xmlns:a14="http://schemas.microsoft.com/office/drawing/2010/main" xmlns="" w="9525">
+                <a14:hiddenLine xmlns="" xmlns:a14="http://schemas.microsoft.com/office/drawing/2010/main" w="9525">
                   <a:solidFill>
                     <a:srgbClr val="000000"/>
                   </a:solidFill>
@@ -968,7 +973,7 @@
             </a:ln>
             <a:extLst>
               <a:ext uri="{91240B29-F687-4f45-9708-019B960494DF}">
-                <a14:hiddenLine xmlns:a14="http://schemas.microsoft.com/office/drawing/2010/main" xmlns="" w="9525">
+                <a14:hiddenLine xmlns="" xmlns:a14="http://schemas.microsoft.com/office/drawing/2010/main" w="9525">
                   <a:solidFill>
                     <a:srgbClr val="000000"/>
                   </a:solidFill>
@@ -1058,7 +1063,7 @@
             </a:ln>
             <a:extLst>
               <a:ext uri="{91240B29-F687-4f45-9708-019B960494DF}">
-                <a14:hiddenLine xmlns:a14="http://schemas.microsoft.com/office/drawing/2010/main" xmlns="" w="9525">
+                <a14:hiddenLine xmlns="" xmlns:a14="http://schemas.microsoft.com/office/drawing/2010/main" w="9525">
                   <a:solidFill>
                     <a:srgbClr val="000000"/>
                   </a:solidFill>
@@ -1120,7 +1125,7 @@
             </a:ln>
             <a:extLst>
               <a:ext uri="{91240B29-F687-4f45-9708-019B960494DF}">
-                <a14:hiddenLine xmlns:a14="http://schemas.microsoft.com/office/drawing/2010/main" xmlns="" w="9525">
+                <a14:hiddenLine xmlns="" xmlns:a14="http://schemas.microsoft.com/office/drawing/2010/main" w="9525">
                   <a:solidFill>
                     <a:srgbClr val="000000"/>
                   </a:solidFill>
@@ -1230,7 +1235,7 @@
             </a:ln>
             <a:extLst>
               <a:ext uri="{91240B29-F687-4f45-9708-019B960494DF}">
-                <a14:hiddenLine xmlns:a14="http://schemas.microsoft.com/office/drawing/2010/main" xmlns="" w="9525">
+                <a14:hiddenLine xmlns="" xmlns:a14="http://schemas.microsoft.com/office/drawing/2010/main" w="9525">
                   <a:solidFill>
                     <a:srgbClr val="000000"/>
                   </a:solidFill>
@@ -1292,7 +1297,7 @@
             </a:ln>
             <a:extLst>
               <a:ext uri="{91240B29-F687-4f45-9708-019B960494DF}">
-                <a14:hiddenLine xmlns:a14="http://schemas.microsoft.com/office/drawing/2010/main" xmlns="" w="9525">
+                <a14:hiddenLine xmlns="" xmlns:a14="http://schemas.microsoft.com/office/drawing/2010/main" w="9525">
                   <a:solidFill>
                     <a:srgbClr val="000000"/>
                   </a:solidFill>
@@ -1382,7 +1387,7 @@
             </a:ln>
             <a:extLst>
               <a:ext uri="{91240B29-F687-4f45-9708-019B960494DF}">
-                <a14:hiddenLine xmlns:a14="http://schemas.microsoft.com/office/drawing/2010/main" xmlns="" w="9525">
+                <a14:hiddenLine xmlns="" xmlns:a14="http://schemas.microsoft.com/office/drawing/2010/main" w="9525">
                   <a:solidFill>
                     <a:srgbClr val="000000"/>
                   </a:solidFill>
@@ -1472,7 +1477,7 @@
             </a:ln>
             <a:extLst>
               <a:ext uri="{91240B29-F687-4f45-9708-019B960494DF}">
-                <a14:hiddenLine xmlns:a14="http://schemas.microsoft.com/office/drawing/2010/main" xmlns="" w="9525">
+                <a14:hiddenLine xmlns="" xmlns:a14="http://schemas.microsoft.com/office/drawing/2010/main" w="9525">
                   <a:solidFill>
                     <a:srgbClr val="000000"/>
                   </a:solidFill>
@@ -1534,7 +1539,7 @@
             </a:ln>
             <a:extLst>
               <a:ext uri="{91240B29-F687-4f45-9708-019B960494DF}">
-                <a14:hiddenLine xmlns:a14="http://schemas.microsoft.com/office/drawing/2010/main" xmlns="" w="9525">
+                <a14:hiddenLine xmlns="" xmlns:a14="http://schemas.microsoft.com/office/drawing/2010/main" w="9525">
                   <a:solidFill>
                     <a:srgbClr val="000000"/>
                   </a:solidFill>
@@ -1624,7 +1629,7 @@
             </a:ln>
             <a:extLst>
               <a:ext uri="{91240B29-F687-4f45-9708-019B960494DF}">
-                <a14:hiddenLine xmlns:a14="http://schemas.microsoft.com/office/drawing/2010/main" xmlns="" w="9525">
+                <a14:hiddenLine xmlns="" xmlns:a14="http://schemas.microsoft.com/office/drawing/2010/main" w="9525">
                   <a:solidFill>
                     <a:srgbClr val="000000"/>
                   </a:solidFill>
@@ -1714,7 +1719,7 @@
             </a:ln>
             <a:extLst>
               <a:ext uri="{91240B29-F687-4f45-9708-019B960494DF}">
-                <a14:hiddenLine xmlns:a14="http://schemas.microsoft.com/office/drawing/2010/main" xmlns="" w="9525">
+                <a14:hiddenLine xmlns="" xmlns:a14="http://schemas.microsoft.com/office/drawing/2010/main" w="9525">
                   <a:solidFill>
                     <a:srgbClr val="000000"/>
                   </a:solidFill>
@@ -1770,7 +1775,7 @@
             </a:ln>
             <a:extLst>
               <a:ext uri="{91240B29-F687-4f45-9708-019B960494DF}">
-                <a14:hiddenLine xmlns:a14="http://schemas.microsoft.com/office/drawing/2010/main" xmlns="" w="9525">
+                <a14:hiddenLine xmlns="" xmlns:a14="http://schemas.microsoft.com/office/drawing/2010/main" w="9525">
                   <a:solidFill>
                     <a:srgbClr val="000000"/>
                   </a:solidFill>
@@ -1860,7 +1865,7 @@
             </a:ln>
             <a:extLst>
               <a:ext uri="{91240B29-F687-4f45-9708-019B960494DF}">
-                <a14:hiddenLine xmlns:a14="http://schemas.microsoft.com/office/drawing/2010/main" xmlns="" w="9525">
+                <a14:hiddenLine xmlns="" xmlns:a14="http://schemas.microsoft.com/office/drawing/2010/main" w="9525">
                   <a:solidFill>
                     <a:srgbClr val="000000"/>
                   </a:solidFill>
@@ -1916,7 +1921,7 @@
             </a:ln>
             <a:extLst>
               <a:ext uri="{91240B29-F687-4f45-9708-019B960494DF}">
-                <a14:hiddenLine xmlns:a14="http://schemas.microsoft.com/office/drawing/2010/main" xmlns="" w="9525">
+                <a14:hiddenLine xmlns="" xmlns:a14="http://schemas.microsoft.com/office/drawing/2010/main" w="9525">
                   <a:solidFill>
                     <a:srgbClr val="000000"/>
                   </a:solidFill>
@@ -2006,7 +2011,7 @@
             </a:ln>
             <a:extLst>
               <a:ext uri="{91240B29-F687-4f45-9708-019B960494DF}">
-                <a14:hiddenLine xmlns:a14="http://schemas.microsoft.com/office/drawing/2010/main" xmlns="" w="9525">
+                <a14:hiddenLine xmlns="" xmlns:a14="http://schemas.microsoft.com/office/drawing/2010/main" w="9525">
                   <a:solidFill>
                     <a:srgbClr val="000000"/>
                   </a:solidFill>
@@ -2074,7 +2079,7 @@
             </a:ln>
             <a:extLst>
               <a:ext uri="{91240B29-F687-4f45-9708-019B960494DF}">
-                <a14:hiddenLine xmlns:a14="http://schemas.microsoft.com/office/drawing/2010/main" xmlns="" w="9525">
+                <a14:hiddenLine xmlns="" xmlns:a14="http://schemas.microsoft.com/office/drawing/2010/main" w="9525">
                   <a:solidFill>
                     <a:srgbClr val="000000"/>
                   </a:solidFill>
@@ -2164,7 +2169,7 @@
             </a:ln>
             <a:extLst>
               <a:ext uri="{91240B29-F687-4f45-9708-019B960494DF}">
-                <a14:hiddenLine xmlns:a14="http://schemas.microsoft.com/office/drawing/2010/main" xmlns="" w="9525">
+                <a14:hiddenLine xmlns="" xmlns:a14="http://schemas.microsoft.com/office/drawing/2010/main" w="9525">
                   <a:solidFill>
                     <a:srgbClr val="000000"/>
                   </a:solidFill>
@@ -2232,7 +2237,7 @@
             </a:ln>
             <a:extLst>
               <a:ext uri="{91240B29-F687-4f45-9708-019B960494DF}">
-                <a14:hiddenLine xmlns:a14="http://schemas.microsoft.com/office/drawing/2010/main" xmlns="" w="9525">
+                <a14:hiddenLine xmlns="" xmlns:a14="http://schemas.microsoft.com/office/drawing/2010/main" w="9525">
                   <a:solidFill>
                     <a:srgbClr val="000000"/>
                   </a:solidFill>
@@ -2322,7 +2327,7 @@
             </a:ln>
             <a:extLst>
               <a:ext uri="{91240B29-F687-4f45-9708-019B960494DF}">
-                <a14:hiddenLine xmlns:a14="http://schemas.microsoft.com/office/drawing/2010/main" xmlns="" w="9525">
+                <a14:hiddenLine xmlns="" xmlns:a14="http://schemas.microsoft.com/office/drawing/2010/main" w="9525">
                   <a:solidFill>
                     <a:srgbClr val="000000"/>
                   </a:solidFill>
@@ -2356,7 +2361,7 @@
             </a:ln>
             <a:extLst>
               <a:ext uri="{91240B29-F687-4f45-9708-019B960494DF}">
-                <a14:hiddenLine xmlns:a14="http://schemas.microsoft.com/office/drawing/2010/main" xmlns="" w="9525">
+                <a14:hiddenLine xmlns="" xmlns:a14="http://schemas.microsoft.com/office/drawing/2010/main" w="9525">
                   <a:solidFill>
                     <a:srgbClr val="000000"/>
                   </a:solidFill>
@@ -2446,7 +2451,7 @@
             </a:ln>
             <a:extLst>
               <a:ext uri="{91240B29-F687-4f45-9708-019B960494DF}">
-                <a14:hiddenLine xmlns:a14="http://schemas.microsoft.com/office/drawing/2010/main" xmlns="" w="9525">
+                <a14:hiddenLine xmlns="" xmlns:a14="http://schemas.microsoft.com/office/drawing/2010/main" w="9525">
                   <a:solidFill>
                     <a:srgbClr val="000000"/>
                   </a:solidFill>
@@ -2508,7 +2513,7 @@
             </a:ln>
             <a:extLst>
               <a:ext uri="{91240B29-F687-4f45-9708-019B960494DF}">
-                <a14:hiddenLine xmlns:a14="http://schemas.microsoft.com/office/drawing/2010/main" xmlns="" w="9525">
+                <a14:hiddenLine xmlns="" xmlns:a14="http://schemas.microsoft.com/office/drawing/2010/main" w="9525">
                   <a:solidFill>
                     <a:srgbClr val="000000"/>
                   </a:solidFill>
@@ -2570,7 +2575,7 @@
             </a:ln>
             <a:extLst>
               <a:ext uri="{91240B29-F687-4f45-9708-019B960494DF}">
-                <a14:hiddenLine xmlns:a14="http://schemas.microsoft.com/office/drawing/2010/main" xmlns="" w="9525">
+                <a14:hiddenLine xmlns="" xmlns:a14="http://schemas.microsoft.com/office/drawing/2010/main" w="9525">
                   <a:solidFill>
                     <a:srgbClr val="000000"/>
                   </a:solidFill>
@@ -2660,7 +2665,7 @@
             </a:ln>
             <a:extLst>
               <a:ext uri="{91240B29-F687-4f45-9708-019B960494DF}">
-                <a14:hiddenLine xmlns:a14="http://schemas.microsoft.com/office/drawing/2010/main" xmlns="" w="9525">
+                <a14:hiddenLine xmlns="" xmlns:a14="http://schemas.microsoft.com/office/drawing/2010/main" w="9525">
                   <a:solidFill>
                     <a:srgbClr val="000000"/>
                   </a:solidFill>
@@ -2728,7 +2733,7 @@
             </a:ln>
             <a:extLst>
               <a:ext uri="{91240B29-F687-4f45-9708-019B960494DF}">
-                <a14:hiddenLine xmlns:a14="http://schemas.microsoft.com/office/drawing/2010/main" xmlns="" w="9525">
+                <a14:hiddenLine xmlns="" xmlns:a14="http://schemas.microsoft.com/office/drawing/2010/main" w="9525">
                   <a:solidFill>
                     <a:srgbClr val="000000"/>
                   </a:solidFill>
@@ -2790,7 +2795,7 @@
             </a:ln>
             <a:extLst>
               <a:ext uri="{91240B29-F687-4f45-9708-019B960494DF}">
-                <a14:hiddenLine xmlns:a14="http://schemas.microsoft.com/office/drawing/2010/main" xmlns="" w="9525">
+                <a14:hiddenLine xmlns="" xmlns:a14="http://schemas.microsoft.com/office/drawing/2010/main" w="9525">
                   <a:solidFill>
                     <a:srgbClr val="000000"/>
                   </a:solidFill>
@@ -2880,7 +2885,7 @@
             </a:ln>
             <a:extLst>
               <a:ext uri="{91240B29-F687-4f45-9708-019B960494DF}">
-                <a14:hiddenLine xmlns:a14="http://schemas.microsoft.com/office/drawing/2010/main" xmlns="" w="9525">
+                <a14:hiddenLine xmlns="" xmlns:a14="http://schemas.microsoft.com/office/drawing/2010/main" w="9525">
                   <a:solidFill>
                     <a:srgbClr val="000000"/>
                   </a:solidFill>
@@ -2942,7 +2947,7 @@
             </a:ln>
             <a:extLst>
               <a:ext uri="{91240B29-F687-4f45-9708-019B960494DF}">
-                <a14:hiddenLine xmlns:a14="http://schemas.microsoft.com/office/drawing/2010/main" xmlns="" w="9525">
+                <a14:hiddenLine xmlns="" xmlns:a14="http://schemas.microsoft.com/office/drawing/2010/main" w="9525">
                   <a:solidFill>
                     <a:srgbClr val="000000"/>
                   </a:solidFill>
@@ -3032,7 +3037,7 @@
             </a:ln>
             <a:extLst>
               <a:ext uri="{91240B29-F687-4f45-9708-019B960494DF}">
-                <a14:hiddenLine xmlns:a14="http://schemas.microsoft.com/office/drawing/2010/main" xmlns="" w="9525">
+                <a14:hiddenLine xmlns="" xmlns:a14="http://schemas.microsoft.com/office/drawing/2010/main" w="9525">
                   <a:solidFill>
                     <a:srgbClr val="000000"/>
                   </a:solidFill>
@@ -3094,7 +3099,7 @@
             </a:ln>
             <a:extLst>
               <a:ext uri="{91240B29-F687-4f45-9708-019B960494DF}">
-                <a14:hiddenLine xmlns:a14="http://schemas.microsoft.com/office/drawing/2010/main" xmlns="" w="9525">
+                <a14:hiddenLine xmlns="" xmlns:a14="http://schemas.microsoft.com/office/drawing/2010/main" w="9525">
                   <a:solidFill>
                     <a:srgbClr val="000000"/>
                   </a:solidFill>
@@ -3184,7 +3189,7 @@
             </a:ln>
             <a:extLst>
               <a:ext uri="{91240B29-F687-4f45-9708-019B960494DF}">
-                <a14:hiddenLine xmlns:a14="http://schemas.microsoft.com/office/drawing/2010/main" xmlns="" w="9525">
+                <a14:hiddenLine xmlns="" xmlns:a14="http://schemas.microsoft.com/office/drawing/2010/main" w="9525">
                   <a:solidFill>
                     <a:srgbClr val="000000"/>
                   </a:solidFill>
@@ -3218,7 +3223,7 @@
             </a:ln>
             <a:extLst>
               <a:ext uri="{91240B29-F687-4f45-9708-019B960494DF}">
-                <a14:hiddenLine xmlns:a14="http://schemas.microsoft.com/office/drawing/2010/main" xmlns="" w="9525">
+                <a14:hiddenLine xmlns="" xmlns:a14="http://schemas.microsoft.com/office/drawing/2010/main" w="9525">
                   <a:solidFill>
                     <a:srgbClr val="000000"/>
                   </a:solidFill>
@@ -3283,7 +3288,7 @@
             </a:ln>
             <a:extLst>
               <a:ext uri="{91240B29-F687-4f45-9708-019B960494DF}">
-                <a14:hiddenLine xmlns:a14="http://schemas.microsoft.com/office/drawing/2010/main" xmlns="" w="9525">
+                <a14:hiddenLine xmlns="" xmlns:a14="http://schemas.microsoft.com/office/drawing/2010/main" w="9525">
                   <a:solidFill>
                     <a:srgbClr val="000000"/>
                   </a:solidFill>
@@ -3373,7 +3378,7 @@
             </a:ln>
             <a:extLst>
               <a:ext uri="{91240B29-F687-4f45-9708-019B960494DF}">
-                <a14:hiddenLine xmlns:a14="http://schemas.microsoft.com/office/drawing/2010/main" xmlns="" w="9525">
+                <a14:hiddenLine xmlns="" xmlns:a14="http://schemas.microsoft.com/office/drawing/2010/main" w="9525">
                   <a:solidFill>
                     <a:srgbClr val="000000"/>
                   </a:solidFill>
@@ -3435,7 +3440,7 @@
             </a:ln>
             <a:extLst>
               <a:ext uri="{91240B29-F687-4f45-9708-019B960494DF}">
-                <a14:hiddenLine xmlns:a14="http://schemas.microsoft.com/office/drawing/2010/main" xmlns="" w="9525">
+                <a14:hiddenLine xmlns="" xmlns:a14="http://schemas.microsoft.com/office/drawing/2010/main" w="9525">
                   <a:solidFill>
                     <a:srgbClr val="000000"/>
                   </a:solidFill>
@@ -3525,7 +3530,7 @@
             </a:ln>
             <a:extLst>
               <a:ext uri="{91240B29-F687-4f45-9708-019B960494DF}">
-                <a14:hiddenLine xmlns:a14="http://schemas.microsoft.com/office/drawing/2010/main" xmlns="" w="9525">
+                <a14:hiddenLine xmlns="" xmlns:a14="http://schemas.microsoft.com/office/drawing/2010/main" w="9525">
                   <a:solidFill>
                     <a:srgbClr val="000000"/>
                   </a:solidFill>
@@ -3615,7 +3620,7 @@
             </a:ln>
             <a:extLst>
               <a:ext uri="{91240B29-F687-4f45-9708-019B960494DF}">
-                <a14:hiddenLine xmlns:a14="http://schemas.microsoft.com/office/drawing/2010/main" xmlns="" w="9525">
+                <a14:hiddenLine xmlns="" xmlns:a14="http://schemas.microsoft.com/office/drawing/2010/main" w="9525">
                   <a:solidFill>
                     <a:srgbClr val="000000"/>
                   </a:solidFill>
@@ -3680,7 +3685,7 @@
             </a:ln>
             <a:extLst>
               <a:ext uri="{91240B29-F687-4f45-9708-019B960494DF}">
-                <a14:hiddenLine xmlns:a14="http://schemas.microsoft.com/office/drawing/2010/main" xmlns="" w="9525">
+                <a14:hiddenLine xmlns="" xmlns:a14="http://schemas.microsoft.com/office/drawing/2010/main" w="9525">
                   <a:solidFill>
                     <a:srgbClr val="000000"/>
                   </a:solidFill>
@@ -3742,7 +3747,7 @@
             </a:ln>
             <a:extLst>
               <a:ext uri="{91240B29-F687-4f45-9708-019B960494DF}">
-                <a14:hiddenLine xmlns:a14="http://schemas.microsoft.com/office/drawing/2010/main" xmlns="" w="9525">
+                <a14:hiddenLine xmlns="" xmlns:a14="http://schemas.microsoft.com/office/drawing/2010/main" w="9525">
                   <a:solidFill>
                     <a:srgbClr val="000000"/>
                   </a:solidFill>
@@ -3832,7 +3837,7 @@
             </a:ln>
             <a:extLst>
               <a:ext uri="{91240B29-F687-4f45-9708-019B960494DF}">
-                <a14:hiddenLine xmlns:a14="http://schemas.microsoft.com/office/drawing/2010/main" xmlns="" w="9525">
+                <a14:hiddenLine xmlns="" xmlns:a14="http://schemas.microsoft.com/office/drawing/2010/main" w="9525">
                   <a:solidFill>
                     <a:srgbClr val="000000"/>
                   </a:solidFill>
@@ -3922,7 +3927,7 @@
             </a:ln>
             <a:extLst>
               <a:ext uri="{91240B29-F687-4f45-9708-019B960494DF}">
-                <a14:hiddenLine xmlns:a14="http://schemas.microsoft.com/office/drawing/2010/main" xmlns="" w="9525">
+                <a14:hiddenLine xmlns="" xmlns:a14="http://schemas.microsoft.com/office/drawing/2010/main" w="9525">
                   <a:solidFill>
                     <a:srgbClr val="000000"/>
                   </a:solidFill>
@@ -3984,7 +3989,7 @@
             </a:ln>
             <a:extLst>
               <a:ext uri="{91240B29-F687-4f45-9708-019B960494DF}">
-                <a14:hiddenLine xmlns:a14="http://schemas.microsoft.com/office/drawing/2010/main" xmlns="" w="9525">
+                <a14:hiddenLine xmlns="" xmlns:a14="http://schemas.microsoft.com/office/drawing/2010/main" w="9525">
                   <a:solidFill>
                     <a:srgbClr val="000000"/>
                   </a:solidFill>
@@ -4104,7 +4109,7 @@
             </a:ln>
             <a:extLst>
               <a:ext uri="{91240B29-F687-4f45-9708-019B960494DF}">
-                <a14:hiddenLine xmlns:a14="http://schemas.microsoft.com/office/drawing/2010/main" xmlns="" w="9525">
+                <a14:hiddenLine xmlns="" xmlns:a14="http://schemas.microsoft.com/office/drawing/2010/main" w="9525">
                   <a:solidFill>
                     <a:srgbClr val="000000"/>
                   </a:solidFill>
@@ -4172,7 +4177,7 @@
             </a:ln>
             <a:extLst>
               <a:ext uri="{91240B29-F687-4f45-9708-019B960494DF}">
-                <a14:hiddenLine xmlns:a14="http://schemas.microsoft.com/office/drawing/2010/main" xmlns="" w="9525">
+                <a14:hiddenLine xmlns="" xmlns:a14="http://schemas.microsoft.com/office/drawing/2010/main" w="9525">
                   <a:solidFill>
                     <a:srgbClr val="000000"/>
                   </a:solidFill>
@@ -4262,7 +4267,7 @@
             </a:ln>
             <a:extLst>
               <a:ext uri="{91240B29-F687-4f45-9708-019B960494DF}">
-                <a14:hiddenLine xmlns:a14="http://schemas.microsoft.com/office/drawing/2010/main" xmlns="" w="9525">
+                <a14:hiddenLine xmlns="" xmlns:a14="http://schemas.microsoft.com/office/drawing/2010/main" w="9525">
                   <a:solidFill>
                     <a:srgbClr val="000000"/>
                   </a:solidFill>
@@ -4402,7 +4407,7 @@
           <a:p>
             <a:fld id="{48A87A34-81AB-432B-8DAE-1953F412C126}" type="datetimeFigureOut">
               <a:rPr lang="en-US" dirty="0"/>
-              <a:t>11/19/2020</a:t>
+              <a:t>11/20/2020</a:t>
             </a:fld>
             <a:endParaRPr lang="en-US" dirty="0"/>
           </a:p>
@@ -4664,7 +4669,7 @@
           <a:p>
             <a:fld id="{48A87A34-81AB-432B-8DAE-1953F412C126}" type="datetimeFigureOut">
               <a:rPr lang="en-US" dirty="0"/>
-              <a:t>11/19/2020</a:t>
+              <a:t>11/20/2020</a:t>
             </a:fld>
             <a:endParaRPr lang="en-US" dirty="0"/>
           </a:p>
@@ -4855,7 +4860,7 @@
           <a:p>
             <a:fld id="{48A87A34-81AB-432B-8DAE-1953F412C126}" type="datetimeFigureOut">
               <a:rPr lang="en-US" dirty="0"/>
-              <a:t>11/19/2020</a:t>
+              <a:t>11/20/2020</a:t>
             </a:fld>
             <a:endParaRPr lang="en-US" dirty="0"/>
           </a:p>
@@ -5113,7 +5118,7 @@
           <a:p>
             <a:fld id="{48A87A34-81AB-432B-8DAE-1953F412C126}" type="datetimeFigureOut">
               <a:rPr lang="en-US" dirty="0"/>
-              <a:t>11/19/2020</a:t>
+              <a:t>11/20/2020</a:t>
             </a:fld>
             <a:endParaRPr lang="en-US" dirty="0"/>
           </a:p>
@@ -5542,7 +5547,7 @@
           <a:p>
             <a:fld id="{48A87A34-81AB-432B-8DAE-1953F412C126}" type="datetimeFigureOut">
               <a:rPr lang="en-US" dirty="0"/>
-              <a:t>11/19/2020</a:t>
+              <a:t>11/20/2020</a:t>
             </a:fld>
             <a:endParaRPr lang="en-US" dirty="0"/>
           </a:p>
@@ -6083,7 +6088,7 @@
           <a:p>
             <a:fld id="{48A87A34-81AB-432B-8DAE-1953F412C126}" type="datetimeFigureOut">
               <a:rPr lang="en-US" dirty="0"/>
-              <a:t>11/19/2020</a:t>
+              <a:t>11/20/2020</a:t>
             </a:fld>
             <a:endParaRPr lang="en-US" dirty="0"/>
           </a:p>
@@ -6798,7 +6803,7 @@
           <a:p>
             <a:fld id="{48A87A34-81AB-432B-8DAE-1953F412C126}" type="datetimeFigureOut">
               <a:rPr lang="en-US" dirty="0"/>
-              <a:t>11/19/2020</a:t>
+              <a:t>11/20/2020</a:t>
             </a:fld>
             <a:endParaRPr lang="en-US" dirty="0"/>
           </a:p>
@@ -6963,7 +6968,7 @@
           <a:p>
             <a:fld id="{48A87A34-81AB-432B-8DAE-1953F412C126}" type="datetimeFigureOut">
               <a:rPr lang="en-US" dirty="0"/>
-              <a:t>11/19/2020</a:t>
+              <a:t>11/20/2020</a:t>
             </a:fld>
             <a:endParaRPr lang="en-US" dirty="0"/>
           </a:p>
@@ -7138,7 +7143,7 @@
           <a:p>
             <a:fld id="{48A87A34-81AB-432B-8DAE-1953F412C126}" type="datetimeFigureOut">
               <a:rPr lang="en-US" dirty="0"/>
-              <a:t>11/19/2020</a:t>
+              <a:t>11/20/2020</a:t>
             </a:fld>
             <a:endParaRPr lang="en-US" dirty="0"/>
           </a:p>
@@ -7303,7 +7308,7 @@
           <a:p>
             <a:fld id="{48A87A34-81AB-432B-8DAE-1953F412C126}" type="datetimeFigureOut">
               <a:rPr lang="en-US" dirty="0"/>
-              <a:t>11/19/2020</a:t>
+              <a:t>11/20/2020</a:t>
             </a:fld>
             <a:endParaRPr lang="en-US" dirty="0"/>
           </a:p>
@@ -7548,7 +7553,7 @@
           <a:p>
             <a:fld id="{48A87A34-81AB-432B-8DAE-1953F412C126}" type="datetimeFigureOut">
               <a:rPr lang="en-US" dirty="0"/>
-              <a:t>11/19/2020</a:t>
+              <a:t>11/20/2020</a:t>
             </a:fld>
             <a:endParaRPr lang="en-US" dirty="0"/>
           </a:p>
@@ -7775,7 +7780,7 @@
           <a:p>
             <a:fld id="{48A87A34-81AB-432B-8DAE-1953F412C126}" type="datetimeFigureOut">
               <a:rPr lang="en-US" dirty="0"/>
-              <a:t>11/19/2020</a:t>
+              <a:t>11/20/2020</a:t>
             </a:fld>
             <a:endParaRPr lang="en-US" dirty="0"/>
           </a:p>
@@ -8151,7 +8156,7 @@
           <a:p>
             <a:fld id="{48A87A34-81AB-432B-8DAE-1953F412C126}" type="datetimeFigureOut">
               <a:rPr lang="en-US" dirty="0"/>
-              <a:t>11/19/2020</a:t>
+              <a:t>11/20/2020</a:t>
             </a:fld>
             <a:endParaRPr lang="en-US" dirty="0"/>
           </a:p>
@@ -8264,7 +8269,7 @@
           <a:p>
             <a:fld id="{48A87A34-81AB-432B-8DAE-1953F412C126}" type="datetimeFigureOut">
               <a:rPr lang="en-US" dirty="0"/>
-              <a:t>11/19/2020</a:t>
+              <a:t>11/20/2020</a:t>
             </a:fld>
             <a:endParaRPr lang="en-US" dirty="0"/>
           </a:p>
@@ -8354,7 +8359,7 @@
           <a:p>
             <a:fld id="{48A87A34-81AB-432B-8DAE-1953F412C126}" type="datetimeFigureOut">
               <a:rPr lang="en-US" dirty="0"/>
-              <a:t>11/19/2020</a:t>
+              <a:t>11/20/2020</a:t>
             </a:fld>
             <a:endParaRPr lang="en-US" dirty="0"/>
           </a:p>
@@ -8598,7 +8603,7 @@
           <a:p>
             <a:fld id="{48A87A34-81AB-432B-8DAE-1953F412C126}" type="datetimeFigureOut">
               <a:rPr lang="en-US" dirty="0"/>
-              <a:t>11/19/2020</a:t>
+              <a:t>11/20/2020</a:t>
             </a:fld>
             <a:endParaRPr lang="en-US" dirty="0"/>
           </a:p>
@@ -8873,7 +8878,7 @@
           <a:p>
             <a:fld id="{48A87A34-81AB-432B-8DAE-1953F412C126}" type="datetimeFigureOut">
               <a:rPr lang="en-US" dirty="0"/>
-              <a:t>11/19/2020</a:t>
+              <a:t>11/20/2020</a:t>
             </a:fld>
             <a:endParaRPr lang="en-US" dirty="0"/>
           </a:p>
@@ -8991,7 +8996,7 @@
           <a:noFill/>
           <a:extLst>
             <a:ext uri="{909E8E84-426E-40dd-AFC4-6F175D3DCCD1}">
-              <a14:hiddenFill xmlns:a14="http://schemas.microsoft.com/office/drawing/2010/main" xmlns="">
+              <a14:hiddenFill xmlns="" xmlns:a14="http://schemas.microsoft.com/office/drawing/2010/main">
                 <a:solidFill>
                   <a:srgbClr val="FFFFFF"/>
                 </a:solidFill>
@@ -9065,7 +9070,7 @@
               </a:ln>
               <a:extLst>
                 <a:ext uri="{91240B29-F687-4f45-9708-019B960494DF}">
-                  <a14:hiddenLine xmlns:a14="http://schemas.microsoft.com/office/drawing/2010/main" xmlns="" w="9525">
+                  <a14:hiddenLine xmlns="" xmlns:a14="http://schemas.microsoft.com/office/drawing/2010/main" w="9525">
                     <a:solidFill>
                       <a:srgbClr val="000000"/>
                     </a:solidFill>
@@ -9155,7 +9160,7 @@
               </a:ln>
               <a:extLst>
                 <a:ext uri="{91240B29-F687-4f45-9708-019B960494DF}">
-                  <a14:hiddenLine xmlns:a14="http://schemas.microsoft.com/office/drawing/2010/main" xmlns="" w="9525">
+                  <a14:hiddenLine xmlns="" xmlns:a14="http://schemas.microsoft.com/office/drawing/2010/main" w="9525">
                     <a:solidFill>
                       <a:srgbClr val="000000"/>
                     </a:solidFill>
@@ -9245,7 +9250,7 @@
               </a:ln>
               <a:extLst>
                 <a:ext uri="{91240B29-F687-4f45-9708-019B960494DF}">
-                  <a14:hiddenLine xmlns:a14="http://schemas.microsoft.com/office/drawing/2010/main" xmlns="" w="9525">
+                  <a14:hiddenLine xmlns="" xmlns:a14="http://schemas.microsoft.com/office/drawing/2010/main" w="9525">
                     <a:solidFill>
                       <a:srgbClr val="000000"/>
                     </a:solidFill>
@@ -9307,7 +9312,7 @@
               </a:ln>
               <a:extLst>
                 <a:ext uri="{91240B29-F687-4f45-9708-019B960494DF}">
-                  <a14:hiddenLine xmlns:a14="http://schemas.microsoft.com/office/drawing/2010/main" xmlns="" w="9525">
+                  <a14:hiddenLine xmlns="" xmlns:a14="http://schemas.microsoft.com/office/drawing/2010/main" w="9525">
                     <a:solidFill>
                       <a:srgbClr val="000000"/>
                     </a:solidFill>
@@ -9397,7 +9402,7 @@
               </a:ln>
               <a:extLst>
                 <a:ext uri="{91240B29-F687-4f45-9708-019B960494DF}">
-                  <a14:hiddenLine xmlns:a14="http://schemas.microsoft.com/office/drawing/2010/main" xmlns="" w="9525">
+                  <a14:hiddenLine xmlns="" xmlns:a14="http://schemas.microsoft.com/office/drawing/2010/main" w="9525">
                     <a:solidFill>
                       <a:srgbClr val="000000"/>
                     </a:solidFill>
@@ -9459,7 +9464,7 @@
               </a:ln>
               <a:extLst>
                 <a:ext uri="{91240B29-F687-4f45-9708-019B960494DF}">
-                  <a14:hiddenLine xmlns:a14="http://schemas.microsoft.com/office/drawing/2010/main" xmlns="" w="9525">
+                  <a14:hiddenLine xmlns="" xmlns:a14="http://schemas.microsoft.com/office/drawing/2010/main" w="9525">
                     <a:solidFill>
                       <a:srgbClr val="000000"/>
                     </a:solidFill>
@@ -9521,7 +9526,7 @@
               </a:ln>
               <a:extLst>
                 <a:ext uri="{91240B29-F687-4f45-9708-019B960494DF}">
-                  <a14:hiddenLine xmlns:a14="http://schemas.microsoft.com/office/drawing/2010/main" xmlns="" w="9525">
+                  <a14:hiddenLine xmlns="" xmlns:a14="http://schemas.microsoft.com/office/drawing/2010/main" w="9525">
                     <a:solidFill>
                       <a:srgbClr val="000000"/>
                     </a:solidFill>
@@ -9611,7 +9616,7 @@
               </a:ln>
               <a:extLst>
                 <a:ext uri="{91240B29-F687-4f45-9708-019B960494DF}">
-                  <a14:hiddenLine xmlns:a14="http://schemas.microsoft.com/office/drawing/2010/main" xmlns="" w="9525">
+                  <a14:hiddenLine xmlns="" xmlns:a14="http://schemas.microsoft.com/office/drawing/2010/main" w="9525">
                     <a:solidFill>
                       <a:srgbClr val="000000"/>
                     </a:solidFill>
@@ -9701,7 +9706,7 @@
               </a:ln>
               <a:extLst>
                 <a:ext uri="{91240B29-F687-4f45-9708-019B960494DF}">
-                  <a14:hiddenLine xmlns:a14="http://schemas.microsoft.com/office/drawing/2010/main" xmlns="" w="9525">
+                  <a14:hiddenLine xmlns="" xmlns:a14="http://schemas.microsoft.com/office/drawing/2010/main" w="9525">
                     <a:solidFill>
                       <a:srgbClr val="000000"/>
                     </a:solidFill>
@@ -9763,7 +9768,7 @@
               </a:ln>
               <a:extLst>
                 <a:ext uri="{91240B29-F687-4f45-9708-019B960494DF}">
-                  <a14:hiddenLine xmlns:a14="http://schemas.microsoft.com/office/drawing/2010/main" xmlns="" w="9525">
+                  <a14:hiddenLine xmlns="" xmlns:a14="http://schemas.microsoft.com/office/drawing/2010/main" w="9525">
                     <a:solidFill>
                       <a:srgbClr val="000000"/>
                     </a:solidFill>
@@ -9873,7 +9878,7 @@
               </a:ln>
               <a:extLst>
                 <a:ext uri="{91240B29-F687-4f45-9708-019B960494DF}">
-                  <a14:hiddenLine xmlns:a14="http://schemas.microsoft.com/office/drawing/2010/main" xmlns="" w="9525">
+                  <a14:hiddenLine xmlns="" xmlns:a14="http://schemas.microsoft.com/office/drawing/2010/main" w="9525">
                     <a:solidFill>
                       <a:srgbClr val="000000"/>
                     </a:solidFill>
@@ -9957,7 +9962,7 @@
               </a:ln>
               <a:extLst>
                 <a:ext uri="{91240B29-F687-4f45-9708-019B960494DF}">
-                  <a14:hiddenLine xmlns:a14="http://schemas.microsoft.com/office/drawing/2010/main" xmlns="" w="9525">
+                  <a14:hiddenLine xmlns="" xmlns:a14="http://schemas.microsoft.com/office/drawing/2010/main" w="9525">
                     <a:solidFill>
                       <a:srgbClr val="000000"/>
                     </a:solidFill>
@@ -10019,7 +10024,7 @@
               </a:ln>
               <a:extLst>
                 <a:ext uri="{91240B29-F687-4f45-9708-019B960494DF}">
-                  <a14:hiddenLine xmlns:a14="http://schemas.microsoft.com/office/drawing/2010/main" xmlns="" w="9525">
+                  <a14:hiddenLine xmlns="" xmlns:a14="http://schemas.microsoft.com/office/drawing/2010/main" w="9525">
                     <a:solidFill>
                       <a:srgbClr val="000000"/>
                     </a:solidFill>
@@ -10081,7 +10086,7 @@
               </a:ln>
               <a:extLst>
                 <a:ext uri="{91240B29-F687-4f45-9708-019B960494DF}">
-                  <a14:hiddenLine xmlns:a14="http://schemas.microsoft.com/office/drawing/2010/main" xmlns="" w="9525">
+                  <a14:hiddenLine xmlns="" xmlns:a14="http://schemas.microsoft.com/office/drawing/2010/main" w="9525">
                     <a:solidFill>
                       <a:srgbClr val="000000"/>
                     </a:solidFill>
@@ -10171,7 +10176,7 @@
               </a:ln>
               <a:extLst>
                 <a:ext uri="{91240B29-F687-4f45-9708-019B960494DF}">
-                  <a14:hiddenLine xmlns:a14="http://schemas.microsoft.com/office/drawing/2010/main" xmlns="" w="9525">
+                  <a14:hiddenLine xmlns="" xmlns:a14="http://schemas.microsoft.com/office/drawing/2010/main" w="9525">
                     <a:solidFill>
                       <a:srgbClr val="000000"/>
                     </a:solidFill>
@@ -10205,7 +10210,7 @@
               </a:ln>
               <a:extLst>
                 <a:ext uri="{91240B29-F687-4f45-9708-019B960494DF}">
-                  <a14:hiddenLine xmlns:a14="http://schemas.microsoft.com/office/drawing/2010/main" xmlns="" w="9525">
+                  <a14:hiddenLine xmlns="" xmlns:a14="http://schemas.microsoft.com/office/drawing/2010/main" w="9525">
                     <a:solidFill>
                       <a:srgbClr val="000000"/>
                     </a:solidFill>
@@ -10270,7 +10275,7 @@
               </a:ln>
               <a:extLst>
                 <a:ext uri="{91240B29-F687-4f45-9708-019B960494DF}">
-                  <a14:hiddenLine xmlns:a14="http://schemas.microsoft.com/office/drawing/2010/main" xmlns="" w="9525">
+                  <a14:hiddenLine xmlns="" xmlns:a14="http://schemas.microsoft.com/office/drawing/2010/main" w="9525">
                     <a:solidFill>
                       <a:srgbClr val="000000"/>
                     </a:solidFill>
@@ -10360,7 +10365,7 @@
               </a:ln>
               <a:extLst>
                 <a:ext uri="{91240B29-F687-4f45-9708-019B960494DF}">
-                  <a14:hiddenLine xmlns:a14="http://schemas.microsoft.com/office/drawing/2010/main" xmlns="" w="9525">
+                  <a14:hiddenLine xmlns="" xmlns:a14="http://schemas.microsoft.com/office/drawing/2010/main" w="9525">
                     <a:solidFill>
                       <a:srgbClr val="000000"/>
                     </a:solidFill>
@@ -10422,7 +10427,7 @@
               </a:ln>
               <a:extLst>
                 <a:ext uri="{91240B29-F687-4f45-9708-019B960494DF}">
-                  <a14:hiddenLine xmlns:a14="http://schemas.microsoft.com/office/drawing/2010/main" xmlns="" w="9525">
+                  <a14:hiddenLine xmlns="" xmlns:a14="http://schemas.microsoft.com/office/drawing/2010/main" w="9525">
                     <a:solidFill>
                       <a:srgbClr val="000000"/>
                     </a:solidFill>
@@ -10512,7 +10517,7 @@
               </a:ln>
               <a:extLst>
                 <a:ext uri="{91240B29-F687-4f45-9708-019B960494DF}">
-                  <a14:hiddenLine xmlns:a14="http://schemas.microsoft.com/office/drawing/2010/main" xmlns="" w="9525">
+                  <a14:hiddenLine xmlns="" xmlns:a14="http://schemas.microsoft.com/office/drawing/2010/main" w="9525">
                     <a:solidFill>
                       <a:srgbClr val="000000"/>
                     </a:solidFill>
@@ -10577,7 +10582,7 @@
               </a:ln>
               <a:extLst>
                 <a:ext uri="{91240B29-F687-4f45-9708-019B960494DF}">
-                  <a14:hiddenLine xmlns:a14="http://schemas.microsoft.com/office/drawing/2010/main" xmlns="" w="9525">
+                  <a14:hiddenLine xmlns="" xmlns:a14="http://schemas.microsoft.com/office/drawing/2010/main" w="9525">
                     <a:solidFill>
                       <a:srgbClr val="000000"/>
                     </a:solidFill>
@@ -10639,7 +10644,7 @@
               </a:ln>
               <a:extLst>
                 <a:ext uri="{91240B29-F687-4f45-9708-019B960494DF}">
-                  <a14:hiddenLine xmlns:a14="http://schemas.microsoft.com/office/drawing/2010/main" xmlns="" w="9525">
+                  <a14:hiddenLine xmlns="" xmlns:a14="http://schemas.microsoft.com/office/drawing/2010/main" w="9525">
                     <a:solidFill>
                       <a:srgbClr val="000000"/>
                     </a:solidFill>
@@ -10729,7 +10734,7 @@
               </a:ln>
               <a:extLst>
                 <a:ext uri="{91240B29-F687-4f45-9708-019B960494DF}">
-                  <a14:hiddenLine xmlns:a14="http://schemas.microsoft.com/office/drawing/2010/main" xmlns="" w="9525">
+                  <a14:hiddenLine xmlns="" xmlns:a14="http://schemas.microsoft.com/office/drawing/2010/main" w="9525">
                     <a:solidFill>
                       <a:srgbClr val="000000"/>
                     </a:solidFill>
@@ -10819,7 +10824,7 @@
               </a:ln>
               <a:extLst>
                 <a:ext uri="{91240B29-F687-4f45-9708-019B960494DF}">
-                  <a14:hiddenLine xmlns:a14="http://schemas.microsoft.com/office/drawing/2010/main" xmlns="" w="9525">
+                  <a14:hiddenLine xmlns="" xmlns:a14="http://schemas.microsoft.com/office/drawing/2010/main" w="9525">
                     <a:solidFill>
                       <a:srgbClr val="000000"/>
                     </a:solidFill>
@@ -10884,7 +10889,7 @@
               </a:ln>
               <a:extLst>
                 <a:ext uri="{91240B29-F687-4f45-9708-019B960494DF}">
-                  <a14:hiddenLine xmlns:a14="http://schemas.microsoft.com/office/drawing/2010/main" xmlns="" w="9525">
+                  <a14:hiddenLine xmlns="" xmlns:a14="http://schemas.microsoft.com/office/drawing/2010/main" w="9525">
                     <a:solidFill>
                       <a:srgbClr val="000000"/>
                     </a:solidFill>
@@ -11004,7 +11009,7 @@
               </a:ln>
               <a:extLst>
                 <a:ext uri="{91240B29-F687-4f45-9708-019B960494DF}">
-                  <a14:hiddenLine xmlns:a14="http://schemas.microsoft.com/office/drawing/2010/main" xmlns="" w="9525">
+                  <a14:hiddenLine xmlns="" xmlns:a14="http://schemas.microsoft.com/office/drawing/2010/main" w="9525">
                     <a:solidFill>
                       <a:srgbClr val="000000"/>
                     </a:solidFill>
@@ -11085,7 +11090,7 @@
               </a:ln>
               <a:extLst>
                 <a:ext uri="{91240B29-F687-4f45-9708-019B960494DF}">
-                  <a14:hiddenLine xmlns:a14="http://schemas.microsoft.com/office/drawing/2010/main" xmlns="" w="9525">
+                  <a14:hiddenLine xmlns="" xmlns:a14="http://schemas.microsoft.com/office/drawing/2010/main" w="9525">
                     <a:solidFill>
                       <a:srgbClr val="000000"/>
                     </a:solidFill>
@@ -11200,7 +11205,7 @@
               </a:ln>
               <a:extLst>
                 <a:ext uri="{91240B29-F687-4f45-9708-019B960494DF}">
-                  <a14:hiddenLine xmlns:a14="http://schemas.microsoft.com/office/drawing/2010/main" xmlns="" w="9525">
+                  <a14:hiddenLine xmlns="" xmlns:a14="http://schemas.microsoft.com/office/drawing/2010/main" w="9525">
                     <a:solidFill>
                       <a:srgbClr val="000000"/>
                     </a:solidFill>
@@ -11290,7 +11295,7 @@
               </a:ln>
               <a:extLst>
                 <a:ext uri="{91240B29-F687-4f45-9708-019B960494DF}">
-                  <a14:hiddenLine xmlns:a14="http://schemas.microsoft.com/office/drawing/2010/main" xmlns="" w="9525">
+                  <a14:hiddenLine xmlns="" xmlns:a14="http://schemas.microsoft.com/office/drawing/2010/main" w="9525">
                     <a:solidFill>
                       <a:srgbClr val="000000"/>
                     </a:solidFill>
@@ -11355,7 +11360,7 @@
               </a:ln>
               <a:extLst>
                 <a:ext uri="{91240B29-F687-4f45-9708-019B960494DF}">
-                  <a14:hiddenLine xmlns:a14="http://schemas.microsoft.com/office/drawing/2010/main" xmlns="" w="9525">
+                  <a14:hiddenLine xmlns="" xmlns:a14="http://schemas.microsoft.com/office/drawing/2010/main" w="9525">
                     <a:solidFill>
                       <a:srgbClr val="000000"/>
                     </a:solidFill>
@@ -11445,7 +11450,7 @@
               </a:ln>
               <a:extLst>
                 <a:ext uri="{91240B29-F687-4f45-9708-019B960494DF}">
-                  <a14:hiddenLine xmlns:a14="http://schemas.microsoft.com/office/drawing/2010/main" xmlns="" w="9525">
+                  <a14:hiddenLine xmlns="" xmlns:a14="http://schemas.microsoft.com/office/drawing/2010/main" w="9525">
                     <a:solidFill>
                       <a:srgbClr val="000000"/>
                     </a:solidFill>
@@ -11513,7 +11518,7 @@
               </a:ln>
               <a:extLst>
                 <a:ext uri="{91240B29-F687-4f45-9708-019B960494DF}">
-                  <a14:hiddenLine xmlns:a14="http://schemas.microsoft.com/office/drawing/2010/main" xmlns="" w="9525">
+                  <a14:hiddenLine xmlns="" xmlns:a14="http://schemas.microsoft.com/office/drawing/2010/main" w="9525">
                     <a:solidFill>
                       <a:srgbClr val="000000"/>
                     </a:solidFill>
@@ -11603,7 +11608,7 @@
               </a:ln>
               <a:extLst>
                 <a:ext uri="{91240B29-F687-4f45-9708-019B960494DF}">
-                  <a14:hiddenLine xmlns:a14="http://schemas.microsoft.com/office/drawing/2010/main" xmlns="" w="9525">
+                  <a14:hiddenLine xmlns="" xmlns:a14="http://schemas.microsoft.com/office/drawing/2010/main" w="9525">
                     <a:solidFill>
                       <a:srgbClr val="000000"/>
                     </a:solidFill>
@@ -11671,7 +11676,7 @@
               </a:ln>
               <a:extLst>
                 <a:ext uri="{91240B29-F687-4f45-9708-019B960494DF}">
-                  <a14:hiddenLine xmlns:a14="http://schemas.microsoft.com/office/drawing/2010/main" xmlns="" w="9525">
+                  <a14:hiddenLine xmlns="" xmlns:a14="http://schemas.microsoft.com/office/drawing/2010/main" w="9525">
                     <a:solidFill>
                       <a:srgbClr val="000000"/>
                     </a:solidFill>
@@ -11761,7 +11766,7 @@
               </a:ln>
               <a:extLst>
                 <a:ext uri="{91240B29-F687-4f45-9708-019B960494DF}">
-                  <a14:hiddenLine xmlns:a14="http://schemas.microsoft.com/office/drawing/2010/main" xmlns="" w="9525">
+                  <a14:hiddenLine xmlns="" xmlns:a14="http://schemas.microsoft.com/office/drawing/2010/main" w="9525">
                     <a:solidFill>
                       <a:srgbClr val="000000"/>
                     </a:solidFill>
@@ -11795,7 +11800,7 @@
               </a:ln>
               <a:extLst>
                 <a:ext uri="{91240B29-F687-4f45-9708-019B960494DF}">
-                  <a14:hiddenLine xmlns:a14="http://schemas.microsoft.com/office/drawing/2010/main" xmlns="" w="9525">
+                  <a14:hiddenLine xmlns="" xmlns:a14="http://schemas.microsoft.com/office/drawing/2010/main" w="9525">
                     <a:solidFill>
                       <a:srgbClr val="000000"/>
                     </a:solidFill>
@@ -11936,7 +11941,7 @@
             <a:fld id="{48A87A34-81AB-432B-8DAE-1953F412C126}" type="datetimeFigureOut">
               <a:rPr lang="en-US" dirty="0"/>
               <a:pPr/>
-              <a:t>11/19/2020</a:t>
+              <a:t>11/20/2020</a:t>
             </a:fld>
             <a:endParaRPr lang="en-US" dirty="0"/>
           </a:p>
@@ -12631,14 +12636,26 @@
           <a:lstStyle/>
           <a:p>
             <a:r>
-              <a:rPr lang="pt-PT" dirty="0"/>
+              <a:rPr lang="pt-PT" dirty="0">
+                <a:solidFill>
+                  <a:schemeClr val="bg1"/>
+                </a:solidFill>
+              </a:rPr>
               <a:t>Funcionalidades </a:t>
             </a:r>
             <a:r>
-              <a:rPr lang="pt-PT" dirty="0" err="1"/>
+              <a:rPr lang="pt-PT" dirty="0" err="1">
+                <a:solidFill>
+                  <a:schemeClr val="bg1"/>
+                </a:solidFill>
+              </a:rPr>
               <a:t>IMplementadas</a:t>
             </a:r>
-            <a:endParaRPr lang="pt-PT" dirty="0"/>
+            <a:endParaRPr lang="pt-PT" dirty="0">
+              <a:solidFill>
+                <a:schemeClr val="bg1"/>
+              </a:solidFill>
+            </a:endParaRPr>
           </a:p>
         </p:txBody>
       </p:sp>
@@ -14106,7 +14123,15 @@
           <a:p>
             <a:r>
               <a:rPr lang="pt-PT" sz="3600" dirty="0"/>
-              <a:t>http://www.plantuml.com/plantuml/svg/jLhFSjms3x_xANZQaJRAmJuxddn9linunaxIr4sdfmujqOfghRYbjCvutFRPIvDO0YIurgwJdYpYpuy0218Wrw_7IPffi-gFwbwEetXhHrA_DQhf9YqUZeHuASR9T4ChXitASntndPoKk9DzryX6MSgBMBKeCxGKg0eeEUb6RwvxnzMc4dEwm6_Lz64hKfIYriCuEVwTxXen8fTRKqPoNy2r8dBKopXIYp9y8iiy7svqeUqaIguMGcz5_ZuAaPvKgqqduo3hbGeSXnT6HPcCYGgB0ON9nC5BS8HhhNkXryh8IHlnwfKe0efOr2SbCR_lr30fPZpG7RaR9XTUFLZ-zSOE2Vl55g8een71ghO8EVSEyCgYEAtOb0m0bycu07dIcMaZUpJABpZ5l37MeoOJKt1r8UhZIk3WfAHg8NM2wkcfA80g5ZfeseKvvWlpMRNTECb6RrT8JbszZQSo6iJ683U69UiQkgXg9RkUh10Y5sMUp5Sm3c0LGSVRxhmfl0bavHoL1XPZ_lz7XDn20eTDb5ylbWFP0Fbag0qrRRSms_3lv7QxR8QnQmVLE8nx9Gsdhcoyld9o8-yTSINNftRimdlcXSVVBT5PvcOgIlATObIPoIfkbeS8SRcKQq3rETsDxW1CQ1VAYj6m9iQs5iZPUvdAHVDRiT-i2IY1bW07hMJQOPAiEh22vpi0tidxdBfdG211zOcacjtEGAsyZgyj2qZ__15YzIBPuqJt19Lpvy-ijX02i_QzDeEgLMDLsLcFF3yXZekIKTYfd9pdA9gFEZlQqSOB_OTyturTBMCRUrrZW-8tpIUZcysabv2CuwJhMwUg_Mm8LPICmc3f1f5D0-35TXAnzX_-5Fnp8uV9gObNufYg6hNITohH5ijvRSZKdz4BeftitejWDVE3BmWAHuknCvV82YpwasHfFWvzDoZnyEGYU24dSgTgYtvwPUGmobhgvPcO_BTMexS3OOkIKNBwKJ2-wc__w_khW8a-vbOJ8_hSTTnp1S5yp1wGoVXZLURC3-95-1BBYPixBuUnkD8PwQMOAe567nIaZpVV3pXgCmNTD_Ua-47NuxEsrgkrD0h31g8-WUdauKIa0Q59VNdzgxmN3xJ7lLAzyyjtIbwYAEa012ajkU944jXV87R-O8ma8eozxoANctxghkLGQ-ALKJVAgA66UmWHAaf6YHKudtfwfIVPLoAZWavz3emCD4O7nLXicEDYmHt_95kvKaEuwb8p7H9A56L2u3ubFdnvP10fO0EX1O7OSBXMxEq0R1CmdxRlj523bATJipq5xtXrTFK4T7GTXgp1xvgAm5OvG838D_Hf-p-eR-SDxnBGazqjGiR6sRZFhnawPDN380-1R7ftbjC-BLrOpyKwd498shEncy70vFcirlgnPeVq8MMy3v-UbVOqdXgVp9xc-iX6JZw7S9AYJ0bqkfkdZlmAGPCzXX0n6eWHMak5yol7-pU02OGMXR88FmMJYzY3EFrHB8893qlsRzP4u42dZj7Wzu_vbWqNtz3d0wnva1Fnoy6rCXzli8Pw4UJvCU_ndaoIbw75sIgTRRCC9c0dhIV3hNifQlBeX0VqKapTMeUX3mVs6sLA03Ynh2kyXitBLDpwnTsp5Ikq7tjuaXSgbnV0eKOZ2sOc5dW135-BGljqmalnx4xui6vvPkkWIZOaMAZXAzhHI6gfA4725iobDh9OCO6aH8ceDtrpRqKsDhIC_a6kSkJ7uXWRmFOTdIhNvK9eHfWxBWnBWOK1IIVbFDXvCuiabdiWWUlxO-tx9ieQzyKqMpEPnd4EvYGz8xUD9voJzA7a9dn-P-sC9YhA795CkpYmXXBLLarpxo_8Z-Syj4JcY-mFBtwuMcyszn_qD_6GgpGYBZN83uVbsRQunFpGsfrXYnjBXFfw9ep_r0a6jYDdhjqQ_G24oCj97pvdKyskERodt2Q4osw8Pe_Io3-nu1YUMNpeYZ8QPQnVsFQD66p7kgAcL94PpuDxmknWzVoa_r2NiCBbUtPUhV9oFtu_eMMyUliFRXj8pFxymZLdvl0d-5TLtwQ22nJyhv-Uo7d1WGvgt1z3KkkcQpLT5zwBeSgE5pQyo60llJ3RpyID_4N5PZhtPYzHZCnEyVb7j1auzaxyx7U-7smZlfGURip-sknzzfRc0VBWXCbjSzJ4NvVmX2gfA08bia1D8X5t0T58B4Lsiyqhv4gJlpXZTQ9kvY_O-ToXQacLzPiD1ZW1lwJiUy8XG5H7BGIES9h3tzZpjGWqa9JLmiR0AS28JP5_SGBNiUU8T7XlGdKpfvZhJ8pBkoBzXGHzPopOERiPJzcRg0HHZWRBpHaOCtPxIYy-E_dvorTqrIdJ7lANSzz5mb1S3quzS2EuP0YLCcayLjtGsH39Hfk8qokp8p1gh8swusnKPAk3QYaJbLYiKIbbeX8z5hAAN82RYJloAGaFafs4YwL0QRuW9zskX7kX36u1dmiX2rvkKm18ZmISdX3HEIJYrYOq236XO5E8H7oq8xJ8XwCWOLdkIdKKyGCLZF0K2E4HcXk0vUDa-2Hr-fTbk1-lKYBzvpscWRy4UNDaOY1IyBcE0g8m1Ch3flzwTFHQ3SrcrVyB</a:t>
+              <a:t>http://www.plantuml.com/plantuml/svg/jLhFSjms3x_xANZQaJRAmJuxddn9linunaxIr4sdfmujqOfghRYbjCvutFRPIvDO0YIurgwJdYpYpuy0218Wrw_7IPffi-gFwbwEetXhHrA_DQhf9YqUZeHuASR9T4ChXitASntndPoKk9DzryX6MSgBMBKeCxGKg0eeEUb6RwvxnzMc4dEwm6_Lz64hKfIYriCuEVwTxXen8fTRKqPoNy2r8dBKopXIYp9y8iiy7svqeUqaIguMGcz5_ZuAaPvKgqqduo3hbGeSXnT6HPcCYGgB0ON9nC5BS8HhhNkXryh8IHlnwfKe0efOr2SbCR_lr30fPZpG7RaR9XTUFLZ-zSOE2Vl55g8een71ghO8EVSEyCgYEAtOb0m0bycu07dIcMaZUpJABpZ5l37MeoOJKt1r8UhZIk3WfAHg8NM2wkcfA80g5ZfeseKvvWlpMRNTECb6RrT8JbszZQSo6iJ683U69UiQkgXg9RkUh10Y5sMUp5Sm3c0LGSVRxhmfl0bavHoL1XPZ_lz7XDn20eTDb5ylbWFP0Fbag0qrRRSms_3lv7QxR8QnQmVLE8nx9Gsdhcoyld9o8-yTSINNftRimdlcXSVVBT5PvcOgIlATObIPoIfkbeS8SRcKQq3rETsDxW1CQ1VAYj6m9iQs5iZPUvdAHVDRiT-i2IY1bW07hMJQOPAiEh22vpi0tidxdBfdG211zOcacjtEGAsyZgyj2qZ__15YzIBPuqJt19Lpvy-ijX02i_QzDeEgLMDLsLcFF3yXZekIKTYfd9pdA9gFEZlQqSOB_OTyturTBMCRUrrZW-8tpIUZcysabv2CuwJhMwUg_Mm8LPICmc3f1f5D0-35TXAnzX_-5Fnp8uV9gObNufYg6hNITohH5ijvRSZKdz4BeftitejWDVE3BmWAHuknCvV82YpwasHfFWvzDoZnyEGYU24dSgTgYtvwPUGmobhgvPcO_BTMexS3OOkIKNBwKJ2-wc__w_khW8a-vbOJ8_hSTTnp1S5yp1wGoVXZLURC3-95-1BBYPixBuUnkD8PwQMOAe567nIaZpVV3pXgCmNTD_Ua-47NuxEsrgkrD0h31g8-WUdauKIa0Q59VNdzgxmN3xJ7lLAzyyjtIbwYAEa012ajkU944jXV87R-O8ma8eozxoANctxghkLGQ-ALKJVAgA66UmWHAaf6YHKudtfwfIVPLoAZWavz3emCD4O7nLXicEDYmHt_95kvKaEuwb8p7H9A56L2u3ubFdnvP10fO0EX1O7OSBXMxEq0R1CmdxRlj523bATJipq5xtXrTFK4T7GTXgp1xvgAm5OvG838D_Hf-p-eR-SDxnBGazqjGiR6sRZFhnawPDN380-1R7ftbjC-BLrOpyKwd498shEncy70vFcirlgnPeVq8MMy3v-UbVOqdXgVp9xc-iX6JZw7S9AYJ0bqkfkdZlmAGPCzXX0n6eWHMak5yol7-pU02OGMXR88FmMJYzY3EFrHB8893qlsRzP4u42dZj7Wzu_vbWqNtz3d0wnva1Fnoy6rCXzli8Pw4UJvCU_</a:t>
+            </a:r>
+            <a:r>
+              <a:rPr lang="pt-PT" sz="3600" u="sng" dirty="0"/>
+              <a:t>ndaoIbw75sIgTRRCC9c0dhIV3hNifQlBeX0VqKapTMeUX3mVs6sLA03Ynh2kyXitBLDpwnTsp5Ikq7tjuaXSgbnV0eKOZ2sOc5dW135-BGljqmalnx4xui6vvPkkWIZOaMAZXAzhHI6gfA4725iobDh9OCO6aH8ceDtrpRqKsDhIC</a:t>
+            </a:r>
+            <a:r>
+              <a:rPr lang="pt-PT" sz="3600" dirty="0"/>
+              <a:t>_a6kSkJ7uXWRmFOTdIhNvK9eHfWxBWnBWOK1IIVbFDXvCuiabdiWWUlxO-tx9ieQzyKqMpEPnd4EvYGz8xUD9voJzA7a9dn-P-sC9YhA795CkpYmXXBLLarpxo_8Z-Syj4JcY-mFBtwuMcyszn_qD_6GgpGYBZN83uVbsRQunFpGsfrXYnjBXFfw9ep_r0a6jYDdhjqQ_G24oCj97pvdKyskERodt2Q4osw8Pe_Io3-nu1YUMNpeYZ8QPQnVsFQD66p7kgAcL94PpuDxmknWzVoa_r2NiCBbUtPUhV9oFtu_eMMyUliFRXj8pFxymZLdvl0d-5TLtwQ22nJyhv-Uo7d1WGvgt1z3KkkcQpLT5zwBeSgE5pQyo60llJ3RpyID_4N5PZhtPYzHZCnEyVb7j1auzaxyx7U-7smZlfGURip-sknzzfRc0VBWXCbjSzJ4NvVmX2gfA08bia1D8X5t0T58B4Lsiyqhv4gJlpXZTQ9kvY_O-ToXQacLzPiD1ZW1lwJiUy8XG5H7BGIES9h3tzZpjGWqa9JLmiR0AS28JP5_SGBNiUU8T7XlGdKpfvZhJ8pBkoBzXGHzPopOERiPJzcRg0HHZWRBpHaOCtPxIYy-E_dvorTqrIdJ7lANSzz5mb1S3quzS2EuP0YLCcayLjtGsH39Hfk8qokp8p1gh8swusnKPAk3QYaJbLYiKIbbeX8z5hAAN82RYJloAGaFafs4YwL0QRuW9zskX7kX36u1dmiX2rvkKm18ZmISdX3HEIJYrYOq236XO5E8H7oq8xJ8XwCWOLdkIdKKyGCLZF0K2E4HcXk0vUDa-2Hr-fTbk1-lKYBzvpscWRy4UNDaOY1IyBcE0g8m1Ch3flzwTFHQ3SrcrVyB</a:t>
             </a:r>
           </a:p>
           <a:p>

--- a/Diagrama Classes e Site/Apresentacao Projeto 1.pptx
+++ b/Diagrama Classes e Site/Apresentacao Projeto 1.pptx
@@ -19,6 +19,7 @@
     <p:sldId id="264" r:id="rId13"/>
     <p:sldId id="265" r:id="rId14"/>
     <p:sldId id="266" r:id="rId15"/>
+    <p:sldId id="270" r:id="rId16"/>
   </p:sldIdLst>
   <p:sldSz cx="12192000" cy="6858000"/>
   <p:notesSz cx="6858000" cy="9144000"/>
@@ -182,7 +183,7 @@
           <a:noFill/>
           <a:extLst>
             <a:ext uri="{909E8E84-426E-40dd-AFC4-6F175D3DCCD1}">
-              <a14:hiddenFill xmlns="" xmlns:a14="http://schemas.microsoft.com/office/drawing/2010/main">
+              <a14:hiddenFill xmlns:a14="http://schemas.microsoft.com/office/drawing/2010/main" xmlns="">
                 <a:solidFill>
                   <a:srgbClr val="FFFFFF"/>
                 </a:solidFill>
@@ -241,7 +242,7 @@
             </a:ln>
             <a:extLst>
               <a:ext uri="{91240B29-F687-4f45-9708-019B960494DF}">
-                <a14:hiddenLine xmlns="" xmlns:a14="http://schemas.microsoft.com/office/drawing/2010/main" w="9525">
+                <a14:hiddenLine xmlns:a14="http://schemas.microsoft.com/office/drawing/2010/main" xmlns="" w="9525">
                   <a:solidFill>
                     <a:srgbClr val="000000"/>
                   </a:solidFill>
@@ -331,7 +332,7 @@
             </a:ln>
             <a:extLst>
               <a:ext uri="{91240B29-F687-4f45-9708-019B960494DF}">
-                <a14:hiddenLine xmlns="" xmlns:a14="http://schemas.microsoft.com/office/drawing/2010/main" w="9525">
+                <a14:hiddenLine xmlns:a14="http://schemas.microsoft.com/office/drawing/2010/main" xmlns="" w="9525">
                   <a:solidFill>
                     <a:srgbClr val="000000"/>
                   </a:solidFill>
@@ -421,7 +422,7 @@
             </a:ln>
             <a:extLst>
               <a:ext uri="{91240B29-F687-4f45-9708-019B960494DF}">
-                <a14:hiddenLine xmlns="" xmlns:a14="http://schemas.microsoft.com/office/drawing/2010/main" w="9525">
+                <a14:hiddenLine xmlns:a14="http://schemas.microsoft.com/office/drawing/2010/main" xmlns="" w="9525">
                   <a:solidFill>
                     <a:srgbClr val="000000"/>
                   </a:solidFill>
@@ -455,7 +456,7 @@
             </a:ln>
             <a:extLst>
               <a:ext uri="{91240B29-F687-4f45-9708-019B960494DF}">
-                <a14:hiddenLine xmlns="" xmlns:a14="http://schemas.microsoft.com/office/drawing/2010/main" w="9525">
+                <a14:hiddenLine xmlns:a14="http://schemas.microsoft.com/office/drawing/2010/main" xmlns="" w="9525">
                   <a:solidFill>
                     <a:srgbClr val="000000"/>
                   </a:solidFill>
@@ -545,7 +546,7 @@
             </a:ln>
             <a:extLst>
               <a:ext uri="{91240B29-F687-4f45-9708-019B960494DF}">
-                <a14:hiddenLine xmlns="" xmlns:a14="http://schemas.microsoft.com/office/drawing/2010/main" w="9525">
+                <a14:hiddenLine xmlns:a14="http://schemas.microsoft.com/office/drawing/2010/main" xmlns="" w="9525">
                   <a:solidFill>
                     <a:srgbClr val="000000"/>
                   </a:solidFill>
@@ -607,7 +608,7 @@
             </a:ln>
             <a:extLst>
               <a:ext uri="{91240B29-F687-4f45-9708-019B960494DF}">
-                <a14:hiddenLine xmlns="" xmlns:a14="http://schemas.microsoft.com/office/drawing/2010/main" w="9525">
+                <a14:hiddenLine xmlns:a14="http://schemas.microsoft.com/office/drawing/2010/main" xmlns="" w="9525">
                   <a:solidFill>
                     <a:srgbClr val="000000"/>
                   </a:solidFill>
@@ -669,7 +670,7 @@
             </a:ln>
             <a:extLst>
               <a:ext uri="{91240B29-F687-4f45-9708-019B960494DF}">
-                <a14:hiddenLine xmlns="" xmlns:a14="http://schemas.microsoft.com/office/drawing/2010/main" w="9525">
+                <a14:hiddenLine xmlns:a14="http://schemas.microsoft.com/office/drawing/2010/main" xmlns="" w="9525">
                   <a:solidFill>
                     <a:srgbClr val="000000"/>
                   </a:solidFill>
@@ -759,7 +760,7 @@
             </a:ln>
             <a:extLst>
               <a:ext uri="{91240B29-F687-4f45-9708-019B960494DF}">
-                <a14:hiddenLine xmlns="" xmlns:a14="http://schemas.microsoft.com/office/drawing/2010/main" w="9525">
+                <a14:hiddenLine xmlns:a14="http://schemas.microsoft.com/office/drawing/2010/main" xmlns="" w="9525">
                   <a:solidFill>
                     <a:srgbClr val="000000"/>
                   </a:solidFill>
@@ -821,7 +822,7 @@
             </a:ln>
             <a:extLst>
               <a:ext uri="{91240B29-F687-4f45-9708-019B960494DF}">
-                <a14:hiddenLine xmlns="" xmlns:a14="http://schemas.microsoft.com/office/drawing/2010/main" w="9525">
+                <a14:hiddenLine xmlns:a14="http://schemas.microsoft.com/office/drawing/2010/main" xmlns="" w="9525">
                   <a:solidFill>
                     <a:srgbClr val="000000"/>
                   </a:solidFill>
@@ -883,7 +884,7 @@
             </a:ln>
             <a:extLst>
               <a:ext uri="{91240B29-F687-4f45-9708-019B960494DF}">
-                <a14:hiddenLine xmlns="" xmlns:a14="http://schemas.microsoft.com/office/drawing/2010/main" w="9525">
+                <a14:hiddenLine xmlns:a14="http://schemas.microsoft.com/office/drawing/2010/main" xmlns="" w="9525">
                   <a:solidFill>
                     <a:srgbClr val="000000"/>
                   </a:solidFill>
@@ -973,7 +974,7 @@
             </a:ln>
             <a:extLst>
               <a:ext uri="{91240B29-F687-4f45-9708-019B960494DF}">
-                <a14:hiddenLine xmlns="" xmlns:a14="http://schemas.microsoft.com/office/drawing/2010/main" w="9525">
+                <a14:hiddenLine xmlns:a14="http://schemas.microsoft.com/office/drawing/2010/main" xmlns="" w="9525">
                   <a:solidFill>
                     <a:srgbClr val="000000"/>
                   </a:solidFill>
@@ -1063,7 +1064,7 @@
             </a:ln>
             <a:extLst>
               <a:ext uri="{91240B29-F687-4f45-9708-019B960494DF}">
-                <a14:hiddenLine xmlns="" xmlns:a14="http://schemas.microsoft.com/office/drawing/2010/main" w="9525">
+                <a14:hiddenLine xmlns:a14="http://schemas.microsoft.com/office/drawing/2010/main" xmlns="" w="9525">
                   <a:solidFill>
                     <a:srgbClr val="000000"/>
                   </a:solidFill>
@@ -1125,7 +1126,7 @@
             </a:ln>
             <a:extLst>
               <a:ext uri="{91240B29-F687-4f45-9708-019B960494DF}">
-                <a14:hiddenLine xmlns="" xmlns:a14="http://schemas.microsoft.com/office/drawing/2010/main" w="9525">
+                <a14:hiddenLine xmlns:a14="http://schemas.microsoft.com/office/drawing/2010/main" xmlns="" w="9525">
                   <a:solidFill>
                     <a:srgbClr val="000000"/>
                   </a:solidFill>
@@ -1235,7 +1236,7 @@
             </a:ln>
             <a:extLst>
               <a:ext uri="{91240B29-F687-4f45-9708-019B960494DF}">
-                <a14:hiddenLine xmlns="" xmlns:a14="http://schemas.microsoft.com/office/drawing/2010/main" w="9525">
+                <a14:hiddenLine xmlns:a14="http://schemas.microsoft.com/office/drawing/2010/main" xmlns="" w="9525">
                   <a:solidFill>
                     <a:srgbClr val="000000"/>
                   </a:solidFill>
@@ -1297,7 +1298,7 @@
             </a:ln>
             <a:extLst>
               <a:ext uri="{91240B29-F687-4f45-9708-019B960494DF}">
-                <a14:hiddenLine xmlns="" xmlns:a14="http://schemas.microsoft.com/office/drawing/2010/main" w="9525">
+                <a14:hiddenLine xmlns:a14="http://schemas.microsoft.com/office/drawing/2010/main" xmlns="" w="9525">
                   <a:solidFill>
                     <a:srgbClr val="000000"/>
                   </a:solidFill>
@@ -1387,7 +1388,7 @@
             </a:ln>
             <a:extLst>
               <a:ext uri="{91240B29-F687-4f45-9708-019B960494DF}">
-                <a14:hiddenLine xmlns="" xmlns:a14="http://schemas.microsoft.com/office/drawing/2010/main" w="9525">
+                <a14:hiddenLine xmlns:a14="http://schemas.microsoft.com/office/drawing/2010/main" xmlns="" w="9525">
                   <a:solidFill>
                     <a:srgbClr val="000000"/>
                   </a:solidFill>
@@ -1477,7 +1478,7 @@
             </a:ln>
             <a:extLst>
               <a:ext uri="{91240B29-F687-4f45-9708-019B960494DF}">
-                <a14:hiddenLine xmlns="" xmlns:a14="http://schemas.microsoft.com/office/drawing/2010/main" w="9525">
+                <a14:hiddenLine xmlns:a14="http://schemas.microsoft.com/office/drawing/2010/main" xmlns="" w="9525">
                   <a:solidFill>
                     <a:srgbClr val="000000"/>
                   </a:solidFill>
@@ -1539,7 +1540,7 @@
             </a:ln>
             <a:extLst>
               <a:ext uri="{91240B29-F687-4f45-9708-019B960494DF}">
-                <a14:hiddenLine xmlns="" xmlns:a14="http://schemas.microsoft.com/office/drawing/2010/main" w="9525">
+                <a14:hiddenLine xmlns:a14="http://schemas.microsoft.com/office/drawing/2010/main" xmlns="" w="9525">
                   <a:solidFill>
                     <a:srgbClr val="000000"/>
                   </a:solidFill>
@@ -1629,7 +1630,7 @@
             </a:ln>
             <a:extLst>
               <a:ext uri="{91240B29-F687-4f45-9708-019B960494DF}">
-                <a14:hiddenLine xmlns="" xmlns:a14="http://schemas.microsoft.com/office/drawing/2010/main" w="9525">
+                <a14:hiddenLine xmlns:a14="http://schemas.microsoft.com/office/drawing/2010/main" xmlns="" w="9525">
                   <a:solidFill>
                     <a:srgbClr val="000000"/>
                   </a:solidFill>
@@ -1719,7 +1720,7 @@
             </a:ln>
             <a:extLst>
               <a:ext uri="{91240B29-F687-4f45-9708-019B960494DF}">
-                <a14:hiddenLine xmlns="" xmlns:a14="http://schemas.microsoft.com/office/drawing/2010/main" w="9525">
+                <a14:hiddenLine xmlns:a14="http://schemas.microsoft.com/office/drawing/2010/main" xmlns="" w="9525">
                   <a:solidFill>
                     <a:srgbClr val="000000"/>
                   </a:solidFill>
@@ -1775,7 +1776,7 @@
             </a:ln>
             <a:extLst>
               <a:ext uri="{91240B29-F687-4f45-9708-019B960494DF}">
-                <a14:hiddenLine xmlns="" xmlns:a14="http://schemas.microsoft.com/office/drawing/2010/main" w="9525">
+                <a14:hiddenLine xmlns:a14="http://schemas.microsoft.com/office/drawing/2010/main" xmlns="" w="9525">
                   <a:solidFill>
                     <a:srgbClr val="000000"/>
                   </a:solidFill>
@@ -1865,7 +1866,7 @@
             </a:ln>
             <a:extLst>
               <a:ext uri="{91240B29-F687-4f45-9708-019B960494DF}">
-                <a14:hiddenLine xmlns="" xmlns:a14="http://schemas.microsoft.com/office/drawing/2010/main" w="9525">
+                <a14:hiddenLine xmlns:a14="http://schemas.microsoft.com/office/drawing/2010/main" xmlns="" w="9525">
                   <a:solidFill>
                     <a:srgbClr val="000000"/>
                   </a:solidFill>
@@ -1921,7 +1922,7 @@
             </a:ln>
             <a:extLst>
               <a:ext uri="{91240B29-F687-4f45-9708-019B960494DF}">
-                <a14:hiddenLine xmlns="" xmlns:a14="http://schemas.microsoft.com/office/drawing/2010/main" w="9525">
+                <a14:hiddenLine xmlns:a14="http://schemas.microsoft.com/office/drawing/2010/main" xmlns="" w="9525">
                   <a:solidFill>
                     <a:srgbClr val="000000"/>
                   </a:solidFill>
@@ -2011,7 +2012,7 @@
             </a:ln>
             <a:extLst>
               <a:ext uri="{91240B29-F687-4f45-9708-019B960494DF}">
-                <a14:hiddenLine xmlns="" xmlns:a14="http://schemas.microsoft.com/office/drawing/2010/main" w="9525">
+                <a14:hiddenLine xmlns:a14="http://schemas.microsoft.com/office/drawing/2010/main" xmlns="" w="9525">
                   <a:solidFill>
                     <a:srgbClr val="000000"/>
                   </a:solidFill>
@@ -2079,7 +2080,7 @@
             </a:ln>
             <a:extLst>
               <a:ext uri="{91240B29-F687-4f45-9708-019B960494DF}">
-                <a14:hiddenLine xmlns="" xmlns:a14="http://schemas.microsoft.com/office/drawing/2010/main" w="9525">
+                <a14:hiddenLine xmlns:a14="http://schemas.microsoft.com/office/drawing/2010/main" xmlns="" w="9525">
                   <a:solidFill>
                     <a:srgbClr val="000000"/>
                   </a:solidFill>
@@ -2169,7 +2170,7 @@
             </a:ln>
             <a:extLst>
               <a:ext uri="{91240B29-F687-4f45-9708-019B960494DF}">
-                <a14:hiddenLine xmlns="" xmlns:a14="http://schemas.microsoft.com/office/drawing/2010/main" w="9525">
+                <a14:hiddenLine xmlns:a14="http://schemas.microsoft.com/office/drawing/2010/main" xmlns="" w="9525">
                   <a:solidFill>
                     <a:srgbClr val="000000"/>
                   </a:solidFill>
@@ -2237,7 +2238,7 @@
             </a:ln>
             <a:extLst>
               <a:ext uri="{91240B29-F687-4f45-9708-019B960494DF}">
-                <a14:hiddenLine xmlns="" xmlns:a14="http://schemas.microsoft.com/office/drawing/2010/main" w="9525">
+                <a14:hiddenLine xmlns:a14="http://schemas.microsoft.com/office/drawing/2010/main" xmlns="" w="9525">
                   <a:solidFill>
                     <a:srgbClr val="000000"/>
                   </a:solidFill>
@@ -2327,7 +2328,7 @@
             </a:ln>
             <a:extLst>
               <a:ext uri="{91240B29-F687-4f45-9708-019B960494DF}">
-                <a14:hiddenLine xmlns="" xmlns:a14="http://schemas.microsoft.com/office/drawing/2010/main" w="9525">
+                <a14:hiddenLine xmlns:a14="http://schemas.microsoft.com/office/drawing/2010/main" xmlns="" w="9525">
                   <a:solidFill>
                     <a:srgbClr val="000000"/>
                   </a:solidFill>
@@ -2361,7 +2362,7 @@
             </a:ln>
             <a:extLst>
               <a:ext uri="{91240B29-F687-4f45-9708-019B960494DF}">
-                <a14:hiddenLine xmlns="" xmlns:a14="http://schemas.microsoft.com/office/drawing/2010/main" w="9525">
+                <a14:hiddenLine xmlns:a14="http://schemas.microsoft.com/office/drawing/2010/main" xmlns="" w="9525">
                   <a:solidFill>
                     <a:srgbClr val="000000"/>
                   </a:solidFill>
@@ -2451,7 +2452,7 @@
             </a:ln>
             <a:extLst>
               <a:ext uri="{91240B29-F687-4f45-9708-019B960494DF}">
-                <a14:hiddenLine xmlns="" xmlns:a14="http://schemas.microsoft.com/office/drawing/2010/main" w="9525">
+                <a14:hiddenLine xmlns:a14="http://schemas.microsoft.com/office/drawing/2010/main" xmlns="" w="9525">
                   <a:solidFill>
                     <a:srgbClr val="000000"/>
                   </a:solidFill>
@@ -2513,7 +2514,7 @@
             </a:ln>
             <a:extLst>
               <a:ext uri="{91240B29-F687-4f45-9708-019B960494DF}">
-                <a14:hiddenLine xmlns="" xmlns:a14="http://schemas.microsoft.com/office/drawing/2010/main" w="9525">
+                <a14:hiddenLine xmlns:a14="http://schemas.microsoft.com/office/drawing/2010/main" xmlns="" w="9525">
                   <a:solidFill>
                     <a:srgbClr val="000000"/>
                   </a:solidFill>
@@ -2575,7 +2576,7 @@
             </a:ln>
             <a:extLst>
               <a:ext uri="{91240B29-F687-4f45-9708-019B960494DF}">
-                <a14:hiddenLine xmlns="" xmlns:a14="http://schemas.microsoft.com/office/drawing/2010/main" w="9525">
+                <a14:hiddenLine xmlns:a14="http://schemas.microsoft.com/office/drawing/2010/main" xmlns="" w="9525">
                   <a:solidFill>
                     <a:srgbClr val="000000"/>
                   </a:solidFill>
@@ -2665,7 +2666,7 @@
             </a:ln>
             <a:extLst>
               <a:ext uri="{91240B29-F687-4f45-9708-019B960494DF}">
-                <a14:hiddenLine xmlns="" xmlns:a14="http://schemas.microsoft.com/office/drawing/2010/main" w="9525">
+                <a14:hiddenLine xmlns:a14="http://schemas.microsoft.com/office/drawing/2010/main" xmlns="" w="9525">
                   <a:solidFill>
                     <a:srgbClr val="000000"/>
                   </a:solidFill>
@@ -2733,7 +2734,7 @@
             </a:ln>
             <a:extLst>
               <a:ext uri="{91240B29-F687-4f45-9708-019B960494DF}">
-                <a14:hiddenLine xmlns="" xmlns:a14="http://schemas.microsoft.com/office/drawing/2010/main" w="9525">
+                <a14:hiddenLine xmlns:a14="http://schemas.microsoft.com/office/drawing/2010/main" xmlns="" w="9525">
                   <a:solidFill>
                     <a:srgbClr val="000000"/>
                   </a:solidFill>
@@ -2795,7 +2796,7 @@
             </a:ln>
             <a:extLst>
               <a:ext uri="{91240B29-F687-4f45-9708-019B960494DF}">
-                <a14:hiddenLine xmlns="" xmlns:a14="http://schemas.microsoft.com/office/drawing/2010/main" w="9525">
+                <a14:hiddenLine xmlns:a14="http://schemas.microsoft.com/office/drawing/2010/main" xmlns="" w="9525">
                   <a:solidFill>
                     <a:srgbClr val="000000"/>
                   </a:solidFill>
@@ -2885,7 +2886,7 @@
             </a:ln>
             <a:extLst>
               <a:ext uri="{91240B29-F687-4f45-9708-019B960494DF}">
-                <a14:hiddenLine xmlns="" xmlns:a14="http://schemas.microsoft.com/office/drawing/2010/main" w="9525">
+                <a14:hiddenLine xmlns:a14="http://schemas.microsoft.com/office/drawing/2010/main" xmlns="" w="9525">
                   <a:solidFill>
                     <a:srgbClr val="000000"/>
                   </a:solidFill>
@@ -2947,7 +2948,7 @@
             </a:ln>
             <a:extLst>
               <a:ext uri="{91240B29-F687-4f45-9708-019B960494DF}">
-                <a14:hiddenLine xmlns="" xmlns:a14="http://schemas.microsoft.com/office/drawing/2010/main" w="9525">
+                <a14:hiddenLine xmlns:a14="http://schemas.microsoft.com/office/drawing/2010/main" xmlns="" w="9525">
                   <a:solidFill>
                     <a:srgbClr val="000000"/>
                   </a:solidFill>
@@ -3037,7 +3038,7 @@
             </a:ln>
             <a:extLst>
               <a:ext uri="{91240B29-F687-4f45-9708-019B960494DF}">
-                <a14:hiddenLine xmlns="" xmlns:a14="http://schemas.microsoft.com/office/drawing/2010/main" w="9525">
+                <a14:hiddenLine xmlns:a14="http://schemas.microsoft.com/office/drawing/2010/main" xmlns="" w="9525">
                   <a:solidFill>
                     <a:srgbClr val="000000"/>
                   </a:solidFill>
@@ -3099,7 +3100,7 @@
             </a:ln>
             <a:extLst>
               <a:ext uri="{91240B29-F687-4f45-9708-019B960494DF}">
-                <a14:hiddenLine xmlns="" xmlns:a14="http://schemas.microsoft.com/office/drawing/2010/main" w="9525">
+                <a14:hiddenLine xmlns:a14="http://schemas.microsoft.com/office/drawing/2010/main" xmlns="" w="9525">
                   <a:solidFill>
                     <a:srgbClr val="000000"/>
                   </a:solidFill>
@@ -3189,7 +3190,7 @@
             </a:ln>
             <a:extLst>
               <a:ext uri="{91240B29-F687-4f45-9708-019B960494DF}">
-                <a14:hiddenLine xmlns="" xmlns:a14="http://schemas.microsoft.com/office/drawing/2010/main" w="9525">
+                <a14:hiddenLine xmlns:a14="http://schemas.microsoft.com/office/drawing/2010/main" xmlns="" w="9525">
                   <a:solidFill>
                     <a:srgbClr val="000000"/>
                   </a:solidFill>
@@ -3223,7 +3224,7 @@
             </a:ln>
             <a:extLst>
               <a:ext uri="{91240B29-F687-4f45-9708-019B960494DF}">
-                <a14:hiddenLine xmlns="" xmlns:a14="http://schemas.microsoft.com/office/drawing/2010/main" w="9525">
+                <a14:hiddenLine xmlns:a14="http://schemas.microsoft.com/office/drawing/2010/main" xmlns="" w="9525">
                   <a:solidFill>
                     <a:srgbClr val="000000"/>
                   </a:solidFill>
@@ -3288,7 +3289,7 @@
             </a:ln>
             <a:extLst>
               <a:ext uri="{91240B29-F687-4f45-9708-019B960494DF}">
-                <a14:hiddenLine xmlns="" xmlns:a14="http://schemas.microsoft.com/office/drawing/2010/main" w="9525">
+                <a14:hiddenLine xmlns:a14="http://schemas.microsoft.com/office/drawing/2010/main" xmlns="" w="9525">
                   <a:solidFill>
                     <a:srgbClr val="000000"/>
                   </a:solidFill>
@@ -3378,7 +3379,7 @@
             </a:ln>
             <a:extLst>
               <a:ext uri="{91240B29-F687-4f45-9708-019B960494DF}">
-                <a14:hiddenLine xmlns="" xmlns:a14="http://schemas.microsoft.com/office/drawing/2010/main" w="9525">
+                <a14:hiddenLine xmlns:a14="http://schemas.microsoft.com/office/drawing/2010/main" xmlns="" w="9525">
                   <a:solidFill>
                     <a:srgbClr val="000000"/>
                   </a:solidFill>
@@ -3440,7 +3441,7 @@
             </a:ln>
             <a:extLst>
               <a:ext uri="{91240B29-F687-4f45-9708-019B960494DF}">
-                <a14:hiddenLine xmlns="" xmlns:a14="http://schemas.microsoft.com/office/drawing/2010/main" w="9525">
+                <a14:hiddenLine xmlns:a14="http://schemas.microsoft.com/office/drawing/2010/main" xmlns="" w="9525">
                   <a:solidFill>
                     <a:srgbClr val="000000"/>
                   </a:solidFill>
@@ -3530,7 +3531,7 @@
             </a:ln>
             <a:extLst>
               <a:ext uri="{91240B29-F687-4f45-9708-019B960494DF}">
-                <a14:hiddenLine xmlns="" xmlns:a14="http://schemas.microsoft.com/office/drawing/2010/main" w="9525">
+                <a14:hiddenLine xmlns:a14="http://schemas.microsoft.com/office/drawing/2010/main" xmlns="" w="9525">
                   <a:solidFill>
                     <a:srgbClr val="000000"/>
                   </a:solidFill>
@@ -3620,7 +3621,7 @@
             </a:ln>
             <a:extLst>
               <a:ext uri="{91240B29-F687-4f45-9708-019B960494DF}">
-                <a14:hiddenLine xmlns="" xmlns:a14="http://schemas.microsoft.com/office/drawing/2010/main" w="9525">
+                <a14:hiddenLine xmlns:a14="http://schemas.microsoft.com/office/drawing/2010/main" xmlns="" w="9525">
                   <a:solidFill>
                     <a:srgbClr val="000000"/>
                   </a:solidFill>
@@ -3685,7 +3686,7 @@
             </a:ln>
             <a:extLst>
               <a:ext uri="{91240B29-F687-4f45-9708-019B960494DF}">
-                <a14:hiddenLine xmlns="" xmlns:a14="http://schemas.microsoft.com/office/drawing/2010/main" w="9525">
+                <a14:hiddenLine xmlns:a14="http://schemas.microsoft.com/office/drawing/2010/main" xmlns="" w="9525">
                   <a:solidFill>
                     <a:srgbClr val="000000"/>
                   </a:solidFill>
@@ -3747,7 +3748,7 @@
             </a:ln>
             <a:extLst>
               <a:ext uri="{91240B29-F687-4f45-9708-019B960494DF}">
-                <a14:hiddenLine xmlns="" xmlns:a14="http://schemas.microsoft.com/office/drawing/2010/main" w="9525">
+                <a14:hiddenLine xmlns:a14="http://schemas.microsoft.com/office/drawing/2010/main" xmlns="" w="9525">
                   <a:solidFill>
                     <a:srgbClr val="000000"/>
                   </a:solidFill>
@@ -3837,7 +3838,7 @@
             </a:ln>
             <a:extLst>
               <a:ext uri="{91240B29-F687-4f45-9708-019B960494DF}">
-                <a14:hiddenLine xmlns="" xmlns:a14="http://schemas.microsoft.com/office/drawing/2010/main" w="9525">
+                <a14:hiddenLine xmlns:a14="http://schemas.microsoft.com/office/drawing/2010/main" xmlns="" w="9525">
                   <a:solidFill>
                     <a:srgbClr val="000000"/>
                   </a:solidFill>
@@ -3927,7 +3928,7 @@
             </a:ln>
             <a:extLst>
               <a:ext uri="{91240B29-F687-4f45-9708-019B960494DF}">
-                <a14:hiddenLine xmlns="" xmlns:a14="http://schemas.microsoft.com/office/drawing/2010/main" w="9525">
+                <a14:hiddenLine xmlns:a14="http://schemas.microsoft.com/office/drawing/2010/main" xmlns="" w="9525">
                   <a:solidFill>
                     <a:srgbClr val="000000"/>
                   </a:solidFill>
@@ -3989,7 +3990,7 @@
             </a:ln>
             <a:extLst>
               <a:ext uri="{91240B29-F687-4f45-9708-019B960494DF}">
-                <a14:hiddenLine xmlns="" xmlns:a14="http://schemas.microsoft.com/office/drawing/2010/main" w="9525">
+                <a14:hiddenLine xmlns:a14="http://schemas.microsoft.com/office/drawing/2010/main" xmlns="" w="9525">
                   <a:solidFill>
                     <a:srgbClr val="000000"/>
                   </a:solidFill>
@@ -4109,7 +4110,7 @@
             </a:ln>
             <a:extLst>
               <a:ext uri="{91240B29-F687-4f45-9708-019B960494DF}">
-                <a14:hiddenLine xmlns="" xmlns:a14="http://schemas.microsoft.com/office/drawing/2010/main" w="9525">
+                <a14:hiddenLine xmlns:a14="http://schemas.microsoft.com/office/drawing/2010/main" xmlns="" w="9525">
                   <a:solidFill>
                     <a:srgbClr val="000000"/>
                   </a:solidFill>
@@ -4177,7 +4178,7 @@
             </a:ln>
             <a:extLst>
               <a:ext uri="{91240B29-F687-4f45-9708-019B960494DF}">
-                <a14:hiddenLine xmlns="" xmlns:a14="http://schemas.microsoft.com/office/drawing/2010/main" w="9525">
+                <a14:hiddenLine xmlns:a14="http://schemas.microsoft.com/office/drawing/2010/main" xmlns="" w="9525">
                   <a:solidFill>
                     <a:srgbClr val="000000"/>
                   </a:solidFill>
@@ -4267,7 +4268,7 @@
             </a:ln>
             <a:extLst>
               <a:ext uri="{91240B29-F687-4f45-9708-019B960494DF}">
-                <a14:hiddenLine xmlns="" xmlns:a14="http://schemas.microsoft.com/office/drawing/2010/main" w="9525">
+                <a14:hiddenLine xmlns:a14="http://schemas.microsoft.com/office/drawing/2010/main" xmlns="" w="9525">
                   <a:solidFill>
                     <a:srgbClr val="000000"/>
                   </a:solidFill>
@@ -8996,7 +8997,7 @@
           <a:noFill/>
           <a:extLst>
             <a:ext uri="{909E8E84-426E-40dd-AFC4-6F175D3DCCD1}">
-              <a14:hiddenFill xmlns="" xmlns:a14="http://schemas.microsoft.com/office/drawing/2010/main">
+              <a14:hiddenFill xmlns:a14="http://schemas.microsoft.com/office/drawing/2010/main" xmlns="">
                 <a:solidFill>
                   <a:srgbClr val="FFFFFF"/>
                 </a:solidFill>
@@ -9070,7 +9071,7 @@
               </a:ln>
               <a:extLst>
                 <a:ext uri="{91240B29-F687-4f45-9708-019B960494DF}">
-                  <a14:hiddenLine xmlns="" xmlns:a14="http://schemas.microsoft.com/office/drawing/2010/main" w="9525">
+                  <a14:hiddenLine xmlns:a14="http://schemas.microsoft.com/office/drawing/2010/main" xmlns="" w="9525">
                     <a:solidFill>
                       <a:srgbClr val="000000"/>
                     </a:solidFill>
@@ -9160,7 +9161,7 @@
               </a:ln>
               <a:extLst>
                 <a:ext uri="{91240B29-F687-4f45-9708-019B960494DF}">
-                  <a14:hiddenLine xmlns="" xmlns:a14="http://schemas.microsoft.com/office/drawing/2010/main" w="9525">
+                  <a14:hiddenLine xmlns:a14="http://schemas.microsoft.com/office/drawing/2010/main" xmlns="" w="9525">
                     <a:solidFill>
                       <a:srgbClr val="000000"/>
                     </a:solidFill>
@@ -9250,7 +9251,7 @@
               </a:ln>
               <a:extLst>
                 <a:ext uri="{91240B29-F687-4f45-9708-019B960494DF}">
-                  <a14:hiddenLine xmlns="" xmlns:a14="http://schemas.microsoft.com/office/drawing/2010/main" w="9525">
+                  <a14:hiddenLine xmlns:a14="http://schemas.microsoft.com/office/drawing/2010/main" xmlns="" w="9525">
                     <a:solidFill>
                       <a:srgbClr val="000000"/>
                     </a:solidFill>
@@ -9312,7 +9313,7 @@
               </a:ln>
               <a:extLst>
                 <a:ext uri="{91240B29-F687-4f45-9708-019B960494DF}">
-                  <a14:hiddenLine xmlns="" xmlns:a14="http://schemas.microsoft.com/office/drawing/2010/main" w="9525">
+                  <a14:hiddenLine xmlns:a14="http://schemas.microsoft.com/office/drawing/2010/main" xmlns="" w="9525">
                     <a:solidFill>
                       <a:srgbClr val="000000"/>
                     </a:solidFill>
@@ -9402,7 +9403,7 @@
               </a:ln>
               <a:extLst>
                 <a:ext uri="{91240B29-F687-4f45-9708-019B960494DF}">
-                  <a14:hiddenLine xmlns="" xmlns:a14="http://schemas.microsoft.com/office/drawing/2010/main" w="9525">
+                  <a14:hiddenLine xmlns:a14="http://schemas.microsoft.com/office/drawing/2010/main" xmlns="" w="9525">
                     <a:solidFill>
                       <a:srgbClr val="000000"/>
                     </a:solidFill>
@@ -9464,7 +9465,7 @@
               </a:ln>
               <a:extLst>
                 <a:ext uri="{91240B29-F687-4f45-9708-019B960494DF}">
-                  <a14:hiddenLine xmlns="" xmlns:a14="http://schemas.microsoft.com/office/drawing/2010/main" w="9525">
+                  <a14:hiddenLine xmlns:a14="http://schemas.microsoft.com/office/drawing/2010/main" xmlns="" w="9525">
                     <a:solidFill>
                       <a:srgbClr val="000000"/>
                     </a:solidFill>
@@ -9526,7 +9527,7 @@
               </a:ln>
               <a:extLst>
                 <a:ext uri="{91240B29-F687-4f45-9708-019B960494DF}">
-                  <a14:hiddenLine xmlns="" xmlns:a14="http://schemas.microsoft.com/office/drawing/2010/main" w="9525">
+                  <a14:hiddenLine xmlns:a14="http://schemas.microsoft.com/office/drawing/2010/main" xmlns="" w="9525">
                     <a:solidFill>
                       <a:srgbClr val="000000"/>
                     </a:solidFill>
@@ -9616,7 +9617,7 @@
               </a:ln>
               <a:extLst>
                 <a:ext uri="{91240B29-F687-4f45-9708-019B960494DF}">
-                  <a14:hiddenLine xmlns="" xmlns:a14="http://schemas.microsoft.com/office/drawing/2010/main" w="9525">
+                  <a14:hiddenLine xmlns:a14="http://schemas.microsoft.com/office/drawing/2010/main" xmlns="" w="9525">
                     <a:solidFill>
                       <a:srgbClr val="000000"/>
                     </a:solidFill>
@@ -9706,7 +9707,7 @@
               </a:ln>
               <a:extLst>
                 <a:ext uri="{91240B29-F687-4f45-9708-019B960494DF}">
-                  <a14:hiddenLine xmlns="" xmlns:a14="http://schemas.microsoft.com/office/drawing/2010/main" w="9525">
+                  <a14:hiddenLine xmlns:a14="http://schemas.microsoft.com/office/drawing/2010/main" xmlns="" w="9525">
                     <a:solidFill>
                       <a:srgbClr val="000000"/>
                     </a:solidFill>
@@ -9768,7 +9769,7 @@
               </a:ln>
               <a:extLst>
                 <a:ext uri="{91240B29-F687-4f45-9708-019B960494DF}">
-                  <a14:hiddenLine xmlns="" xmlns:a14="http://schemas.microsoft.com/office/drawing/2010/main" w="9525">
+                  <a14:hiddenLine xmlns:a14="http://schemas.microsoft.com/office/drawing/2010/main" xmlns="" w="9525">
                     <a:solidFill>
                       <a:srgbClr val="000000"/>
                     </a:solidFill>
@@ -9878,7 +9879,7 @@
               </a:ln>
               <a:extLst>
                 <a:ext uri="{91240B29-F687-4f45-9708-019B960494DF}">
-                  <a14:hiddenLine xmlns="" xmlns:a14="http://schemas.microsoft.com/office/drawing/2010/main" w="9525">
+                  <a14:hiddenLine xmlns:a14="http://schemas.microsoft.com/office/drawing/2010/main" xmlns="" w="9525">
                     <a:solidFill>
                       <a:srgbClr val="000000"/>
                     </a:solidFill>
@@ -9962,7 +9963,7 @@
               </a:ln>
               <a:extLst>
                 <a:ext uri="{91240B29-F687-4f45-9708-019B960494DF}">
-                  <a14:hiddenLine xmlns="" xmlns:a14="http://schemas.microsoft.com/office/drawing/2010/main" w="9525">
+                  <a14:hiddenLine xmlns:a14="http://schemas.microsoft.com/office/drawing/2010/main" xmlns="" w="9525">
                     <a:solidFill>
                       <a:srgbClr val="000000"/>
                     </a:solidFill>
@@ -10024,7 +10025,7 @@
               </a:ln>
               <a:extLst>
                 <a:ext uri="{91240B29-F687-4f45-9708-019B960494DF}">
-                  <a14:hiddenLine xmlns="" xmlns:a14="http://schemas.microsoft.com/office/drawing/2010/main" w="9525">
+                  <a14:hiddenLine xmlns:a14="http://schemas.microsoft.com/office/drawing/2010/main" xmlns="" w="9525">
                     <a:solidFill>
                       <a:srgbClr val="000000"/>
                     </a:solidFill>
@@ -10086,7 +10087,7 @@
               </a:ln>
               <a:extLst>
                 <a:ext uri="{91240B29-F687-4f45-9708-019B960494DF}">
-                  <a14:hiddenLine xmlns="" xmlns:a14="http://schemas.microsoft.com/office/drawing/2010/main" w="9525">
+                  <a14:hiddenLine xmlns:a14="http://schemas.microsoft.com/office/drawing/2010/main" xmlns="" w="9525">
                     <a:solidFill>
                       <a:srgbClr val="000000"/>
                     </a:solidFill>
@@ -10176,7 +10177,7 @@
               </a:ln>
               <a:extLst>
                 <a:ext uri="{91240B29-F687-4f45-9708-019B960494DF}">
-                  <a14:hiddenLine xmlns="" xmlns:a14="http://schemas.microsoft.com/office/drawing/2010/main" w="9525">
+                  <a14:hiddenLine xmlns:a14="http://schemas.microsoft.com/office/drawing/2010/main" xmlns="" w="9525">
                     <a:solidFill>
                       <a:srgbClr val="000000"/>
                     </a:solidFill>
@@ -10210,7 +10211,7 @@
               </a:ln>
               <a:extLst>
                 <a:ext uri="{91240B29-F687-4f45-9708-019B960494DF}">
-                  <a14:hiddenLine xmlns="" xmlns:a14="http://schemas.microsoft.com/office/drawing/2010/main" w="9525">
+                  <a14:hiddenLine xmlns:a14="http://schemas.microsoft.com/office/drawing/2010/main" xmlns="" w="9525">
                     <a:solidFill>
                       <a:srgbClr val="000000"/>
                     </a:solidFill>
@@ -10275,7 +10276,7 @@
               </a:ln>
               <a:extLst>
                 <a:ext uri="{91240B29-F687-4f45-9708-019B960494DF}">
-                  <a14:hiddenLine xmlns="" xmlns:a14="http://schemas.microsoft.com/office/drawing/2010/main" w="9525">
+                  <a14:hiddenLine xmlns:a14="http://schemas.microsoft.com/office/drawing/2010/main" xmlns="" w="9525">
                     <a:solidFill>
                       <a:srgbClr val="000000"/>
                     </a:solidFill>
@@ -10365,7 +10366,7 @@
               </a:ln>
               <a:extLst>
                 <a:ext uri="{91240B29-F687-4f45-9708-019B960494DF}">
-                  <a14:hiddenLine xmlns="" xmlns:a14="http://schemas.microsoft.com/office/drawing/2010/main" w="9525">
+                  <a14:hiddenLine xmlns:a14="http://schemas.microsoft.com/office/drawing/2010/main" xmlns="" w="9525">
                     <a:solidFill>
                       <a:srgbClr val="000000"/>
                     </a:solidFill>
@@ -10427,7 +10428,7 @@
               </a:ln>
               <a:extLst>
                 <a:ext uri="{91240B29-F687-4f45-9708-019B960494DF}">
-                  <a14:hiddenLine xmlns="" xmlns:a14="http://schemas.microsoft.com/office/drawing/2010/main" w="9525">
+                  <a14:hiddenLine xmlns:a14="http://schemas.microsoft.com/office/drawing/2010/main" xmlns="" w="9525">
                     <a:solidFill>
                       <a:srgbClr val="000000"/>
                     </a:solidFill>
@@ -10517,7 +10518,7 @@
               </a:ln>
               <a:extLst>
                 <a:ext uri="{91240B29-F687-4f45-9708-019B960494DF}">
-                  <a14:hiddenLine xmlns="" xmlns:a14="http://schemas.microsoft.com/office/drawing/2010/main" w="9525">
+                  <a14:hiddenLine xmlns:a14="http://schemas.microsoft.com/office/drawing/2010/main" xmlns="" w="9525">
                     <a:solidFill>
                       <a:srgbClr val="000000"/>
                     </a:solidFill>
@@ -10582,7 +10583,7 @@
               </a:ln>
               <a:extLst>
                 <a:ext uri="{91240B29-F687-4f45-9708-019B960494DF}">
-                  <a14:hiddenLine xmlns="" xmlns:a14="http://schemas.microsoft.com/office/drawing/2010/main" w="9525">
+                  <a14:hiddenLine xmlns:a14="http://schemas.microsoft.com/office/drawing/2010/main" xmlns="" w="9525">
                     <a:solidFill>
                       <a:srgbClr val="000000"/>
                     </a:solidFill>
@@ -10644,7 +10645,7 @@
               </a:ln>
               <a:extLst>
                 <a:ext uri="{91240B29-F687-4f45-9708-019B960494DF}">
-                  <a14:hiddenLine xmlns="" xmlns:a14="http://schemas.microsoft.com/office/drawing/2010/main" w="9525">
+                  <a14:hiddenLine xmlns:a14="http://schemas.microsoft.com/office/drawing/2010/main" xmlns="" w="9525">
                     <a:solidFill>
                       <a:srgbClr val="000000"/>
                     </a:solidFill>
@@ -10734,7 +10735,7 @@
               </a:ln>
               <a:extLst>
                 <a:ext uri="{91240B29-F687-4f45-9708-019B960494DF}">
-                  <a14:hiddenLine xmlns="" xmlns:a14="http://schemas.microsoft.com/office/drawing/2010/main" w="9525">
+                  <a14:hiddenLine xmlns:a14="http://schemas.microsoft.com/office/drawing/2010/main" xmlns="" w="9525">
                     <a:solidFill>
                       <a:srgbClr val="000000"/>
                     </a:solidFill>
@@ -10824,7 +10825,7 @@
               </a:ln>
               <a:extLst>
                 <a:ext uri="{91240B29-F687-4f45-9708-019B960494DF}">
-                  <a14:hiddenLine xmlns="" xmlns:a14="http://schemas.microsoft.com/office/drawing/2010/main" w="9525">
+                  <a14:hiddenLine xmlns:a14="http://schemas.microsoft.com/office/drawing/2010/main" xmlns="" w="9525">
                     <a:solidFill>
                       <a:srgbClr val="000000"/>
                     </a:solidFill>
@@ -10889,7 +10890,7 @@
               </a:ln>
               <a:extLst>
                 <a:ext uri="{91240B29-F687-4f45-9708-019B960494DF}">
-                  <a14:hiddenLine xmlns="" xmlns:a14="http://schemas.microsoft.com/office/drawing/2010/main" w="9525">
+                  <a14:hiddenLine xmlns:a14="http://schemas.microsoft.com/office/drawing/2010/main" xmlns="" w="9525">
                     <a:solidFill>
                       <a:srgbClr val="000000"/>
                     </a:solidFill>
@@ -11009,7 +11010,7 @@
               </a:ln>
               <a:extLst>
                 <a:ext uri="{91240B29-F687-4f45-9708-019B960494DF}">
-                  <a14:hiddenLine xmlns="" xmlns:a14="http://schemas.microsoft.com/office/drawing/2010/main" w="9525">
+                  <a14:hiddenLine xmlns:a14="http://schemas.microsoft.com/office/drawing/2010/main" xmlns="" w="9525">
                     <a:solidFill>
                       <a:srgbClr val="000000"/>
                     </a:solidFill>
@@ -11090,7 +11091,7 @@
               </a:ln>
               <a:extLst>
                 <a:ext uri="{91240B29-F687-4f45-9708-019B960494DF}">
-                  <a14:hiddenLine xmlns="" xmlns:a14="http://schemas.microsoft.com/office/drawing/2010/main" w="9525">
+                  <a14:hiddenLine xmlns:a14="http://schemas.microsoft.com/office/drawing/2010/main" xmlns="" w="9525">
                     <a:solidFill>
                       <a:srgbClr val="000000"/>
                     </a:solidFill>
@@ -11205,7 +11206,7 @@
               </a:ln>
               <a:extLst>
                 <a:ext uri="{91240B29-F687-4f45-9708-019B960494DF}">
-                  <a14:hiddenLine xmlns="" xmlns:a14="http://schemas.microsoft.com/office/drawing/2010/main" w="9525">
+                  <a14:hiddenLine xmlns:a14="http://schemas.microsoft.com/office/drawing/2010/main" xmlns="" w="9525">
                     <a:solidFill>
                       <a:srgbClr val="000000"/>
                     </a:solidFill>
@@ -11295,7 +11296,7 @@
               </a:ln>
               <a:extLst>
                 <a:ext uri="{91240B29-F687-4f45-9708-019B960494DF}">
-                  <a14:hiddenLine xmlns="" xmlns:a14="http://schemas.microsoft.com/office/drawing/2010/main" w="9525">
+                  <a14:hiddenLine xmlns:a14="http://schemas.microsoft.com/office/drawing/2010/main" xmlns="" w="9525">
                     <a:solidFill>
                       <a:srgbClr val="000000"/>
                     </a:solidFill>
@@ -11360,7 +11361,7 @@
               </a:ln>
               <a:extLst>
                 <a:ext uri="{91240B29-F687-4f45-9708-019B960494DF}">
-                  <a14:hiddenLine xmlns="" xmlns:a14="http://schemas.microsoft.com/office/drawing/2010/main" w="9525">
+                  <a14:hiddenLine xmlns:a14="http://schemas.microsoft.com/office/drawing/2010/main" xmlns="" w="9525">
                     <a:solidFill>
                       <a:srgbClr val="000000"/>
                     </a:solidFill>
@@ -11450,7 +11451,7 @@
               </a:ln>
               <a:extLst>
                 <a:ext uri="{91240B29-F687-4f45-9708-019B960494DF}">
-                  <a14:hiddenLine xmlns="" xmlns:a14="http://schemas.microsoft.com/office/drawing/2010/main" w="9525">
+                  <a14:hiddenLine xmlns:a14="http://schemas.microsoft.com/office/drawing/2010/main" xmlns="" w="9525">
                     <a:solidFill>
                       <a:srgbClr val="000000"/>
                     </a:solidFill>
@@ -11518,7 +11519,7 @@
               </a:ln>
               <a:extLst>
                 <a:ext uri="{91240B29-F687-4f45-9708-019B960494DF}">
-                  <a14:hiddenLine xmlns="" xmlns:a14="http://schemas.microsoft.com/office/drawing/2010/main" w="9525">
+                  <a14:hiddenLine xmlns:a14="http://schemas.microsoft.com/office/drawing/2010/main" xmlns="" w="9525">
                     <a:solidFill>
                       <a:srgbClr val="000000"/>
                     </a:solidFill>
@@ -11608,7 +11609,7 @@
               </a:ln>
               <a:extLst>
                 <a:ext uri="{91240B29-F687-4f45-9708-019B960494DF}">
-                  <a14:hiddenLine xmlns="" xmlns:a14="http://schemas.microsoft.com/office/drawing/2010/main" w="9525">
+                  <a14:hiddenLine xmlns:a14="http://schemas.microsoft.com/office/drawing/2010/main" xmlns="" w="9525">
                     <a:solidFill>
                       <a:srgbClr val="000000"/>
                     </a:solidFill>
@@ -11676,7 +11677,7 @@
               </a:ln>
               <a:extLst>
                 <a:ext uri="{91240B29-F687-4f45-9708-019B960494DF}">
-                  <a14:hiddenLine xmlns="" xmlns:a14="http://schemas.microsoft.com/office/drawing/2010/main" w="9525">
+                  <a14:hiddenLine xmlns:a14="http://schemas.microsoft.com/office/drawing/2010/main" xmlns="" w="9525">
                     <a:solidFill>
                       <a:srgbClr val="000000"/>
                     </a:solidFill>
@@ -11766,7 +11767,7 @@
               </a:ln>
               <a:extLst>
                 <a:ext uri="{91240B29-F687-4f45-9708-019B960494DF}">
-                  <a14:hiddenLine xmlns="" xmlns:a14="http://schemas.microsoft.com/office/drawing/2010/main" w="9525">
+                  <a14:hiddenLine xmlns:a14="http://schemas.microsoft.com/office/drawing/2010/main" xmlns="" w="9525">
                     <a:solidFill>
                       <a:srgbClr val="000000"/>
                     </a:solidFill>
@@ -11800,7 +11801,7 @@
               </a:ln>
               <a:extLst>
                 <a:ext uri="{91240B29-F687-4f45-9708-019B960494DF}">
-                  <a14:hiddenLine xmlns="" xmlns:a14="http://schemas.microsoft.com/office/drawing/2010/main" w="9525">
+                  <a14:hiddenLine xmlns:a14="http://schemas.microsoft.com/office/drawing/2010/main" xmlns="" w="9525">
                     <a:solidFill>
                       <a:srgbClr val="000000"/>
                     </a:solidFill>
@@ -13410,7 +13411,7 @@
                   <a:schemeClr val="bg1"/>
                 </a:solidFill>
               </a:rPr>
-              <a:t>Principais dificuldades</a:t>
+              <a:t>Principais dificuldades E participação</a:t>
             </a:r>
           </a:p>
         </p:txBody>
@@ -13433,7 +13434,9 @@
         </p:nvSpPr>
         <p:spPr/>
         <p:txBody>
-          <a:bodyPr/>
+          <a:bodyPr>
+            <a:normAutofit fontScale="85000" lnSpcReduction="20000"/>
+          </a:bodyPr>
           <a:lstStyle/>
           <a:p>
             <a:r>
@@ -13457,6 +13460,33 @@
             <a:r>
               <a:rPr lang="pt-PT" dirty="0"/>
               <a:t>Quantidade de cada Produto em cada uma das Lojas: este problema foi resolvido com a utilização de mapas</a:t>
+            </a:r>
+          </a:p>
+          <a:p>
+            <a:r>
+              <a:rPr lang="pt-PT" dirty="0"/>
+              <a:t>Participação:</a:t>
+            </a:r>
+          </a:p>
+          <a:p>
+            <a:pPr lvl="1"/>
+            <a:r>
+              <a:rPr lang="pt-PT" dirty="0"/>
+              <a:t>Rui Alves: 2/3</a:t>
+            </a:r>
+          </a:p>
+          <a:p>
+            <a:pPr lvl="1"/>
+            <a:r>
+              <a:rPr lang="pt-PT" dirty="0"/>
+              <a:t>Filipe Fonseca: ½</a:t>
+            </a:r>
+          </a:p>
+          <a:p>
+            <a:pPr lvl="1"/>
+            <a:r>
+              <a:rPr lang="pt-PT" dirty="0"/>
+              <a:t>Luís Diogo: 0</a:t>
             </a:r>
           </a:p>
         </p:txBody>
@@ -13465,6 +13495,101 @@
     <p:extLst>
       <p:ext uri="{BB962C8B-B14F-4D97-AF65-F5344CB8AC3E}">
         <p14:creationId xmlns:p14="http://schemas.microsoft.com/office/powerpoint/2010/main" val="4200647085"/>
+      </p:ext>
+    </p:extLst>
+  </p:cSld>
+  <p:clrMapOvr>
+    <a:masterClrMapping/>
+  </p:clrMapOvr>
+</p:sld>
+</file>
+
+<file path=ppt/slides/slide15.xml><?xml version="1.0" encoding="utf-8"?>
+<p:sld xmlns:a="http://schemas.openxmlformats.org/drawingml/2006/main" xmlns:r="http://schemas.openxmlformats.org/officeDocument/2006/relationships" xmlns:p="http://schemas.openxmlformats.org/presentationml/2006/main">
+  <p:cSld>
+    <p:spTree>
+      <p:nvGrpSpPr>
+        <p:cNvPr id="1" name=""/>
+        <p:cNvGrpSpPr/>
+        <p:nvPr/>
+      </p:nvGrpSpPr>
+      <p:grpSpPr>
+        <a:xfrm>
+          <a:off x="0" y="0"/>
+          <a:ext cx="0" cy="0"/>
+          <a:chOff x="0" y="0"/>
+          <a:chExt cx="0" cy="0"/>
+        </a:xfrm>
+      </p:grpSpPr>
+      <p:sp>
+        <p:nvSpPr>
+          <p:cNvPr id="2" name="Título 1">
+            <a:extLst>
+              <a:ext uri="{FF2B5EF4-FFF2-40B4-BE49-F238E27FC236}">
+                <a16:creationId xmlns:a16="http://schemas.microsoft.com/office/drawing/2014/main" id="{7DA03C6D-5936-4FF4-B3F4-D202A5CB0BD9}"/>
+              </a:ext>
+            </a:extLst>
+          </p:cNvPr>
+          <p:cNvSpPr>
+            <a:spLocks noGrp="1"/>
+          </p:cNvSpPr>
+          <p:nvPr>
+            <p:ph type="title"/>
+          </p:nvPr>
+        </p:nvSpPr>
+        <p:spPr/>
+        <p:txBody>
+          <a:bodyPr>
+            <a:normAutofit/>
+          </a:bodyPr>
+          <a:lstStyle/>
+          <a:p>
+            <a:pPr algn="ctr"/>
+            <a:r>
+              <a:rPr lang="pt-PT" sz="5400" dirty="0">
+                <a:solidFill>
+                  <a:schemeClr val="bg1"/>
+                </a:solidFill>
+              </a:rPr>
+              <a:t>Anexo</a:t>
+            </a:r>
+          </a:p>
+        </p:txBody>
+      </p:sp>
+      <p:sp>
+        <p:nvSpPr>
+          <p:cNvPr id="3" name="Marcador de Posição de Conteúdo 2">
+            <a:extLst>
+              <a:ext uri="{FF2B5EF4-FFF2-40B4-BE49-F238E27FC236}">
+                <a16:creationId xmlns:a16="http://schemas.microsoft.com/office/drawing/2014/main" id="{F92A5CE3-FE39-4FD0-8D75-64BD1200267D}"/>
+              </a:ext>
+            </a:extLst>
+          </p:cNvPr>
+          <p:cNvSpPr>
+            <a:spLocks noGrp="1"/>
+          </p:cNvSpPr>
+          <p:nvPr>
+            <p:ph idx="1"/>
+          </p:nvPr>
+        </p:nvSpPr>
+        <p:spPr/>
+        <p:txBody>
+          <a:bodyPr>
+            <a:normAutofit fontScale="32500" lnSpcReduction="20000"/>
+          </a:bodyPr>
+          <a:lstStyle/>
+          <a:p>
+            <a:r>
+              <a:rPr lang="pt-PT" dirty="0"/>
+              <a:t>http://www.plantuml.com/plantuml/svg/jLhVSzks3t_tNy7hWq_oL-rza-SqrxLTxtANj5sNTRUd7ICnhXPPz2GvlLos_UrZH1WW23goq-uf8dvy280W0T9vrG-w6pQhPbOskk_L6pVIzardgdgmwdwcr7FL3rtTBbMxMNdkI7oh1wDkTLDNkZAEyZ-kckK9MWnK84fAkhARgsRasgvGKxh0NvhX_LOaorLfstuO-RUshbHFN6bDpkG-WsiPSzJBZAGboSY97FEilRQPTPCOlPehknNvUuQH7ipIThNcGROhWvmH3qTP7eq35H6342OT1oSX4QwiRPHTcquFjbClNweCKTIyFCu3yvlQj8CHnWDz9DVjC8RNjev_jN53Ohl9u3lBsIZ0AhO8AVSEyCgXZ5hSb0I0b4cu07bIkssZ6p9gN726UTqvZwf4JC7LkIgF2aM3upnKmzH1rPCJbG5LpIrgkeKvaWlpoIphVj2LtQwG7kfo6q_JMH3hKQx79QkhS57DIjSDh117pl8qMQuW3s31eFcsEwioRm9REKSD0qin__418RMGm14JYVLAva0wG3uPoewPjbDORFYtUhjTDcrVBrjJZHXtHdUIkdBn-YB9bRuRYIkzFd7ZCRodNhZ_tH57oyQPiZpuZZ6An6I5DCj3O5mkz1fGVKxN_NW0HhHpezSih96nImSqsdiHox7vdTXlpWII84k0GrOARPmagGuiz7m7m5jzbrBt30Wag3wIL9FR6QY5r_6rPGxfdpv2d1wJFOfqZwKoFtycj9LIbBNlRDUQqbHELPprnFCJqZZB1KMSolmy9x3qcikZdMmyjt_eTtLVbvhRsDWIAZHkce-ThJQ3NK0ozeCjRqPLwsSZg2mN504RRX1TLG2URITHQ__XJy4_DxeTHZNrKXs5gfrPsLiJQQl5j3Pawi_aHQ0TxTvpj5hu8HU4XDbYxCgbS0NcpN6qD1_QfcwDkdzq4RpGA79hIeT-SjdfjjUbjejJDVXlQtfl1y5ckQ2az5amljYlFpJD9M8o7yLgKaIVkevxhY2OJza3CWb_dCgK-IYUuPTQ3DBSQJcAnQLDI2_KK2Wo-g0WVRZ-Ti3UTWFglhuBYXzqFJvhIxjQwyvGsBme970uEPw8OK32fBwu-bNVgVkmnxqqpUYNxvIy15W10n1aD7x5OHBKNn1s-c1a4XnZtxl8nQOPwYlTbZRmgZFNfZDj2VUGG2ZB1OKh23xpzD8EkYbKGeMS-eIC13H5XyH4R8JZQYuT_wYNUcLQlEg6Pev8905E4q7w5Fdm-O61KiW6mX84kE5mhTZR0TWcO7xOleU56gH6ElFHK-YELxAh9w23wpGK3NvT5G5iaG84Y7H37xV_hVbwLiakWJpPtI8aR9oC-_IQaKDE7GT926ApkxCUzcdfS3tdQpo5YBHdOpU1GSdpoQpjGyt6z0dAU8EVdXNtD9xAJ-QHvll8IW-GGpX9biU4SBhhnuxyWa2ZFKOG74qqRsh9X9Ch9_itW472aeII23-XoHdtWAS_YJ4OV5XoVvCc0WSwTVSvVV_OcIMq-5tuV40r3tA2lnnScGvhjZMz5o6U7yiUxz4aURvjSL3fT9jbC84uQJqPRjqBLGQFJdH0BzHGhoqEVJYetyXZ0i2fHLdGDMnQff3Mps-Vh5YG_T33yxmmgRm03ZCQMJ1pO048OFYM9BHF9xnGJ-w43-YMfxSEgIH3GeKQljYE9j8o56L8r8Avr2QMA2QGb2J1UjFNTqvauq8hwE_rAaL-A8xS0B7ls5I9BXT2qyFSl30i51K68Xtdqs1drIIIMko11AxlZxNdcwXitEV3LCsK6aSfcEFuZDmsdd1EXWybr_ZvZRMJJPJbAM8mxVp06XgekYIRUdyXFf_pq1APBhBVlVZHQhtUtBstNzLzgj8eNcg8ZuVbwRQuS3wsTgVKud89hA-dglEVDiAWTkHqRBTwFm2XuEMamS_9L7Dh3kyfDn7XecxPx2oDu8a5n_3CuaENvMoKi7xkshV0O3UsHMXAmSnu6jmZPgFLqvF-Wown2fVksMMrIijz__r4bidgxJ-aRI0n-VEBr9oOmv_WNqnv4mlEIV2_VNhYvuK0EgXnVmX9QQjwQTcwY5wCL7QyiD551h_KlDj-HcwaBoekqwKtqw8iCZl5fnxH9k74E_7Jtlc-lutqKdguCVjhY_VP6ym3neCJ9hNDIPD-NQ8JAcUY1CHbWHf5WdS1RAGMAhtP9XLIfGakpbYTk9kf2tOwTvWQhx9-iy609X2NbBrFE09WTTH1q8YcEVoDFLsBG8D8Keir1gC2ZCGKwHSdS9rw3gOZUXEccpZ5niwa6_CkYtyX8Ty52tRERiPZzaOgA2hHOBabWs8cRa_nnMStFtdvObUTFEuXVpdpNIGCrLKxgYENmKL3g9HHux6gszg5I5UsOvp6T3i2O_goCxUIJOhWGrgDc5o9OYsL91EKsB4W5PC2mapQaOz9U93496an3YJo1JbykpBkkUbe2_XSm2nuTlHCFT-c0P0TySMBnJErS0moXPZ80MyZDUkOkAO9I5Y368zQH-Jy7tNmf4dmcESpDWBtnWlP334O5IrzeC02pCWtcCWnwGuzetUjaxySO_m5B2Ao_m0K6lHpqWnGkLMIIcz_39WfGM1X_kX_cMQlJ5jjLis_</a:t>
+            </a:r>
+          </a:p>
+        </p:txBody>
+      </p:sp>
+    </p:spTree>
+    <p:extLst>
+      <p:ext uri="{BB962C8B-B14F-4D97-AF65-F5344CB8AC3E}">
+        <p14:creationId xmlns:p14="http://schemas.microsoft.com/office/powerpoint/2010/main" val="1306907631"/>
       </p:ext>
     </p:extLst>
   </p:cSld>
@@ -14039,6 +14164,30 @@
 <file path=ppt/slides/slide5.xml><?xml version="1.0" encoding="utf-8"?>
 <p:sld xmlns:a="http://schemas.openxmlformats.org/drawingml/2006/main" xmlns:r="http://schemas.openxmlformats.org/officeDocument/2006/relationships" xmlns:p="http://schemas.openxmlformats.org/presentationml/2006/main">
   <p:cSld>
+    <p:bg>
+      <p:bgPr>
+        <a:blipFill>
+          <a:blip r:embed="rId2">
+            <a:duotone>
+              <a:schemeClr val="bg2">
+                <a:shade val="88000"/>
+                <a:hueMod val="106000"/>
+                <a:satMod val="140000"/>
+                <a:lumMod val="54000"/>
+              </a:schemeClr>
+              <a:schemeClr val="bg2">
+                <a:tint val="98000"/>
+                <a:hueMod val="92000"/>
+                <a:satMod val="150000"/>
+                <a:lumMod val="150000"/>
+              </a:schemeClr>
+            </a:duotone>
+          </a:blip>
+          <a:stretch/>
+        </a:blipFill>
+        <a:effectLst/>
+      </p:bgPr>
+    </p:bg>
     <p:spTree>
       <p:nvGrpSpPr>
         <p:cNvPr id="1" name=""/>
@@ -14053,6 +14202,4986 @@
           <a:chExt cx="0" cy="0"/>
         </a:xfrm>
       </p:grpSpPr>
+      <p:pic>
+        <p:nvPicPr>
+          <p:cNvPr id="69" name="Picture 2">
+            <a:extLst>
+              <a:ext uri="{FF2B5EF4-FFF2-40B4-BE49-F238E27FC236}">
+                <a16:creationId xmlns:a16="http://schemas.microsoft.com/office/drawing/2014/main" id="{538185F8-B359-48C2-9133-D3E9B471E528}"/>
+              </a:ext>
+              <a:ext uri="{C183D7F6-B498-43B3-948B-1728B52AA6E4}">
+                <adec:decorative xmlns:adec="http://schemas.microsoft.com/office/drawing/2017/decorative" val="1"/>
+              </a:ext>
+            </a:extLst>
+          </p:cNvPr>
+          <p:cNvPicPr>
+            <a:picLocks noGrp="1" noRot="1" noChangeAspect="1" noMove="1" noResize="1" noEditPoints="1" noAdjustHandles="1" noChangeArrowheads="1" noChangeShapeType="1" noCrop="1"/>
+          </p:cNvPicPr>
+          <p:nvPr>
+            <p:extLst>
+              <p:ext uri="{386F3935-93C4-4BCD-93E2-E3B085C9AB24}">
+                <p16:designElem xmlns:p16="http://schemas.microsoft.com/office/powerpoint/2015/main" val="1"/>
+              </p:ext>
+            </p:extLst>
+          </p:nvPr>
+        </p:nvPicPr>
+        <p:blipFill>
+          <a:blip r:embed="rId3">
+            <a:alphaModFix amt="30000"/>
+            <a:duotone>
+              <a:prstClr val="black"/>
+              <a:schemeClr val="tx2">
+                <a:tint val="45000"/>
+                <a:satMod val="400000"/>
+              </a:schemeClr>
+            </a:duotone>
+            <a:extLst>
+              <a:ext uri="{28A0092B-C50C-407E-A947-70E740481C1C}">
+                <a14:useLocalDpi xmlns:a14="http://schemas.microsoft.com/office/drawing/2010/main" val="0"/>
+              </a:ext>
+            </a:extLst>
+          </a:blip>
+          <a:srcRect/>
+          <a:stretch>
+            <a:fillRect/>
+          </a:stretch>
+        </p:blipFill>
+        <p:spPr bwMode="auto">
+          <a:xfrm>
+            <a:off x="0" y="-1"/>
+            <a:ext cx="12192003" cy="6858001"/>
+          </a:xfrm>
+          <a:prstGeom prst="rect">
+            <a:avLst/>
+          </a:prstGeom>
+          <a:noFill/>
+          <a:extLst>
+            <a:ext uri="{909E8E84-426E-40dd-AFC4-6F175D3DCCD1}">
+              <a14:hiddenFill xmlns="" xmlns:a16="http://schemas.microsoft.com/office/drawing/2014/main" xmlns:p14="http://schemas.microsoft.com/office/powerpoint/2010/main" xmlns:a14="http://schemas.microsoft.com/office/drawing/2010/main">
+                <a:solidFill>
+                  <a:srgbClr val="FFFFFF"/>
+                </a:solidFill>
+              </a14:hiddenFill>
+            </a:ext>
+          </a:extLst>
+        </p:spPr>
+      </p:pic>
+      <p:grpSp>
+        <p:nvGrpSpPr>
+          <p:cNvPr id="14" name="Group 13">
+            <a:extLst>
+              <a:ext uri="{FF2B5EF4-FFF2-40B4-BE49-F238E27FC236}">
+                <a16:creationId xmlns:a16="http://schemas.microsoft.com/office/drawing/2014/main" id="{24BAB2BF-E06F-452F-9555-5161F20A13D4}"/>
+              </a:ext>
+              <a:ext uri="{C183D7F6-B498-43B3-948B-1728B52AA6E4}">
+                <adec:decorative xmlns:adec="http://schemas.microsoft.com/office/drawing/2017/decorative" val="1"/>
+              </a:ext>
+            </a:extLst>
+          </p:cNvPr>
+          <p:cNvGrpSpPr>
+            <a:grpSpLocks noGrp="1" noUngrp="1" noRot="1" noChangeAspect="1" noMove="1" noResize="1"/>
+          </p:cNvGrpSpPr>
+          <p:nvPr>
+            <p:extLst>
+              <p:ext uri="{386F3935-93C4-4BCD-93E2-E3B085C9AB24}">
+                <p16:designElem xmlns:p16="http://schemas.microsoft.com/office/powerpoint/2015/main" val="1"/>
+              </p:ext>
+            </p:extLst>
+          </p:nvPr>
+        </p:nvGrpSpPr>
+        <p:grpSpPr>
+          <a:xfrm>
+            <a:off x="0" y="0"/>
+            <a:ext cx="2305051" cy="6858001"/>
+            <a:chOff x="0" y="0"/>
+            <a:chExt cx="2305051" cy="6858001"/>
+          </a:xfrm>
+          <a:gradFill flip="none" rotWithShape="1">
+            <a:gsLst>
+              <a:gs pos="0">
+                <a:schemeClr val="tx2"/>
+              </a:gs>
+              <a:gs pos="100000">
+                <a:schemeClr val="tx2">
+                  <a:lumMod val="75000"/>
+                </a:schemeClr>
+              </a:gs>
+            </a:gsLst>
+            <a:lin ang="5400000" scaled="0"/>
+            <a:tileRect/>
+          </a:gradFill>
+        </p:grpSpPr>
+        <p:sp>
+          <p:nvSpPr>
+            <p:cNvPr id="15" name="Rectangle 5">
+              <a:extLst>
+                <a:ext uri="{FF2B5EF4-FFF2-40B4-BE49-F238E27FC236}">
+                  <a16:creationId xmlns:a16="http://schemas.microsoft.com/office/drawing/2014/main" id="{EA140413-779F-45FC-A7D4-888962D882E9}"/>
+                </a:ext>
+                <a:ext uri="{C183D7F6-B498-43B3-948B-1728B52AA6E4}">
+                  <adec:decorative xmlns:adec="http://schemas.microsoft.com/office/drawing/2017/decorative" val="1"/>
+                </a:ext>
+              </a:extLst>
+            </p:cNvPr>
+            <p:cNvSpPr>
+              <a:spLocks noChangeArrowheads="1"/>
+            </p:cNvSpPr>
+            <p:nvPr>
+              <p:extLst>
+                <p:ext uri="{386F3935-93C4-4BCD-93E2-E3B085C9AB24}">
+                  <p16:designElem xmlns:p16="http://schemas.microsoft.com/office/powerpoint/2015/main" val="1"/>
+                </p:ext>
+              </p:extLst>
+            </p:nvPr>
+          </p:nvSpPr>
+          <p:spPr bwMode="auto">
+            <a:xfrm>
+              <a:off x="1209675" y="4763"/>
+              <a:ext cx="23813" cy="2181225"/>
+            </a:xfrm>
+            <a:prstGeom prst="rect">
+              <a:avLst/>
+            </a:prstGeom>
+            <a:grpFill/>
+            <a:ln>
+              <a:noFill/>
+            </a:ln>
+            <a:extLst>
+              <a:ext uri="{91240B29-F687-4f45-9708-019B960494DF}">
+                <a14:hiddenLine xmlns="" xmlns:a16="http://schemas.microsoft.com/office/drawing/2014/main" xmlns:p14="http://schemas.microsoft.com/office/powerpoint/2010/main" xmlns:a14="http://schemas.microsoft.com/office/drawing/2010/main" w="9525">
+                  <a:solidFill>
+                    <a:srgbClr val="000000"/>
+                  </a:solidFill>
+                  <a:miter lim="800000"/>
+                  <a:headEnd/>
+                  <a:tailEnd/>
+                </a14:hiddenLine>
+              </a:ext>
+            </a:extLst>
+          </p:spPr>
+        </p:sp>
+        <p:sp>
+          <p:nvSpPr>
+            <p:cNvPr id="16" name="Freeform 6">
+              <a:extLst>
+                <a:ext uri="{FF2B5EF4-FFF2-40B4-BE49-F238E27FC236}">
+                  <a16:creationId xmlns:a16="http://schemas.microsoft.com/office/drawing/2014/main" id="{4128E27D-EBE3-4D24-8190-E48CAC4F925D}"/>
+                </a:ext>
+                <a:ext uri="{C183D7F6-B498-43B3-948B-1728B52AA6E4}">
+                  <adec:decorative xmlns:adec="http://schemas.microsoft.com/office/drawing/2017/decorative" val="1"/>
+                </a:ext>
+              </a:extLst>
+            </p:cNvPr>
+            <p:cNvSpPr>
+              <a:spLocks noEditPoints="1"/>
+            </p:cNvSpPr>
+            <p:nvPr>
+              <p:extLst>
+                <p:ext uri="{386F3935-93C4-4BCD-93E2-E3B085C9AB24}">
+                  <p16:designElem xmlns:p16="http://schemas.microsoft.com/office/powerpoint/2015/main" val="1"/>
+                </p:ext>
+              </p:extLst>
+            </p:nvPr>
+          </p:nvSpPr>
+          <p:spPr bwMode="auto">
+            <a:xfrm>
+              <a:off x="1128713" y="2176463"/>
+              <a:ext cx="190500" cy="190500"/>
+            </a:xfrm>
+            <a:custGeom>
+              <a:avLst/>
+              <a:gdLst/>
+              <a:ahLst/>
+              <a:cxnLst/>
+              <a:rect l="0" t="0" r="r" b="b"/>
+              <a:pathLst>
+                <a:path w="40" h="40">
+                  <a:moveTo>
+                    <a:pt x="20" y="40"/>
+                  </a:moveTo>
+                  <a:cubicBezTo>
+                    <a:pt x="9" y="40"/>
+                    <a:pt x="0" y="31"/>
+                    <a:pt x="0" y="20"/>
+                  </a:cubicBezTo>
+                  <a:cubicBezTo>
+                    <a:pt x="0" y="9"/>
+                    <a:pt x="9" y="0"/>
+                    <a:pt x="20" y="0"/>
+                  </a:cubicBezTo>
+                  <a:cubicBezTo>
+                    <a:pt x="31" y="0"/>
+                    <a:pt x="40" y="9"/>
+                    <a:pt x="40" y="20"/>
+                  </a:cubicBezTo>
+                  <a:cubicBezTo>
+                    <a:pt x="40" y="31"/>
+                    <a:pt x="31" y="40"/>
+                    <a:pt x="20" y="40"/>
+                  </a:cubicBezTo>
+                  <a:close/>
+                  <a:moveTo>
+                    <a:pt x="20" y="4"/>
+                  </a:moveTo>
+                  <a:cubicBezTo>
+                    <a:pt x="11" y="4"/>
+                    <a:pt x="4" y="11"/>
+                    <a:pt x="4" y="20"/>
+                  </a:cubicBezTo>
+                  <a:cubicBezTo>
+                    <a:pt x="4" y="29"/>
+                    <a:pt x="11" y="36"/>
+                    <a:pt x="20" y="36"/>
+                  </a:cubicBezTo>
+                  <a:cubicBezTo>
+                    <a:pt x="28" y="36"/>
+                    <a:pt x="36" y="29"/>
+                    <a:pt x="36" y="20"/>
+                  </a:cubicBezTo>
+                  <a:cubicBezTo>
+                    <a:pt x="36" y="11"/>
+                    <a:pt x="28" y="4"/>
+                    <a:pt x="20" y="4"/>
+                  </a:cubicBezTo>
+                  <a:close/>
+                </a:path>
+              </a:pathLst>
+            </a:custGeom>
+            <a:grpFill/>
+            <a:ln>
+              <a:noFill/>
+            </a:ln>
+            <a:extLst>
+              <a:ext uri="{91240B29-F687-4f45-9708-019B960494DF}">
+                <a14:hiddenLine xmlns="" xmlns:a16="http://schemas.microsoft.com/office/drawing/2014/main" xmlns:p14="http://schemas.microsoft.com/office/powerpoint/2010/main" xmlns:a14="http://schemas.microsoft.com/office/drawing/2010/main" w="9525">
+                  <a:solidFill>
+                    <a:srgbClr val="000000"/>
+                  </a:solidFill>
+                  <a:round/>
+                  <a:headEnd/>
+                  <a:tailEnd/>
+                </a14:hiddenLine>
+              </a:ext>
+            </a:extLst>
+          </p:spPr>
+        </p:sp>
+        <p:sp>
+          <p:nvSpPr>
+            <p:cNvPr id="17" name="Freeform 7">
+              <a:extLst>
+                <a:ext uri="{FF2B5EF4-FFF2-40B4-BE49-F238E27FC236}">
+                  <a16:creationId xmlns:a16="http://schemas.microsoft.com/office/drawing/2014/main" id="{88313CEF-611E-4F21-B313-660A61807D97}"/>
+                </a:ext>
+                <a:ext uri="{C183D7F6-B498-43B3-948B-1728B52AA6E4}">
+                  <adec:decorative xmlns:adec="http://schemas.microsoft.com/office/drawing/2017/decorative" val="1"/>
+                </a:ext>
+              </a:extLst>
+            </p:cNvPr>
+            <p:cNvSpPr>
+              <a:spLocks noEditPoints="1"/>
+            </p:cNvSpPr>
+            <p:nvPr>
+              <p:extLst>
+                <p:ext uri="{386F3935-93C4-4BCD-93E2-E3B085C9AB24}">
+                  <p16:designElem xmlns:p16="http://schemas.microsoft.com/office/powerpoint/2015/main" val="1"/>
+                </p:ext>
+              </p:extLst>
+            </p:nvPr>
+          </p:nvSpPr>
+          <p:spPr bwMode="auto">
+            <a:xfrm>
+              <a:off x="1123950" y="4021138"/>
+              <a:ext cx="190500" cy="188913"/>
+            </a:xfrm>
+            <a:custGeom>
+              <a:avLst/>
+              <a:gdLst/>
+              <a:ahLst/>
+              <a:cxnLst/>
+              <a:rect l="0" t="0" r="r" b="b"/>
+              <a:pathLst>
+                <a:path w="40" h="40">
+                  <a:moveTo>
+                    <a:pt x="20" y="40"/>
+                  </a:moveTo>
+                  <a:cubicBezTo>
+                    <a:pt x="9" y="40"/>
+                    <a:pt x="0" y="31"/>
+                    <a:pt x="0" y="20"/>
+                  </a:cubicBezTo>
+                  <a:cubicBezTo>
+                    <a:pt x="0" y="9"/>
+                    <a:pt x="9" y="0"/>
+                    <a:pt x="20" y="0"/>
+                  </a:cubicBezTo>
+                  <a:cubicBezTo>
+                    <a:pt x="31" y="0"/>
+                    <a:pt x="40" y="9"/>
+                    <a:pt x="40" y="20"/>
+                  </a:cubicBezTo>
+                  <a:cubicBezTo>
+                    <a:pt x="40" y="31"/>
+                    <a:pt x="31" y="40"/>
+                    <a:pt x="20" y="40"/>
+                  </a:cubicBezTo>
+                  <a:close/>
+                  <a:moveTo>
+                    <a:pt x="20" y="4"/>
+                  </a:moveTo>
+                  <a:cubicBezTo>
+                    <a:pt x="11" y="4"/>
+                    <a:pt x="4" y="11"/>
+                    <a:pt x="4" y="20"/>
+                  </a:cubicBezTo>
+                  <a:cubicBezTo>
+                    <a:pt x="4" y="29"/>
+                    <a:pt x="11" y="36"/>
+                    <a:pt x="20" y="36"/>
+                  </a:cubicBezTo>
+                  <a:cubicBezTo>
+                    <a:pt x="29" y="36"/>
+                    <a:pt x="36" y="29"/>
+                    <a:pt x="36" y="20"/>
+                  </a:cubicBezTo>
+                  <a:cubicBezTo>
+                    <a:pt x="36" y="11"/>
+                    <a:pt x="29" y="4"/>
+                    <a:pt x="20" y="4"/>
+                  </a:cubicBezTo>
+                  <a:close/>
+                </a:path>
+              </a:pathLst>
+            </a:custGeom>
+            <a:grpFill/>
+            <a:ln>
+              <a:noFill/>
+            </a:ln>
+            <a:extLst>
+              <a:ext uri="{91240B29-F687-4f45-9708-019B960494DF}">
+                <a14:hiddenLine xmlns="" xmlns:a16="http://schemas.microsoft.com/office/drawing/2014/main" xmlns:p14="http://schemas.microsoft.com/office/powerpoint/2010/main" xmlns:a14="http://schemas.microsoft.com/office/drawing/2010/main" w="9525">
+                  <a:solidFill>
+                    <a:srgbClr val="000000"/>
+                  </a:solidFill>
+                  <a:round/>
+                  <a:headEnd/>
+                  <a:tailEnd/>
+                </a14:hiddenLine>
+              </a:ext>
+            </a:extLst>
+          </p:spPr>
+        </p:sp>
+        <p:sp>
+          <p:nvSpPr>
+            <p:cNvPr id="18" name="Rectangle 8">
+              <a:extLst>
+                <a:ext uri="{FF2B5EF4-FFF2-40B4-BE49-F238E27FC236}">
+                  <a16:creationId xmlns:a16="http://schemas.microsoft.com/office/drawing/2014/main" id="{36F20F81-347E-4757-92FB-23F7686ECFF9}"/>
+                </a:ext>
+                <a:ext uri="{C183D7F6-B498-43B3-948B-1728B52AA6E4}">
+                  <adec:decorative xmlns:adec="http://schemas.microsoft.com/office/drawing/2017/decorative" val="1"/>
+                </a:ext>
+              </a:extLst>
+            </p:cNvPr>
+            <p:cNvSpPr>
+              <a:spLocks noChangeArrowheads="1"/>
+            </p:cNvSpPr>
+            <p:nvPr>
+              <p:extLst>
+                <p:ext uri="{386F3935-93C4-4BCD-93E2-E3B085C9AB24}">
+                  <p16:designElem xmlns:p16="http://schemas.microsoft.com/office/powerpoint/2015/main" val="1"/>
+                </p:ext>
+              </p:extLst>
+            </p:nvPr>
+          </p:nvSpPr>
+          <p:spPr bwMode="auto">
+            <a:xfrm>
+              <a:off x="414338" y="9525"/>
+              <a:ext cx="28575" cy="4481513"/>
+            </a:xfrm>
+            <a:prstGeom prst="rect">
+              <a:avLst/>
+            </a:prstGeom>
+            <a:grpFill/>
+            <a:ln>
+              <a:noFill/>
+            </a:ln>
+            <a:extLst>
+              <a:ext uri="{91240B29-F687-4f45-9708-019B960494DF}">
+                <a14:hiddenLine xmlns="" xmlns:a16="http://schemas.microsoft.com/office/drawing/2014/main" xmlns:p14="http://schemas.microsoft.com/office/powerpoint/2010/main" xmlns:a14="http://schemas.microsoft.com/office/drawing/2010/main" w="9525">
+                  <a:solidFill>
+                    <a:srgbClr val="000000"/>
+                  </a:solidFill>
+                  <a:miter lim="800000"/>
+                  <a:headEnd/>
+                  <a:tailEnd/>
+                </a14:hiddenLine>
+              </a:ext>
+            </a:extLst>
+          </p:spPr>
+        </p:sp>
+        <p:sp>
+          <p:nvSpPr>
+            <p:cNvPr id="19" name="Freeform 9">
+              <a:extLst>
+                <a:ext uri="{FF2B5EF4-FFF2-40B4-BE49-F238E27FC236}">
+                  <a16:creationId xmlns:a16="http://schemas.microsoft.com/office/drawing/2014/main" id="{2616577A-1589-4BC9-A351-1831254C6900}"/>
+                </a:ext>
+                <a:ext uri="{C183D7F6-B498-43B3-948B-1728B52AA6E4}">
+                  <adec:decorative xmlns:adec="http://schemas.microsoft.com/office/drawing/2017/decorative" val="1"/>
+                </a:ext>
+              </a:extLst>
+            </p:cNvPr>
+            <p:cNvSpPr>
+              <a:spLocks noEditPoints="1"/>
+            </p:cNvSpPr>
+            <p:nvPr>
+              <p:extLst>
+                <p:ext uri="{386F3935-93C4-4BCD-93E2-E3B085C9AB24}">
+                  <p16:designElem xmlns:p16="http://schemas.microsoft.com/office/powerpoint/2015/main" val="1"/>
+                </p:ext>
+              </p:extLst>
+            </p:nvPr>
+          </p:nvSpPr>
+          <p:spPr bwMode="auto">
+            <a:xfrm>
+              <a:off x="333375" y="4481513"/>
+              <a:ext cx="190500" cy="190500"/>
+            </a:xfrm>
+            <a:custGeom>
+              <a:avLst/>
+              <a:gdLst/>
+              <a:ahLst/>
+              <a:cxnLst/>
+              <a:rect l="0" t="0" r="r" b="b"/>
+              <a:pathLst>
+                <a:path w="40" h="40">
+                  <a:moveTo>
+                    <a:pt x="20" y="40"/>
+                  </a:moveTo>
+                  <a:cubicBezTo>
+                    <a:pt x="9" y="40"/>
+                    <a:pt x="0" y="31"/>
+                    <a:pt x="0" y="20"/>
+                  </a:cubicBezTo>
+                  <a:cubicBezTo>
+                    <a:pt x="0" y="9"/>
+                    <a:pt x="9" y="0"/>
+                    <a:pt x="20" y="0"/>
+                  </a:cubicBezTo>
+                  <a:cubicBezTo>
+                    <a:pt x="31" y="0"/>
+                    <a:pt x="40" y="9"/>
+                    <a:pt x="40" y="20"/>
+                  </a:cubicBezTo>
+                  <a:cubicBezTo>
+                    <a:pt x="40" y="31"/>
+                    <a:pt x="31" y="40"/>
+                    <a:pt x="20" y="40"/>
+                  </a:cubicBezTo>
+                  <a:close/>
+                  <a:moveTo>
+                    <a:pt x="20" y="4"/>
+                  </a:moveTo>
+                  <a:cubicBezTo>
+                    <a:pt x="11" y="4"/>
+                    <a:pt x="4" y="11"/>
+                    <a:pt x="4" y="20"/>
+                  </a:cubicBezTo>
+                  <a:cubicBezTo>
+                    <a:pt x="4" y="29"/>
+                    <a:pt x="11" y="36"/>
+                    <a:pt x="20" y="36"/>
+                  </a:cubicBezTo>
+                  <a:cubicBezTo>
+                    <a:pt x="29" y="36"/>
+                    <a:pt x="36" y="29"/>
+                    <a:pt x="36" y="20"/>
+                  </a:cubicBezTo>
+                  <a:cubicBezTo>
+                    <a:pt x="36" y="11"/>
+                    <a:pt x="29" y="4"/>
+                    <a:pt x="20" y="4"/>
+                  </a:cubicBezTo>
+                  <a:close/>
+                </a:path>
+              </a:pathLst>
+            </a:custGeom>
+            <a:grpFill/>
+            <a:ln>
+              <a:noFill/>
+            </a:ln>
+            <a:extLst>
+              <a:ext uri="{91240B29-F687-4f45-9708-019B960494DF}">
+                <a14:hiddenLine xmlns="" xmlns:a16="http://schemas.microsoft.com/office/drawing/2014/main" xmlns:p14="http://schemas.microsoft.com/office/powerpoint/2010/main" xmlns:a14="http://schemas.microsoft.com/office/drawing/2010/main" w="9525">
+                  <a:solidFill>
+                    <a:srgbClr val="000000"/>
+                  </a:solidFill>
+                  <a:round/>
+                  <a:headEnd/>
+                  <a:tailEnd/>
+                </a14:hiddenLine>
+              </a:ext>
+            </a:extLst>
+          </p:spPr>
+        </p:sp>
+        <p:sp>
+          <p:nvSpPr>
+            <p:cNvPr id="20" name="Freeform 10">
+              <a:extLst>
+                <a:ext uri="{FF2B5EF4-FFF2-40B4-BE49-F238E27FC236}">
+                  <a16:creationId xmlns:a16="http://schemas.microsoft.com/office/drawing/2014/main" id="{68D697D8-870E-458B-B50A-E6F0CB3D372C}"/>
+                </a:ext>
+                <a:ext uri="{C183D7F6-B498-43B3-948B-1728B52AA6E4}">
+                  <adec:decorative xmlns:adec="http://schemas.microsoft.com/office/drawing/2017/decorative" val="1"/>
+                </a:ext>
+              </a:extLst>
+            </p:cNvPr>
+            <p:cNvSpPr/>
+            <p:nvPr>
+              <p:extLst>
+                <p:ext uri="{386F3935-93C4-4BCD-93E2-E3B085C9AB24}">
+                  <p16:designElem xmlns:p16="http://schemas.microsoft.com/office/powerpoint/2015/main" val="1"/>
+                </p:ext>
+              </p:extLst>
+            </p:nvPr>
+          </p:nvSpPr>
+          <p:spPr bwMode="auto">
+            <a:xfrm>
+              <a:off x="190500" y="9525"/>
+              <a:ext cx="152400" cy="908050"/>
+            </a:xfrm>
+            <a:custGeom>
+              <a:avLst/>
+              <a:gdLst/>
+              <a:ahLst/>
+              <a:cxnLst/>
+              <a:rect l="0" t="0" r="r" b="b"/>
+              <a:pathLst>
+                <a:path w="96" h="572">
+                  <a:moveTo>
+                    <a:pt x="15" y="572"/>
+                  </a:moveTo>
+                  <a:lnTo>
+                    <a:pt x="0" y="566"/>
+                  </a:lnTo>
+                  <a:lnTo>
+                    <a:pt x="81" y="380"/>
+                  </a:lnTo>
+                  <a:lnTo>
+                    <a:pt x="81" y="0"/>
+                  </a:lnTo>
+                  <a:lnTo>
+                    <a:pt x="96" y="0"/>
+                  </a:lnTo>
+                  <a:lnTo>
+                    <a:pt x="96" y="383"/>
+                  </a:lnTo>
+                  <a:lnTo>
+                    <a:pt x="15" y="572"/>
+                  </a:lnTo>
+                  <a:close/>
+                </a:path>
+              </a:pathLst>
+            </a:custGeom>
+            <a:grpFill/>
+            <a:ln>
+              <a:noFill/>
+            </a:ln>
+            <a:extLst>
+              <a:ext uri="{91240B29-F687-4f45-9708-019B960494DF}">
+                <a14:hiddenLine xmlns="" xmlns:a16="http://schemas.microsoft.com/office/drawing/2014/main" xmlns:p14="http://schemas.microsoft.com/office/powerpoint/2010/main" xmlns:a14="http://schemas.microsoft.com/office/drawing/2010/main" w="9525">
+                  <a:solidFill>
+                    <a:srgbClr val="000000"/>
+                  </a:solidFill>
+                  <a:round/>
+                  <a:headEnd/>
+                  <a:tailEnd/>
+                </a14:hiddenLine>
+              </a:ext>
+            </a:extLst>
+          </p:spPr>
+        </p:sp>
+        <p:sp>
+          <p:nvSpPr>
+            <p:cNvPr id="21" name="Freeform 11">
+              <a:extLst>
+                <a:ext uri="{FF2B5EF4-FFF2-40B4-BE49-F238E27FC236}">
+                  <a16:creationId xmlns:a16="http://schemas.microsoft.com/office/drawing/2014/main" id="{C82DCFD4-2825-4793-A077-44AED1321814}"/>
+                </a:ext>
+                <a:ext uri="{C183D7F6-B498-43B3-948B-1728B52AA6E4}">
+                  <adec:decorative xmlns:adec="http://schemas.microsoft.com/office/drawing/2017/decorative" val="1"/>
+                </a:ext>
+              </a:extLst>
+            </p:cNvPr>
+            <p:cNvSpPr/>
+            <p:nvPr>
+              <p:extLst>
+                <p:ext uri="{386F3935-93C4-4BCD-93E2-E3B085C9AB24}">
+                  <p16:designElem xmlns:p16="http://schemas.microsoft.com/office/powerpoint/2015/main" val="1"/>
+                </p:ext>
+              </p:extLst>
+            </p:nvPr>
+          </p:nvSpPr>
+          <p:spPr bwMode="auto">
+            <a:xfrm>
+              <a:off x="1290638" y="14288"/>
+              <a:ext cx="376238" cy="1801813"/>
+            </a:xfrm>
+            <a:custGeom>
+              <a:avLst/>
+              <a:gdLst/>
+              <a:ahLst/>
+              <a:cxnLst/>
+              <a:rect l="0" t="0" r="r" b="b"/>
+              <a:pathLst>
+                <a:path w="237" h="1135">
+                  <a:moveTo>
+                    <a:pt x="222" y="1135"/>
+                  </a:moveTo>
+                  <a:lnTo>
+                    <a:pt x="0" y="620"/>
+                  </a:lnTo>
+                  <a:lnTo>
+                    <a:pt x="0" y="0"/>
+                  </a:lnTo>
+                  <a:lnTo>
+                    <a:pt x="18" y="0"/>
+                  </a:lnTo>
+                  <a:lnTo>
+                    <a:pt x="18" y="617"/>
+                  </a:lnTo>
+                  <a:lnTo>
+                    <a:pt x="237" y="1129"/>
+                  </a:lnTo>
+                  <a:lnTo>
+                    <a:pt x="222" y="1135"/>
+                  </a:lnTo>
+                  <a:close/>
+                </a:path>
+              </a:pathLst>
+            </a:custGeom>
+            <a:grpFill/>
+            <a:ln>
+              <a:noFill/>
+            </a:ln>
+            <a:extLst>
+              <a:ext uri="{91240B29-F687-4f45-9708-019B960494DF}">
+                <a14:hiddenLine xmlns="" xmlns:a16="http://schemas.microsoft.com/office/drawing/2014/main" xmlns:p14="http://schemas.microsoft.com/office/powerpoint/2010/main" xmlns:a14="http://schemas.microsoft.com/office/drawing/2010/main" w="9525">
+                  <a:solidFill>
+                    <a:srgbClr val="000000"/>
+                  </a:solidFill>
+                  <a:round/>
+                  <a:headEnd/>
+                  <a:tailEnd/>
+                </a14:hiddenLine>
+              </a:ext>
+            </a:extLst>
+          </p:spPr>
+        </p:sp>
+        <p:sp>
+          <p:nvSpPr>
+            <p:cNvPr id="22" name="Freeform 12">
+              <a:extLst>
+                <a:ext uri="{FF2B5EF4-FFF2-40B4-BE49-F238E27FC236}">
+                  <a16:creationId xmlns:a16="http://schemas.microsoft.com/office/drawing/2014/main" id="{28D5AB66-B896-4360-8F6B-84E3F69726A0}"/>
+                </a:ext>
+                <a:ext uri="{C183D7F6-B498-43B3-948B-1728B52AA6E4}">
+                  <adec:decorative xmlns:adec="http://schemas.microsoft.com/office/drawing/2017/decorative" val="1"/>
+                </a:ext>
+              </a:extLst>
+            </p:cNvPr>
+            <p:cNvSpPr>
+              <a:spLocks noEditPoints="1"/>
+            </p:cNvSpPr>
+            <p:nvPr>
+              <p:extLst>
+                <p:ext uri="{386F3935-93C4-4BCD-93E2-E3B085C9AB24}">
+                  <p16:designElem xmlns:p16="http://schemas.microsoft.com/office/powerpoint/2015/main" val="1"/>
+                </p:ext>
+              </p:extLst>
+            </p:nvPr>
+          </p:nvSpPr>
+          <p:spPr bwMode="auto">
+            <a:xfrm>
+              <a:off x="1600200" y="1801813"/>
+              <a:ext cx="190500" cy="188913"/>
+            </a:xfrm>
+            <a:custGeom>
+              <a:avLst/>
+              <a:gdLst/>
+              <a:ahLst/>
+              <a:cxnLst/>
+              <a:rect l="0" t="0" r="r" b="b"/>
+              <a:pathLst>
+                <a:path w="40" h="40">
+                  <a:moveTo>
+                    <a:pt x="20" y="40"/>
+                  </a:moveTo>
+                  <a:cubicBezTo>
+                    <a:pt x="9" y="40"/>
+                    <a:pt x="0" y="31"/>
+                    <a:pt x="0" y="20"/>
+                  </a:cubicBezTo>
+                  <a:cubicBezTo>
+                    <a:pt x="0" y="9"/>
+                    <a:pt x="9" y="0"/>
+                    <a:pt x="20" y="0"/>
+                  </a:cubicBezTo>
+                  <a:cubicBezTo>
+                    <a:pt x="31" y="0"/>
+                    <a:pt x="40" y="9"/>
+                    <a:pt x="40" y="20"/>
+                  </a:cubicBezTo>
+                  <a:cubicBezTo>
+                    <a:pt x="40" y="31"/>
+                    <a:pt x="31" y="40"/>
+                    <a:pt x="20" y="40"/>
+                  </a:cubicBezTo>
+                  <a:close/>
+                  <a:moveTo>
+                    <a:pt x="20" y="4"/>
+                  </a:moveTo>
+                  <a:cubicBezTo>
+                    <a:pt x="11" y="4"/>
+                    <a:pt x="4" y="11"/>
+                    <a:pt x="4" y="20"/>
+                  </a:cubicBezTo>
+                  <a:cubicBezTo>
+                    <a:pt x="4" y="29"/>
+                    <a:pt x="11" y="36"/>
+                    <a:pt x="20" y="36"/>
+                  </a:cubicBezTo>
+                  <a:cubicBezTo>
+                    <a:pt x="28" y="36"/>
+                    <a:pt x="36" y="29"/>
+                    <a:pt x="36" y="20"/>
+                  </a:cubicBezTo>
+                  <a:cubicBezTo>
+                    <a:pt x="36" y="11"/>
+                    <a:pt x="28" y="4"/>
+                    <a:pt x="20" y="4"/>
+                  </a:cubicBezTo>
+                  <a:close/>
+                </a:path>
+              </a:pathLst>
+            </a:custGeom>
+            <a:grpFill/>
+            <a:ln>
+              <a:noFill/>
+            </a:ln>
+            <a:extLst>
+              <a:ext uri="{91240B29-F687-4f45-9708-019B960494DF}">
+                <a14:hiddenLine xmlns="" xmlns:a16="http://schemas.microsoft.com/office/drawing/2014/main" xmlns:p14="http://schemas.microsoft.com/office/powerpoint/2010/main" xmlns:a14="http://schemas.microsoft.com/office/drawing/2010/main" w="9525">
+                  <a:solidFill>
+                    <a:srgbClr val="000000"/>
+                  </a:solidFill>
+                  <a:round/>
+                  <a:headEnd/>
+                  <a:tailEnd/>
+                </a14:hiddenLine>
+              </a:ext>
+            </a:extLst>
+          </p:spPr>
+        </p:sp>
+        <p:sp>
+          <p:nvSpPr>
+            <p:cNvPr id="23" name="Freeform 13">
+              <a:extLst>
+                <a:ext uri="{FF2B5EF4-FFF2-40B4-BE49-F238E27FC236}">
+                  <a16:creationId xmlns:a16="http://schemas.microsoft.com/office/drawing/2014/main" id="{A99009BA-B05D-42F4-A734-6197BD38EC60}"/>
+                </a:ext>
+                <a:ext uri="{C183D7F6-B498-43B3-948B-1728B52AA6E4}">
+                  <adec:decorative xmlns:adec="http://schemas.microsoft.com/office/drawing/2017/decorative" val="1"/>
+                </a:ext>
+              </a:extLst>
+            </p:cNvPr>
+            <p:cNvSpPr/>
+            <p:nvPr>
+              <p:extLst>
+                <p:ext uri="{386F3935-93C4-4BCD-93E2-E3B085C9AB24}">
+                  <p16:designElem xmlns:p16="http://schemas.microsoft.com/office/powerpoint/2015/main" val="1"/>
+                </p:ext>
+              </p:extLst>
+            </p:nvPr>
+          </p:nvSpPr>
+          <p:spPr bwMode="auto">
+            <a:xfrm>
+              <a:off x="1381125" y="9525"/>
+              <a:ext cx="371475" cy="1425575"/>
+            </a:xfrm>
+            <a:custGeom>
+              <a:avLst/>
+              <a:gdLst/>
+              <a:ahLst/>
+              <a:cxnLst/>
+              <a:rect l="0" t="0" r="r" b="b"/>
+              <a:pathLst>
+                <a:path w="234" h="898">
+                  <a:moveTo>
+                    <a:pt x="219" y="898"/>
+                  </a:moveTo>
+                  <a:lnTo>
+                    <a:pt x="0" y="383"/>
+                  </a:lnTo>
+                  <a:lnTo>
+                    <a:pt x="0" y="0"/>
+                  </a:lnTo>
+                  <a:lnTo>
+                    <a:pt x="15" y="0"/>
+                  </a:lnTo>
+                  <a:lnTo>
+                    <a:pt x="15" y="380"/>
+                  </a:lnTo>
+                  <a:lnTo>
+                    <a:pt x="234" y="892"/>
+                  </a:lnTo>
+                  <a:lnTo>
+                    <a:pt x="219" y="898"/>
+                  </a:lnTo>
+                  <a:close/>
+                </a:path>
+              </a:pathLst>
+            </a:custGeom>
+            <a:grpFill/>
+            <a:ln>
+              <a:noFill/>
+            </a:ln>
+            <a:extLst>
+              <a:ext uri="{91240B29-F687-4f45-9708-019B960494DF}">
+                <a14:hiddenLine xmlns="" xmlns:a16="http://schemas.microsoft.com/office/drawing/2014/main" xmlns:p14="http://schemas.microsoft.com/office/powerpoint/2010/main" xmlns:a14="http://schemas.microsoft.com/office/drawing/2010/main" w="9525">
+                  <a:solidFill>
+                    <a:srgbClr val="000000"/>
+                  </a:solidFill>
+                  <a:round/>
+                  <a:headEnd/>
+                  <a:tailEnd/>
+                </a14:hiddenLine>
+              </a:ext>
+            </a:extLst>
+          </p:spPr>
+        </p:sp>
+        <p:sp>
+          <p:nvSpPr>
+            <p:cNvPr id="24" name="Freeform 14">
+              <a:extLst>
+                <a:ext uri="{FF2B5EF4-FFF2-40B4-BE49-F238E27FC236}">
+                  <a16:creationId xmlns:a16="http://schemas.microsoft.com/office/drawing/2014/main" id="{D079F75E-4A3A-46DC-8172-CBC1B76AAF42}"/>
+                </a:ext>
+                <a:ext uri="{C183D7F6-B498-43B3-948B-1728B52AA6E4}">
+                  <adec:decorative xmlns:adec="http://schemas.microsoft.com/office/drawing/2017/decorative" val="1"/>
+                </a:ext>
+              </a:extLst>
+            </p:cNvPr>
+            <p:cNvSpPr/>
+            <p:nvPr>
+              <p:extLst>
+                <p:ext uri="{386F3935-93C4-4BCD-93E2-E3B085C9AB24}">
+                  <p16:designElem xmlns:p16="http://schemas.microsoft.com/office/powerpoint/2015/main" val="1"/>
+                </p:ext>
+              </p:extLst>
+            </p:nvPr>
+          </p:nvSpPr>
+          <p:spPr bwMode="auto">
+            <a:xfrm>
+              <a:off x="1643063" y="0"/>
+              <a:ext cx="152400" cy="912813"/>
+            </a:xfrm>
+            <a:custGeom>
+              <a:avLst/>
+              <a:gdLst/>
+              <a:ahLst/>
+              <a:cxnLst/>
+              <a:rect l="0" t="0" r="r" b="b"/>
+              <a:pathLst>
+                <a:path w="96" h="575">
+                  <a:moveTo>
+                    <a:pt x="96" y="575"/>
+                  </a:moveTo>
+                  <a:lnTo>
+                    <a:pt x="78" y="575"/>
+                  </a:lnTo>
+                  <a:lnTo>
+                    <a:pt x="78" y="192"/>
+                  </a:lnTo>
+                  <a:lnTo>
+                    <a:pt x="0" y="6"/>
+                  </a:lnTo>
+                  <a:lnTo>
+                    <a:pt x="15" y="0"/>
+                  </a:lnTo>
+                  <a:lnTo>
+                    <a:pt x="96" y="189"/>
+                  </a:lnTo>
+                  <a:lnTo>
+                    <a:pt x="96" y="575"/>
+                  </a:lnTo>
+                  <a:close/>
+                </a:path>
+              </a:pathLst>
+            </a:custGeom>
+            <a:grpFill/>
+            <a:ln>
+              <a:noFill/>
+            </a:ln>
+            <a:extLst>
+              <a:ext uri="{91240B29-F687-4f45-9708-019B960494DF}">
+                <a14:hiddenLine xmlns="" xmlns:a16="http://schemas.microsoft.com/office/drawing/2014/main" xmlns:p14="http://schemas.microsoft.com/office/powerpoint/2010/main" xmlns:a14="http://schemas.microsoft.com/office/drawing/2010/main" w="9525">
+                  <a:solidFill>
+                    <a:srgbClr val="000000"/>
+                  </a:solidFill>
+                  <a:round/>
+                  <a:headEnd/>
+                  <a:tailEnd/>
+                </a14:hiddenLine>
+              </a:ext>
+            </a:extLst>
+          </p:spPr>
+        </p:sp>
+        <p:sp>
+          <p:nvSpPr>
+            <p:cNvPr id="25" name="Freeform 15">
+              <a:extLst>
+                <a:ext uri="{FF2B5EF4-FFF2-40B4-BE49-F238E27FC236}">
+                  <a16:creationId xmlns:a16="http://schemas.microsoft.com/office/drawing/2014/main" id="{B9999D50-F32A-4C25-A04E-C692964ADC01}"/>
+                </a:ext>
+                <a:ext uri="{C183D7F6-B498-43B3-948B-1728B52AA6E4}">
+                  <adec:decorative xmlns:adec="http://schemas.microsoft.com/office/drawing/2017/decorative" val="1"/>
+                </a:ext>
+              </a:extLst>
+            </p:cNvPr>
+            <p:cNvSpPr>
+              <a:spLocks noEditPoints="1"/>
+            </p:cNvSpPr>
+            <p:nvPr>
+              <p:extLst>
+                <p:ext uri="{386F3935-93C4-4BCD-93E2-E3B085C9AB24}">
+                  <p16:designElem xmlns:p16="http://schemas.microsoft.com/office/powerpoint/2015/main" val="1"/>
+                </p:ext>
+              </p:extLst>
+            </p:nvPr>
+          </p:nvSpPr>
+          <p:spPr bwMode="auto">
+            <a:xfrm>
+              <a:off x="1685925" y="1420813"/>
+              <a:ext cx="190500" cy="190500"/>
+            </a:xfrm>
+            <a:custGeom>
+              <a:avLst/>
+              <a:gdLst/>
+              <a:ahLst/>
+              <a:cxnLst/>
+              <a:rect l="0" t="0" r="r" b="b"/>
+              <a:pathLst>
+                <a:path w="40" h="40">
+                  <a:moveTo>
+                    <a:pt x="20" y="40"/>
+                  </a:moveTo>
+                  <a:cubicBezTo>
+                    <a:pt x="9" y="40"/>
+                    <a:pt x="0" y="31"/>
+                    <a:pt x="0" y="20"/>
+                  </a:cubicBezTo>
+                  <a:cubicBezTo>
+                    <a:pt x="0" y="9"/>
+                    <a:pt x="9" y="0"/>
+                    <a:pt x="20" y="0"/>
+                  </a:cubicBezTo>
+                  <a:cubicBezTo>
+                    <a:pt x="31" y="0"/>
+                    <a:pt x="40" y="9"/>
+                    <a:pt x="40" y="20"/>
+                  </a:cubicBezTo>
+                  <a:cubicBezTo>
+                    <a:pt x="40" y="31"/>
+                    <a:pt x="31" y="40"/>
+                    <a:pt x="20" y="40"/>
+                  </a:cubicBezTo>
+                  <a:close/>
+                  <a:moveTo>
+                    <a:pt x="20" y="4"/>
+                  </a:moveTo>
+                  <a:cubicBezTo>
+                    <a:pt x="11" y="4"/>
+                    <a:pt x="4" y="11"/>
+                    <a:pt x="4" y="20"/>
+                  </a:cubicBezTo>
+                  <a:cubicBezTo>
+                    <a:pt x="4" y="29"/>
+                    <a:pt x="11" y="36"/>
+                    <a:pt x="20" y="36"/>
+                  </a:cubicBezTo>
+                  <a:cubicBezTo>
+                    <a:pt x="29" y="36"/>
+                    <a:pt x="36" y="29"/>
+                    <a:pt x="36" y="20"/>
+                  </a:cubicBezTo>
+                  <a:cubicBezTo>
+                    <a:pt x="36" y="11"/>
+                    <a:pt x="29" y="4"/>
+                    <a:pt x="20" y="4"/>
+                  </a:cubicBezTo>
+                  <a:close/>
+                </a:path>
+              </a:pathLst>
+            </a:custGeom>
+            <a:grpFill/>
+            <a:ln>
+              <a:noFill/>
+            </a:ln>
+            <a:extLst>
+              <a:ext uri="{91240B29-F687-4f45-9708-019B960494DF}">
+                <a14:hiddenLine xmlns="" xmlns:a16="http://schemas.microsoft.com/office/drawing/2014/main" xmlns:p14="http://schemas.microsoft.com/office/powerpoint/2010/main" xmlns:a14="http://schemas.microsoft.com/office/drawing/2010/main" w="9525">
+                  <a:solidFill>
+                    <a:srgbClr val="000000"/>
+                  </a:solidFill>
+                  <a:round/>
+                  <a:headEnd/>
+                  <a:tailEnd/>
+                </a14:hiddenLine>
+              </a:ext>
+            </a:extLst>
+          </p:spPr>
+        </p:sp>
+        <p:sp>
+          <p:nvSpPr>
+            <p:cNvPr id="26" name="Freeform 16">
+              <a:extLst>
+                <a:ext uri="{FF2B5EF4-FFF2-40B4-BE49-F238E27FC236}">
+                  <a16:creationId xmlns:a16="http://schemas.microsoft.com/office/drawing/2014/main" id="{CB7DA015-73CB-4C8D-AB85-8AE377915DAC}"/>
+                </a:ext>
+                <a:ext uri="{C183D7F6-B498-43B3-948B-1728B52AA6E4}">
+                  <adec:decorative xmlns:adec="http://schemas.microsoft.com/office/drawing/2017/decorative" val="1"/>
+                </a:ext>
+              </a:extLst>
+            </p:cNvPr>
+            <p:cNvSpPr>
+              <a:spLocks noEditPoints="1"/>
+            </p:cNvSpPr>
+            <p:nvPr>
+              <p:extLst>
+                <p:ext uri="{386F3935-93C4-4BCD-93E2-E3B085C9AB24}">
+                  <p16:designElem xmlns:p16="http://schemas.microsoft.com/office/powerpoint/2015/main" val="1"/>
+                </p:ext>
+              </p:extLst>
+            </p:nvPr>
+          </p:nvSpPr>
+          <p:spPr bwMode="auto">
+            <a:xfrm>
+              <a:off x="1685925" y="903288"/>
+              <a:ext cx="190500" cy="190500"/>
+            </a:xfrm>
+            <a:custGeom>
+              <a:avLst/>
+              <a:gdLst/>
+              <a:ahLst/>
+              <a:cxnLst/>
+              <a:rect l="0" t="0" r="r" b="b"/>
+              <a:pathLst>
+                <a:path w="40" h="40">
+                  <a:moveTo>
+                    <a:pt x="20" y="40"/>
+                  </a:moveTo>
+                  <a:cubicBezTo>
+                    <a:pt x="9" y="40"/>
+                    <a:pt x="0" y="31"/>
+                    <a:pt x="0" y="20"/>
+                  </a:cubicBezTo>
+                  <a:cubicBezTo>
+                    <a:pt x="0" y="9"/>
+                    <a:pt x="9" y="0"/>
+                    <a:pt x="20" y="0"/>
+                  </a:cubicBezTo>
+                  <a:cubicBezTo>
+                    <a:pt x="31" y="0"/>
+                    <a:pt x="40" y="9"/>
+                    <a:pt x="40" y="20"/>
+                  </a:cubicBezTo>
+                  <a:cubicBezTo>
+                    <a:pt x="40" y="31"/>
+                    <a:pt x="31" y="40"/>
+                    <a:pt x="20" y="40"/>
+                  </a:cubicBezTo>
+                  <a:close/>
+                  <a:moveTo>
+                    <a:pt x="20" y="4"/>
+                  </a:moveTo>
+                  <a:cubicBezTo>
+                    <a:pt x="11" y="4"/>
+                    <a:pt x="4" y="11"/>
+                    <a:pt x="4" y="20"/>
+                  </a:cubicBezTo>
+                  <a:cubicBezTo>
+                    <a:pt x="4" y="29"/>
+                    <a:pt x="11" y="36"/>
+                    <a:pt x="20" y="36"/>
+                  </a:cubicBezTo>
+                  <a:cubicBezTo>
+                    <a:pt x="29" y="36"/>
+                    <a:pt x="36" y="29"/>
+                    <a:pt x="36" y="20"/>
+                  </a:cubicBezTo>
+                  <a:cubicBezTo>
+                    <a:pt x="36" y="11"/>
+                    <a:pt x="29" y="4"/>
+                    <a:pt x="20" y="4"/>
+                  </a:cubicBezTo>
+                  <a:close/>
+                </a:path>
+              </a:pathLst>
+            </a:custGeom>
+            <a:grpFill/>
+            <a:ln>
+              <a:noFill/>
+            </a:ln>
+            <a:extLst>
+              <a:ext uri="{91240B29-F687-4f45-9708-019B960494DF}">
+                <a14:hiddenLine xmlns="" xmlns:a16="http://schemas.microsoft.com/office/drawing/2014/main" xmlns:p14="http://schemas.microsoft.com/office/powerpoint/2010/main" xmlns:a14="http://schemas.microsoft.com/office/drawing/2010/main" w="9525">
+                  <a:solidFill>
+                    <a:srgbClr val="000000"/>
+                  </a:solidFill>
+                  <a:round/>
+                  <a:headEnd/>
+                  <a:tailEnd/>
+                </a14:hiddenLine>
+              </a:ext>
+            </a:extLst>
+          </p:spPr>
+        </p:sp>
+        <p:sp>
+          <p:nvSpPr>
+            <p:cNvPr id="27" name="Freeform 17">
+              <a:extLst>
+                <a:ext uri="{FF2B5EF4-FFF2-40B4-BE49-F238E27FC236}">
+                  <a16:creationId xmlns:a16="http://schemas.microsoft.com/office/drawing/2014/main" id="{C150CD40-1655-4A8D-B80A-C798FDCA8F73}"/>
+                </a:ext>
+                <a:ext uri="{C183D7F6-B498-43B3-948B-1728B52AA6E4}">
+                  <adec:decorative xmlns:adec="http://schemas.microsoft.com/office/drawing/2017/decorative" val="1"/>
+                </a:ext>
+              </a:extLst>
+            </p:cNvPr>
+            <p:cNvSpPr/>
+            <p:nvPr>
+              <p:extLst>
+                <p:ext uri="{386F3935-93C4-4BCD-93E2-E3B085C9AB24}">
+                  <p16:designElem xmlns:p16="http://schemas.microsoft.com/office/powerpoint/2015/main" val="1"/>
+                </p:ext>
+              </p:extLst>
+            </p:nvPr>
+          </p:nvSpPr>
+          <p:spPr bwMode="auto">
+            <a:xfrm>
+              <a:off x="1743075" y="4763"/>
+              <a:ext cx="419100" cy="522288"/>
+            </a:xfrm>
+            <a:custGeom>
+              <a:avLst/>
+              <a:gdLst/>
+              <a:ahLst/>
+              <a:cxnLst/>
+              <a:rect l="0" t="0" r="r" b="b"/>
+              <a:pathLst>
+                <a:path w="264" h="329">
+                  <a:moveTo>
+                    <a:pt x="252" y="329"/>
+                  </a:moveTo>
+                  <a:lnTo>
+                    <a:pt x="45" y="120"/>
+                  </a:lnTo>
+                  <a:lnTo>
+                    <a:pt x="0" y="6"/>
+                  </a:lnTo>
+                  <a:lnTo>
+                    <a:pt x="15" y="0"/>
+                  </a:lnTo>
+                  <a:lnTo>
+                    <a:pt x="60" y="111"/>
+                  </a:lnTo>
+                  <a:lnTo>
+                    <a:pt x="264" y="317"/>
+                  </a:lnTo>
+                  <a:lnTo>
+                    <a:pt x="252" y="329"/>
+                  </a:lnTo>
+                  <a:close/>
+                </a:path>
+              </a:pathLst>
+            </a:custGeom>
+            <a:grpFill/>
+            <a:ln>
+              <a:noFill/>
+            </a:ln>
+            <a:extLst>
+              <a:ext uri="{91240B29-F687-4f45-9708-019B960494DF}">
+                <a14:hiddenLine xmlns="" xmlns:a16="http://schemas.microsoft.com/office/drawing/2014/main" xmlns:p14="http://schemas.microsoft.com/office/powerpoint/2010/main" xmlns:a14="http://schemas.microsoft.com/office/drawing/2010/main" w="9525">
+                  <a:solidFill>
+                    <a:srgbClr val="000000"/>
+                  </a:solidFill>
+                  <a:round/>
+                  <a:headEnd/>
+                  <a:tailEnd/>
+                </a14:hiddenLine>
+              </a:ext>
+            </a:extLst>
+          </p:spPr>
+        </p:sp>
+        <p:sp>
+          <p:nvSpPr>
+            <p:cNvPr id="28" name="Freeform 18">
+              <a:extLst>
+                <a:ext uri="{FF2B5EF4-FFF2-40B4-BE49-F238E27FC236}">
+                  <a16:creationId xmlns:a16="http://schemas.microsoft.com/office/drawing/2014/main" id="{01DEDE74-105E-4FEC-971F-84ACBB1B312D}"/>
+                </a:ext>
+                <a:ext uri="{C183D7F6-B498-43B3-948B-1728B52AA6E4}">
+                  <adec:decorative xmlns:adec="http://schemas.microsoft.com/office/drawing/2017/decorative" val="1"/>
+                </a:ext>
+              </a:extLst>
+            </p:cNvPr>
+            <p:cNvSpPr>
+              <a:spLocks noEditPoints="1"/>
+            </p:cNvSpPr>
+            <p:nvPr>
+              <p:extLst>
+                <p:ext uri="{386F3935-93C4-4BCD-93E2-E3B085C9AB24}">
+                  <p16:designElem xmlns:p16="http://schemas.microsoft.com/office/powerpoint/2015/main" val="1"/>
+                </p:ext>
+              </p:extLst>
+            </p:nvPr>
+          </p:nvSpPr>
+          <p:spPr bwMode="auto">
+            <a:xfrm>
+              <a:off x="2119313" y="488950"/>
+              <a:ext cx="161925" cy="147638"/>
+            </a:xfrm>
+            <a:custGeom>
+              <a:avLst/>
+              <a:gdLst/>
+              <a:ahLst/>
+              <a:cxnLst/>
+              <a:rect l="0" t="0" r="r" b="b"/>
+              <a:pathLst>
+                <a:path w="34" h="31">
+                  <a:moveTo>
+                    <a:pt x="17" y="31"/>
+                  </a:moveTo>
+                  <a:cubicBezTo>
+                    <a:pt x="13" y="31"/>
+                    <a:pt x="9" y="30"/>
+                    <a:pt x="6" y="27"/>
+                  </a:cubicBezTo>
+                  <a:cubicBezTo>
+                    <a:pt x="0" y="20"/>
+                    <a:pt x="0" y="10"/>
+                    <a:pt x="6" y="4"/>
+                  </a:cubicBezTo>
+                  <a:cubicBezTo>
+                    <a:pt x="9" y="1"/>
+                    <a:pt x="13" y="0"/>
+                    <a:pt x="17" y="0"/>
+                  </a:cubicBezTo>
+                  <a:cubicBezTo>
+                    <a:pt x="21" y="0"/>
+                    <a:pt x="25" y="1"/>
+                    <a:pt x="28" y="4"/>
+                  </a:cubicBezTo>
+                  <a:cubicBezTo>
+                    <a:pt x="34" y="10"/>
+                    <a:pt x="34" y="20"/>
+                    <a:pt x="28" y="27"/>
+                  </a:cubicBezTo>
+                  <a:cubicBezTo>
+                    <a:pt x="25" y="30"/>
+                    <a:pt x="21" y="31"/>
+                    <a:pt x="17" y="31"/>
+                  </a:cubicBezTo>
+                  <a:close/>
+                  <a:moveTo>
+                    <a:pt x="17" y="4"/>
+                  </a:moveTo>
+                  <a:cubicBezTo>
+                    <a:pt x="14" y="4"/>
+                    <a:pt x="11" y="5"/>
+                    <a:pt x="9" y="7"/>
+                  </a:cubicBezTo>
+                  <a:cubicBezTo>
+                    <a:pt x="4" y="12"/>
+                    <a:pt x="4" y="19"/>
+                    <a:pt x="9" y="24"/>
+                  </a:cubicBezTo>
+                  <a:cubicBezTo>
+                    <a:pt x="11" y="26"/>
+                    <a:pt x="14" y="27"/>
+                    <a:pt x="17" y="27"/>
+                  </a:cubicBezTo>
+                  <a:cubicBezTo>
+                    <a:pt x="20" y="27"/>
+                    <a:pt x="23" y="26"/>
+                    <a:pt x="25" y="24"/>
+                  </a:cubicBezTo>
+                  <a:cubicBezTo>
+                    <a:pt x="30" y="19"/>
+                    <a:pt x="30" y="12"/>
+                    <a:pt x="25" y="7"/>
+                  </a:cubicBezTo>
+                  <a:cubicBezTo>
+                    <a:pt x="23" y="5"/>
+                    <a:pt x="20" y="4"/>
+                    <a:pt x="17" y="4"/>
+                  </a:cubicBezTo>
+                  <a:close/>
+                </a:path>
+              </a:pathLst>
+            </a:custGeom>
+            <a:grpFill/>
+            <a:ln>
+              <a:noFill/>
+            </a:ln>
+            <a:extLst>
+              <a:ext uri="{91240B29-F687-4f45-9708-019B960494DF}">
+                <a14:hiddenLine xmlns="" xmlns:a16="http://schemas.microsoft.com/office/drawing/2014/main" xmlns:p14="http://schemas.microsoft.com/office/powerpoint/2010/main" xmlns:a14="http://schemas.microsoft.com/office/drawing/2010/main" w="9525">
+                  <a:solidFill>
+                    <a:srgbClr val="000000"/>
+                  </a:solidFill>
+                  <a:round/>
+                  <a:headEnd/>
+                  <a:tailEnd/>
+                </a14:hiddenLine>
+              </a:ext>
+            </a:extLst>
+          </p:spPr>
+        </p:sp>
+        <p:sp>
+          <p:nvSpPr>
+            <p:cNvPr id="29" name="Freeform 19">
+              <a:extLst>
+                <a:ext uri="{FF2B5EF4-FFF2-40B4-BE49-F238E27FC236}">
+                  <a16:creationId xmlns:a16="http://schemas.microsoft.com/office/drawing/2014/main" id="{97072102-9BA0-4BD1-9C8A-D39A5AF39176}"/>
+                </a:ext>
+                <a:ext uri="{C183D7F6-B498-43B3-948B-1728B52AA6E4}">
+                  <adec:decorative xmlns:adec="http://schemas.microsoft.com/office/drawing/2017/decorative" val="1"/>
+                </a:ext>
+              </a:extLst>
+            </p:cNvPr>
+            <p:cNvSpPr/>
+            <p:nvPr>
+              <p:extLst>
+                <p:ext uri="{386F3935-93C4-4BCD-93E2-E3B085C9AB24}">
+                  <p16:designElem xmlns:p16="http://schemas.microsoft.com/office/powerpoint/2015/main" val="1"/>
+                </p:ext>
+              </p:extLst>
+            </p:nvPr>
+          </p:nvSpPr>
+          <p:spPr bwMode="auto">
+            <a:xfrm>
+              <a:off x="952500" y="4763"/>
+              <a:ext cx="152400" cy="908050"/>
+            </a:xfrm>
+            <a:custGeom>
+              <a:avLst/>
+              <a:gdLst/>
+              <a:ahLst/>
+              <a:cxnLst/>
+              <a:rect l="0" t="0" r="r" b="b"/>
+              <a:pathLst>
+                <a:path w="96" h="572">
+                  <a:moveTo>
+                    <a:pt x="15" y="572"/>
+                  </a:moveTo>
+                  <a:lnTo>
+                    <a:pt x="0" y="572"/>
+                  </a:lnTo>
+                  <a:lnTo>
+                    <a:pt x="0" y="189"/>
+                  </a:lnTo>
+                  <a:lnTo>
+                    <a:pt x="81" y="0"/>
+                  </a:lnTo>
+                  <a:lnTo>
+                    <a:pt x="96" y="6"/>
+                  </a:lnTo>
+                  <a:lnTo>
+                    <a:pt x="15" y="192"/>
+                  </a:lnTo>
+                  <a:lnTo>
+                    <a:pt x="15" y="572"/>
+                  </a:lnTo>
+                  <a:close/>
+                </a:path>
+              </a:pathLst>
+            </a:custGeom>
+            <a:grpFill/>
+            <a:ln>
+              <a:noFill/>
+            </a:ln>
+            <a:extLst>
+              <a:ext uri="{91240B29-F687-4f45-9708-019B960494DF}">
+                <a14:hiddenLine xmlns="" xmlns:a16="http://schemas.microsoft.com/office/drawing/2014/main" xmlns:p14="http://schemas.microsoft.com/office/powerpoint/2010/main" xmlns:a14="http://schemas.microsoft.com/office/drawing/2010/main" w="9525">
+                  <a:solidFill>
+                    <a:srgbClr val="000000"/>
+                  </a:solidFill>
+                  <a:round/>
+                  <a:headEnd/>
+                  <a:tailEnd/>
+                </a14:hiddenLine>
+              </a:ext>
+            </a:extLst>
+          </p:spPr>
+        </p:sp>
+        <p:sp>
+          <p:nvSpPr>
+            <p:cNvPr id="30" name="Freeform 20">
+              <a:extLst>
+                <a:ext uri="{FF2B5EF4-FFF2-40B4-BE49-F238E27FC236}">
+                  <a16:creationId xmlns:a16="http://schemas.microsoft.com/office/drawing/2014/main" id="{E7A55451-B5BF-4D06-977D-3401A1756C53}"/>
+                </a:ext>
+                <a:ext uri="{C183D7F6-B498-43B3-948B-1728B52AA6E4}">
+                  <adec:decorative xmlns:adec="http://schemas.microsoft.com/office/drawing/2017/decorative" val="1"/>
+                </a:ext>
+              </a:extLst>
+            </p:cNvPr>
+            <p:cNvSpPr>
+              <a:spLocks noEditPoints="1"/>
+            </p:cNvSpPr>
+            <p:nvPr>
+              <p:extLst>
+                <p:ext uri="{386F3935-93C4-4BCD-93E2-E3B085C9AB24}">
+                  <p16:designElem xmlns:p16="http://schemas.microsoft.com/office/powerpoint/2015/main" val="1"/>
+                </p:ext>
+              </p:extLst>
+            </p:nvPr>
+          </p:nvSpPr>
+          <p:spPr bwMode="auto">
+            <a:xfrm>
+              <a:off x="866775" y="903288"/>
+              <a:ext cx="190500" cy="190500"/>
+            </a:xfrm>
+            <a:custGeom>
+              <a:avLst/>
+              <a:gdLst/>
+              <a:ahLst/>
+              <a:cxnLst/>
+              <a:rect l="0" t="0" r="r" b="b"/>
+              <a:pathLst>
+                <a:path w="40" h="40">
+                  <a:moveTo>
+                    <a:pt x="20" y="40"/>
+                  </a:moveTo>
+                  <a:cubicBezTo>
+                    <a:pt x="9" y="40"/>
+                    <a:pt x="0" y="31"/>
+                    <a:pt x="0" y="20"/>
+                  </a:cubicBezTo>
+                  <a:cubicBezTo>
+                    <a:pt x="0" y="9"/>
+                    <a:pt x="9" y="0"/>
+                    <a:pt x="20" y="0"/>
+                  </a:cubicBezTo>
+                  <a:cubicBezTo>
+                    <a:pt x="31" y="0"/>
+                    <a:pt x="40" y="9"/>
+                    <a:pt x="40" y="20"/>
+                  </a:cubicBezTo>
+                  <a:cubicBezTo>
+                    <a:pt x="40" y="31"/>
+                    <a:pt x="31" y="40"/>
+                    <a:pt x="20" y="40"/>
+                  </a:cubicBezTo>
+                  <a:close/>
+                  <a:moveTo>
+                    <a:pt x="20" y="4"/>
+                  </a:moveTo>
+                  <a:cubicBezTo>
+                    <a:pt x="11" y="4"/>
+                    <a:pt x="4" y="12"/>
+                    <a:pt x="4" y="20"/>
+                  </a:cubicBezTo>
+                  <a:cubicBezTo>
+                    <a:pt x="4" y="29"/>
+                    <a:pt x="11" y="36"/>
+                    <a:pt x="20" y="36"/>
+                  </a:cubicBezTo>
+                  <a:cubicBezTo>
+                    <a:pt x="29" y="36"/>
+                    <a:pt x="36" y="29"/>
+                    <a:pt x="36" y="20"/>
+                  </a:cubicBezTo>
+                  <a:cubicBezTo>
+                    <a:pt x="36" y="12"/>
+                    <a:pt x="29" y="4"/>
+                    <a:pt x="20" y="4"/>
+                  </a:cubicBezTo>
+                  <a:close/>
+                </a:path>
+              </a:pathLst>
+            </a:custGeom>
+            <a:grpFill/>
+            <a:ln>
+              <a:noFill/>
+            </a:ln>
+            <a:extLst>
+              <a:ext uri="{91240B29-F687-4f45-9708-019B960494DF}">
+                <a14:hiddenLine xmlns="" xmlns:a16="http://schemas.microsoft.com/office/drawing/2014/main" xmlns:p14="http://schemas.microsoft.com/office/powerpoint/2010/main" xmlns:a14="http://schemas.microsoft.com/office/drawing/2010/main" w="9525">
+                  <a:solidFill>
+                    <a:srgbClr val="000000"/>
+                  </a:solidFill>
+                  <a:round/>
+                  <a:headEnd/>
+                  <a:tailEnd/>
+                </a14:hiddenLine>
+              </a:ext>
+            </a:extLst>
+          </p:spPr>
+        </p:sp>
+        <p:sp>
+          <p:nvSpPr>
+            <p:cNvPr id="31" name="Freeform 21">
+              <a:extLst>
+                <a:ext uri="{FF2B5EF4-FFF2-40B4-BE49-F238E27FC236}">
+                  <a16:creationId xmlns:a16="http://schemas.microsoft.com/office/drawing/2014/main" id="{9DC0DCDD-04C6-45DC-AAC1-9204E956C850}"/>
+                </a:ext>
+                <a:ext uri="{C183D7F6-B498-43B3-948B-1728B52AA6E4}">
+                  <adec:decorative xmlns:adec="http://schemas.microsoft.com/office/drawing/2017/decorative" val="1"/>
+                </a:ext>
+              </a:extLst>
+            </p:cNvPr>
+            <p:cNvSpPr>
+              <a:spLocks noEditPoints="1"/>
+            </p:cNvSpPr>
+            <p:nvPr>
+              <p:extLst>
+                <p:ext uri="{386F3935-93C4-4BCD-93E2-E3B085C9AB24}">
+                  <p16:designElem xmlns:p16="http://schemas.microsoft.com/office/powerpoint/2015/main" val="1"/>
+                </p:ext>
+              </p:extLst>
+            </p:nvPr>
+          </p:nvSpPr>
+          <p:spPr bwMode="auto">
+            <a:xfrm>
+              <a:off x="890588" y="1554163"/>
+              <a:ext cx="190500" cy="190500"/>
+            </a:xfrm>
+            <a:custGeom>
+              <a:avLst/>
+              <a:gdLst/>
+              <a:ahLst/>
+              <a:cxnLst/>
+              <a:rect l="0" t="0" r="r" b="b"/>
+              <a:pathLst>
+                <a:path w="40" h="40">
+                  <a:moveTo>
+                    <a:pt x="20" y="40"/>
+                  </a:moveTo>
+                  <a:cubicBezTo>
+                    <a:pt x="9" y="40"/>
+                    <a:pt x="0" y="31"/>
+                    <a:pt x="0" y="20"/>
+                  </a:cubicBezTo>
+                  <a:cubicBezTo>
+                    <a:pt x="0" y="9"/>
+                    <a:pt x="9" y="0"/>
+                    <a:pt x="20" y="0"/>
+                  </a:cubicBezTo>
+                  <a:cubicBezTo>
+                    <a:pt x="31" y="0"/>
+                    <a:pt x="40" y="9"/>
+                    <a:pt x="40" y="20"/>
+                  </a:cubicBezTo>
+                  <a:cubicBezTo>
+                    <a:pt x="40" y="31"/>
+                    <a:pt x="31" y="40"/>
+                    <a:pt x="20" y="40"/>
+                  </a:cubicBezTo>
+                  <a:close/>
+                  <a:moveTo>
+                    <a:pt x="20" y="4"/>
+                  </a:moveTo>
+                  <a:cubicBezTo>
+                    <a:pt x="11" y="4"/>
+                    <a:pt x="4" y="11"/>
+                    <a:pt x="4" y="20"/>
+                  </a:cubicBezTo>
+                  <a:cubicBezTo>
+                    <a:pt x="4" y="28"/>
+                    <a:pt x="11" y="36"/>
+                    <a:pt x="20" y="36"/>
+                  </a:cubicBezTo>
+                  <a:cubicBezTo>
+                    <a:pt x="29" y="36"/>
+                    <a:pt x="36" y="28"/>
+                    <a:pt x="36" y="20"/>
+                  </a:cubicBezTo>
+                  <a:cubicBezTo>
+                    <a:pt x="36" y="11"/>
+                    <a:pt x="29" y="4"/>
+                    <a:pt x="20" y="4"/>
+                  </a:cubicBezTo>
+                  <a:close/>
+                </a:path>
+              </a:pathLst>
+            </a:custGeom>
+            <a:grpFill/>
+            <a:ln>
+              <a:noFill/>
+            </a:ln>
+            <a:extLst>
+              <a:ext uri="{91240B29-F687-4f45-9708-019B960494DF}">
+                <a14:hiddenLine xmlns="" xmlns:a16="http://schemas.microsoft.com/office/drawing/2014/main" xmlns:p14="http://schemas.microsoft.com/office/powerpoint/2010/main" xmlns:a14="http://schemas.microsoft.com/office/drawing/2010/main" w="9525">
+                  <a:solidFill>
+                    <a:srgbClr val="000000"/>
+                  </a:solidFill>
+                  <a:round/>
+                  <a:headEnd/>
+                  <a:tailEnd/>
+                </a14:hiddenLine>
+              </a:ext>
+            </a:extLst>
+          </p:spPr>
+        </p:sp>
+        <p:sp>
+          <p:nvSpPr>
+            <p:cNvPr id="32" name="Freeform 22">
+              <a:extLst>
+                <a:ext uri="{FF2B5EF4-FFF2-40B4-BE49-F238E27FC236}">
+                  <a16:creationId xmlns:a16="http://schemas.microsoft.com/office/drawing/2014/main" id="{1D725CC2-0CE9-43C9-8D5E-03887FD5D4E5}"/>
+                </a:ext>
+                <a:ext uri="{C183D7F6-B498-43B3-948B-1728B52AA6E4}">
+                  <adec:decorative xmlns:adec="http://schemas.microsoft.com/office/drawing/2017/decorative" val="1"/>
+                </a:ext>
+              </a:extLst>
+            </p:cNvPr>
+            <p:cNvSpPr/>
+            <p:nvPr>
+              <p:extLst>
+                <p:ext uri="{386F3935-93C4-4BCD-93E2-E3B085C9AB24}">
+                  <p16:designElem xmlns:p16="http://schemas.microsoft.com/office/powerpoint/2015/main" val="1"/>
+                </p:ext>
+              </p:extLst>
+            </p:nvPr>
+          </p:nvSpPr>
+          <p:spPr bwMode="auto">
+            <a:xfrm>
+              <a:off x="738188" y="5622925"/>
+              <a:ext cx="338138" cy="1216025"/>
+            </a:xfrm>
+            <a:custGeom>
+              <a:avLst/>
+              <a:gdLst/>
+              <a:ahLst/>
+              <a:cxnLst/>
+              <a:rect l="0" t="0" r="r" b="b"/>
+              <a:pathLst>
+                <a:path w="213" h="766">
+                  <a:moveTo>
+                    <a:pt x="213" y="766"/>
+                  </a:moveTo>
+                  <a:lnTo>
+                    <a:pt x="195" y="766"/>
+                  </a:lnTo>
+                  <a:lnTo>
+                    <a:pt x="195" y="464"/>
+                  </a:lnTo>
+                  <a:lnTo>
+                    <a:pt x="0" y="6"/>
+                  </a:lnTo>
+                  <a:lnTo>
+                    <a:pt x="12" y="0"/>
+                  </a:lnTo>
+                  <a:lnTo>
+                    <a:pt x="213" y="461"/>
+                  </a:lnTo>
+                  <a:lnTo>
+                    <a:pt x="213" y="766"/>
+                  </a:lnTo>
+                  <a:close/>
+                </a:path>
+              </a:pathLst>
+            </a:custGeom>
+            <a:grpFill/>
+            <a:ln>
+              <a:noFill/>
+            </a:ln>
+            <a:extLst>
+              <a:ext uri="{91240B29-F687-4f45-9708-019B960494DF}">
+                <a14:hiddenLine xmlns="" xmlns:a16="http://schemas.microsoft.com/office/drawing/2014/main" xmlns:p14="http://schemas.microsoft.com/office/powerpoint/2010/main" xmlns:a14="http://schemas.microsoft.com/office/drawing/2010/main" w="9525">
+                  <a:solidFill>
+                    <a:srgbClr val="000000"/>
+                  </a:solidFill>
+                  <a:round/>
+                  <a:headEnd/>
+                  <a:tailEnd/>
+                </a14:hiddenLine>
+              </a:ext>
+            </a:extLst>
+          </p:spPr>
+        </p:sp>
+        <p:sp>
+          <p:nvSpPr>
+            <p:cNvPr id="33" name="Freeform 23">
+              <a:extLst>
+                <a:ext uri="{FF2B5EF4-FFF2-40B4-BE49-F238E27FC236}">
+                  <a16:creationId xmlns:a16="http://schemas.microsoft.com/office/drawing/2014/main" id="{C1BFC139-20A1-4E5E-8DB1-BBDC67E219AF}"/>
+                </a:ext>
+                <a:ext uri="{C183D7F6-B498-43B3-948B-1728B52AA6E4}">
+                  <adec:decorative xmlns:adec="http://schemas.microsoft.com/office/drawing/2017/decorative" val="1"/>
+                </a:ext>
+              </a:extLst>
+            </p:cNvPr>
+            <p:cNvSpPr>
+              <a:spLocks noEditPoints="1"/>
+            </p:cNvSpPr>
+            <p:nvPr>
+              <p:extLst>
+                <p:ext uri="{386F3935-93C4-4BCD-93E2-E3B085C9AB24}">
+                  <p16:designElem xmlns:p16="http://schemas.microsoft.com/office/powerpoint/2015/main" val="1"/>
+                </p:ext>
+              </p:extLst>
+            </p:nvPr>
+          </p:nvSpPr>
+          <p:spPr bwMode="auto">
+            <a:xfrm>
+              <a:off x="647700" y="5480050"/>
+              <a:ext cx="157163" cy="157163"/>
+            </a:xfrm>
+            <a:custGeom>
+              <a:avLst/>
+              <a:gdLst/>
+              <a:ahLst/>
+              <a:cxnLst/>
+              <a:rect l="0" t="0" r="r" b="b"/>
+              <a:pathLst>
+                <a:path w="33" h="33">
+                  <a:moveTo>
+                    <a:pt x="17" y="33"/>
+                  </a:moveTo>
+                  <a:cubicBezTo>
+                    <a:pt x="8" y="33"/>
+                    <a:pt x="0" y="26"/>
+                    <a:pt x="0" y="17"/>
+                  </a:cubicBezTo>
+                  <a:cubicBezTo>
+                    <a:pt x="0" y="8"/>
+                    <a:pt x="8" y="0"/>
+                    <a:pt x="17" y="0"/>
+                  </a:cubicBezTo>
+                  <a:cubicBezTo>
+                    <a:pt x="26" y="0"/>
+                    <a:pt x="33" y="8"/>
+                    <a:pt x="33" y="17"/>
+                  </a:cubicBezTo>
+                  <a:cubicBezTo>
+                    <a:pt x="33" y="26"/>
+                    <a:pt x="26" y="33"/>
+                    <a:pt x="17" y="33"/>
+                  </a:cubicBezTo>
+                  <a:close/>
+                  <a:moveTo>
+                    <a:pt x="17" y="4"/>
+                  </a:moveTo>
+                  <a:cubicBezTo>
+                    <a:pt x="10" y="4"/>
+                    <a:pt x="4" y="10"/>
+                    <a:pt x="4" y="17"/>
+                  </a:cubicBezTo>
+                  <a:cubicBezTo>
+                    <a:pt x="4" y="24"/>
+                    <a:pt x="10" y="29"/>
+                    <a:pt x="17" y="29"/>
+                  </a:cubicBezTo>
+                  <a:cubicBezTo>
+                    <a:pt x="23" y="29"/>
+                    <a:pt x="29" y="24"/>
+                    <a:pt x="29" y="17"/>
+                  </a:cubicBezTo>
+                  <a:cubicBezTo>
+                    <a:pt x="29" y="10"/>
+                    <a:pt x="23" y="4"/>
+                    <a:pt x="17" y="4"/>
+                  </a:cubicBezTo>
+                  <a:close/>
+                </a:path>
+              </a:pathLst>
+            </a:custGeom>
+            <a:grpFill/>
+            <a:ln>
+              <a:noFill/>
+            </a:ln>
+            <a:extLst>
+              <a:ext uri="{91240B29-F687-4f45-9708-019B960494DF}">
+                <a14:hiddenLine xmlns="" xmlns:a16="http://schemas.microsoft.com/office/drawing/2014/main" xmlns:p14="http://schemas.microsoft.com/office/powerpoint/2010/main" xmlns:a14="http://schemas.microsoft.com/office/drawing/2010/main" w="9525">
+                  <a:solidFill>
+                    <a:srgbClr val="000000"/>
+                  </a:solidFill>
+                  <a:round/>
+                  <a:headEnd/>
+                  <a:tailEnd/>
+                </a14:hiddenLine>
+              </a:ext>
+            </a:extLst>
+          </p:spPr>
+        </p:sp>
+        <p:sp>
+          <p:nvSpPr>
+            <p:cNvPr id="34" name="Freeform 24">
+              <a:extLst>
+                <a:ext uri="{FF2B5EF4-FFF2-40B4-BE49-F238E27FC236}">
+                  <a16:creationId xmlns:a16="http://schemas.microsoft.com/office/drawing/2014/main" id="{DD2A82AD-E598-4BBF-AA25-8D845F909CC7}"/>
+                </a:ext>
+                <a:ext uri="{C183D7F6-B498-43B3-948B-1728B52AA6E4}">
+                  <adec:decorative xmlns:adec="http://schemas.microsoft.com/office/drawing/2017/decorative" val="1"/>
+                </a:ext>
+              </a:extLst>
+            </p:cNvPr>
+            <p:cNvSpPr>
+              <a:spLocks noEditPoints="1"/>
+            </p:cNvSpPr>
+            <p:nvPr>
+              <p:extLst>
+                <p:ext uri="{386F3935-93C4-4BCD-93E2-E3B085C9AB24}">
+                  <p16:designElem xmlns:p16="http://schemas.microsoft.com/office/powerpoint/2015/main" val="1"/>
+                </p:ext>
+              </p:extLst>
+            </p:nvPr>
+          </p:nvSpPr>
+          <p:spPr bwMode="auto">
+            <a:xfrm>
+              <a:off x="66675" y="903288"/>
+              <a:ext cx="190500" cy="190500"/>
+            </a:xfrm>
+            <a:custGeom>
+              <a:avLst/>
+              <a:gdLst/>
+              <a:ahLst/>
+              <a:cxnLst/>
+              <a:rect l="0" t="0" r="r" b="b"/>
+              <a:pathLst>
+                <a:path w="40" h="40">
+                  <a:moveTo>
+                    <a:pt x="20" y="40"/>
+                  </a:moveTo>
+                  <a:cubicBezTo>
+                    <a:pt x="9" y="40"/>
+                    <a:pt x="0" y="31"/>
+                    <a:pt x="0" y="20"/>
+                  </a:cubicBezTo>
+                  <a:cubicBezTo>
+                    <a:pt x="0" y="9"/>
+                    <a:pt x="9" y="0"/>
+                    <a:pt x="20" y="0"/>
+                  </a:cubicBezTo>
+                  <a:cubicBezTo>
+                    <a:pt x="32" y="0"/>
+                    <a:pt x="40" y="9"/>
+                    <a:pt x="40" y="20"/>
+                  </a:cubicBezTo>
+                  <a:cubicBezTo>
+                    <a:pt x="40" y="31"/>
+                    <a:pt x="32" y="40"/>
+                    <a:pt x="20" y="40"/>
+                  </a:cubicBezTo>
+                  <a:close/>
+                  <a:moveTo>
+                    <a:pt x="20" y="4"/>
+                  </a:moveTo>
+                  <a:cubicBezTo>
+                    <a:pt x="12" y="4"/>
+                    <a:pt x="4" y="12"/>
+                    <a:pt x="4" y="20"/>
+                  </a:cubicBezTo>
+                  <a:cubicBezTo>
+                    <a:pt x="4" y="29"/>
+                    <a:pt x="12" y="36"/>
+                    <a:pt x="20" y="36"/>
+                  </a:cubicBezTo>
+                  <a:cubicBezTo>
+                    <a:pt x="29" y="36"/>
+                    <a:pt x="36" y="29"/>
+                    <a:pt x="36" y="20"/>
+                  </a:cubicBezTo>
+                  <a:cubicBezTo>
+                    <a:pt x="36" y="12"/>
+                    <a:pt x="29" y="4"/>
+                    <a:pt x="20" y="4"/>
+                  </a:cubicBezTo>
+                  <a:close/>
+                </a:path>
+              </a:pathLst>
+            </a:custGeom>
+            <a:grpFill/>
+            <a:ln>
+              <a:noFill/>
+            </a:ln>
+            <a:extLst>
+              <a:ext uri="{91240B29-F687-4f45-9708-019B960494DF}">
+                <a14:hiddenLine xmlns="" xmlns:a16="http://schemas.microsoft.com/office/drawing/2014/main" xmlns:p14="http://schemas.microsoft.com/office/powerpoint/2010/main" xmlns:a14="http://schemas.microsoft.com/office/drawing/2010/main" w="9525">
+                  <a:solidFill>
+                    <a:srgbClr val="000000"/>
+                  </a:solidFill>
+                  <a:round/>
+                  <a:headEnd/>
+                  <a:tailEnd/>
+                </a14:hiddenLine>
+              </a:ext>
+            </a:extLst>
+          </p:spPr>
+        </p:sp>
+        <p:sp>
+          <p:nvSpPr>
+            <p:cNvPr id="35" name="Freeform 25">
+              <a:extLst>
+                <a:ext uri="{FF2B5EF4-FFF2-40B4-BE49-F238E27FC236}">
+                  <a16:creationId xmlns:a16="http://schemas.microsoft.com/office/drawing/2014/main" id="{4EEF8047-1328-47DF-ACA8-9F4C5223CA0B}"/>
+                </a:ext>
+                <a:ext uri="{C183D7F6-B498-43B3-948B-1728B52AA6E4}">
+                  <adec:decorative xmlns:adec="http://schemas.microsoft.com/office/drawing/2017/decorative" val="1"/>
+                </a:ext>
+              </a:extLst>
+            </p:cNvPr>
+            <p:cNvSpPr/>
+            <p:nvPr>
+              <p:extLst>
+                <p:ext uri="{386F3935-93C4-4BCD-93E2-E3B085C9AB24}">
+                  <p16:designElem xmlns:p16="http://schemas.microsoft.com/office/powerpoint/2015/main" val="1"/>
+                </p:ext>
+              </p:extLst>
+            </p:nvPr>
+          </p:nvSpPr>
+          <p:spPr bwMode="auto">
+            <a:xfrm>
+              <a:off x="0" y="3897313"/>
+              <a:ext cx="133350" cy="266700"/>
+            </a:xfrm>
+            <a:custGeom>
+              <a:avLst/>
+              <a:gdLst/>
+              <a:ahLst/>
+              <a:cxnLst/>
+              <a:rect l="0" t="0" r="r" b="b"/>
+              <a:pathLst>
+                <a:path w="84" h="168">
+                  <a:moveTo>
+                    <a:pt x="69" y="168"/>
+                  </a:moveTo>
+                  <a:lnTo>
+                    <a:pt x="0" y="6"/>
+                  </a:lnTo>
+                  <a:lnTo>
+                    <a:pt x="12" y="0"/>
+                  </a:lnTo>
+                  <a:lnTo>
+                    <a:pt x="84" y="162"/>
+                  </a:lnTo>
+                  <a:lnTo>
+                    <a:pt x="69" y="168"/>
+                  </a:lnTo>
+                  <a:close/>
+                </a:path>
+              </a:pathLst>
+            </a:custGeom>
+            <a:grpFill/>
+            <a:ln>
+              <a:noFill/>
+            </a:ln>
+            <a:extLst>
+              <a:ext uri="{91240B29-F687-4f45-9708-019B960494DF}">
+                <a14:hiddenLine xmlns="" xmlns:a16="http://schemas.microsoft.com/office/drawing/2014/main" xmlns:p14="http://schemas.microsoft.com/office/powerpoint/2010/main" xmlns:a14="http://schemas.microsoft.com/office/drawing/2010/main" w="9525">
+                  <a:solidFill>
+                    <a:srgbClr val="000000"/>
+                  </a:solidFill>
+                  <a:round/>
+                  <a:headEnd/>
+                  <a:tailEnd/>
+                </a14:hiddenLine>
+              </a:ext>
+            </a:extLst>
+          </p:spPr>
+        </p:sp>
+        <p:sp>
+          <p:nvSpPr>
+            <p:cNvPr id="36" name="Freeform 26">
+              <a:extLst>
+                <a:ext uri="{FF2B5EF4-FFF2-40B4-BE49-F238E27FC236}">
+                  <a16:creationId xmlns:a16="http://schemas.microsoft.com/office/drawing/2014/main" id="{1F372141-C46A-4201-8ECD-31BABD99D9D0}"/>
+                </a:ext>
+                <a:ext uri="{C183D7F6-B498-43B3-948B-1728B52AA6E4}">
+                  <adec:decorative xmlns:adec="http://schemas.microsoft.com/office/drawing/2017/decorative" val="1"/>
+                </a:ext>
+              </a:extLst>
+            </p:cNvPr>
+            <p:cNvSpPr>
+              <a:spLocks noEditPoints="1"/>
+            </p:cNvSpPr>
+            <p:nvPr>
+              <p:extLst>
+                <p:ext uri="{386F3935-93C4-4BCD-93E2-E3B085C9AB24}">
+                  <p16:designElem xmlns:p16="http://schemas.microsoft.com/office/powerpoint/2015/main" val="1"/>
+                </p:ext>
+              </p:extLst>
+            </p:nvPr>
+          </p:nvSpPr>
+          <p:spPr bwMode="auto">
+            <a:xfrm>
+              <a:off x="66675" y="4149725"/>
+              <a:ext cx="190500" cy="188913"/>
+            </a:xfrm>
+            <a:custGeom>
+              <a:avLst/>
+              <a:gdLst/>
+              <a:ahLst/>
+              <a:cxnLst/>
+              <a:rect l="0" t="0" r="r" b="b"/>
+              <a:pathLst>
+                <a:path w="40" h="40">
+                  <a:moveTo>
+                    <a:pt x="20" y="40"/>
+                  </a:moveTo>
+                  <a:cubicBezTo>
+                    <a:pt x="9" y="40"/>
+                    <a:pt x="0" y="31"/>
+                    <a:pt x="0" y="20"/>
+                  </a:cubicBezTo>
+                  <a:cubicBezTo>
+                    <a:pt x="0" y="9"/>
+                    <a:pt x="9" y="0"/>
+                    <a:pt x="20" y="0"/>
+                  </a:cubicBezTo>
+                  <a:cubicBezTo>
+                    <a:pt x="31" y="0"/>
+                    <a:pt x="40" y="9"/>
+                    <a:pt x="40" y="20"/>
+                  </a:cubicBezTo>
+                  <a:cubicBezTo>
+                    <a:pt x="40" y="31"/>
+                    <a:pt x="31" y="40"/>
+                    <a:pt x="20" y="40"/>
+                  </a:cubicBezTo>
+                  <a:close/>
+                  <a:moveTo>
+                    <a:pt x="20" y="4"/>
+                  </a:moveTo>
+                  <a:cubicBezTo>
+                    <a:pt x="11" y="4"/>
+                    <a:pt x="4" y="11"/>
+                    <a:pt x="4" y="20"/>
+                  </a:cubicBezTo>
+                  <a:cubicBezTo>
+                    <a:pt x="4" y="28"/>
+                    <a:pt x="11" y="36"/>
+                    <a:pt x="20" y="36"/>
+                  </a:cubicBezTo>
+                  <a:cubicBezTo>
+                    <a:pt x="29" y="36"/>
+                    <a:pt x="36" y="28"/>
+                    <a:pt x="36" y="20"/>
+                  </a:cubicBezTo>
+                  <a:cubicBezTo>
+                    <a:pt x="36" y="11"/>
+                    <a:pt x="29" y="4"/>
+                    <a:pt x="20" y="4"/>
+                  </a:cubicBezTo>
+                  <a:close/>
+                </a:path>
+              </a:pathLst>
+            </a:custGeom>
+            <a:grpFill/>
+            <a:ln>
+              <a:noFill/>
+            </a:ln>
+            <a:extLst>
+              <a:ext uri="{91240B29-F687-4f45-9708-019B960494DF}">
+                <a14:hiddenLine xmlns="" xmlns:a16="http://schemas.microsoft.com/office/drawing/2014/main" xmlns:p14="http://schemas.microsoft.com/office/powerpoint/2010/main" xmlns:a14="http://schemas.microsoft.com/office/drawing/2010/main" w="9525">
+                  <a:solidFill>
+                    <a:srgbClr val="000000"/>
+                  </a:solidFill>
+                  <a:round/>
+                  <a:headEnd/>
+                  <a:tailEnd/>
+                </a14:hiddenLine>
+              </a:ext>
+            </a:extLst>
+          </p:spPr>
+        </p:sp>
+        <p:sp>
+          <p:nvSpPr>
+            <p:cNvPr id="37" name="Freeform 27">
+              <a:extLst>
+                <a:ext uri="{FF2B5EF4-FFF2-40B4-BE49-F238E27FC236}">
+                  <a16:creationId xmlns:a16="http://schemas.microsoft.com/office/drawing/2014/main" id="{5CCAAB7A-E85C-4C06-8338-38031C3F988F}"/>
+                </a:ext>
+                <a:ext uri="{C183D7F6-B498-43B3-948B-1728B52AA6E4}">
+                  <adec:decorative xmlns:adec="http://schemas.microsoft.com/office/drawing/2017/decorative" val="1"/>
+                </a:ext>
+              </a:extLst>
+            </p:cNvPr>
+            <p:cNvSpPr/>
+            <p:nvPr>
+              <p:extLst>
+                <p:ext uri="{386F3935-93C4-4BCD-93E2-E3B085C9AB24}">
+                  <p16:designElem xmlns:p16="http://schemas.microsoft.com/office/powerpoint/2015/main" val="1"/>
+                </p:ext>
+              </p:extLst>
+            </p:nvPr>
+          </p:nvSpPr>
+          <p:spPr bwMode="auto">
+            <a:xfrm>
+              <a:off x="0" y="1644650"/>
+              <a:ext cx="133350" cy="269875"/>
+            </a:xfrm>
+            <a:custGeom>
+              <a:avLst/>
+              <a:gdLst/>
+              <a:ahLst/>
+              <a:cxnLst/>
+              <a:rect l="0" t="0" r="r" b="b"/>
+              <a:pathLst>
+                <a:path w="84" h="170">
+                  <a:moveTo>
+                    <a:pt x="12" y="170"/>
+                  </a:moveTo>
+                  <a:lnTo>
+                    <a:pt x="0" y="164"/>
+                  </a:lnTo>
+                  <a:lnTo>
+                    <a:pt x="69" y="0"/>
+                  </a:lnTo>
+                  <a:lnTo>
+                    <a:pt x="84" y="6"/>
+                  </a:lnTo>
+                  <a:lnTo>
+                    <a:pt x="12" y="170"/>
+                  </a:lnTo>
+                  <a:close/>
+                </a:path>
+              </a:pathLst>
+            </a:custGeom>
+            <a:grpFill/>
+            <a:ln>
+              <a:noFill/>
+            </a:ln>
+            <a:extLst>
+              <a:ext uri="{91240B29-F687-4f45-9708-019B960494DF}">
+                <a14:hiddenLine xmlns="" xmlns:a16="http://schemas.microsoft.com/office/drawing/2014/main" xmlns:p14="http://schemas.microsoft.com/office/powerpoint/2010/main" xmlns:a14="http://schemas.microsoft.com/office/drawing/2010/main" w="9525">
+                  <a:solidFill>
+                    <a:srgbClr val="000000"/>
+                  </a:solidFill>
+                  <a:round/>
+                  <a:headEnd/>
+                  <a:tailEnd/>
+                </a14:hiddenLine>
+              </a:ext>
+            </a:extLst>
+          </p:spPr>
+        </p:sp>
+        <p:sp>
+          <p:nvSpPr>
+            <p:cNvPr id="38" name="Freeform 28">
+              <a:extLst>
+                <a:ext uri="{FF2B5EF4-FFF2-40B4-BE49-F238E27FC236}">
+                  <a16:creationId xmlns:a16="http://schemas.microsoft.com/office/drawing/2014/main" id="{43B6C669-E0C4-4985-8FEB-5CCEAB804373}"/>
+                </a:ext>
+                <a:ext uri="{C183D7F6-B498-43B3-948B-1728B52AA6E4}">
+                  <adec:decorative xmlns:adec="http://schemas.microsoft.com/office/drawing/2017/decorative" val="1"/>
+                </a:ext>
+              </a:extLst>
+            </p:cNvPr>
+            <p:cNvSpPr>
+              <a:spLocks noEditPoints="1"/>
+            </p:cNvSpPr>
+            <p:nvPr>
+              <p:extLst>
+                <p:ext uri="{386F3935-93C4-4BCD-93E2-E3B085C9AB24}">
+                  <p16:designElem xmlns:p16="http://schemas.microsoft.com/office/powerpoint/2015/main" val="1"/>
+                </p:ext>
+              </p:extLst>
+            </p:nvPr>
+          </p:nvSpPr>
+          <p:spPr bwMode="auto">
+            <a:xfrm>
+              <a:off x="66675" y="1468438"/>
+              <a:ext cx="190500" cy="190500"/>
+            </a:xfrm>
+            <a:custGeom>
+              <a:avLst/>
+              <a:gdLst/>
+              <a:ahLst/>
+              <a:cxnLst/>
+              <a:rect l="0" t="0" r="r" b="b"/>
+              <a:pathLst>
+                <a:path w="40" h="40">
+                  <a:moveTo>
+                    <a:pt x="20" y="40"/>
+                  </a:moveTo>
+                  <a:cubicBezTo>
+                    <a:pt x="9" y="40"/>
+                    <a:pt x="0" y="31"/>
+                    <a:pt x="0" y="20"/>
+                  </a:cubicBezTo>
+                  <a:cubicBezTo>
+                    <a:pt x="0" y="9"/>
+                    <a:pt x="9" y="0"/>
+                    <a:pt x="20" y="0"/>
+                  </a:cubicBezTo>
+                  <a:cubicBezTo>
+                    <a:pt x="31" y="0"/>
+                    <a:pt x="40" y="9"/>
+                    <a:pt x="40" y="20"/>
+                  </a:cubicBezTo>
+                  <a:cubicBezTo>
+                    <a:pt x="40" y="31"/>
+                    <a:pt x="31" y="40"/>
+                    <a:pt x="20" y="40"/>
+                  </a:cubicBezTo>
+                  <a:close/>
+                  <a:moveTo>
+                    <a:pt x="20" y="4"/>
+                  </a:moveTo>
+                  <a:cubicBezTo>
+                    <a:pt x="11" y="4"/>
+                    <a:pt x="4" y="11"/>
+                    <a:pt x="4" y="20"/>
+                  </a:cubicBezTo>
+                  <a:cubicBezTo>
+                    <a:pt x="4" y="28"/>
+                    <a:pt x="11" y="36"/>
+                    <a:pt x="20" y="36"/>
+                  </a:cubicBezTo>
+                  <a:cubicBezTo>
+                    <a:pt x="29" y="36"/>
+                    <a:pt x="36" y="28"/>
+                    <a:pt x="36" y="20"/>
+                  </a:cubicBezTo>
+                  <a:cubicBezTo>
+                    <a:pt x="36" y="11"/>
+                    <a:pt x="29" y="4"/>
+                    <a:pt x="20" y="4"/>
+                  </a:cubicBezTo>
+                  <a:close/>
+                </a:path>
+              </a:pathLst>
+            </a:custGeom>
+            <a:grpFill/>
+            <a:ln>
+              <a:noFill/>
+            </a:ln>
+            <a:extLst>
+              <a:ext uri="{91240B29-F687-4f45-9708-019B960494DF}">
+                <a14:hiddenLine xmlns="" xmlns:a16="http://schemas.microsoft.com/office/drawing/2014/main" xmlns:p14="http://schemas.microsoft.com/office/powerpoint/2010/main" xmlns:a14="http://schemas.microsoft.com/office/drawing/2010/main" w="9525">
+                  <a:solidFill>
+                    <a:srgbClr val="000000"/>
+                  </a:solidFill>
+                  <a:round/>
+                  <a:headEnd/>
+                  <a:tailEnd/>
+                </a14:hiddenLine>
+              </a:ext>
+            </a:extLst>
+          </p:spPr>
+        </p:sp>
+        <p:sp>
+          <p:nvSpPr>
+            <p:cNvPr id="39" name="Freeform 29">
+              <a:extLst>
+                <a:ext uri="{FF2B5EF4-FFF2-40B4-BE49-F238E27FC236}">
+                  <a16:creationId xmlns:a16="http://schemas.microsoft.com/office/drawing/2014/main" id="{13304268-5D80-466E-BA64-EA1814E40057}"/>
+                </a:ext>
+                <a:ext uri="{C183D7F6-B498-43B3-948B-1728B52AA6E4}">
+                  <adec:decorative xmlns:adec="http://schemas.microsoft.com/office/drawing/2017/decorative" val="1"/>
+                </a:ext>
+              </a:extLst>
+            </p:cNvPr>
+            <p:cNvSpPr/>
+            <p:nvPr>
+              <p:extLst>
+                <p:ext uri="{386F3935-93C4-4BCD-93E2-E3B085C9AB24}">
+                  <p16:designElem xmlns:p16="http://schemas.microsoft.com/office/powerpoint/2015/main" val="1"/>
+                </p:ext>
+              </p:extLst>
+            </p:nvPr>
+          </p:nvSpPr>
+          <p:spPr bwMode="auto">
+            <a:xfrm>
+              <a:off x="695325" y="4763"/>
+              <a:ext cx="309563" cy="1558925"/>
+            </a:xfrm>
+            <a:custGeom>
+              <a:avLst/>
+              <a:gdLst/>
+              <a:ahLst/>
+              <a:cxnLst/>
+              <a:rect l="0" t="0" r="r" b="b"/>
+              <a:pathLst>
+                <a:path w="195" h="982">
+                  <a:moveTo>
+                    <a:pt x="195" y="982"/>
+                  </a:moveTo>
+                  <a:lnTo>
+                    <a:pt x="177" y="982"/>
+                  </a:lnTo>
+                  <a:lnTo>
+                    <a:pt x="177" y="805"/>
+                  </a:lnTo>
+                  <a:lnTo>
+                    <a:pt x="0" y="629"/>
+                  </a:lnTo>
+                  <a:lnTo>
+                    <a:pt x="0" y="0"/>
+                  </a:lnTo>
+                  <a:lnTo>
+                    <a:pt x="18" y="0"/>
+                  </a:lnTo>
+                  <a:lnTo>
+                    <a:pt x="18" y="623"/>
+                  </a:lnTo>
+                  <a:lnTo>
+                    <a:pt x="195" y="796"/>
+                  </a:lnTo>
+                  <a:lnTo>
+                    <a:pt x="195" y="982"/>
+                  </a:lnTo>
+                  <a:close/>
+                </a:path>
+              </a:pathLst>
+            </a:custGeom>
+            <a:grpFill/>
+            <a:ln>
+              <a:noFill/>
+            </a:ln>
+            <a:extLst>
+              <a:ext uri="{91240B29-F687-4f45-9708-019B960494DF}">
+                <a14:hiddenLine xmlns="" xmlns:a16="http://schemas.microsoft.com/office/drawing/2014/main" xmlns:p14="http://schemas.microsoft.com/office/powerpoint/2010/main" xmlns:a14="http://schemas.microsoft.com/office/drawing/2010/main" w="9525">
+                  <a:solidFill>
+                    <a:srgbClr val="000000"/>
+                  </a:solidFill>
+                  <a:round/>
+                  <a:headEnd/>
+                  <a:tailEnd/>
+                </a14:hiddenLine>
+              </a:ext>
+            </a:extLst>
+          </p:spPr>
+        </p:sp>
+        <p:sp>
+          <p:nvSpPr>
+            <p:cNvPr id="40" name="Freeform 30">
+              <a:extLst>
+                <a:ext uri="{FF2B5EF4-FFF2-40B4-BE49-F238E27FC236}">
+                  <a16:creationId xmlns:a16="http://schemas.microsoft.com/office/drawing/2014/main" id="{159730C8-8822-4C3F-B01E-2CC73DA2D30D}"/>
+                </a:ext>
+                <a:ext uri="{C183D7F6-B498-43B3-948B-1728B52AA6E4}">
+                  <adec:decorative xmlns:adec="http://schemas.microsoft.com/office/drawing/2017/decorative" val="1"/>
+                </a:ext>
+              </a:extLst>
+            </p:cNvPr>
+            <p:cNvSpPr>
+              <a:spLocks noEditPoints="1"/>
+            </p:cNvSpPr>
+            <p:nvPr>
+              <p:extLst>
+                <p:ext uri="{386F3935-93C4-4BCD-93E2-E3B085C9AB24}">
+                  <p16:designElem xmlns:p16="http://schemas.microsoft.com/office/powerpoint/2015/main" val="1"/>
+                </p:ext>
+              </p:extLst>
+            </p:nvPr>
+          </p:nvSpPr>
+          <p:spPr bwMode="auto">
+            <a:xfrm>
+              <a:off x="57150" y="4881563"/>
+              <a:ext cx="190500" cy="188913"/>
+            </a:xfrm>
+            <a:custGeom>
+              <a:avLst/>
+              <a:gdLst/>
+              <a:ahLst/>
+              <a:cxnLst/>
+              <a:rect l="0" t="0" r="r" b="b"/>
+              <a:pathLst>
+                <a:path w="40" h="40">
+                  <a:moveTo>
+                    <a:pt x="20" y="40"/>
+                  </a:moveTo>
+                  <a:cubicBezTo>
+                    <a:pt x="9" y="40"/>
+                    <a:pt x="0" y="31"/>
+                    <a:pt x="0" y="20"/>
+                  </a:cubicBezTo>
+                  <a:cubicBezTo>
+                    <a:pt x="0" y="9"/>
+                    <a:pt x="9" y="0"/>
+                    <a:pt x="20" y="0"/>
+                  </a:cubicBezTo>
+                  <a:cubicBezTo>
+                    <a:pt x="31" y="0"/>
+                    <a:pt x="40" y="9"/>
+                    <a:pt x="40" y="20"/>
+                  </a:cubicBezTo>
+                  <a:cubicBezTo>
+                    <a:pt x="40" y="31"/>
+                    <a:pt x="31" y="40"/>
+                    <a:pt x="20" y="40"/>
+                  </a:cubicBezTo>
+                  <a:close/>
+                  <a:moveTo>
+                    <a:pt x="20" y="4"/>
+                  </a:moveTo>
+                  <a:cubicBezTo>
+                    <a:pt x="12" y="4"/>
+                    <a:pt x="4" y="11"/>
+                    <a:pt x="4" y="20"/>
+                  </a:cubicBezTo>
+                  <a:cubicBezTo>
+                    <a:pt x="4" y="29"/>
+                    <a:pt x="12" y="36"/>
+                    <a:pt x="20" y="36"/>
+                  </a:cubicBezTo>
+                  <a:cubicBezTo>
+                    <a:pt x="29" y="36"/>
+                    <a:pt x="36" y="29"/>
+                    <a:pt x="36" y="20"/>
+                  </a:cubicBezTo>
+                  <a:cubicBezTo>
+                    <a:pt x="36" y="11"/>
+                    <a:pt x="29" y="4"/>
+                    <a:pt x="20" y="4"/>
+                  </a:cubicBezTo>
+                  <a:close/>
+                </a:path>
+              </a:pathLst>
+            </a:custGeom>
+            <a:grpFill/>
+            <a:ln>
+              <a:noFill/>
+            </a:ln>
+            <a:extLst>
+              <a:ext uri="{91240B29-F687-4f45-9708-019B960494DF}">
+                <a14:hiddenLine xmlns="" xmlns:a16="http://schemas.microsoft.com/office/drawing/2014/main" xmlns:p14="http://schemas.microsoft.com/office/powerpoint/2010/main" xmlns:a14="http://schemas.microsoft.com/office/drawing/2010/main" w="9525">
+                  <a:solidFill>
+                    <a:srgbClr val="000000"/>
+                  </a:solidFill>
+                  <a:round/>
+                  <a:headEnd/>
+                  <a:tailEnd/>
+                </a14:hiddenLine>
+              </a:ext>
+            </a:extLst>
+          </p:spPr>
+        </p:sp>
+        <p:sp>
+          <p:nvSpPr>
+            <p:cNvPr id="41" name="Freeform 31">
+              <a:extLst>
+                <a:ext uri="{FF2B5EF4-FFF2-40B4-BE49-F238E27FC236}">
+                  <a16:creationId xmlns:a16="http://schemas.microsoft.com/office/drawing/2014/main" id="{3BDA7D07-DA46-4990-8D19-297E243C50DF}"/>
+                </a:ext>
+                <a:ext uri="{C183D7F6-B498-43B3-948B-1728B52AA6E4}">
+                  <adec:decorative xmlns:adec="http://schemas.microsoft.com/office/drawing/2017/decorative" val="1"/>
+                </a:ext>
+              </a:extLst>
+            </p:cNvPr>
+            <p:cNvSpPr/>
+            <p:nvPr>
+              <p:extLst>
+                <p:ext uri="{386F3935-93C4-4BCD-93E2-E3B085C9AB24}">
+                  <p16:designElem xmlns:p16="http://schemas.microsoft.com/office/powerpoint/2015/main" val="1"/>
+                </p:ext>
+              </p:extLst>
+            </p:nvPr>
+          </p:nvSpPr>
+          <p:spPr bwMode="auto">
+            <a:xfrm>
+              <a:off x="138113" y="5060950"/>
+              <a:ext cx="304800" cy="1778000"/>
+            </a:xfrm>
+            <a:custGeom>
+              <a:avLst/>
+              <a:gdLst/>
+              <a:ahLst/>
+              <a:cxnLst/>
+              <a:rect l="0" t="0" r="r" b="b"/>
+              <a:pathLst>
+                <a:path w="192" h="1120">
+                  <a:moveTo>
+                    <a:pt x="192" y="1120"/>
+                  </a:moveTo>
+                  <a:lnTo>
+                    <a:pt x="177" y="1120"/>
+                  </a:lnTo>
+                  <a:lnTo>
+                    <a:pt x="177" y="360"/>
+                  </a:lnTo>
+                  <a:lnTo>
+                    <a:pt x="0" y="183"/>
+                  </a:lnTo>
+                  <a:lnTo>
+                    <a:pt x="0" y="0"/>
+                  </a:lnTo>
+                  <a:lnTo>
+                    <a:pt x="15" y="0"/>
+                  </a:lnTo>
+                  <a:lnTo>
+                    <a:pt x="15" y="177"/>
+                  </a:lnTo>
+                  <a:lnTo>
+                    <a:pt x="192" y="354"/>
+                  </a:lnTo>
+                  <a:lnTo>
+                    <a:pt x="192" y="1120"/>
+                  </a:lnTo>
+                  <a:close/>
+                </a:path>
+              </a:pathLst>
+            </a:custGeom>
+            <a:grpFill/>
+            <a:ln>
+              <a:noFill/>
+            </a:ln>
+            <a:extLst>
+              <a:ext uri="{91240B29-F687-4f45-9708-019B960494DF}">
+                <a14:hiddenLine xmlns="" xmlns:a16="http://schemas.microsoft.com/office/drawing/2014/main" xmlns:p14="http://schemas.microsoft.com/office/powerpoint/2010/main" xmlns:a14="http://schemas.microsoft.com/office/drawing/2010/main" w="9525">
+                  <a:solidFill>
+                    <a:srgbClr val="000000"/>
+                  </a:solidFill>
+                  <a:round/>
+                  <a:headEnd/>
+                  <a:tailEnd/>
+                </a14:hiddenLine>
+              </a:ext>
+            </a:extLst>
+          </p:spPr>
+        </p:sp>
+        <p:sp>
+          <p:nvSpPr>
+            <p:cNvPr id="42" name="Freeform 32">
+              <a:extLst>
+                <a:ext uri="{FF2B5EF4-FFF2-40B4-BE49-F238E27FC236}">
+                  <a16:creationId xmlns:a16="http://schemas.microsoft.com/office/drawing/2014/main" id="{B0FDEEE6-094A-4C56-B5C3-DEDEFC537933}"/>
+                </a:ext>
+                <a:ext uri="{C183D7F6-B498-43B3-948B-1728B52AA6E4}">
+                  <adec:decorative xmlns:adec="http://schemas.microsoft.com/office/drawing/2017/decorative" val="1"/>
+                </a:ext>
+              </a:extLst>
+            </p:cNvPr>
+            <p:cNvSpPr>
+              <a:spLocks noEditPoints="1"/>
+            </p:cNvSpPr>
+            <p:nvPr>
+              <p:extLst>
+                <p:ext uri="{386F3935-93C4-4BCD-93E2-E3B085C9AB24}">
+                  <p16:designElem xmlns:p16="http://schemas.microsoft.com/office/powerpoint/2015/main" val="1"/>
+                </p:ext>
+              </p:extLst>
+            </p:nvPr>
+          </p:nvSpPr>
+          <p:spPr bwMode="auto">
+            <a:xfrm>
+              <a:off x="561975" y="6430963"/>
+              <a:ext cx="190500" cy="188913"/>
+            </a:xfrm>
+            <a:custGeom>
+              <a:avLst/>
+              <a:gdLst/>
+              <a:ahLst/>
+              <a:cxnLst/>
+              <a:rect l="0" t="0" r="r" b="b"/>
+              <a:pathLst>
+                <a:path w="40" h="40">
+                  <a:moveTo>
+                    <a:pt x="20" y="40"/>
+                  </a:moveTo>
+                  <a:cubicBezTo>
+                    <a:pt x="9" y="40"/>
+                    <a:pt x="0" y="31"/>
+                    <a:pt x="0" y="20"/>
+                  </a:cubicBezTo>
+                  <a:cubicBezTo>
+                    <a:pt x="0" y="9"/>
+                    <a:pt x="9" y="0"/>
+                    <a:pt x="20" y="0"/>
+                  </a:cubicBezTo>
+                  <a:cubicBezTo>
+                    <a:pt x="31" y="0"/>
+                    <a:pt x="40" y="9"/>
+                    <a:pt x="40" y="20"/>
+                  </a:cubicBezTo>
+                  <a:cubicBezTo>
+                    <a:pt x="40" y="31"/>
+                    <a:pt x="31" y="40"/>
+                    <a:pt x="20" y="40"/>
+                  </a:cubicBezTo>
+                  <a:close/>
+                  <a:moveTo>
+                    <a:pt x="20" y="4"/>
+                  </a:moveTo>
+                  <a:cubicBezTo>
+                    <a:pt x="12" y="4"/>
+                    <a:pt x="4" y="11"/>
+                    <a:pt x="4" y="20"/>
+                  </a:cubicBezTo>
+                  <a:cubicBezTo>
+                    <a:pt x="4" y="29"/>
+                    <a:pt x="12" y="36"/>
+                    <a:pt x="20" y="36"/>
+                  </a:cubicBezTo>
+                  <a:cubicBezTo>
+                    <a:pt x="29" y="36"/>
+                    <a:pt x="36" y="29"/>
+                    <a:pt x="36" y="20"/>
+                  </a:cubicBezTo>
+                  <a:cubicBezTo>
+                    <a:pt x="36" y="11"/>
+                    <a:pt x="29" y="4"/>
+                    <a:pt x="20" y="4"/>
+                  </a:cubicBezTo>
+                  <a:close/>
+                </a:path>
+              </a:pathLst>
+            </a:custGeom>
+            <a:grpFill/>
+            <a:ln>
+              <a:noFill/>
+            </a:ln>
+            <a:extLst>
+              <a:ext uri="{91240B29-F687-4f45-9708-019B960494DF}">
+                <a14:hiddenLine xmlns="" xmlns:a16="http://schemas.microsoft.com/office/drawing/2014/main" xmlns:p14="http://schemas.microsoft.com/office/powerpoint/2010/main" xmlns:a14="http://schemas.microsoft.com/office/drawing/2010/main" w="9525">
+                  <a:solidFill>
+                    <a:srgbClr val="000000"/>
+                  </a:solidFill>
+                  <a:round/>
+                  <a:headEnd/>
+                  <a:tailEnd/>
+                </a14:hiddenLine>
+              </a:ext>
+            </a:extLst>
+          </p:spPr>
+        </p:sp>
+        <p:sp>
+          <p:nvSpPr>
+            <p:cNvPr id="43" name="Rectangle 33">
+              <a:extLst>
+                <a:ext uri="{FF2B5EF4-FFF2-40B4-BE49-F238E27FC236}">
+                  <a16:creationId xmlns:a16="http://schemas.microsoft.com/office/drawing/2014/main" id="{C9A3BD1C-94CE-47A6-B8CC-2BD21876AAD3}"/>
+                </a:ext>
+                <a:ext uri="{C183D7F6-B498-43B3-948B-1728B52AA6E4}">
+                  <adec:decorative xmlns:adec="http://schemas.microsoft.com/office/drawing/2017/decorative" val="1"/>
+                </a:ext>
+              </a:extLst>
+            </p:cNvPr>
+            <p:cNvSpPr>
+              <a:spLocks noChangeArrowheads="1"/>
+            </p:cNvSpPr>
+            <p:nvPr>
+              <p:extLst>
+                <p:ext uri="{386F3935-93C4-4BCD-93E2-E3B085C9AB24}">
+                  <p16:designElem xmlns:p16="http://schemas.microsoft.com/office/powerpoint/2015/main" val="1"/>
+                </p:ext>
+              </p:extLst>
+            </p:nvPr>
+          </p:nvSpPr>
+          <p:spPr bwMode="auto">
+            <a:xfrm>
+              <a:off x="642938" y="6610350"/>
+              <a:ext cx="23813" cy="242888"/>
+            </a:xfrm>
+            <a:prstGeom prst="rect">
+              <a:avLst/>
+            </a:prstGeom>
+            <a:grpFill/>
+            <a:ln>
+              <a:noFill/>
+            </a:ln>
+            <a:extLst>
+              <a:ext uri="{91240B29-F687-4f45-9708-019B960494DF}">
+                <a14:hiddenLine xmlns="" xmlns:a16="http://schemas.microsoft.com/office/drawing/2014/main" xmlns:p14="http://schemas.microsoft.com/office/powerpoint/2010/main" xmlns:a14="http://schemas.microsoft.com/office/drawing/2010/main" w="9525">
+                  <a:solidFill>
+                    <a:srgbClr val="000000"/>
+                  </a:solidFill>
+                  <a:miter lim="800000"/>
+                  <a:headEnd/>
+                  <a:tailEnd/>
+                </a14:hiddenLine>
+              </a:ext>
+            </a:extLst>
+          </p:spPr>
+        </p:sp>
+        <p:sp>
+          <p:nvSpPr>
+            <p:cNvPr id="44" name="Freeform 34">
+              <a:extLst>
+                <a:ext uri="{FF2B5EF4-FFF2-40B4-BE49-F238E27FC236}">
+                  <a16:creationId xmlns:a16="http://schemas.microsoft.com/office/drawing/2014/main" id="{1D509EAF-E15A-4A44-95B8-2B043001DACB}"/>
+                </a:ext>
+                <a:ext uri="{C183D7F6-B498-43B3-948B-1728B52AA6E4}">
+                  <adec:decorative xmlns:adec="http://schemas.microsoft.com/office/drawing/2017/decorative" val="1"/>
+                </a:ext>
+              </a:extLst>
+            </p:cNvPr>
+            <p:cNvSpPr>
+              <a:spLocks noEditPoints="1"/>
+            </p:cNvSpPr>
+            <p:nvPr>
+              <p:extLst>
+                <p:ext uri="{386F3935-93C4-4BCD-93E2-E3B085C9AB24}">
+                  <p16:designElem xmlns:p16="http://schemas.microsoft.com/office/powerpoint/2015/main" val="1"/>
+                </p:ext>
+              </p:extLst>
+            </p:nvPr>
+          </p:nvSpPr>
+          <p:spPr bwMode="auto">
+            <a:xfrm>
+              <a:off x="76200" y="6430963"/>
+              <a:ext cx="190500" cy="188913"/>
+            </a:xfrm>
+            <a:custGeom>
+              <a:avLst/>
+              <a:gdLst/>
+              <a:ahLst/>
+              <a:cxnLst/>
+              <a:rect l="0" t="0" r="r" b="b"/>
+              <a:pathLst>
+                <a:path w="40" h="40">
+                  <a:moveTo>
+                    <a:pt x="20" y="40"/>
+                  </a:moveTo>
+                  <a:cubicBezTo>
+                    <a:pt x="9" y="40"/>
+                    <a:pt x="0" y="31"/>
+                    <a:pt x="0" y="20"/>
+                  </a:cubicBezTo>
+                  <a:cubicBezTo>
+                    <a:pt x="0" y="9"/>
+                    <a:pt x="9" y="0"/>
+                    <a:pt x="20" y="0"/>
+                  </a:cubicBezTo>
+                  <a:cubicBezTo>
+                    <a:pt x="32" y="0"/>
+                    <a:pt x="40" y="9"/>
+                    <a:pt x="40" y="20"/>
+                  </a:cubicBezTo>
+                  <a:cubicBezTo>
+                    <a:pt x="40" y="31"/>
+                    <a:pt x="32" y="40"/>
+                    <a:pt x="20" y="40"/>
+                  </a:cubicBezTo>
+                  <a:close/>
+                  <a:moveTo>
+                    <a:pt x="20" y="4"/>
+                  </a:moveTo>
+                  <a:cubicBezTo>
+                    <a:pt x="12" y="4"/>
+                    <a:pt x="4" y="11"/>
+                    <a:pt x="4" y="20"/>
+                  </a:cubicBezTo>
+                  <a:cubicBezTo>
+                    <a:pt x="4" y="29"/>
+                    <a:pt x="12" y="36"/>
+                    <a:pt x="20" y="36"/>
+                  </a:cubicBezTo>
+                  <a:cubicBezTo>
+                    <a:pt x="29" y="36"/>
+                    <a:pt x="36" y="29"/>
+                    <a:pt x="36" y="20"/>
+                  </a:cubicBezTo>
+                  <a:cubicBezTo>
+                    <a:pt x="36" y="11"/>
+                    <a:pt x="29" y="4"/>
+                    <a:pt x="20" y="4"/>
+                  </a:cubicBezTo>
+                  <a:close/>
+                </a:path>
+              </a:pathLst>
+            </a:custGeom>
+            <a:grpFill/>
+            <a:ln>
+              <a:noFill/>
+            </a:ln>
+            <a:extLst>
+              <a:ext uri="{91240B29-F687-4f45-9708-019B960494DF}">
+                <a14:hiddenLine xmlns="" xmlns:a16="http://schemas.microsoft.com/office/drawing/2014/main" xmlns:p14="http://schemas.microsoft.com/office/powerpoint/2010/main" xmlns:a14="http://schemas.microsoft.com/office/drawing/2010/main" w="9525">
+                  <a:solidFill>
+                    <a:srgbClr val="000000"/>
+                  </a:solidFill>
+                  <a:round/>
+                  <a:headEnd/>
+                  <a:tailEnd/>
+                </a14:hiddenLine>
+              </a:ext>
+            </a:extLst>
+          </p:spPr>
+        </p:sp>
+        <p:sp>
+          <p:nvSpPr>
+            <p:cNvPr id="45" name="Freeform 35">
+              <a:extLst>
+                <a:ext uri="{FF2B5EF4-FFF2-40B4-BE49-F238E27FC236}">
+                  <a16:creationId xmlns:a16="http://schemas.microsoft.com/office/drawing/2014/main" id="{4E6C2D7C-F48D-4DCE-AED5-50F4A125B8EE}"/>
+                </a:ext>
+                <a:ext uri="{C183D7F6-B498-43B3-948B-1728B52AA6E4}">
+                  <adec:decorative xmlns:adec="http://schemas.microsoft.com/office/drawing/2017/decorative" val="1"/>
+                </a:ext>
+              </a:extLst>
+            </p:cNvPr>
+            <p:cNvSpPr/>
+            <p:nvPr>
+              <p:extLst>
+                <p:ext uri="{386F3935-93C4-4BCD-93E2-E3B085C9AB24}">
+                  <p16:designElem xmlns:p16="http://schemas.microsoft.com/office/powerpoint/2015/main" val="1"/>
+                </p:ext>
+              </p:extLst>
+            </p:nvPr>
+          </p:nvSpPr>
+          <p:spPr bwMode="auto">
+            <a:xfrm>
+              <a:off x="0" y="5978525"/>
+              <a:ext cx="190500" cy="461963"/>
+            </a:xfrm>
+            <a:custGeom>
+              <a:avLst/>
+              <a:gdLst/>
+              <a:ahLst/>
+              <a:cxnLst/>
+              <a:rect l="0" t="0" r="r" b="b"/>
+              <a:pathLst>
+                <a:path w="120" h="291">
+                  <a:moveTo>
+                    <a:pt x="120" y="291"/>
+                  </a:moveTo>
+                  <a:lnTo>
+                    <a:pt x="105" y="291"/>
+                  </a:lnTo>
+                  <a:lnTo>
+                    <a:pt x="105" y="114"/>
+                  </a:lnTo>
+                  <a:lnTo>
+                    <a:pt x="0" y="9"/>
+                  </a:lnTo>
+                  <a:lnTo>
+                    <a:pt x="12" y="0"/>
+                  </a:lnTo>
+                  <a:lnTo>
+                    <a:pt x="120" y="108"/>
+                  </a:lnTo>
+                  <a:lnTo>
+                    <a:pt x="120" y="291"/>
+                  </a:lnTo>
+                  <a:close/>
+                </a:path>
+              </a:pathLst>
+            </a:custGeom>
+            <a:grpFill/>
+            <a:ln>
+              <a:noFill/>
+            </a:ln>
+            <a:extLst>
+              <a:ext uri="{91240B29-F687-4f45-9708-019B960494DF}">
+                <a14:hiddenLine xmlns="" xmlns:a16="http://schemas.microsoft.com/office/drawing/2014/main" xmlns:p14="http://schemas.microsoft.com/office/powerpoint/2010/main" xmlns:a14="http://schemas.microsoft.com/office/drawing/2010/main" w="9525">
+                  <a:solidFill>
+                    <a:srgbClr val="000000"/>
+                  </a:solidFill>
+                  <a:round/>
+                  <a:headEnd/>
+                  <a:tailEnd/>
+                </a14:hiddenLine>
+              </a:ext>
+            </a:extLst>
+          </p:spPr>
+        </p:sp>
+        <p:sp>
+          <p:nvSpPr>
+            <p:cNvPr id="46" name="Freeform 36">
+              <a:extLst>
+                <a:ext uri="{FF2B5EF4-FFF2-40B4-BE49-F238E27FC236}">
+                  <a16:creationId xmlns:a16="http://schemas.microsoft.com/office/drawing/2014/main" id="{A8318A48-B5E5-471F-B69C-F07672A37459}"/>
+                </a:ext>
+                <a:ext uri="{C183D7F6-B498-43B3-948B-1728B52AA6E4}">
+                  <adec:decorative xmlns:adec="http://schemas.microsoft.com/office/drawing/2017/decorative" val="1"/>
+                </a:ext>
+              </a:extLst>
+            </p:cNvPr>
+            <p:cNvSpPr/>
+            <p:nvPr>
+              <p:extLst>
+                <p:ext uri="{386F3935-93C4-4BCD-93E2-E3B085C9AB24}">
+                  <p16:designElem xmlns:p16="http://schemas.microsoft.com/office/powerpoint/2015/main" val="1"/>
+                </p:ext>
+              </p:extLst>
+            </p:nvPr>
+          </p:nvSpPr>
+          <p:spPr bwMode="auto">
+            <a:xfrm>
+              <a:off x="1014413" y="1801813"/>
+              <a:ext cx="214313" cy="755650"/>
+            </a:xfrm>
+            <a:custGeom>
+              <a:avLst/>
+              <a:gdLst/>
+              <a:ahLst/>
+              <a:cxnLst/>
+              <a:rect l="0" t="0" r="r" b="b"/>
+              <a:pathLst>
+                <a:path w="135" h="476">
+                  <a:moveTo>
+                    <a:pt x="12" y="476"/>
+                  </a:moveTo>
+                  <a:lnTo>
+                    <a:pt x="0" y="476"/>
+                  </a:lnTo>
+                  <a:lnTo>
+                    <a:pt x="0" y="128"/>
+                  </a:lnTo>
+                  <a:lnTo>
+                    <a:pt x="126" y="0"/>
+                  </a:lnTo>
+                  <a:lnTo>
+                    <a:pt x="135" y="9"/>
+                  </a:lnTo>
+                  <a:lnTo>
+                    <a:pt x="12" y="131"/>
+                  </a:lnTo>
+                  <a:lnTo>
+                    <a:pt x="12" y="476"/>
+                  </a:lnTo>
+                  <a:close/>
+                </a:path>
+              </a:pathLst>
+            </a:custGeom>
+            <a:grpFill/>
+            <a:ln>
+              <a:noFill/>
+            </a:ln>
+            <a:extLst>
+              <a:ext uri="{91240B29-F687-4f45-9708-019B960494DF}">
+                <a14:hiddenLine xmlns="" xmlns:a16="http://schemas.microsoft.com/office/drawing/2014/main" xmlns:p14="http://schemas.microsoft.com/office/powerpoint/2010/main" xmlns:a14="http://schemas.microsoft.com/office/drawing/2010/main" w="9525">
+                  <a:solidFill>
+                    <a:srgbClr val="000000"/>
+                  </a:solidFill>
+                  <a:round/>
+                  <a:headEnd/>
+                  <a:tailEnd/>
+                </a14:hiddenLine>
+              </a:ext>
+            </a:extLst>
+          </p:spPr>
+        </p:sp>
+        <p:sp>
+          <p:nvSpPr>
+            <p:cNvPr id="47" name="Freeform 37">
+              <a:extLst>
+                <a:ext uri="{FF2B5EF4-FFF2-40B4-BE49-F238E27FC236}">
+                  <a16:creationId xmlns:a16="http://schemas.microsoft.com/office/drawing/2014/main" id="{E59DA71C-1159-4B54-A711-934E7DD3F743}"/>
+                </a:ext>
+                <a:ext uri="{C183D7F6-B498-43B3-948B-1728B52AA6E4}">
+                  <adec:decorative xmlns:adec="http://schemas.microsoft.com/office/drawing/2017/decorative" val="1"/>
+                </a:ext>
+              </a:extLst>
+            </p:cNvPr>
+            <p:cNvSpPr>
+              <a:spLocks noEditPoints="1"/>
+            </p:cNvSpPr>
+            <p:nvPr>
+              <p:extLst>
+                <p:ext uri="{386F3935-93C4-4BCD-93E2-E3B085C9AB24}">
+                  <p16:designElem xmlns:p16="http://schemas.microsoft.com/office/powerpoint/2015/main" val="1"/>
+                </p:ext>
+              </p:extLst>
+            </p:nvPr>
+          </p:nvSpPr>
+          <p:spPr bwMode="auto">
+            <a:xfrm>
+              <a:off x="938213" y="2547938"/>
+              <a:ext cx="166688" cy="160338"/>
+            </a:xfrm>
+            <a:custGeom>
+              <a:avLst/>
+              <a:gdLst/>
+              <a:ahLst/>
+              <a:cxnLst/>
+              <a:rect l="0" t="0" r="r" b="b"/>
+              <a:pathLst>
+                <a:path w="35" h="34">
+                  <a:moveTo>
+                    <a:pt x="18" y="34"/>
+                  </a:moveTo>
+                  <a:cubicBezTo>
+                    <a:pt x="8" y="34"/>
+                    <a:pt x="0" y="26"/>
+                    <a:pt x="0" y="17"/>
+                  </a:cubicBezTo>
+                  <a:cubicBezTo>
+                    <a:pt x="0" y="7"/>
+                    <a:pt x="8" y="0"/>
+                    <a:pt x="18" y="0"/>
+                  </a:cubicBezTo>
+                  <a:cubicBezTo>
+                    <a:pt x="27" y="0"/>
+                    <a:pt x="35" y="7"/>
+                    <a:pt x="35" y="17"/>
+                  </a:cubicBezTo>
+                  <a:cubicBezTo>
+                    <a:pt x="35" y="26"/>
+                    <a:pt x="27" y="34"/>
+                    <a:pt x="18" y="34"/>
+                  </a:cubicBezTo>
+                  <a:close/>
+                  <a:moveTo>
+                    <a:pt x="18" y="4"/>
+                  </a:moveTo>
+                  <a:cubicBezTo>
+                    <a:pt x="10" y="4"/>
+                    <a:pt x="4" y="10"/>
+                    <a:pt x="4" y="17"/>
+                  </a:cubicBezTo>
+                  <a:cubicBezTo>
+                    <a:pt x="4" y="24"/>
+                    <a:pt x="10" y="30"/>
+                    <a:pt x="18" y="30"/>
+                  </a:cubicBezTo>
+                  <a:cubicBezTo>
+                    <a:pt x="25" y="30"/>
+                    <a:pt x="31" y="24"/>
+                    <a:pt x="31" y="17"/>
+                  </a:cubicBezTo>
+                  <a:cubicBezTo>
+                    <a:pt x="31" y="10"/>
+                    <a:pt x="25" y="4"/>
+                    <a:pt x="18" y="4"/>
+                  </a:cubicBezTo>
+                  <a:close/>
+                </a:path>
+              </a:pathLst>
+            </a:custGeom>
+            <a:grpFill/>
+            <a:ln>
+              <a:noFill/>
+            </a:ln>
+            <a:extLst>
+              <a:ext uri="{91240B29-F687-4f45-9708-019B960494DF}">
+                <a14:hiddenLine xmlns="" xmlns:a16="http://schemas.microsoft.com/office/drawing/2014/main" xmlns:p14="http://schemas.microsoft.com/office/powerpoint/2010/main" xmlns:a14="http://schemas.microsoft.com/office/drawing/2010/main" w="9525">
+                  <a:solidFill>
+                    <a:srgbClr val="000000"/>
+                  </a:solidFill>
+                  <a:round/>
+                  <a:headEnd/>
+                  <a:tailEnd/>
+                </a14:hiddenLine>
+              </a:ext>
+            </a:extLst>
+          </p:spPr>
+        </p:sp>
+        <p:sp>
+          <p:nvSpPr>
+            <p:cNvPr id="48" name="Freeform 38">
+              <a:extLst>
+                <a:ext uri="{FF2B5EF4-FFF2-40B4-BE49-F238E27FC236}">
+                  <a16:creationId xmlns:a16="http://schemas.microsoft.com/office/drawing/2014/main" id="{088C9875-0ECF-42EC-9A30-240AE6D8C97D}"/>
+                </a:ext>
+                <a:ext uri="{C183D7F6-B498-43B3-948B-1728B52AA6E4}">
+                  <adec:decorative xmlns:adec="http://schemas.microsoft.com/office/drawing/2017/decorative" val="1"/>
+                </a:ext>
+              </a:extLst>
+            </p:cNvPr>
+            <p:cNvSpPr/>
+            <p:nvPr>
+              <p:extLst>
+                <p:ext uri="{386F3935-93C4-4BCD-93E2-E3B085C9AB24}">
+                  <p16:designElem xmlns:p16="http://schemas.microsoft.com/office/powerpoint/2015/main" val="1"/>
+                </p:ext>
+              </p:extLst>
+            </p:nvPr>
+          </p:nvSpPr>
+          <p:spPr bwMode="auto">
+            <a:xfrm>
+              <a:off x="595313" y="4763"/>
+              <a:ext cx="638175" cy="4025900"/>
+            </a:xfrm>
+            <a:custGeom>
+              <a:avLst/>
+              <a:gdLst/>
+              <a:ahLst/>
+              <a:cxnLst/>
+              <a:rect l="0" t="0" r="r" b="b"/>
+              <a:pathLst>
+                <a:path w="402" h="2536">
+                  <a:moveTo>
+                    <a:pt x="402" y="2536"/>
+                  </a:moveTo>
+                  <a:lnTo>
+                    <a:pt x="387" y="2536"/>
+                  </a:lnTo>
+                  <a:lnTo>
+                    <a:pt x="387" y="2311"/>
+                  </a:lnTo>
+                  <a:lnTo>
+                    <a:pt x="0" y="1925"/>
+                  </a:lnTo>
+                  <a:lnTo>
+                    <a:pt x="0" y="0"/>
+                  </a:lnTo>
+                  <a:lnTo>
+                    <a:pt x="15" y="0"/>
+                  </a:lnTo>
+                  <a:lnTo>
+                    <a:pt x="15" y="1916"/>
+                  </a:lnTo>
+                  <a:lnTo>
+                    <a:pt x="402" y="2302"/>
+                  </a:lnTo>
+                  <a:lnTo>
+                    <a:pt x="402" y="2536"/>
+                  </a:lnTo>
+                  <a:close/>
+                </a:path>
+              </a:pathLst>
+            </a:custGeom>
+            <a:grpFill/>
+            <a:ln>
+              <a:noFill/>
+            </a:ln>
+            <a:extLst>
+              <a:ext uri="{91240B29-F687-4f45-9708-019B960494DF}">
+                <a14:hiddenLine xmlns="" xmlns:a16="http://schemas.microsoft.com/office/drawing/2014/main" xmlns:p14="http://schemas.microsoft.com/office/powerpoint/2010/main" xmlns:a14="http://schemas.microsoft.com/office/drawing/2010/main" w="9525">
+                  <a:solidFill>
+                    <a:srgbClr val="000000"/>
+                  </a:solidFill>
+                  <a:round/>
+                  <a:headEnd/>
+                  <a:tailEnd/>
+                </a14:hiddenLine>
+              </a:ext>
+            </a:extLst>
+          </p:spPr>
+        </p:sp>
+        <p:sp>
+          <p:nvSpPr>
+            <p:cNvPr id="49" name="Freeform 39">
+              <a:extLst>
+                <a:ext uri="{FF2B5EF4-FFF2-40B4-BE49-F238E27FC236}">
+                  <a16:creationId xmlns:a16="http://schemas.microsoft.com/office/drawing/2014/main" id="{6325AF52-39B7-4C52-88C1-C858CCCFDCBF}"/>
+                </a:ext>
+                <a:ext uri="{C183D7F6-B498-43B3-948B-1728B52AA6E4}">
+                  <adec:decorative xmlns:adec="http://schemas.microsoft.com/office/drawing/2017/decorative" val="1"/>
+                </a:ext>
+              </a:extLst>
+            </p:cNvPr>
+            <p:cNvSpPr/>
+            <p:nvPr>
+              <p:extLst>
+                <p:ext uri="{386F3935-93C4-4BCD-93E2-E3B085C9AB24}">
+                  <p16:designElem xmlns:p16="http://schemas.microsoft.com/office/powerpoint/2015/main" val="1"/>
+                </p:ext>
+              </p:extLst>
+            </p:nvPr>
+          </p:nvSpPr>
+          <p:spPr bwMode="auto">
+            <a:xfrm>
+              <a:off x="1223963" y="1382713"/>
+              <a:ext cx="142875" cy="476250"/>
+            </a:xfrm>
+            <a:custGeom>
+              <a:avLst/>
+              <a:gdLst/>
+              <a:ahLst/>
+              <a:cxnLst/>
+              <a:rect l="0" t="0" r="r" b="b"/>
+              <a:pathLst>
+                <a:path w="90" h="300">
+                  <a:moveTo>
+                    <a:pt x="90" y="300"/>
+                  </a:moveTo>
+                  <a:lnTo>
+                    <a:pt x="78" y="300"/>
+                  </a:lnTo>
+                  <a:lnTo>
+                    <a:pt x="78" y="84"/>
+                  </a:lnTo>
+                  <a:lnTo>
+                    <a:pt x="0" y="9"/>
+                  </a:lnTo>
+                  <a:lnTo>
+                    <a:pt x="9" y="0"/>
+                  </a:lnTo>
+                  <a:lnTo>
+                    <a:pt x="90" y="81"/>
+                  </a:lnTo>
+                  <a:lnTo>
+                    <a:pt x="90" y="300"/>
+                  </a:lnTo>
+                  <a:close/>
+                </a:path>
+              </a:pathLst>
+            </a:custGeom>
+            <a:grpFill/>
+            <a:ln>
+              <a:noFill/>
+            </a:ln>
+            <a:extLst>
+              <a:ext uri="{91240B29-F687-4f45-9708-019B960494DF}">
+                <a14:hiddenLine xmlns="" xmlns:a16="http://schemas.microsoft.com/office/drawing/2014/main" xmlns:p14="http://schemas.microsoft.com/office/powerpoint/2010/main" xmlns:a14="http://schemas.microsoft.com/office/drawing/2010/main" w="9525">
+                  <a:solidFill>
+                    <a:srgbClr val="000000"/>
+                  </a:solidFill>
+                  <a:round/>
+                  <a:headEnd/>
+                  <a:tailEnd/>
+                </a14:hiddenLine>
+              </a:ext>
+            </a:extLst>
+          </p:spPr>
+        </p:sp>
+        <p:sp>
+          <p:nvSpPr>
+            <p:cNvPr id="50" name="Freeform 40">
+              <a:extLst>
+                <a:ext uri="{FF2B5EF4-FFF2-40B4-BE49-F238E27FC236}">
+                  <a16:creationId xmlns:a16="http://schemas.microsoft.com/office/drawing/2014/main" id="{38C1EBA8-6FFE-4FA6-A223-D0501AADCEC8}"/>
+                </a:ext>
+                <a:ext uri="{C183D7F6-B498-43B3-948B-1728B52AA6E4}">
+                  <adec:decorative xmlns:adec="http://schemas.microsoft.com/office/drawing/2017/decorative" val="1"/>
+                </a:ext>
+              </a:extLst>
+            </p:cNvPr>
+            <p:cNvSpPr>
+              <a:spLocks noEditPoints="1"/>
+            </p:cNvSpPr>
+            <p:nvPr>
+              <p:extLst>
+                <p:ext uri="{386F3935-93C4-4BCD-93E2-E3B085C9AB24}">
+                  <p16:designElem xmlns:p16="http://schemas.microsoft.com/office/powerpoint/2015/main" val="1"/>
+                </p:ext>
+              </p:extLst>
+            </p:nvPr>
+          </p:nvSpPr>
+          <p:spPr bwMode="auto">
+            <a:xfrm>
+              <a:off x="1300163" y="1849438"/>
+              <a:ext cx="109538" cy="107950"/>
+            </a:xfrm>
+            <a:custGeom>
+              <a:avLst/>
+              <a:gdLst/>
+              <a:ahLst/>
+              <a:cxnLst/>
+              <a:rect l="0" t="0" r="r" b="b"/>
+              <a:pathLst>
+                <a:path w="23" h="23">
+                  <a:moveTo>
+                    <a:pt x="12" y="23"/>
+                  </a:moveTo>
+                  <a:cubicBezTo>
+                    <a:pt x="5" y="23"/>
+                    <a:pt x="0" y="18"/>
+                    <a:pt x="0" y="12"/>
+                  </a:cubicBezTo>
+                  <a:cubicBezTo>
+                    <a:pt x="0" y="5"/>
+                    <a:pt x="5" y="0"/>
+                    <a:pt x="12" y="0"/>
+                  </a:cubicBezTo>
+                  <a:cubicBezTo>
+                    <a:pt x="18" y="0"/>
+                    <a:pt x="23" y="5"/>
+                    <a:pt x="23" y="12"/>
+                  </a:cubicBezTo>
+                  <a:cubicBezTo>
+                    <a:pt x="23" y="18"/>
+                    <a:pt x="18" y="23"/>
+                    <a:pt x="12" y="23"/>
+                  </a:cubicBezTo>
+                  <a:close/>
+                  <a:moveTo>
+                    <a:pt x="12" y="4"/>
+                  </a:moveTo>
+                  <a:cubicBezTo>
+                    <a:pt x="8" y="4"/>
+                    <a:pt x="4" y="8"/>
+                    <a:pt x="4" y="12"/>
+                  </a:cubicBezTo>
+                  <a:cubicBezTo>
+                    <a:pt x="4" y="16"/>
+                    <a:pt x="8" y="19"/>
+                    <a:pt x="12" y="19"/>
+                  </a:cubicBezTo>
+                  <a:cubicBezTo>
+                    <a:pt x="16" y="19"/>
+                    <a:pt x="19" y="16"/>
+                    <a:pt x="19" y="12"/>
+                  </a:cubicBezTo>
+                  <a:cubicBezTo>
+                    <a:pt x="19" y="8"/>
+                    <a:pt x="16" y="4"/>
+                    <a:pt x="12" y="4"/>
+                  </a:cubicBezTo>
+                  <a:close/>
+                </a:path>
+              </a:pathLst>
+            </a:custGeom>
+            <a:grpFill/>
+            <a:ln>
+              <a:noFill/>
+            </a:ln>
+            <a:extLst>
+              <a:ext uri="{91240B29-F687-4f45-9708-019B960494DF}">
+                <a14:hiddenLine xmlns="" xmlns:a16="http://schemas.microsoft.com/office/drawing/2014/main" xmlns:p14="http://schemas.microsoft.com/office/powerpoint/2010/main" xmlns:a14="http://schemas.microsoft.com/office/drawing/2010/main" w="9525">
+                  <a:solidFill>
+                    <a:srgbClr val="000000"/>
+                  </a:solidFill>
+                  <a:round/>
+                  <a:headEnd/>
+                  <a:tailEnd/>
+                </a14:hiddenLine>
+              </a:ext>
+            </a:extLst>
+          </p:spPr>
+        </p:sp>
+        <p:sp>
+          <p:nvSpPr>
+            <p:cNvPr id="51" name="Freeform 41">
+              <a:extLst>
+                <a:ext uri="{FF2B5EF4-FFF2-40B4-BE49-F238E27FC236}">
+                  <a16:creationId xmlns:a16="http://schemas.microsoft.com/office/drawing/2014/main" id="{1A68F736-4387-4999-9553-3684A4589FAB}"/>
+                </a:ext>
+                <a:ext uri="{C183D7F6-B498-43B3-948B-1728B52AA6E4}">
+                  <adec:decorative xmlns:adec="http://schemas.microsoft.com/office/drawing/2017/decorative" val="1"/>
+                </a:ext>
+              </a:extLst>
+            </p:cNvPr>
+            <p:cNvSpPr/>
+            <p:nvPr>
+              <p:extLst>
+                <p:ext uri="{386F3935-93C4-4BCD-93E2-E3B085C9AB24}">
+                  <p16:designElem xmlns:p16="http://schemas.microsoft.com/office/powerpoint/2015/main" val="1"/>
+                </p:ext>
+              </p:extLst>
+            </p:nvPr>
+          </p:nvSpPr>
+          <p:spPr bwMode="auto">
+            <a:xfrm>
+              <a:off x="280988" y="3417888"/>
+              <a:ext cx="142875" cy="474663"/>
+            </a:xfrm>
+            <a:custGeom>
+              <a:avLst/>
+              <a:gdLst/>
+              <a:ahLst/>
+              <a:cxnLst/>
+              <a:rect l="0" t="0" r="r" b="b"/>
+              <a:pathLst>
+                <a:path w="90" h="299">
+                  <a:moveTo>
+                    <a:pt x="12" y="299"/>
+                  </a:moveTo>
+                  <a:lnTo>
+                    <a:pt x="0" y="299"/>
+                  </a:lnTo>
+                  <a:lnTo>
+                    <a:pt x="0" y="80"/>
+                  </a:lnTo>
+                  <a:lnTo>
+                    <a:pt x="81" y="0"/>
+                  </a:lnTo>
+                  <a:lnTo>
+                    <a:pt x="90" y="8"/>
+                  </a:lnTo>
+                  <a:lnTo>
+                    <a:pt x="12" y="83"/>
+                  </a:lnTo>
+                  <a:lnTo>
+                    <a:pt x="12" y="299"/>
+                  </a:lnTo>
+                  <a:close/>
+                </a:path>
+              </a:pathLst>
+            </a:custGeom>
+            <a:grpFill/>
+            <a:ln>
+              <a:noFill/>
+            </a:ln>
+            <a:extLst>
+              <a:ext uri="{91240B29-F687-4f45-9708-019B960494DF}">
+                <a14:hiddenLine xmlns="" xmlns:a16="http://schemas.microsoft.com/office/drawing/2014/main" xmlns:p14="http://schemas.microsoft.com/office/powerpoint/2010/main" xmlns:a14="http://schemas.microsoft.com/office/drawing/2010/main" w="9525">
+                  <a:solidFill>
+                    <a:srgbClr val="000000"/>
+                  </a:solidFill>
+                  <a:round/>
+                  <a:headEnd/>
+                  <a:tailEnd/>
+                </a14:hiddenLine>
+              </a:ext>
+            </a:extLst>
+          </p:spPr>
+        </p:sp>
+        <p:sp>
+          <p:nvSpPr>
+            <p:cNvPr id="52" name="Freeform 42">
+              <a:extLst>
+                <a:ext uri="{FF2B5EF4-FFF2-40B4-BE49-F238E27FC236}">
+                  <a16:creationId xmlns:a16="http://schemas.microsoft.com/office/drawing/2014/main" id="{180136B4-CBA8-4DF3-AAA4-B1A934CA8227}"/>
+                </a:ext>
+                <a:ext uri="{C183D7F6-B498-43B3-948B-1728B52AA6E4}">
+                  <adec:decorative xmlns:adec="http://schemas.microsoft.com/office/drawing/2017/decorative" val="1"/>
+                </a:ext>
+              </a:extLst>
+            </p:cNvPr>
+            <p:cNvSpPr>
+              <a:spLocks noEditPoints="1"/>
+            </p:cNvSpPr>
+            <p:nvPr>
+              <p:extLst>
+                <p:ext uri="{386F3935-93C4-4BCD-93E2-E3B085C9AB24}">
+                  <p16:designElem xmlns:p16="http://schemas.microsoft.com/office/powerpoint/2015/main" val="1"/>
+                </p:ext>
+              </p:extLst>
+            </p:nvPr>
+          </p:nvSpPr>
+          <p:spPr bwMode="auto">
+            <a:xfrm>
+              <a:off x="238125" y="3883025"/>
+              <a:ext cx="109538" cy="109538"/>
+            </a:xfrm>
+            <a:custGeom>
+              <a:avLst/>
+              <a:gdLst/>
+              <a:ahLst/>
+              <a:cxnLst/>
+              <a:rect l="0" t="0" r="r" b="b"/>
+              <a:pathLst>
+                <a:path w="23" h="23">
+                  <a:moveTo>
+                    <a:pt x="11" y="23"/>
+                  </a:moveTo>
+                  <a:cubicBezTo>
+                    <a:pt x="5" y="23"/>
+                    <a:pt x="0" y="18"/>
+                    <a:pt x="0" y="12"/>
+                  </a:cubicBezTo>
+                  <a:cubicBezTo>
+                    <a:pt x="0" y="5"/>
+                    <a:pt x="5" y="0"/>
+                    <a:pt x="11" y="0"/>
+                  </a:cubicBezTo>
+                  <a:cubicBezTo>
+                    <a:pt x="17" y="0"/>
+                    <a:pt x="23" y="5"/>
+                    <a:pt x="23" y="12"/>
+                  </a:cubicBezTo>
+                  <a:cubicBezTo>
+                    <a:pt x="23" y="18"/>
+                    <a:pt x="17" y="23"/>
+                    <a:pt x="11" y="23"/>
+                  </a:cubicBezTo>
+                  <a:close/>
+                  <a:moveTo>
+                    <a:pt x="11" y="4"/>
+                  </a:moveTo>
+                  <a:cubicBezTo>
+                    <a:pt x="7" y="4"/>
+                    <a:pt x="4" y="8"/>
+                    <a:pt x="4" y="12"/>
+                  </a:cubicBezTo>
+                  <a:cubicBezTo>
+                    <a:pt x="4" y="16"/>
+                    <a:pt x="7" y="19"/>
+                    <a:pt x="11" y="19"/>
+                  </a:cubicBezTo>
+                  <a:cubicBezTo>
+                    <a:pt x="15" y="19"/>
+                    <a:pt x="19" y="16"/>
+                    <a:pt x="19" y="12"/>
+                  </a:cubicBezTo>
+                  <a:cubicBezTo>
+                    <a:pt x="19" y="8"/>
+                    <a:pt x="15" y="4"/>
+                    <a:pt x="11" y="4"/>
+                  </a:cubicBezTo>
+                  <a:close/>
+                </a:path>
+              </a:pathLst>
+            </a:custGeom>
+            <a:grpFill/>
+            <a:ln>
+              <a:noFill/>
+            </a:ln>
+            <a:extLst>
+              <a:ext uri="{91240B29-F687-4f45-9708-019B960494DF}">
+                <a14:hiddenLine xmlns="" xmlns:a16="http://schemas.microsoft.com/office/drawing/2014/main" xmlns:p14="http://schemas.microsoft.com/office/powerpoint/2010/main" xmlns:a14="http://schemas.microsoft.com/office/drawing/2010/main" w="9525">
+                  <a:solidFill>
+                    <a:srgbClr val="000000"/>
+                  </a:solidFill>
+                  <a:round/>
+                  <a:headEnd/>
+                  <a:tailEnd/>
+                </a14:hiddenLine>
+              </a:ext>
+            </a:extLst>
+          </p:spPr>
+        </p:sp>
+        <p:sp>
+          <p:nvSpPr>
+            <p:cNvPr id="53" name="Freeform 43">
+              <a:extLst>
+                <a:ext uri="{FF2B5EF4-FFF2-40B4-BE49-F238E27FC236}">
+                  <a16:creationId xmlns:a16="http://schemas.microsoft.com/office/drawing/2014/main" id="{323310B6-69CC-412E-9360-90B8261A955F}"/>
+                </a:ext>
+                <a:ext uri="{C183D7F6-B498-43B3-948B-1728B52AA6E4}">
+                  <adec:decorative xmlns:adec="http://schemas.microsoft.com/office/drawing/2017/decorative" val="1"/>
+                </a:ext>
+              </a:extLst>
+            </p:cNvPr>
+            <p:cNvSpPr/>
+            <p:nvPr>
+              <p:extLst>
+                <p:ext uri="{386F3935-93C4-4BCD-93E2-E3B085C9AB24}">
+                  <p16:designElem xmlns:p16="http://schemas.microsoft.com/office/powerpoint/2015/main" val="1"/>
+                </p:ext>
+              </p:extLst>
+            </p:nvPr>
+          </p:nvSpPr>
+          <p:spPr bwMode="auto">
+            <a:xfrm>
+              <a:off x="4763" y="2166938"/>
+              <a:ext cx="114300" cy="452438"/>
+            </a:xfrm>
+            <a:custGeom>
+              <a:avLst/>
+              <a:gdLst/>
+              <a:ahLst/>
+              <a:cxnLst/>
+              <a:rect l="0" t="0" r="r" b="b"/>
+              <a:pathLst>
+                <a:path w="72" h="285">
+                  <a:moveTo>
+                    <a:pt x="6" y="285"/>
+                  </a:moveTo>
+                  <a:lnTo>
+                    <a:pt x="0" y="276"/>
+                  </a:lnTo>
+                  <a:lnTo>
+                    <a:pt x="60" y="216"/>
+                  </a:lnTo>
+                  <a:lnTo>
+                    <a:pt x="60" y="0"/>
+                  </a:lnTo>
+                  <a:lnTo>
+                    <a:pt x="72" y="0"/>
+                  </a:lnTo>
+                  <a:lnTo>
+                    <a:pt x="72" y="222"/>
+                  </a:lnTo>
+                  <a:lnTo>
+                    <a:pt x="6" y="285"/>
+                  </a:lnTo>
+                  <a:close/>
+                </a:path>
+              </a:pathLst>
+            </a:custGeom>
+            <a:grpFill/>
+            <a:ln>
+              <a:noFill/>
+            </a:ln>
+            <a:extLst>
+              <a:ext uri="{91240B29-F687-4f45-9708-019B960494DF}">
+                <a14:hiddenLine xmlns="" xmlns:a16="http://schemas.microsoft.com/office/drawing/2014/main" xmlns:p14="http://schemas.microsoft.com/office/powerpoint/2010/main" xmlns:a14="http://schemas.microsoft.com/office/drawing/2010/main" w="9525">
+                  <a:solidFill>
+                    <a:srgbClr val="000000"/>
+                  </a:solidFill>
+                  <a:round/>
+                  <a:headEnd/>
+                  <a:tailEnd/>
+                </a14:hiddenLine>
+              </a:ext>
+            </a:extLst>
+          </p:spPr>
+        </p:sp>
+        <p:sp>
+          <p:nvSpPr>
+            <p:cNvPr id="54" name="Freeform 44">
+              <a:extLst>
+                <a:ext uri="{FF2B5EF4-FFF2-40B4-BE49-F238E27FC236}">
+                  <a16:creationId xmlns:a16="http://schemas.microsoft.com/office/drawing/2014/main" id="{08AE3764-70E9-407F-9E56-F922116EFB5F}"/>
+                </a:ext>
+                <a:ext uri="{C183D7F6-B498-43B3-948B-1728B52AA6E4}">
+                  <adec:decorative xmlns:adec="http://schemas.microsoft.com/office/drawing/2017/decorative" val="1"/>
+                </a:ext>
+              </a:extLst>
+            </p:cNvPr>
+            <p:cNvSpPr>
+              <a:spLocks noEditPoints="1"/>
+            </p:cNvSpPr>
+            <p:nvPr>
+              <p:extLst>
+                <p:ext uri="{386F3935-93C4-4BCD-93E2-E3B085C9AB24}">
+                  <p16:designElem xmlns:p16="http://schemas.microsoft.com/office/powerpoint/2015/main" val="1"/>
+                </p:ext>
+              </p:extLst>
+            </p:nvPr>
+          </p:nvSpPr>
+          <p:spPr bwMode="auto">
+            <a:xfrm>
+              <a:off x="52388" y="2066925"/>
+              <a:ext cx="109538" cy="109538"/>
+            </a:xfrm>
+            <a:custGeom>
+              <a:avLst/>
+              <a:gdLst/>
+              <a:ahLst/>
+              <a:cxnLst/>
+              <a:rect l="0" t="0" r="r" b="b"/>
+              <a:pathLst>
+                <a:path w="23" h="23">
+                  <a:moveTo>
+                    <a:pt x="12" y="23"/>
+                  </a:moveTo>
+                  <a:cubicBezTo>
+                    <a:pt x="5" y="23"/>
+                    <a:pt x="0" y="18"/>
+                    <a:pt x="0" y="12"/>
+                  </a:cubicBezTo>
+                  <a:cubicBezTo>
+                    <a:pt x="0" y="5"/>
+                    <a:pt x="5" y="0"/>
+                    <a:pt x="12" y="0"/>
+                  </a:cubicBezTo>
+                  <a:cubicBezTo>
+                    <a:pt x="18" y="0"/>
+                    <a:pt x="23" y="5"/>
+                    <a:pt x="23" y="12"/>
+                  </a:cubicBezTo>
+                  <a:cubicBezTo>
+                    <a:pt x="23" y="18"/>
+                    <a:pt x="18" y="23"/>
+                    <a:pt x="12" y="23"/>
+                  </a:cubicBezTo>
+                  <a:close/>
+                  <a:moveTo>
+                    <a:pt x="12" y="4"/>
+                  </a:moveTo>
+                  <a:cubicBezTo>
+                    <a:pt x="8" y="4"/>
+                    <a:pt x="4" y="8"/>
+                    <a:pt x="4" y="12"/>
+                  </a:cubicBezTo>
+                  <a:cubicBezTo>
+                    <a:pt x="4" y="16"/>
+                    <a:pt x="8" y="19"/>
+                    <a:pt x="12" y="19"/>
+                  </a:cubicBezTo>
+                  <a:cubicBezTo>
+                    <a:pt x="16" y="19"/>
+                    <a:pt x="19" y="16"/>
+                    <a:pt x="19" y="12"/>
+                  </a:cubicBezTo>
+                  <a:cubicBezTo>
+                    <a:pt x="19" y="8"/>
+                    <a:pt x="16" y="4"/>
+                    <a:pt x="12" y="4"/>
+                  </a:cubicBezTo>
+                  <a:close/>
+                </a:path>
+              </a:pathLst>
+            </a:custGeom>
+            <a:grpFill/>
+            <a:ln>
+              <a:noFill/>
+            </a:ln>
+            <a:extLst>
+              <a:ext uri="{91240B29-F687-4f45-9708-019B960494DF}">
+                <a14:hiddenLine xmlns="" xmlns:a16="http://schemas.microsoft.com/office/drawing/2014/main" xmlns:p14="http://schemas.microsoft.com/office/powerpoint/2010/main" xmlns:a14="http://schemas.microsoft.com/office/drawing/2010/main" w="9525">
+                  <a:solidFill>
+                    <a:srgbClr val="000000"/>
+                  </a:solidFill>
+                  <a:round/>
+                  <a:headEnd/>
+                  <a:tailEnd/>
+                </a14:hiddenLine>
+              </a:ext>
+            </a:extLst>
+          </p:spPr>
+        </p:sp>
+        <p:sp>
+          <p:nvSpPr>
+            <p:cNvPr id="55" name="Rectangle 45">
+              <a:extLst>
+                <a:ext uri="{FF2B5EF4-FFF2-40B4-BE49-F238E27FC236}">
+                  <a16:creationId xmlns:a16="http://schemas.microsoft.com/office/drawing/2014/main" id="{1D026FAB-2193-4032-8D43-CE80F147D4F4}"/>
+                </a:ext>
+                <a:ext uri="{C183D7F6-B498-43B3-948B-1728B52AA6E4}">
+                  <adec:decorative xmlns:adec="http://schemas.microsoft.com/office/drawing/2017/decorative" val="1"/>
+                </a:ext>
+              </a:extLst>
+            </p:cNvPr>
+            <p:cNvSpPr>
+              <a:spLocks noChangeArrowheads="1"/>
+            </p:cNvSpPr>
+            <p:nvPr>
+              <p:extLst>
+                <p:ext uri="{386F3935-93C4-4BCD-93E2-E3B085C9AB24}">
+                  <p16:designElem xmlns:p16="http://schemas.microsoft.com/office/powerpoint/2015/main" val="1"/>
+                </p:ext>
+              </p:extLst>
+            </p:nvPr>
+          </p:nvSpPr>
+          <p:spPr bwMode="auto">
+            <a:xfrm>
+              <a:off x="1228725" y="4662488"/>
+              <a:ext cx="23813" cy="2181225"/>
+            </a:xfrm>
+            <a:prstGeom prst="rect">
+              <a:avLst/>
+            </a:prstGeom>
+            <a:grpFill/>
+            <a:ln>
+              <a:noFill/>
+            </a:ln>
+            <a:extLst>
+              <a:ext uri="{91240B29-F687-4f45-9708-019B960494DF}">
+                <a14:hiddenLine xmlns="" xmlns:a16="http://schemas.microsoft.com/office/drawing/2014/main" xmlns:p14="http://schemas.microsoft.com/office/powerpoint/2010/main" xmlns:a14="http://schemas.microsoft.com/office/drawing/2010/main" w="9525">
+                  <a:solidFill>
+                    <a:srgbClr val="000000"/>
+                  </a:solidFill>
+                  <a:miter lim="800000"/>
+                  <a:headEnd/>
+                  <a:tailEnd/>
+                </a14:hiddenLine>
+              </a:ext>
+            </a:extLst>
+          </p:spPr>
+        </p:sp>
+        <p:sp>
+          <p:nvSpPr>
+            <p:cNvPr id="56" name="Freeform 46">
+              <a:extLst>
+                <a:ext uri="{FF2B5EF4-FFF2-40B4-BE49-F238E27FC236}">
+                  <a16:creationId xmlns:a16="http://schemas.microsoft.com/office/drawing/2014/main" id="{A70B55A9-3417-41E4-B289-A484963C2C8A}"/>
+                </a:ext>
+                <a:ext uri="{C183D7F6-B498-43B3-948B-1728B52AA6E4}">
+                  <adec:decorative xmlns:adec="http://schemas.microsoft.com/office/drawing/2017/decorative" val="1"/>
+                </a:ext>
+              </a:extLst>
+            </p:cNvPr>
+            <p:cNvSpPr/>
+            <p:nvPr>
+              <p:extLst>
+                <p:ext uri="{386F3935-93C4-4BCD-93E2-E3B085C9AB24}">
+                  <p16:designElem xmlns:p16="http://schemas.microsoft.com/office/powerpoint/2015/main" val="1"/>
+                </p:ext>
+              </p:extLst>
+            </p:nvPr>
+          </p:nvSpPr>
+          <p:spPr bwMode="auto">
+            <a:xfrm>
+              <a:off x="1319213" y="5041900"/>
+              <a:ext cx="371475" cy="1801813"/>
+            </a:xfrm>
+            <a:custGeom>
+              <a:avLst/>
+              <a:gdLst/>
+              <a:ahLst/>
+              <a:cxnLst/>
+              <a:rect l="0" t="0" r="r" b="b"/>
+              <a:pathLst>
+                <a:path w="234" h="1135">
+                  <a:moveTo>
+                    <a:pt x="15" y="1135"/>
+                  </a:moveTo>
+                  <a:lnTo>
+                    <a:pt x="0" y="1135"/>
+                  </a:lnTo>
+                  <a:lnTo>
+                    <a:pt x="0" y="515"/>
+                  </a:lnTo>
+                  <a:lnTo>
+                    <a:pt x="0" y="512"/>
+                  </a:lnTo>
+                  <a:lnTo>
+                    <a:pt x="219" y="0"/>
+                  </a:lnTo>
+                  <a:lnTo>
+                    <a:pt x="234" y="6"/>
+                  </a:lnTo>
+                  <a:lnTo>
+                    <a:pt x="15" y="518"/>
+                  </a:lnTo>
+                  <a:lnTo>
+                    <a:pt x="15" y="1135"/>
+                  </a:lnTo>
+                  <a:close/>
+                </a:path>
+              </a:pathLst>
+            </a:custGeom>
+            <a:grpFill/>
+            <a:ln>
+              <a:noFill/>
+            </a:ln>
+            <a:extLst>
+              <a:ext uri="{91240B29-F687-4f45-9708-019B960494DF}">
+                <a14:hiddenLine xmlns="" xmlns:a16="http://schemas.microsoft.com/office/drawing/2014/main" xmlns:p14="http://schemas.microsoft.com/office/powerpoint/2010/main" xmlns:a14="http://schemas.microsoft.com/office/drawing/2010/main" w="9525">
+                  <a:solidFill>
+                    <a:srgbClr val="000000"/>
+                  </a:solidFill>
+                  <a:round/>
+                  <a:headEnd/>
+                  <a:tailEnd/>
+                </a14:hiddenLine>
+              </a:ext>
+            </a:extLst>
+          </p:spPr>
+        </p:sp>
+        <p:sp>
+          <p:nvSpPr>
+            <p:cNvPr id="57" name="Freeform 47">
+              <a:extLst>
+                <a:ext uri="{FF2B5EF4-FFF2-40B4-BE49-F238E27FC236}">
+                  <a16:creationId xmlns:a16="http://schemas.microsoft.com/office/drawing/2014/main" id="{25E51F71-4D7D-4BD8-9570-74082BA0F44D}"/>
+                </a:ext>
+                <a:ext uri="{C183D7F6-B498-43B3-948B-1728B52AA6E4}">
+                  <adec:decorative xmlns:adec="http://schemas.microsoft.com/office/drawing/2017/decorative" val="1"/>
+                </a:ext>
+              </a:extLst>
+            </p:cNvPr>
+            <p:cNvSpPr>
+              <a:spLocks noEditPoints="1"/>
+            </p:cNvSpPr>
+            <p:nvPr>
+              <p:extLst>
+                <p:ext uri="{386F3935-93C4-4BCD-93E2-E3B085C9AB24}">
+                  <p16:designElem xmlns:p16="http://schemas.microsoft.com/office/powerpoint/2015/main" val="1"/>
+                </p:ext>
+              </p:extLst>
+            </p:nvPr>
+          </p:nvSpPr>
+          <p:spPr bwMode="auto">
+            <a:xfrm>
+              <a:off x="1147763" y="4481513"/>
+              <a:ext cx="190500" cy="190500"/>
+            </a:xfrm>
+            <a:custGeom>
+              <a:avLst/>
+              <a:gdLst/>
+              <a:ahLst/>
+              <a:cxnLst/>
+              <a:rect l="0" t="0" r="r" b="b"/>
+              <a:pathLst>
+                <a:path w="40" h="40">
+                  <a:moveTo>
+                    <a:pt x="20" y="40"/>
+                  </a:moveTo>
+                  <a:cubicBezTo>
+                    <a:pt x="9" y="40"/>
+                    <a:pt x="0" y="31"/>
+                    <a:pt x="0" y="20"/>
+                  </a:cubicBezTo>
+                  <a:cubicBezTo>
+                    <a:pt x="0" y="9"/>
+                    <a:pt x="9" y="0"/>
+                    <a:pt x="20" y="0"/>
+                  </a:cubicBezTo>
+                  <a:cubicBezTo>
+                    <a:pt x="31" y="0"/>
+                    <a:pt x="40" y="9"/>
+                    <a:pt x="40" y="20"/>
+                  </a:cubicBezTo>
+                  <a:cubicBezTo>
+                    <a:pt x="40" y="31"/>
+                    <a:pt x="31" y="40"/>
+                    <a:pt x="20" y="40"/>
+                  </a:cubicBezTo>
+                  <a:close/>
+                  <a:moveTo>
+                    <a:pt x="20" y="4"/>
+                  </a:moveTo>
+                  <a:cubicBezTo>
+                    <a:pt x="11" y="4"/>
+                    <a:pt x="4" y="11"/>
+                    <a:pt x="4" y="20"/>
+                  </a:cubicBezTo>
+                  <a:cubicBezTo>
+                    <a:pt x="4" y="29"/>
+                    <a:pt x="11" y="36"/>
+                    <a:pt x="20" y="36"/>
+                  </a:cubicBezTo>
+                  <a:cubicBezTo>
+                    <a:pt x="28" y="36"/>
+                    <a:pt x="36" y="29"/>
+                    <a:pt x="36" y="20"/>
+                  </a:cubicBezTo>
+                  <a:cubicBezTo>
+                    <a:pt x="36" y="11"/>
+                    <a:pt x="28" y="4"/>
+                    <a:pt x="20" y="4"/>
+                  </a:cubicBezTo>
+                  <a:close/>
+                </a:path>
+              </a:pathLst>
+            </a:custGeom>
+            <a:grpFill/>
+            <a:ln>
+              <a:noFill/>
+            </a:ln>
+            <a:extLst>
+              <a:ext uri="{91240B29-F687-4f45-9708-019B960494DF}">
+                <a14:hiddenLine xmlns="" xmlns:a16="http://schemas.microsoft.com/office/drawing/2014/main" xmlns:p14="http://schemas.microsoft.com/office/powerpoint/2010/main" xmlns:a14="http://schemas.microsoft.com/office/drawing/2010/main" w="9525">
+                  <a:solidFill>
+                    <a:srgbClr val="000000"/>
+                  </a:solidFill>
+                  <a:round/>
+                  <a:headEnd/>
+                  <a:tailEnd/>
+                </a14:hiddenLine>
+              </a:ext>
+            </a:extLst>
+          </p:spPr>
+        </p:sp>
+        <p:sp>
+          <p:nvSpPr>
+            <p:cNvPr id="58" name="Freeform 48">
+              <a:extLst>
+                <a:ext uri="{FF2B5EF4-FFF2-40B4-BE49-F238E27FC236}">
+                  <a16:creationId xmlns:a16="http://schemas.microsoft.com/office/drawing/2014/main" id="{73BF7265-7569-4156-B426-EA682DA41CBC}"/>
+                </a:ext>
+                <a:ext uri="{C183D7F6-B498-43B3-948B-1728B52AA6E4}">
+                  <adec:decorative xmlns:adec="http://schemas.microsoft.com/office/drawing/2017/decorative" val="1"/>
+                </a:ext>
+              </a:extLst>
+            </p:cNvPr>
+            <p:cNvSpPr/>
+            <p:nvPr>
+              <p:extLst>
+                <p:ext uri="{386F3935-93C4-4BCD-93E2-E3B085C9AB24}">
+                  <p16:designElem xmlns:p16="http://schemas.microsoft.com/office/powerpoint/2015/main" val="1"/>
+                </p:ext>
+              </p:extLst>
+            </p:nvPr>
+          </p:nvSpPr>
+          <p:spPr bwMode="auto">
+            <a:xfrm>
+              <a:off x="819150" y="3983038"/>
+              <a:ext cx="347663" cy="2860675"/>
+            </a:xfrm>
+            <a:custGeom>
+              <a:avLst/>
+              <a:gdLst/>
+              <a:ahLst/>
+              <a:cxnLst/>
+              <a:rect l="0" t="0" r="r" b="b"/>
+              <a:pathLst>
+                <a:path w="219" h="1802">
+                  <a:moveTo>
+                    <a:pt x="219" y="1802"/>
+                  </a:moveTo>
+                  <a:lnTo>
+                    <a:pt x="201" y="1802"/>
+                  </a:lnTo>
+                  <a:lnTo>
+                    <a:pt x="201" y="1185"/>
+                  </a:lnTo>
+                  <a:lnTo>
+                    <a:pt x="0" y="3"/>
+                  </a:lnTo>
+                  <a:lnTo>
+                    <a:pt x="15" y="0"/>
+                  </a:lnTo>
+                  <a:lnTo>
+                    <a:pt x="219" y="1185"/>
+                  </a:lnTo>
+                  <a:lnTo>
+                    <a:pt x="219" y="1802"/>
+                  </a:lnTo>
+                  <a:close/>
+                </a:path>
+              </a:pathLst>
+            </a:custGeom>
+            <a:grpFill/>
+            <a:ln>
+              <a:noFill/>
+            </a:ln>
+            <a:extLst>
+              <a:ext uri="{91240B29-F687-4f45-9708-019B960494DF}">
+                <a14:hiddenLine xmlns="" xmlns:a16="http://schemas.microsoft.com/office/drawing/2014/main" xmlns:p14="http://schemas.microsoft.com/office/powerpoint/2010/main" xmlns:a14="http://schemas.microsoft.com/office/drawing/2010/main" w="9525">
+                  <a:solidFill>
+                    <a:srgbClr val="000000"/>
+                  </a:solidFill>
+                  <a:round/>
+                  <a:headEnd/>
+                  <a:tailEnd/>
+                </a14:hiddenLine>
+              </a:ext>
+            </a:extLst>
+          </p:spPr>
+        </p:sp>
+        <p:sp>
+          <p:nvSpPr>
+            <p:cNvPr id="59" name="Freeform 49">
+              <a:extLst>
+                <a:ext uri="{FF2B5EF4-FFF2-40B4-BE49-F238E27FC236}">
+                  <a16:creationId xmlns:a16="http://schemas.microsoft.com/office/drawing/2014/main" id="{3A748DD1-37AF-4ED8-951E-F0A682CD7667}"/>
+                </a:ext>
+                <a:ext uri="{C183D7F6-B498-43B3-948B-1728B52AA6E4}">
+                  <adec:decorative xmlns:adec="http://schemas.microsoft.com/office/drawing/2017/decorative" val="1"/>
+                </a:ext>
+              </a:extLst>
+            </p:cNvPr>
+            <p:cNvSpPr>
+              <a:spLocks noEditPoints="1"/>
+            </p:cNvSpPr>
+            <p:nvPr>
+              <p:extLst>
+                <p:ext uri="{386F3935-93C4-4BCD-93E2-E3B085C9AB24}">
+                  <p16:designElem xmlns:p16="http://schemas.microsoft.com/office/powerpoint/2015/main" val="1"/>
+                </p:ext>
+              </p:extLst>
+            </p:nvPr>
+          </p:nvSpPr>
+          <p:spPr bwMode="auto">
+            <a:xfrm>
+              <a:off x="728663" y="3806825"/>
+              <a:ext cx="190500" cy="190500"/>
+            </a:xfrm>
+            <a:custGeom>
+              <a:avLst/>
+              <a:gdLst/>
+              <a:ahLst/>
+              <a:cxnLst/>
+              <a:rect l="0" t="0" r="r" b="b"/>
+              <a:pathLst>
+                <a:path w="40" h="40">
+                  <a:moveTo>
+                    <a:pt x="20" y="40"/>
+                  </a:moveTo>
+                  <a:cubicBezTo>
+                    <a:pt x="9" y="40"/>
+                    <a:pt x="0" y="31"/>
+                    <a:pt x="0" y="20"/>
+                  </a:cubicBezTo>
+                  <a:cubicBezTo>
+                    <a:pt x="0" y="9"/>
+                    <a:pt x="9" y="0"/>
+                    <a:pt x="20" y="0"/>
+                  </a:cubicBezTo>
+                  <a:cubicBezTo>
+                    <a:pt x="31" y="0"/>
+                    <a:pt x="40" y="9"/>
+                    <a:pt x="40" y="20"/>
+                  </a:cubicBezTo>
+                  <a:cubicBezTo>
+                    <a:pt x="40" y="31"/>
+                    <a:pt x="31" y="40"/>
+                    <a:pt x="20" y="40"/>
+                  </a:cubicBezTo>
+                  <a:close/>
+                  <a:moveTo>
+                    <a:pt x="20" y="4"/>
+                  </a:moveTo>
+                  <a:cubicBezTo>
+                    <a:pt x="11" y="4"/>
+                    <a:pt x="4" y="11"/>
+                    <a:pt x="4" y="20"/>
+                  </a:cubicBezTo>
+                  <a:cubicBezTo>
+                    <a:pt x="4" y="28"/>
+                    <a:pt x="11" y="36"/>
+                    <a:pt x="20" y="36"/>
+                  </a:cubicBezTo>
+                  <a:cubicBezTo>
+                    <a:pt x="29" y="36"/>
+                    <a:pt x="36" y="28"/>
+                    <a:pt x="36" y="20"/>
+                  </a:cubicBezTo>
+                  <a:cubicBezTo>
+                    <a:pt x="36" y="11"/>
+                    <a:pt x="29" y="4"/>
+                    <a:pt x="20" y="4"/>
+                  </a:cubicBezTo>
+                  <a:close/>
+                </a:path>
+              </a:pathLst>
+            </a:custGeom>
+            <a:grpFill/>
+            <a:ln>
+              <a:noFill/>
+            </a:ln>
+            <a:extLst>
+              <a:ext uri="{91240B29-F687-4f45-9708-019B960494DF}">
+                <a14:hiddenLine xmlns="" xmlns:a16="http://schemas.microsoft.com/office/drawing/2014/main" xmlns:p14="http://schemas.microsoft.com/office/powerpoint/2010/main" xmlns:a14="http://schemas.microsoft.com/office/drawing/2010/main" w="9525">
+                  <a:solidFill>
+                    <a:srgbClr val="000000"/>
+                  </a:solidFill>
+                  <a:round/>
+                  <a:headEnd/>
+                  <a:tailEnd/>
+                </a14:hiddenLine>
+              </a:ext>
+            </a:extLst>
+          </p:spPr>
+        </p:sp>
+        <p:sp>
+          <p:nvSpPr>
+            <p:cNvPr id="60" name="Freeform 50">
+              <a:extLst>
+                <a:ext uri="{FF2B5EF4-FFF2-40B4-BE49-F238E27FC236}">
+                  <a16:creationId xmlns:a16="http://schemas.microsoft.com/office/drawing/2014/main" id="{08689BA6-10A1-45BC-B587-B870A0CBB866}"/>
+                </a:ext>
+                <a:ext uri="{C183D7F6-B498-43B3-948B-1728B52AA6E4}">
+                  <adec:decorative xmlns:adec="http://schemas.microsoft.com/office/drawing/2017/decorative" val="1"/>
+                </a:ext>
+              </a:extLst>
+            </p:cNvPr>
+            <p:cNvSpPr>
+              <a:spLocks noEditPoints="1"/>
+            </p:cNvSpPr>
+            <p:nvPr>
+              <p:extLst>
+                <p:ext uri="{386F3935-93C4-4BCD-93E2-E3B085C9AB24}">
+                  <p16:designElem xmlns:p16="http://schemas.microsoft.com/office/powerpoint/2015/main" val="1"/>
+                </p:ext>
+              </p:extLst>
+            </p:nvPr>
+          </p:nvSpPr>
+          <p:spPr bwMode="auto">
+            <a:xfrm>
+              <a:off x="1624013" y="4867275"/>
+              <a:ext cx="190500" cy="188913"/>
+            </a:xfrm>
+            <a:custGeom>
+              <a:avLst/>
+              <a:gdLst/>
+              <a:ahLst/>
+              <a:cxnLst/>
+              <a:rect l="0" t="0" r="r" b="b"/>
+              <a:pathLst>
+                <a:path w="40" h="40">
+                  <a:moveTo>
+                    <a:pt x="20" y="40"/>
+                  </a:moveTo>
+                  <a:cubicBezTo>
+                    <a:pt x="9" y="40"/>
+                    <a:pt x="0" y="31"/>
+                    <a:pt x="0" y="20"/>
+                  </a:cubicBezTo>
+                  <a:cubicBezTo>
+                    <a:pt x="0" y="9"/>
+                    <a:pt x="9" y="0"/>
+                    <a:pt x="20" y="0"/>
+                  </a:cubicBezTo>
+                  <a:cubicBezTo>
+                    <a:pt x="31" y="0"/>
+                    <a:pt x="40" y="9"/>
+                    <a:pt x="40" y="20"/>
+                  </a:cubicBezTo>
+                  <a:cubicBezTo>
+                    <a:pt x="40" y="31"/>
+                    <a:pt x="31" y="40"/>
+                    <a:pt x="20" y="40"/>
+                  </a:cubicBezTo>
+                  <a:close/>
+                  <a:moveTo>
+                    <a:pt x="20" y="4"/>
+                  </a:moveTo>
+                  <a:cubicBezTo>
+                    <a:pt x="11" y="4"/>
+                    <a:pt x="4" y="11"/>
+                    <a:pt x="4" y="20"/>
+                  </a:cubicBezTo>
+                  <a:cubicBezTo>
+                    <a:pt x="4" y="29"/>
+                    <a:pt x="11" y="36"/>
+                    <a:pt x="20" y="36"/>
+                  </a:cubicBezTo>
+                  <a:cubicBezTo>
+                    <a:pt x="28" y="36"/>
+                    <a:pt x="36" y="29"/>
+                    <a:pt x="36" y="20"/>
+                  </a:cubicBezTo>
+                  <a:cubicBezTo>
+                    <a:pt x="36" y="11"/>
+                    <a:pt x="28" y="4"/>
+                    <a:pt x="20" y="4"/>
+                  </a:cubicBezTo>
+                  <a:close/>
+                </a:path>
+              </a:pathLst>
+            </a:custGeom>
+            <a:grpFill/>
+            <a:ln>
+              <a:noFill/>
+            </a:ln>
+            <a:extLst>
+              <a:ext uri="{91240B29-F687-4f45-9708-019B960494DF}">
+                <a14:hiddenLine xmlns="" xmlns:a16="http://schemas.microsoft.com/office/drawing/2014/main" xmlns:p14="http://schemas.microsoft.com/office/powerpoint/2010/main" xmlns:a14="http://schemas.microsoft.com/office/drawing/2010/main" w="9525">
+                  <a:solidFill>
+                    <a:srgbClr val="000000"/>
+                  </a:solidFill>
+                  <a:round/>
+                  <a:headEnd/>
+                  <a:tailEnd/>
+                </a14:hiddenLine>
+              </a:ext>
+            </a:extLst>
+          </p:spPr>
+        </p:sp>
+        <p:sp>
+          <p:nvSpPr>
+            <p:cNvPr id="61" name="Freeform 51">
+              <a:extLst>
+                <a:ext uri="{FF2B5EF4-FFF2-40B4-BE49-F238E27FC236}">
+                  <a16:creationId xmlns:a16="http://schemas.microsoft.com/office/drawing/2014/main" id="{277FC6E5-64F4-40DD-955F-750F374A8C49}"/>
+                </a:ext>
+                <a:ext uri="{C183D7F6-B498-43B3-948B-1728B52AA6E4}">
+                  <adec:decorative xmlns:adec="http://schemas.microsoft.com/office/drawing/2017/decorative" val="1"/>
+                </a:ext>
+              </a:extLst>
+            </p:cNvPr>
+            <p:cNvSpPr/>
+            <p:nvPr>
+              <p:extLst>
+                <p:ext uri="{386F3935-93C4-4BCD-93E2-E3B085C9AB24}">
+                  <p16:designElem xmlns:p16="http://schemas.microsoft.com/office/powerpoint/2015/main" val="1"/>
+                </p:ext>
+              </p:extLst>
+            </p:nvPr>
+          </p:nvSpPr>
+          <p:spPr bwMode="auto">
+            <a:xfrm>
+              <a:off x="1404938" y="5422900"/>
+              <a:ext cx="371475" cy="1425575"/>
+            </a:xfrm>
+            <a:custGeom>
+              <a:avLst/>
+              <a:gdLst/>
+              <a:ahLst/>
+              <a:cxnLst/>
+              <a:rect l="0" t="0" r="r" b="b"/>
+              <a:pathLst>
+                <a:path w="234" h="898">
+                  <a:moveTo>
+                    <a:pt x="18" y="898"/>
+                  </a:moveTo>
+                  <a:lnTo>
+                    <a:pt x="0" y="898"/>
+                  </a:lnTo>
+                  <a:lnTo>
+                    <a:pt x="0" y="515"/>
+                  </a:lnTo>
+                  <a:lnTo>
+                    <a:pt x="0" y="512"/>
+                  </a:lnTo>
+                  <a:lnTo>
+                    <a:pt x="222" y="0"/>
+                  </a:lnTo>
+                  <a:lnTo>
+                    <a:pt x="234" y="6"/>
+                  </a:lnTo>
+                  <a:lnTo>
+                    <a:pt x="18" y="518"/>
+                  </a:lnTo>
+                  <a:lnTo>
+                    <a:pt x="18" y="898"/>
+                  </a:lnTo>
+                  <a:close/>
+                </a:path>
+              </a:pathLst>
+            </a:custGeom>
+            <a:grpFill/>
+            <a:ln>
+              <a:noFill/>
+            </a:ln>
+            <a:extLst>
+              <a:ext uri="{91240B29-F687-4f45-9708-019B960494DF}">
+                <a14:hiddenLine xmlns="" xmlns:a16="http://schemas.microsoft.com/office/drawing/2014/main" xmlns:p14="http://schemas.microsoft.com/office/powerpoint/2010/main" xmlns:a14="http://schemas.microsoft.com/office/drawing/2010/main" w="9525">
+                  <a:solidFill>
+                    <a:srgbClr val="000000"/>
+                  </a:solidFill>
+                  <a:round/>
+                  <a:headEnd/>
+                  <a:tailEnd/>
+                </a14:hiddenLine>
+              </a:ext>
+            </a:extLst>
+          </p:spPr>
+        </p:sp>
+        <p:sp>
+          <p:nvSpPr>
+            <p:cNvPr id="62" name="Freeform 52">
+              <a:extLst>
+                <a:ext uri="{FF2B5EF4-FFF2-40B4-BE49-F238E27FC236}">
+                  <a16:creationId xmlns:a16="http://schemas.microsoft.com/office/drawing/2014/main" id="{81D54CA6-CF50-405D-B6B8-A819913735F8}"/>
+                </a:ext>
+                <a:ext uri="{C183D7F6-B498-43B3-948B-1728B52AA6E4}">
+                  <adec:decorative xmlns:adec="http://schemas.microsoft.com/office/drawing/2017/decorative" val="1"/>
+                </a:ext>
+              </a:extLst>
+            </p:cNvPr>
+            <p:cNvSpPr/>
+            <p:nvPr>
+              <p:extLst>
+                <p:ext uri="{386F3935-93C4-4BCD-93E2-E3B085C9AB24}">
+                  <p16:designElem xmlns:p16="http://schemas.microsoft.com/office/powerpoint/2015/main" val="1"/>
+                </p:ext>
+              </p:extLst>
+            </p:nvPr>
+          </p:nvSpPr>
+          <p:spPr bwMode="auto">
+            <a:xfrm>
+              <a:off x="1666875" y="5945188"/>
+              <a:ext cx="152400" cy="912813"/>
+            </a:xfrm>
+            <a:custGeom>
+              <a:avLst/>
+              <a:gdLst/>
+              <a:ahLst/>
+              <a:cxnLst/>
+              <a:rect l="0" t="0" r="r" b="b"/>
+              <a:pathLst>
+                <a:path w="96" h="575">
+                  <a:moveTo>
+                    <a:pt x="15" y="575"/>
+                  </a:moveTo>
+                  <a:lnTo>
+                    <a:pt x="0" y="569"/>
+                  </a:lnTo>
+                  <a:lnTo>
+                    <a:pt x="81" y="383"/>
+                  </a:lnTo>
+                  <a:lnTo>
+                    <a:pt x="81" y="0"/>
+                  </a:lnTo>
+                  <a:lnTo>
+                    <a:pt x="96" y="0"/>
+                  </a:lnTo>
+                  <a:lnTo>
+                    <a:pt x="96" y="386"/>
+                  </a:lnTo>
+                  <a:lnTo>
+                    <a:pt x="15" y="575"/>
+                  </a:lnTo>
+                  <a:close/>
+                </a:path>
+              </a:pathLst>
+            </a:custGeom>
+            <a:grpFill/>
+            <a:ln>
+              <a:noFill/>
+            </a:ln>
+            <a:extLst>
+              <a:ext uri="{91240B29-F687-4f45-9708-019B960494DF}">
+                <a14:hiddenLine xmlns="" xmlns:a16="http://schemas.microsoft.com/office/drawing/2014/main" xmlns:p14="http://schemas.microsoft.com/office/powerpoint/2010/main" xmlns:a14="http://schemas.microsoft.com/office/drawing/2010/main" w="9525">
+                  <a:solidFill>
+                    <a:srgbClr val="000000"/>
+                  </a:solidFill>
+                  <a:round/>
+                  <a:headEnd/>
+                  <a:tailEnd/>
+                </a14:hiddenLine>
+              </a:ext>
+            </a:extLst>
+          </p:spPr>
+        </p:sp>
+        <p:sp>
+          <p:nvSpPr>
+            <p:cNvPr id="63" name="Freeform 53">
+              <a:extLst>
+                <a:ext uri="{FF2B5EF4-FFF2-40B4-BE49-F238E27FC236}">
+                  <a16:creationId xmlns:a16="http://schemas.microsoft.com/office/drawing/2014/main" id="{6A3D2087-0FAF-4906-AFB3-5E607C5E014B}"/>
+                </a:ext>
+                <a:ext uri="{C183D7F6-B498-43B3-948B-1728B52AA6E4}">
+                  <adec:decorative xmlns:adec="http://schemas.microsoft.com/office/drawing/2017/decorative" val="1"/>
+                </a:ext>
+              </a:extLst>
+            </p:cNvPr>
+            <p:cNvSpPr>
+              <a:spLocks noEditPoints="1"/>
+            </p:cNvSpPr>
+            <p:nvPr>
+              <p:extLst>
+                <p:ext uri="{386F3935-93C4-4BCD-93E2-E3B085C9AB24}">
+                  <p16:designElem xmlns:p16="http://schemas.microsoft.com/office/powerpoint/2015/main" val="1"/>
+                </p:ext>
+              </p:extLst>
+            </p:nvPr>
+          </p:nvSpPr>
+          <p:spPr bwMode="auto">
+            <a:xfrm>
+              <a:off x="1709738" y="5246688"/>
+              <a:ext cx="190500" cy="190500"/>
+            </a:xfrm>
+            <a:custGeom>
+              <a:avLst/>
+              <a:gdLst/>
+              <a:ahLst/>
+              <a:cxnLst/>
+              <a:rect l="0" t="0" r="r" b="b"/>
+              <a:pathLst>
+                <a:path w="40" h="40">
+                  <a:moveTo>
+                    <a:pt x="20" y="40"/>
+                  </a:moveTo>
+                  <a:cubicBezTo>
+                    <a:pt x="9" y="40"/>
+                    <a:pt x="0" y="31"/>
+                    <a:pt x="0" y="20"/>
+                  </a:cubicBezTo>
+                  <a:cubicBezTo>
+                    <a:pt x="0" y="9"/>
+                    <a:pt x="9" y="0"/>
+                    <a:pt x="20" y="0"/>
+                  </a:cubicBezTo>
+                  <a:cubicBezTo>
+                    <a:pt x="31" y="0"/>
+                    <a:pt x="40" y="9"/>
+                    <a:pt x="40" y="20"/>
+                  </a:cubicBezTo>
+                  <a:cubicBezTo>
+                    <a:pt x="40" y="31"/>
+                    <a:pt x="31" y="40"/>
+                    <a:pt x="20" y="40"/>
+                  </a:cubicBezTo>
+                  <a:close/>
+                  <a:moveTo>
+                    <a:pt x="20" y="4"/>
+                  </a:moveTo>
+                  <a:cubicBezTo>
+                    <a:pt x="11" y="4"/>
+                    <a:pt x="4" y="11"/>
+                    <a:pt x="4" y="20"/>
+                  </a:cubicBezTo>
+                  <a:cubicBezTo>
+                    <a:pt x="4" y="29"/>
+                    <a:pt x="11" y="36"/>
+                    <a:pt x="20" y="36"/>
+                  </a:cubicBezTo>
+                  <a:cubicBezTo>
+                    <a:pt x="29" y="36"/>
+                    <a:pt x="36" y="29"/>
+                    <a:pt x="36" y="20"/>
+                  </a:cubicBezTo>
+                  <a:cubicBezTo>
+                    <a:pt x="36" y="11"/>
+                    <a:pt x="29" y="4"/>
+                    <a:pt x="20" y="4"/>
+                  </a:cubicBezTo>
+                  <a:close/>
+                </a:path>
+              </a:pathLst>
+            </a:custGeom>
+            <a:grpFill/>
+            <a:ln>
+              <a:noFill/>
+            </a:ln>
+            <a:extLst>
+              <a:ext uri="{91240B29-F687-4f45-9708-019B960494DF}">
+                <a14:hiddenLine xmlns="" xmlns:a16="http://schemas.microsoft.com/office/drawing/2014/main" xmlns:p14="http://schemas.microsoft.com/office/powerpoint/2010/main" xmlns:a14="http://schemas.microsoft.com/office/drawing/2010/main" w="9525">
+                  <a:solidFill>
+                    <a:srgbClr val="000000"/>
+                  </a:solidFill>
+                  <a:round/>
+                  <a:headEnd/>
+                  <a:tailEnd/>
+                </a14:hiddenLine>
+              </a:ext>
+            </a:extLst>
+          </p:spPr>
+        </p:sp>
+        <p:sp>
+          <p:nvSpPr>
+            <p:cNvPr id="64" name="Freeform 54">
+              <a:extLst>
+                <a:ext uri="{FF2B5EF4-FFF2-40B4-BE49-F238E27FC236}">
+                  <a16:creationId xmlns:a16="http://schemas.microsoft.com/office/drawing/2014/main" id="{9913DB8C-3F4A-4940-B31B-6F656B2FC72F}"/>
+                </a:ext>
+                <a:ext uri="{C183D7F6-B498-43B3-948B-1728B52AA6E4}">
+                  <adec:decorative xmlns:adec="http://schemas.microsoft.com/office/drawing/2017/decorative" val="1"/>
+                </a:ext>
+              </a:extLst>
+            </p:cNvPr>
+            <p:cNvSpPr>
+              <a:spLocks noEditPoints="1"/>
+            </p:cNvSpPr>
+            <p:nvPr>
+              <p:extLst>
+                <p:ext uri="{386F3935-93C4-4BCD-93E2-E3B085C9AB24}">
+                  <p16:designElem xmlns:p16="http://schemas.microsoft.com/office/powerpoint/2015/main" val="1"/>
+                </p:ext>
+              </p:extLst>
+            </p:nvPr>
+          </p:nvSpPr>
+          <p:spPr bwMode="auto">
+            <a:xfrm>
+              <a:off x="1709738" y="5764213"/>
+              <a:ext cx="190500" cy="190500"/>
+            </a:xfrm>
+            <a:custGeom>
+              <a:avLst/>
+              <a:gdLst/>
+              <a:ahLst/>
+              <a:cxnLst/>
+              <a:rect l="0" t="0" r="r" b="b"/>
+              <a:pathLst>
+                <a:path w="40" h="40">
+                  <a:moveTo>
+                    <a:pt x="20" y="40"/>
+                  </a:moveTo>
+                  <a:cubicBezTo>
+                    <a:pt x="9" y="40"/>
+                    <a:pt x="0" y="31"/>
+                    <a:pt x="0" y="20"/>
+                  </a:cubicBezTo>
+                  <a:cubicBezTo>
+                    <a:pt x="0" y="9"/>
+                    <a:pt x="9" y="0"/>
+                    <a:pt x="20" y="0"/>
+                  </a:cubicBezTo>
+                  <a:cubicBezTo>
+                    <a:pt x="31" y="0"/>
+                    <a:pt x="40" y="9"/>
+                    <a:pt x="40" y="20"/>
+                  </a:cubicBezTo>
+                  <a:cubicBezTo>
+                    <a:pt x="40" y="31"/>
+                    <a:pt x="31" y="40"/>
+                    <a:pt x="20" y="40"/>
+                  </a:cubicBezTo>
+                  <a:close/>
+                  <a:moveTo>
+                    <a:pt x="20" y="4"/>
+                  </a:moveTo>
+                  <a:cubicBezTo>
+                    <a:pt x="11" y="4"/>
+                    <a:pt x="4" y="11"/>
+                    <a:pt x="4" y="20"/>
+                  </a:cubicBezTo>
+                  <a:cubicBezTo>
+                    <a:pt x="4" y="29"/>
+                    <a:pt x="11" y="36"/>
+                    <a:pt x="20" y="36"/>
+                  </a:cubicBezTo>
+                  <a:cubicBezTo>
+                    <a:pt x="29" y="36"/>
+                    <a:pt x="36" y="29"/>
+                    <a:pt x="36" y="20"/>
+                  </a:cubicBezTo>
+                  <a:cubicBezTo>
+                    <a:pt x="36" y="11"/>
+                    <a:pt x="29" y="4"/>
+                    <a:pt x="20" y="4"/>
+                  </a:cubicBezTo>
+                  <a:close/>
+                </a:path>
+              </a:pathLst>
+            </a:custGeom>
+            <a:grpFill/>
+            <a:ln>
+              <a:noFill/>
+            </a:ln>
+            <a:extLst>
+              <a:ext uri="{91240B29-F687-4f45-9708-019B960494DF}">
+                <a14:hiddenLine xmlns="" xmlns:a16="http://schemas.microsoft.com/office/drawing/2014/main" xmlns:p14="http://schemas.microsoft.com/office/powerpoint/2010/main" xmlns:a14="http://schemas.microsoft.com/office/drawing/2010/main" w="9525">
+                  <a:solidFill>
+                    <a:srgbClr val="000000"/>
+                  </a:solidFill>
+                  <a:round/>
+                  <a:headEnd/>
+                  <a:tailEnd/>
+                </a14:hiddenLine>
+              </a:ext>
+            </a:extLst>
+          </p:spPr>
+        </p:sp>
+        <p:sp>
+          <p:nvSpPr>
+            <p:cNvPr id="65" name="Freeform 55">
+              <a:extLst>
+                <a:ext uri="{FF2B5EF4-FFF2-40B4-BE49-F238E27FC236}">
+                  <a16:creationId xmlns:a16="http://schemas.microsoft.com/office/drawing/2014/main" id="{D6FA6142-7410-4E17-8ACA-8BEE5F9F754F}"/>
+                </a:ext>
+                <a:ext uri="{C183D7F6-B498-43B3-948B-1728B52AA6E4}">
+                  <adec:decorative xmlns:adec="http://schemas.microsoft.com/office/drawing/2017/decorative" val="1"/>
+                </a:ext>
+              </a:extLst>
+            </p:cNvPr>
+            <p:cNvSpPr/>
+            <p:nvPr>
+              <p:extLst>
+                <p:ext uri="{386F3935-93C4-4BCD-93E2-E3B085C9AB24}">
+                  <p16:designElem xmlns:p16="http://schemas.microsoft.com/office/powerpoint/2015/main" val="1"/>
+                </p:ext>
+              </p:extLst>
+            </p:nvPr>
+          </p:nvSpPr>
+          <p:spPr bwMode="auto">
+            <a:xfrm>
+              <a:off x="1766888" y="6330950"/>
+              <a:ext cx="419100" cy="527050"/>
+            </a:xfrm>
+            <a:custGeom>
+              <a:avLst/>
+              <a:gdLst/>
+              <a:ahLst/>
+              <a:cxnLst/>
+              <a:rect l="0" t="0" r="r" b="b"/>
+              <a:pathLst>
+                <a:path w="264" h="332">
+                  <a:moveTo>
+                    <a:pt x="12" y="332"/>
+                  </a:moveTo>
+                  <a:lnTo>
+                    <a:pt x="0" y="326"/>
+                  </a:lnTo>
+                  <a:lnTo>
+                    <a:pt x="45" y="206"/>
+                  </a:lnTo>
+                  <a:lnTo>
+                    <a:pt x="255" y="0"/>
+                  </a:lnTo>
+                  <a:lnTo>
+                    <a:pt x="264" y="12"/>
+                  </a:lnTo>
+                  <a:lnTo>
+                    <a:pt x="60" y="215"/>
+                  </a:lnTo>
+                  <a:lnTo>
+                    <a:pt x="12" y="332"/>
+                  </a:lnTo>
+                  <a:close/>
+                </a:path>
+              </a:pathLst>
+            </a:custGeom>
+            <a:grpFill/>
+            <a:ln>
+              <a:noFill/>
+            </a:ln>
+            <a:extLst>
+              <a:ext uri="{91240B29-F687-4f45-9708-019B960494DF}">
+                <a14:hiddenLine xmlns="" xmlns:a16="http://schemas.microsoft.com/office/drawing/2014/main" xmlns:p14="http://schemas.microsoft.com/office/powerpoint/2010/main" xmlns:a14="http://schemas.microsoft.com/office/drawing/2010/main" w="9525">
+                  <a:solidFill>
+                    <a:srgbClr val="000000"/>
+                  </a:solidFill>
+                  <a:round/>
+                  <a:headEnd/>
+                  <a:tailEnd/>
+                </a14:hiddenLine>
+              </a:ext>
+            </a:extLst>
+          </p:spPr>
+        </p:sp>
+        <p:sp>
+          <p:nvSpPr>
+            <p:cNvPr id="66" name="Freeform 56">
+              <a:extLst>
+                <a:ext uri="{FF2B5EF4-FFF2-40B4-BE49-F238E27FC236}">
+                  <a16:creationId xmlns:a16="http://schemas.microsoft.com/office/drawing/2014/main" id="{2BFAE1A6-7321-44E3-B8CA-A9A8E0D4B8F1}"/>
+                </a:ext>
+                <a:ext uri="{C183D7F6-B498-43B3-948B-1728B52AA6E4}">
+                  <adec:decorative xmlns:adec="http://schemas.microsoft.com/office/drawing/2017/decorative" val="1"/>
+                </a:ext>
+              </a:extLst>
+            </p:cNvPr>
+            <p:cNvSpPr>
+              <a:spLocks noEditPoints="1"/>
+            </p:cNvSpPr>
+            <p:nvPr>
+              <p:extLst>
+                <p:ext uri="{386F3935-93C4-4BCD-93E2-E3B085C9AB24}">
+                  <p16:designElem xmlns:p16="http://schemas.microsoft.com/office/powerpoint/2015/main" val="1"/>
+                </p:ext>
+              </p:extLst>
+            </p:nvPr>
+          </p:nvSpPr>
+          <p:spPr bwMode="auto">
+            <a:xfrm>
+              <a:off x="2147888" y="6221413"/>
+              <a:ext cx="157163" cy="147638"/>
+            </a:xfrm>
+            <a:custGeom>
+              <a:avLst/>
+              <a:gdLst/>
+              <a:ahLst/>
+              <a:cxnLst/>
+              <a:rect l="0" t="0" r="r" b="b"/>
+              <a:pathLst>
+                <a:path w="33" h="31">
+                  <a:moveTo>
+                    <a:pt x="16" y="31"/>
+                  </a:moveTo>
+                  <a:cubicBezTo>
+                    <a:pt x="12" y="31"/>
+                    <a:pt x="8" y="29"/>
+                    <a:pt x="5" y="26"/>
+                  </a:cubicBezTo>
+                  <a:cubicBezTo>
+                    <a:pt x="2" y="24"/>
+                    <a:pt x="0" y="20"/>
+                    <a:pt x="0" y="15"/>
+                  </a:cubicBezTo>
+                  <a:cubicBezTo>
+                    <a:pt x="0" y="11"/>
+                    <a:pt x="2" y="7"/>
+                    <a:pt x="5" y="4"/>
+                  </a:cubicBezTo>
+                  <a:cubicBezTo>
+                    <a:pt x="8" y="1"/>
+                    <a:pt x="12" y="0"/>
+                    <a:pt x="16" y="0"/>
+                  </a:cubicBezTo>
+                  <a:cubicBezTo>
+                    <a:pt x="20" y="0"/>
+                    <a:pt x="24" y="1"/>
+                    <a:pt x="27" y="4"/>
+                  </a:cubicBezTo>
+                  <a:cubicBezTo>
+                    <a:pt x="33" y="10"/>
+                    <a:pt x="33" y="20"/>
+                    <a:pt x="27" y="26"/>
+                  </a:cubicBezTo>
+                  <a:cubicBezTo>
+                    <a:pt x="24" y="29"/>
+                    <a:pt x="20" y="31"/>
+                    <a:pt x="16" y="31"/>
+                  </a:cubicBezTo>
+                  <a:close/>
+                  <a:moveTo>
+                    <a:pt x="16" y="4"/>
+                  </a:moveTo>
+                  <a:cubicBezTo>
+                    <a:pt x="13" y="4"/>
+                    <a:pt x="10" y="5"/>
+                    <a:pt x="8" y="7"/>
+                  </a:cubicBezTo>
+                  <a:cubicBezTo>
+                    <a:pt x="6" y="9"/>
+                    <a:pt x="4" y="12"/>
+                    <a:pt x="4" y="15"/>
+                  </a:cubicBezTo>
+                  <a:cubicBezTo>
+                    <a:pt x="4" y="19"/>
+                    <a:pt x="6" y="21"/>
+                    <a:pt x="8" y="24"/>
+                  </a:cubicBezTo>
+                  <a:cubicBezTo>
+                    <a:pt x="10" y="26"/>
+                    <a:pt x="13" y="27"/>
+                    <a:pt x="16" y="27"/>
+                  </a:cubicBezTo>
+                  <a:cubicBezTo>
+                    <a:pt x="19" y="27"/>
+                    <a:pt x="22" y="26"/>
+                    <a:pt x="24" y="24"/>
+                  </a:cubicBezTo>
+                  <a:cubicBezTo>
+                    <a:pt x="29" y="19"/>
+                    <a:pt x="29" y="12"/>
+                    <a:pt x="24" y="7"/>
+                  </a:cubicBezTo>
+                  <a:cubicBezTo>
+                    <a:pt x="22" y="5"/>
+                    <a:pt x="19" y="4"/>
+                    <a:pt x="16" y="4"/>
+                  </a:cubicBezTo>
+                  <a:close/>
+                </a:path>
+              </a:pathLst>
+            </a:custGeom>
+            <a:grpFill/>
+            <a:ln>
+              <a:noFill/>
+            </a:ln>
+            <a:extLst>
+              <a:ext uri="{91240B29-F687-4f45-9708-019B960494DF}">
+                <a14:hiddenLine xmlns="" xmlns:a16="http://schemas.microsoft.com/office/drawing/2014/main" xmlns:p14="http://schemas.microsoft.com/office/powerpoint/2010/main" xmlns:a14="http://schemas.microsoft.com/office/drawing/2010/main" w="9525">
+                  <a:solidFill>
+                    <a:srgbClr val="000000"/>
+                  </a:solidFill>
+                  <a:round/>
+                  <a:headEnd/>
+                  <a:tailEnd/>
+                </a14:hiddenLine>
+              </a:ext>
+            </a:extLst>
+          </p:spPr>
+        </p:sp>
+        <p:sp>
+          <p:nvSpPr>
+            <p:cNvPr id="67" name="Freeform 57">
+              <a:extLst>
+                <a:ext uri="{FF2B5EF4-FFF2-40B4-BE49-F238E27FC236}">
+                  <a16:creationId xmlns:a16="http://schemas.microsoft.com/office/drawing/2014/main" id="{C9ED404F-49F0-4F47-B09C-D3BEC3F36AAD}"/>
+                </a:ext>
+                <a:ext uri="{C183D7F6-B498-43B3-948B-1728B52AA6E4}">
+                  <adec:decorative xmlns:adec="http://schemas.microsoft.com/office/drawing/2017/decorative" val="1"/>
+                </a:ext>
+              </a:extLst>
+            </p:cNvPr>
+            <p:cNvSpPr/>
+            <p:nvPr>
+              <p:extLst>
+                <p:ext uri="{386F3935-93C4-4BCD-93E2-E3B085C9AB24}">
+                  <p16:designElem xmlns:p16="http://schemas.microsoft.com/office/powerpoint/2015/main" val="1"/>
+                </p:ext>
+              </p:extLst>
+            </p:nvPr>
+          </p:nvSpPr>
+          <p:spPr bwMode="auto">
+            <a:xfrm>
+              <a:off x="504825" y="9525"/>
+              <a:ext cx="233363" cy="5103813"/>
+            </a:xfrm>
+            <a:custGeom>
+              <a:avLst/>
+              <a:gdLst/>
+              <a:ahLst/>
+              <a:cxnLst/>
+              <a:rect l="0" t="0" r="r" b="b"/>
+              <a:pathLst>
+                <a:path w="147" h="3215">
+                  <a:moveTo>
+                    <a:pt x="132" y="3215"/>
+                  </a:moveTo>
+                  <a:lnTo>
+                    <a:pt x="129" y="2754"/>
+                  </a:lnTo>
+                  <a:lnTo>
+                    <a:pt x="0" y="1901"/>
+                  </a:lnTo>
+                  <a:lnTo>
+                    <a:pt x="0" y="0"/>
+                  </a:lnTo>
+                  <a:lnTo>
+                    <a:pt x="15" y="0"/>
+                  </a:lnTo>
+                  <a:lnTo>
+                    <a:pt x="15" y="1898"/>
+                  </a:lnTo>
+                  <a:lnTo>
+                    <a:pt x="144" y="2754"/>
+                  </a:lnTo>
+                  <a:lnTo>
+                    <a:pt x="147" y="3215"/>
+                  </a:lnTo>
+                  <a:lnTo>
+                    <a:pt x="132" y="3215"/>
+                  </a:lnTo>
+                  <a:close/>
+                </a:path>
+              </a:pathLst>
+            </a:custGeom>
+            <a:grpFill/>
+            <a:ln>
+              <a:noFill/>
+            </a:ln>
+            <a:extLst>
+              <a:ext uri="{91240B29-F687-4f45-9708-019B960494DF}">
+                <a14:hiddenLine xmlns="" xmlns:a16="http://schemas.microsoft.com/office/drawing/2014/main" xmlns:p14="http://schemas.microsoft.com/office/powerpoint/2010/main" xmlns:a14="http://schemas.microsoft.com/office/drawing/2010/main" w="9525">
+                  <a:solidFill>
+                    <a:srgbClr val="000000"/>
+                  </a:solidFill>
+                  <a:round/>
+                  <a:headEnd/>
+                  <a:tailEnd/>
+                </a14:hiddenLine>
+              </a:ext>
+            </a:extLst>
+          </p:spPr>
+        </p:sp>
+        <p:sp>
+          <p:nvSpPr>
+            <p:cNvPr id="68" name="Freeform 58">
+              <a:extLst>
+                <a:ext uri="{FF2B5EF4-FFF2-40B4-BE49-F238E27FC236}">
+                  <a16:creationId xmlns:a16="http://schemas.microsoft.com/office/drawing/2014/main" id="{E7528D28-EDFF-4402-B78A-A3DE270A3DF6}"/>
+                </a:ext>
+                <a:ext uri="{C183D7F6-B498-43B3-948B-1728B52AA6E4}">
+                  <adec:decorative xmlns:adec="http://schemas.microsoft.com/office/drawing/2017/decorative" val="1"/>
+                </a:ext>
+              </a:extLst>
+            </p:cNvPr>
+            <p:cNvSpPr>
+              <a:spLocks noEditPoints="1"/>
+            </p:cNvSpPr>
+            <p:nvPr>
+              <p:extLst>
+                <p:ext uri="{386F3935-93C4-4BCD-93E2-E3B085C9AB24}">
+                  <p16:designElem xmlns:p16="http://schemas.microsoft.com/office/powerpoint/2015/main" val="1"/>
+                </p:ext>
+              </p:extLst>
+            </p:nvPr>
+          </p:nvSpPr>
+          <p:spPr bwMode="auto">
+            <a:xfrm>
+              <a:off x="633413" y="5103813"/>
+              <a:ext cx="185738" cy="185738"/>
+            </a:xfrm>
+            <a:custGeom>
+              <a:avLst/>
+              <a:gdLst/>
+              <a:ahLst/>
+              <a:cxnLst/>
+              <a:rect l="0" t="0" r="r" b="b"/>
+              <a:pathLst>
+                <a:path w="39" h="39">
+                  <a:moveTo>
+                    <a:pt x="20" y="39"/>
+                  </a:moveTo>
+                  <a:cubicBezTo>
+                    <a:pt x="9" y="39"/>
+                    <a:pt x="0" y="30"/>
+                    <a:pt x="0" y="19"/>
+                  </a:cubicBezTo>
+                  <a:cubicBezTo>
+                    <a:pt x="0" y="9"/>
+                    <a:pt x="9" y="0"/>
+                    <a:pt x="20" y="0"/>
+                  </a:cubicBezTo>
+                  <a:cubicBezTo>
+                    <a:pt x="30" y="0"/>
+                    <a:pt x="39" y="9"/>
+                    <a:pt x="39" y="19"/>
+                  </a:cubicBezTo>
+                  <a:cubicBezTo>
+                    <a:pt x="39" y="30"/>
+                    <a:pt x="30" y="39"/>
+                    <a:pt x="20" y="39"/>
+                  </a:cubicBezTo>
+                  <a:close/>
+                  <a:moveTo>
+                    <a:pt x="20" y="4"/>
+                  </a:moveTo>
+                  <a:cubicBezTo>
+                    <a:pt x="11" y="4"/>
+                    <a:pt x="4" y="11"/>
+                    <a:pt x="4" y="19"/>
+                  </a:cubicBezTo>
+                  <a:cubicBezTo>
+                    <a:pt x="4" y="28"/>
+                    <a:pt x="11" y="35"/>
+                    <a:pt x="20" y="35"/>
+                  </a:cubicBezTo>
+                  <a:cubicBezTo>
+                    <a:pt x="28" y="35"/>
+                    <a:pt x="35" y="28"/>
+                    <a:pt x="35" y="19"/>
+                  </a:cubicBezTo>
+                  <a:cubicBezTo>
+                    <a:pt x="35" y="11"/>
+                    <a:pt x="28" y="4"/>
+                    <a:pt x="20" y="4"/>
+                  </a:cubicBezTo>
+                  <a:close/>
+                </a:path>
+              </a:pathLst>
+            </a:custGeom>
+            <a:grpFill/>
+            <a:ln>
+              <a:noFill/>
+            </a:ln>
+            <a:extLst>
+              <a:ext uri="{91240B29-F687-4f45-9708-019B960494DF}">
+                <a14:hiddenLine xmlns="" xmlns:a16="http://schemas.microsoft.com/office/drawing/2014/main" xmlns:p14="http://schemas.microsoft.com/office/powerpoint/2010/main" xmlns:a14="http://schemas.microsoft.com/office/drawing/2010/main" w="9525">
+                  <a:solidFill>
+                    <a:srgbClr val="000000"/>
+                  </a:solidFill>
+                  <a:round/>
+                  <a:headEnd/>
+                  <a:tailEnd/>
+                </a14:hiddenLine>
+              </a:ext>
+            </a:extLst>
+          </p:spPr>
+        </p:sp>
+      </p:grpSp>
       <p:sp>
         <p:nvSpPr>
           <p:cNvPr id="2" name="Título 1">
@@ -14069,21 +19198,33 @@
             <p:ph type="title"/>
           </p:nvPr>
         </p:nvSpPr>
-        <p:spPr/>
+        <p:spPr>
+          <a:xfrm>
+            <a:off x="1876425" y="660622"/>
+            <a:ext cx="3734941" cy="2396681"/>
+          </a:xfrm>
+        </p:spPr>
         <p:txBody>
-          <a:bodyPr>
+          <a:bodyPr vert="horz" lIns="91440" tIns="45720" rIns="91440" bIns="45720" rtlCol="0" anchor="b">
             <a:normAutofit/>
           </a:bodyPr>
           <a:lstStyle/>
           <a:p>
-            <a:pPr algn="ctr"/>
-            <a:r>
-              <a:rPr lang="pt-PT" sz="4400" dirty="0">
+            <a:r>
+              <a:rPr lang="en-US" sz="4800" dirty="0" err="1">
                 <a:solidFill>
                   <a:schemeClr val="bg1"/>
                 </a:solidFill>
               </a:rPr>
-              <a:t>Diagrama de classes</a:t>
+              <a:t>Diagrama</a:t>
+            </a:r>
+            <a:r>
+              <a:rPr lang="en-US" sz="4800" dirty="0">
+                <a:solidFill>
+                  <a:schemeClr val="bg1"/>
+                </a:solidFill>
+              </a:rPr>
+              <a:t> de classes</a:t>
             </a:r>
           </a:p>
         </p:txBody>
@@ -14104,41 +19245,162 @@
             <p:ph idx="1"/>
           </p:nvPr>
         </p:nvSpPr>
-        <p:spPr/>
+        <p:spPr>
+          <a:xfrm>
+            <a:off x="1876425" y="3602038"/>
+            <a:ext cx="3734942" cy="2052720"/>
+          </a:xfrm>
+        </p:spPr>
         <p:txBody>
-          <a:bodyPr>
-            <a:normAutofit fontScale="25000" lnSpcReduction="20000"/>
+          <a:bodyPr vert="horz" lIns="91440" tIns="45720" rIns="91440" bIns="45720" rtlCol="0">
+            <a:normAutofit/>
           </a:bodyPr>
           <a:lstStyle/>
           <a:p>
-            <a:r>
-              <a:rPr lang="pt-PT" sz="7200" dirty="0"/>
-              <a:t>Site com o Diagrama</a:t>
-            </a:r>
-            <a:r>
-              <a:rPr lang="pt-PT" sz="6400" dirty="0"/>
-              <a:t>:</a:t>
-            </a:r>
-          </a:p>
-          <a:p>
-            <a:r>
-              <a:rPr lang="pt-PT" sz="3600" dirty="0"/>
-              <a:t>http://www.plantuml.com/plantuml/svg/jLhFSjms3x_xANZQaJRAmJuxddn9linunaxIr4sdfmujqOfghRYbjCvutFRPIvDO0YIurgwJdYpYpuy0218Wrw_7IPffi-gFwbwEetXhHrA_DQhf9YqUZeHuASR9T4ChXitASntndPoKk9DzryX6MSgBMBKeCxGKg0eeEUb6RwvxnzMc4dEwm6_Lz64hKfIYriCuEVwTxXen8fTRKqPoNy2r8dBKopXIYp9y8iiy7svqeUqaIguMGcz5_ZuAaPvKgqqduo3hbGeSXnT6HPcCYGgB0ON9nC5BS8HhhNkXryh8IHlnwfKe0efOr2SbCR_lr30fPZpG7RaR9XTUFLZ-zSOE2Vl55g8een71ghO8EVSEyCgYEAtOb0m0bycu07dIcMaZUpJABpZ5l37MeoOJKt1r8UhZIk3WfAHg8NM2wkcfA80g5ZfeseKvvWlpMRNTECb6RrT8JbszZQSo6iJ683U69UiQkgXg9RkUh10Y5sMUp5Sm3c0LGSVRxhmfl0bavHoL1XPZ_lz7XDn20eTDb5ylbWFP0Fbag0qrRRSms_3lv7QxR8QnQmVLE8nx9Gsdhcoyld9o8-yTSINNftRimdlcXSVVBT5PvcOgIlATObIPoIfkbeS8SRcKQq3rETsDxW1CQ1VAYj6m9iQs5iZPUvdAHVDRiT-i2IY1bW07hMJQOPAiEh22vpi0tidxdBfdG211zOcacjtEGAsyZgyj2qZ__15YzIBPuqJt19Lpvy-ijX02i_QzDeEgLMDLsLcFF3yXZekIKTYfd9pdA9gFEZlQqSOB_OTyturTBMCRUrrZW-8tpIUZcysabv2CuwJhMwUg_Mm8LPICmc3f1f5D0-35TXAnzX_-5Fnp8uV9gObNufYg6hNITohH5ijvRSZKdz4BeftitejWDVE3BmWAHuknCvV82YpwasHfFWvzDoZnyEGYU24dSgTgYtvwPUGmobhgvPcO_BTMexS3OOkIKNBwKJ2-wc__w_khW8a-vbOJ8_hSTTnp1S5yp1wGoVXZLURC3-95-1BBYPixBuUnkD8PwQMOAe567nIaZpVV3pXgCmNTD_Ua-47NuxEsrgkrD0h31g8-WUdauKIa0Q59VNdzgxmN3xJ7lLAzyyjtIbwYAEa012ajkU944jXV87R-O8ma8eozxoANctxghkLGQ-ALKJVAgA66UmWHAaf6YHKudtfwfIVPLoAZWavz3emCD4O7nLXicEDYmHt_95kvKaEuwb8p7H9A56L2u3ubFdnvP10fO0EX1O7OSBXMxEq0R1CmdxRlj523bATJipq5xtXrTFK4T7GTXgp1xvgAm5OvG838D_Hf-p-eR-SDxnBGazqjGiR6sRZFhnawPDN380-1R7ftbjC-BLrOpyKwd498shEncy70vFcirlgnPeVq8MMy3v-UbVOqdXgVp9xc-iX6JZw7S9AYJ0bqkfkdZlmAGPCzXX0n6eWHMak5yol7-pU02OGMXR88FmMJYzY3EFrHB8893qlsRzP4u42dZj7Wzu_vbWqNtz3d0wnva1Fnoy6rCXzli8Pw4UJvCU_</a:t>
-            </a:r>
-            <a:r>
-              <a:rPr lang="pt-PT" sz="3600" u="sng" dirty="0"/>
-              <a:t>ndaoIbw75sIgTRRCC9c0dhIV3hNifQlBeX0VqKapTMeUX3mVs6sLA03Ynh2kyXitBLDpwnTsp5Ikq7tjuaXSgbnV0eKOZ2sOc5dW135-BGljqmalnx4xui6vvPkkWIZOaMAZXAzhHI6gfA4725iobDh9OCO6aH8ceDtrpRqKsDhIC</a:t>
-            </a:r>
-            <a:r>
-              <a:rPr lang="pt-PT" sz="3600" dirty="0"/>
-              <a:t>_a6kSkJ7uXWRmFOTdIhNvK9eHfWxBWnBWOK1IIVbFDXvCuiabdiWWUlxO-tx9ieQzyKqMpEPnd4EvYGz8xUD9voJzA7a9dn-P-sC9YhA795CkpYmXXBLLarpxo_8Z-Syj4JcY-mFBtwuMcyszn_qD_6GgpGYBZN83uVbsRQunFpGsfrXYnjBXFfw9ep_r0a6jYDdhjqQ_G24oCj97pvdKyskERodt2Q4osw8Pe_Io3-nu1YUMNpeYZ8QPQnVsFQD66p7kgAcL94PpuDxmknWzVoa_r2NiCBbUtPUhV9oFtu_eMMyUliFRXj8pFxymZLdvl0d-5TLtwQ22nJyhv-Uo7d1WGvgt1z3KkkcQpLT5zwBeSgE5pQyo60llJ3RpyID_4N5PZhtPYzHZCnEyVb7j1auzaxyx7U-7smZlfGURip-sknzzfRc0VBWXCbjSzJ4NvVmX2gfA08bia1D8X5t0T58B4Lsiyqhv4gJlpXZTQ9kvY_O-ToXQacLzPiD1ZW1lwJiUy8XG5H7BGIES9h3tzZpjGWqa9JLmiR0AS28JP5_SGBNiUU8T7XlGdKpfvZhJ8pBkoBzXGHzPopOERiPJzcRg0HHZWRBpHaOCtPxIYy-E_dvorTqrIdJ7lANSzz5mb1S3quzS2EuP0YLCcayLjtGsH39Hfk8qokp8p1gh8swusnKPAk3QYaJbLYiKIbbeX8z5hAAN82RYJloAGaFafs4YwL0QRuW9zskX7kX36u1dmiX2rvkKm18ZmISdX3HEIJYrYOq236XO5E8H7oq8xJ8XwCWOLdkIdKKyGCLZF0K2E4HcXk0vUDa-2Hr-fTbk1-lKYBzvpscWRy4UNDaOY1IyBcE0g8m1Ch3flzwTFHQ3SrcrVyB</a:t>
-            </a:r>
-          </a:p>
-          <a:p>
-            <a:endParaRPr lang="pt-PT" dirty="0"/>
+            <a:pPr marL="0" indent="0">
+              <a:buNone/>
+            </a:pPr>
+            <a:r>
+              <a:rPr lang="en-US" sz="2000" cap="all" dirty="0"/>
+              <a:t>Link do </a:t>
+            </a:r>
+            <a:r>
+              <a:rPr lang="en-US" sz="2000" cap="all" dirty="0" err="1"/>
+              <a:t>Diagrama</a:t>
+            </a:r>
+            <a:r>
+              <a:rPr lang="en-US" sz="2000" cap="all" dirty="0"/>
+              <a:t> </a:t>
+            </a:r>
+            <a:r>
+              <a:rPr lang="en-US" sz="2000" cap="all" dirty="0" err="1"/>
+              <a:t>completo</a:t>
+            </a:r>
+            <a:r>
+              <a:rPr lang="en-US" sz="2000" cap="all" dirty="0"/>
+              <a:t> </a:t>
+            </a:r>
+            <a:r>
+              <a:rPr lang="en-US" sz="2000" cap="all" dirty="0" err="1"/>
+              <a:t>em</a:t>
+            </a:r>
+            <a:r>
+              <a:rPr lang="en-US" sz="2000" cap="all" dirty="0"/>
+              <a:t> Anexo</a:t>
+            </a:r>
           </a:p>
         </p:txBody>
       </p:sp>
+      <p:sp>
+        <p:nvSpPr>
+          <p:cNvPr id="70" name="Round Diagonal Corner Rectangle 6">
+            <a:extLst>
+              <a:ext uri="{FF2B5EF4-FFF2-40B4-BE49-F238E27FC236}">
+                <a16:creationId xmlns:a16="http://schemas.microsoft.com/office/drawing/2014/main" id="{B203BB80-E805-49BC-A44D-9D35D9B3696B}"/>
+              </a:ext>
+              <a:ext uri="{C183D7F6-B498-43B3-948B-1728B52AA6E4}">
+                <adec:decorative xmlns:adec="http://schemas.microsoft.com/office/drawing/2017/decorative" val="1"/>
+              </a:ext>
+            </a:extLst>
+          </p:cNvPr>
+          <p:cNvSpPr>
+            <a:spLocks noGrp="1" noRot="1" noChangeAspect="1" noMove="1" noResize="1" noEditPoints="1" noAdjustHandles="1" noChangeArrowheads="1" noChangeShapeType="1" noTextEdit="1"/>
+          </p:cNvSpPr>
+          <p:nvPr>
+            <p:extLst>
+              <p:ext uri="{386F3935-93C4-4BCD-93E2-E3B085C9AB24}">
+                <p16:designElem xmlns:p16="http://schemas.microsoft.com/office/powerpoint/2015/main" val="1"/>
+              </p:ext>
+            </p:extLst>
+          </p:nvPr>
+        </p:nvSpPr>
+        <p:spPr>
+          <a:xfrm>
+            <a:off x="6095999" y="808057"/>
+            <a:ext cx="5286376" cy="5234394"/>
+          </a:xfrm>
+          <a:prstGeom prst="round2DiagRect">
+            <a:avLst>
+              <a:gd name="adj1" fmla="val 6185"/>
+              <a:gd name="adj2" fmla="val 0"/>
+            </a:avLst>
+          </a:prstGeom>
+          <a:solidFill>
+            <a:srgbClr val="FFFFFF"/>
+          </a:solidFill>
+          <a:ln w="19050" cap="sq">
+            <a:solidFill>
+              <a:schemeClr val="tx2">
+                <a:lumMod val="60000"/>
+                <a:lumOff val="40000"/>
+                <a:alpha val="60000"/>
+              </a:schemeClr>
+            </a:solidFill>
+            <a:miter lim="800000"/>
+          </a:ln>
+          <a:effectLst>
+            <a:outerShdw blurRad="88900" dist="38100" dir="5400000" algn="t" rotWithShape="0">
+              <a:prstClr val="black">
+                <a:alpha val="40000"/>
+              </a:prstClr>
+            </a:outerShdw>
+          </a:effectLst>
+        </p:spPr>
+        <p:style>
+          <a:lnRef idx="2">
+            <a:schemeClr val="accent1">
+              <a:shade val="50000"/>
+            </a:schemeClr>
+          </a:lnRef>
+          <a:fillRef idx="1">
+            <a:schemeClr val="accent1"/>
+          </a:fillRef>
+          <a:effectRef idx="0">
+            <a:schemeClr val="accent1"/>
+          </a:effectRef>
+          <a:fontRef idx="minor">
+            <a:schemeClr val="lt1"/>
+          </a:fontRef>
+        </p:style>
+        <p:txBody>
+          <a:bodyPr rtlCol="0" anchor="ctr"/>
+          <a:lstStyle/>
+          <a:p>
+            <a:pPr algn="ctr"/>
+            <a:endParaRPr lang="en-US"/>
+          </a:p>
+        </p:txBody>
+      </p:sp>
+      <p:pic>
+        <p:nvPicPr>
+          <p:cNvPr id="9" name="Imagem 8">
+            <a:extLst>
+              <a:ext uri="{FF2B5EF4-FFF2-40B4-BE49-F238E27FC236}">
+                <a16:creationId xmlns:a16="http://schemas.microsoft.com/office/drawing/2014/main" id="{D506E609-941C-46A2-931B-A5B81E8737B1}"/>
+              </a:ext>
+            </a:extLst>
+          </p:cNvPr>
+          <p:cNvPicPr>
+            <a:picLocks noChangeAspect="1"/>
+          </p:cNvPicPr>
+          <p:nvPr/>
+        </p:nvPicPr>
+        <p:blipFill>
+          <a:blip r:embed="rId4"/>
+          <a:stretch>
+            <a:fillRect/>
+          </a:stretch>
+        </p:blipFill>
+        <p:spPr>
+          <a:xfrm>
+            <a:off x="6179121" y="1370850"/>
+            <a:ext cx="5194566" cy="4025900"/>
+          </a:xfrm>
+          <a:prstGeom prst="rect">
+            <a:avLst/>
+          </a:prstGeom>
+        </p:spPr>
+      </p:pic>
     </p:spTree>
     <p:extLst>
       <p:ext uri="{BB962C8B-B14F-4D97-AF65-F5344CB8AC3E}">

--- a/Diagrama Classes e Site/Apresentacao Projeto 1.pptx
+++ b/Diagrama Classes e Site/Apresentacao Projeto 1.pptx
@@ -183,7 +183,7 @@
           <a:noFill/>
           <a:extLst>
             <a:ext uri="{909E8E84-426E-40dd-AFC4-6F175D3DCCD1}">
-              <a14:hiddenFill xmlns:a14="http://schemas.microsoft.com/office/drawing/2010/main" xmlns="">
+              <a14:hiddenFill xmlns="" xmlns:a14="http://schemas.microsoft.com/office/drawing/2010/main">
                 <a:solidFill>
                   <a:srgbClr val="FFFFFF"/>
                 </a:solidFill>
@@ -242,7 +242,7 @@
             </a:ln>
             <a:extLst>
               <a:ext uri="{91240B29-F687-4f45-9708-019B960494DF}">
-                <a14:hiddenLine xmlns:a14="http://schemas.microsoft.com/office/drawing/2010/main" xmlns="" w="9525">
+                <a14:hiddenLine xmlns="" xmlns:a14="http://schemas.microsoft.com/office/drawing/2010/main" w="9525">
                   <a:solidFill>
                     <a:srgbClr val="000000"/>
                   </a:solidFill>
@@ -332,7 +332,7 @@
             </a:ln>
             <a:extLst>
               <a:ext uri="{91240B29-F687-4f45-9708-019B960494DF}">
-                <a14:hiddenLine xmlns:a14="http://schemas.microsoft.com/office/drawing/2010/main" xmlns="" w="9525">
+                <a14:hiddenLine xmlns="" xmlns:a14="http://schemas.microsoft.com/office/drawing/2010/main" w="9525">
                   <a:solidFill>
                     <a:srgbClr val="000000"/>
                   </a:solidFill>
@@ -422,7 +422,7 @@
             </a:ln>
             <a:extLst>
               <a:ext uri="{91240B29-F687-4f45-9708-019B960494DF}">
-                <a14:hiddenLine xmlns:a14="http://schemas.microsoft.com/office/drawing/2010/main" xmlns="" w="9525">
+                <a14:hiddenLine xmlns="" xmlns:a14="http://schemas.microsoft.com/office/drawing/2010/main" w="9525">
                   <a:solidFill>
                     <a:srgbClr val="000000"/>
                   </a:solidFill>
@@ -456,7 +456,7 @@
             </a:ln>
             <a:extLst>
               <a:ext uri="{91240B29-F687-4f45-9708-019B960494DF}">
-                <a14:hiddenLine xmlns:a14="http://schemas.microsoft.com/office/drawing/2010/main" xmlns="" w="9525">
+                <a14:hiddenLine xmlns="" xmlns:a14="http://schemas.microsoft.com/office/drawing/2010/main" w="9525">
                   <a:solidFill>
                     <a:srgbClr val="000000"/>
                   </a:solidFill>
@@ -546,7 +546,7 @@
             </a:ln>
             <a:extLst>
               <a:ext uri="{91240B29-F687-4f45-9708-019B960494DF}">
-                <a14:hiddenLine xmlns:a14="http://schemas.microsoft.com/office/drawing/2010/main" xmlns="" w="9525">
+                <a14:hiddenLine xmlns="" xmlns:a14="http://schemas.microsoft.com/office/drawing/2010/main" w="9525">
                   <a:solidFill>
                     <a:srgbClr val="000000"/>
                   </a:solidFill>
@@ -608,7 +608,7 @@
             </a:ln>
             <a:extLst>
               <a:ext uri="{91240B29-F687-4f45-9708-019B960494DF}">
-                <a14:hiddenLine xmlns:a14="http://schemas.microsoft.com/office/drawing/2010/main" xmlns="" w="9525">
+                <a14:hiddenLine xmlns="" xmlns:a14="http://schemas.microsoft.com/office/drawing/2010/main" w="9525">
                   <a:solidFill>
                     <a:srgbClr val="000000"/>
                   </a:solidFill>
@@ -670,7 +670,7 @@
             </a:ln>
             <a:extLst>
               <a:ext uri="{91240B29-F687-4f45-9708-019B960494DF}">
-                <a14:hiddenLine xmlns:a14="http://schemas.microsoft.com/office/drawing/2010/main" xmlns="" w="9525">
+                <a14:hiddenLine xmlns="" xmlns:a14="http://schemas.microsoft.com/office/drawing/2010/main" w="9525">
                   <a:solidFill>
                     <a:srgbClr val="000000"/>
                   </a:solidFill>
@@ -760,7 +760,7 @@
             </a:ln>
             <a:extLst>
               <a:ext uri="{91240B29-F687-4f45-9708-019B960494DF}">
-                <a14:hiddenLine xmlns:a14="http://schemas.microsoft.com/office/drawing/2010/main" xmlns="" w="9525">
+                <a14:hiddenLine xmlns="" xmlns:a14="http://schemas.microsoft.com/office/drawing/2010/main" w="9525">
                   <a:solidFill>
                     <a:srgbClr val="000000"/>
                   </a:solidFill>
@@ -822,7 +822,7 @@
             </a:ln>
             <a:extLst>
               <a:ext uri="{91240B29-F687-4f45-9708-019B960494DF}">
-                <a14:hiddenLine xmlns:a14="http://schemas.microsoft.com/office/drawing/2010/main" xmlns="" w="9525">
+                <a14:hiddenLine xmlns="" xmlns:a14="http://schemas.microsoft.com/office/drawing/2010/main" w="9525">
                   <a:solidFill>
                     <a:srgbClr val="000000"/>
                   </a:solidFill>
@@ -884,7 +884,7 @@
             </a:ln>
             <a:extLst>
               <a:ext uri="{91240B29-F687-4f45-9708-019B960494DF}">
-                <a14:hiddenLine xmlns:a14="http://schemas.microsoft.com/office/drawing/2010/main" xmlns="" w="9525">
+                <a14:hiddenLine xmlns="" xmlns:a14="http://schemas.microsoft.com/office/drawing/2010/main" w="9525">
                   <a:solidFill>
                     <a:srgbClr val="000000"/>
                   </a:solidFill>
@@ -974,7 +974,7 @@
             </a:ln>
             <a:extLst>
               <a:ext uri="{91240B29-F687-4f45-9708-019B960494DF}">
-                <a14:hiddenLine xmlns:a14="http://schemas.microsoft.com/office/drawing/2010/main" xmlns="" w="9525">
+                <a14:hiddenLine xmlns="" xmlns:a14="http://schemas.microsoft.com/office/drawing/2010/main" w="9525">
                   <a:solidFill>
                     <a:srgbClr val="000000"/>
                   </a:solidFill>
@@ -1064,7 +1064,7 @@
             </a:ln>
             <a:extLst>
               <a:ext uri="{91240B29-F687-4f45-9708-019B960494DF}">
-                <a14:hiddenLine xmlns:a14="http://schemas.microsoft.com/office/drawing/2010/main" xmlns="" w="9525">
+                <a14:hiddenLine xmlns="" xmlns:a14="http://schemas.microsoft.com/office/drawing/2010/main" w="9525">
                   <a:solidFill>
                     <a:srgbClr val="000000"/>
                   </a:solidFill>
@@ -1126,7 +1126,7 @@
             </a:ln>
             <a:extLst>
               <a:ext uri="{91240B29-F687-4f45-9708-019B960494DF}">
-                <a14:hiddenLine xmlns:a14="http://schemas.microsoft.com/office/drawing/2010/main" xmlns="" w="9525">
+                <a14:hiddenLine xmlns="" xmlns:a14="http://schemas.microsoft.com/office/drawing/2010/main" w="9525">
                   <a:solidFill>
                     <a:srgbClr val="000000"/>
                   </a:solidFill>
@@ -1236,7 +1236,7 @@
             </a:ln>
             <a:extLst>
               <a:ext uri="{91240B29-F687-4f45-9708-019B960494DF}">
-                <a14:hiddenLine xmlns:a14="http://schemas.microsoft.com/office/drawing/2010/main" xmlns="" w="9525">
+                <a14:hiddenLine xmlns="" xmlns:a14="http://schemas.microsoft.com/office/drawing/2010/main" w="9525">
                   <a:solidFill>
                     <a:srgbClr val="000000"/>
                   </a:solidFill>
@@ -1298,7 +1298,7 @@
             </a:ln>
             <a:extLst>
               <a:ext uri="{91240B29-F687-4f45-9708-019B960494DF}">
-                <a14:hiddenLine xmlns:a14="http://schemas.microsoft.com/office/drawing/2010/main" xmlns="" w="9525">
+                <a14:hiddenLine xmlns="" xmlns:a14="http://schemas.microsoft.com/office/drawing/2010/main" w="9525">
                   <a:solidFill>
                     <a:srgbClr val="000000"/>
                   </a:solidFill>
@@ -1388,7 +1388,7 @@
             </a:ln>
             <a:extLst>
               <a:ext uri="{91240B29-F687-4f45-9708-019B960494DF}">
-                <a14:hiddenLine xmlns:a14="http://schemas.microsoft.com/office/drawing/2010/main" xmlns="" w="9525">
+                <a14:hiddenLine xmlns="" xmlns:a14="http://schemas.microsoft.com/office/drawing/2010/main" w="9525">
                   <a:solidFill>
                     <a:srgbClr val="000000"/>
                   </a:solidFill>
@@ -1478,7 +1478,7 @@
             </a:ln>
             <a:extLst>
               <a:ext uri="{91240B29-F687-4f45-9708-019B960494DF}">
-                <a14:hiddenLine xmlns:a14="http://schemas.microsoft.com/office/drawing/2010/main" xmlns="" w="9525">
+                <a14:hiddenLine xmlns="" xmlns:a14="http://schemas.microsoft.com/office/drawing/2010/main" w="9525">
                   <a:solidFill>
                     <a:srgbClr val="000000"/>
                   </a:solidFill>
@@ -1540,7 +1540,7 @@
             </a:ln>
             <a:extLst>
               <a:ext uri="{91240B29-F687-4f45-9708-019B960494DF}">
-                <a14:hiddenLine xmlns:a14="http://schemas.microsoft.com/office/drawing/2010/main" xmlns="" w="9525">
+                <a14:hiddenLine xmlns="" xmlns:a14="http://schemas.microsoft.com/office/drawing/2010/main" w="9525">
                   <a:solidFill>
                     <a:srgbClr val="000000"/>
                   </a:solidFill>
@@ -1630,7 +1630,7 @@
             </a:ln>
             <a:extLst>
               <a:ext uri="{91240B29-F687-4f45-9708-019B960494DF}">
-                <a14:hiddenLine xmlns:a14="http://schemas.microsoft.com/office/drawing/2010/main" xmlns="" w="9525">
+                <a14:hiddenLine xmlns="" xmlns:a14="http://schemas.microsoft.com/office/drawing/2010/main" w="9525">
                   <a:solidFill>
                     <a:srgbClr val="000000"/>
                   </a:solidFill>
@@ -1720,7 +1720,7 @@
             </a:ln>
             <a:extLst>
               <a:ext uri="{91240B29-F687-4f45-9708-019B960494DF}">
-                <a14:hiddenLine xmlns:a14="http://schemas.microsoft.com/office/drawing/2010/main" xmlns="" w="9525">
+                <a14:hiddenLine xmlns="" xmlns:a14="http://schemas.microsoft.com/office/drawing/2010/main" w="9525">
                   <a:solidFill>
                     <a:srgbClr val="000000"/>
                   </a:solidFill>
@@ -1776,7 +1776,7 @@
             </a:ln>
             <a:extLst>
               <a:ext uri="{91240B29-F687-4f45-9708-019B960494DF}">
-                <a14:hiddenLine xmlns:a14="http://schemas.microsoft.com/office/drawing/2010/main" xmlns="" w="9525">
+                <a14:hiddenLine xmlns="" xmlns:a14="http://schemas.microsoft.com/office/drawing/2010/main" w="9525">
                   <a:solidFill>
                     <a:srgbClr val="000000"/>
                   </a:solidFill>
@@ -1866,7 +1866,7 @@
             </a:ln>
             <a:extLst>
               <a:ext uri="{91240B29-F687-4f45-9708-019B960494DF}">
-                <a14:hiddenLine xmlns:a14="http://schemas.microsoft.com/office/drawing/2010/main" xmlns="" w="9525">
+                <a14:hiddenLine xmlns="" xmlns:a14="http://schemas.microsoft.com/office/drawing/2010/main" w="9525">
                   <a:solidFill>
                     <a:srgbClr val="000000"/>
                   </a:solidFill>
@@ -1922,7 +1922,7 @@
             </a:ln>
             <a:extLst>
               <a:ext uri="{91240B29-F687-4f45-9708-019B960494DF}">
-                <a14:hiddenLine xmlns:a14="http://schemas.microsoft.com/office/drawing/2010/main" xmlns="" w="9525">
+                <a14:hiddenLine xmlns="" xmlns:a14="http://schemas.microsoft.com/office/drawing/2010/main" w="9525">
                   <a:solidFill>
                     <a:srgbClr val="000000"/>
                   </a:solidFill>
@@ -2012,7 +2012,7 @@
             </a:ln>
             <a:extLst>
               <a:ext uri="{91240B29-F687-4f45-9708-019B960494DF}">
-                <a14:hiddenLine xmlns:a14="http://schemas.microsoft.com/office/drawing/2010/main" xmlns="" w="9525">
+                <a14:hiddenLine xmlns="" xmlns:a14="http://schemas.microsoft.com/office/drawing/2010/main" w="9525">
                   <a:solidFill>
                     <a:srgbClr val="000000"/>
                   </a:solidFill>
@@ -2080,7 +2080,7 @@
             </a:ln>
             <a:extLst>
               <a:ext uri="{91240B29-F687-4f45-9708-019B960494DF}">
-                <a14:hiddenLine xmlns:a14="http://schemas.microsoft.com/office/drawing/2010/main" xmlns="" w="9525">
+                <a14:hiddenLine xmlns="" xmlns:a14="http://schemas.microsoft.com/office/drawing/2010/main" w="9525">
                   <a:solidFill>
                     <a:srgbClr val="000000"/>
                   </a:solidFill>
@@ -2170,7 +2170,7 @@
             </a:ln>
             <a:extLst>
               <a:ext uri="{91240B29-F687-4f45-9708-019B960494DF}">
-                <a14:hiddenLine xmlns:a14="http://schemas.microsoft.com/office/drawing/2010/main" xmlns="" w="9525">
+                <a14:hiddenLine xmlns="" xmlns:a14="http://schemas.microsoft.com/office/drawing/2010/main" w="9525">
                   <a:solidFill>
                     <a:srgbClr val="000000"/>
                   </a:solidFill>
@@ -2238,7 +2238,7 @@
             </a:ln>
             <a:extLst>
               <a:ext uri="{91240B29-F687-4f45-9708-019B960494DF}">
-                <a14:hiddenLine xmlns:a14="http://schemas.microsoft.com/office/drawing/2010/main" xmlns="" w="9525">
+                <a14:hiddenLine xmlns="" xmlns:a14="http://schemas.microsoft.com/office/drawing/2010/main" w="9525">
                   <a:solidFill>
                     <a:srgbClr val="000000"/>
                   </a:solidFill>
@@ -2328,7 +2328,7 @@
             </a:ln>
             <a:extLst>
               <a:ext uri="{91240B29-F687-4f45-9708-019B960494DF}">
-                <a14:hiddenLine xmlns:a14="http://schemas.microsoft.com/office/drawing/2010/main" xmlns="" w="9525">
+                <a14:hiddenLine xmlns="" xmlns:a14="http://schemas.microsoft.com/office/drawing/2010/main" w="9525">
                   <a:solidFill>
                     <a:srgbClr val="000000"/>
                   </a:solidFill>
@@ -2362,7 +2362,7 @@
             </a:ln>
             <a:extLst>
               <a:ext uri="{91240B29-F687-4f45-9708-019B960494DF}">
-                <a14:hiddenLine xmlns:a14="http://schemas.microsoft.com/office/drawing/2010/main" xmlns="" w="9525">
+                <a14:hiddenLine xmlns="" xmlns:a14="http://schemas.microsoft.com/office/drawing/2010/main" w="9525">
                   <a:solidFill>
                     <a:srgbClr val="000000"/>
                   </a:solidFill>
@@ -2452,7 +2452,7 @@
             </a:ln>
             <a:extLst>
               <a:ext uri="{91240B29-F687-4f45-9708-019B960494DF}">
-                <a14:hiddenLine xmlns:a14="http://schemas.microsoft.com/office/drawing/2010/main" xmlns="" w="9525">
+                <a14:hiddenLine xmlns="" xmlns:a14="http://schemas.microsoft.com/office/drawing/2010/main" w="9525">
                   <a:solidFill>
                     <a:srgbClr val="000000"/>
                   </a:solidFill>
@@ -2514,7 +2514,7 @@
             </a:ln>
             <a:extLst>
               <a:ext uri="{91240B29-F687-4f45-9708-019B960494DF}">
-                <a14:hiddenLine xmlns:a14="http://schemas.microsoft.com/office/drawing/2010/main" xmlns="" w="9525">
+                <a14:hiddenLine xmlns="" xmlns:a14="http://schemas.microsoft.com/office/drawing/2010/main" w="9525">
                   <a:solidFill>
                     <a:srgbClr val="000000"/>
                   </a:solidFill>
@@ -2576,7 +2576,7 @@
             </a:ln>
             <a:extLst>
               <a:ext uri="{91240B29-F687-4f45-9708-019B960494DF}">
-                <a14:hiddenLine xmlns:a14="http://schemas.microsoft.com/office/drawing/2010/main" xmlns="" w="9525">
+                <a14:hiddenLine xmlns="" xmlns:a14="http://schemas.microsoft.com/office/drawing/2010/main" w="9525">
                   <a:solidFill>
                     <a:srgbClr val="000000"/>
                   </a:solidFill>
@@ -2666,7 +2666,7 @@
             </a:ln>
             <a:extLst>
               <a:ext uri="{91240B29-F687-4f45-9708-019B960494DF}">
-                <a14:hiddenLine xmlns:a14="http://schemas.microsoft.com/office/drawing/2010/main" xmlns="" w="9525">
+                <a14:hiddenLine xmlns="" xmlns:a14="http://schemas.microsoft.com/office/drawing/2010/main" w="9525">
                   <a:solidFill>
                     <a:srgbClr val="000000"/>
                   </a:solidFill>
@@ -2734,7 +2734,7 @@
             </a:ln>
             <a:extLst>
               <a:ext uri="{91240B29-F687-4f45-9708-019B960494DF}">
-                <a14:hiddenLine xmlns:a14="http://schemas.microsoft.com/office/drawing/2010/main" xmlns="" w="9525">
+                <a14:hiddenLine xmlns="" xmlns:a14="http://schemas.microsoft.com/office/drawing/2010/main" w="9525">
                   <a:solidFill>
                     <a:srgbClr val="000000"/>
                   </a:solidFill>
@@ -2796,7 +2796,7 @@
             </a:ln>
             <a:extLst>
               <a:ext uri="{91240B29-F687-4f45-9708-019B960494DF}">
-                <a14:hiddenLine xmlns:a14="http://schemas.microsoft.com/office/drawing/2010/main" xmlns="" w="9525">
+                <a14:hiddenLine xmlns="" xmlns:a14="http://schemas.microsoft.com/office/drawing/2010/main" w="9525">
                   <a:solidFill>
                     <a:srgbClr val="000000"/>
                   </a:solidFill>
@@ -2886,7 +2886,7 @@
             </a:ln>
             <a:extLst>
               <a:ext uri="{91240B29-F687-4f45-9708-019B960494DF}">
-                <a14:hiddenLine xmlns:a14="http://schemas.microsoft.com/office/drawing/2010/main" xmlns="" w="9525">
+                <a14:hiddenLine xmlns="" xmlns:a14="http://schemas.microsoft.com/office/drawing/2010/main" w="9525">
                   <a:solidFill>
                     <a:srgbClr val="000000"/>
                   </a:solidFill>
@@ -2948,7 +2948,7 @@
             </a:ln>
             <a:extLst>
               <a:ext uri="{91240B29-F687-4f45-9708-019B960494DF}">
-                <a14:hiddenLine xmlns:a14="http://schemas.microsoft.com/office/drawing/2010/main" xmlns="" w="9525">
+                <a14:hiddenLine xmlns="" xmlns:a14="http://schemas.microsoft.com/office/drawing/2010/main" w="9525">
                   <a:solidFill>
                     <a:srgbClr val="000000"/>
                   </a:solidFill>
@@ -3038,7 +3038,7 @@
             </a:ln>
             <a:extLst>
               <a:ext uri="{91240B29-F687-4f45-9708-019B960494DF}">
-                <a14:hiddenLine xmlns:a14="http://schemas.microsoft.com/office/drawing/2010/main" xmlns="" w="9525">
+                <a14:hiddenLine xmlns="" xmlns:a14="http://schemas.microsoft.com/office/drawing/2010/main" w="9525">
                   <a:solidFill>
                     <a:srgbClr val="000000"/>
                   </a:solidFill>
@@ -3100,7 +3100,7 @@
             </a:ln>
             <a:extLst>
               <a:ext uri="{91240B29-F687-4f45-9708-019B960494DF}">
-                <a14:hiddenLine xmlns:a14="http://schemas.microsoft.com/office/drawing/2010/main" xmlns="" w="9525">
+                <a14:hiddenLine xmlns="" xmlns:a14="http://schemas.microsoft.com/office/drawing/2010/main" w="9525">
                   <a:solidFill>
                     <a:srgbClr val="000000"/>
                   </a:solidFill>
@@ -3190,7 +3190,7 @@
             </a:ln>
             <a:extLst>
               <a:ext uri="{91240B29-F687-4f45-9708-019B960494DF}">
-                <a14:hiddenLine xmlns:a14="http://schemas.microsoft.com/office/drawing/2010/main" xmlns="" w="9525">
+                <a14:hiddenLine xmlns="" xmlns:a14="http://schemas.microsoft.com/office/drawing/2010/main" w="9525">
                   <a:solidFill>
                     <a:srgbClr val="000000"/>
                   </a:solidFill>
@@ -3224,7 +3224,7 @@
             </a:ln>
             <a:extLst>
               <a:ext uri="{91240B29-F687-4f45-9708-019B960494DF}">
-                <a14:hiddenLine xmlns:a14="http://schemas.microsoft.com/office/drawing/2010/main" xmlns="" w="9525">
+                <a14:hiddenLine xmlns="" xmlns:a14="http://schemas.microsoft.com/office/drawing/2010/main" w="9525">
                   <a:solidFill>
                     <a:srgbClr val="000000"/>
                   </a:solidFill>
@@ -3289,7 +3289,7 @@
             </a:ln>
             <a:extLst>
               <a:ext uri="{91240B29-F687-4f45-9708-019B960494DF}">
-                <a14:hiddenLine xmlns:a14="http://schemas.microsoft.com/office/drawing/2010/main" xmlns="" w="9525">
+                <a14:hiddenLine xmlns="" xmlns:a14="http://schemas.microsoft.com/office/drawing/2010/main" w="9525">
                   <a:solidFill>
                     <a:srgbClr val="000000"/>
                   </a:solidFill>
@@ -3379,7 +3379,7 @@
             </a:ln>
             <a:extLst>
               <a:ext uri="{91240B29-F687-4f45-9708-019B960494DF}">
-                <a14:hiddenLine xmlns:a14="http://schemas.microsoft.com/office/drawing/2010/main" xmlns="" w="9525">
+                <a14:hiddenLine xmlns="" xmlns:a14="http://schemas.microsoft.com/office/drawing/2010/main" w="9525">
                   <a:solidFill>
                     <a:srgbClr val="000000"/>
                   </a:solidFill>
@@ -3441,7 +3441,7 @@
             </a:ln>
             <a:extLst>
               <a:ext uri="{91240B29-F687-4f45-9708-019B960494DF}">
-                <a14:hiddenLine xmlns:a14="http://schemas.microsoft.com/office/drawing/2010/main" xmlns="" w="9525">
+                <a14:hiddenLine xmlns="" xmlns:a14="http://schemas.microsoft.com/office/drawing/2010/main" w="9525">
                   <a:solidFill>
                     <a:srgbClr val="000000"/>
                   </a:solidFill>
@@ -3531,7 +3531,7 @@
             </a:ln>
             <a:extLst>
               <a:ext uri="{91240B29-F687-4f45-9708-019B960494DF}">
-                <a14:hiddenLine xmlns:a14="http://schemas.microsoft.com/office/drawing/2010/main" xmlns="" w="9525">
+                <a14:hiddenLine xmlns="" xmlns:a14="http://schemas.microsoft.com/office/drawing/2010/main" w="9525">
                   <a:solidFill>
                     <a:srgbClr val="000000"/>
                   </a:solidFill>
@@ -3621,7 +3621,7 @@
             </a:ln>
             <a:extLst>
               <a:ext uri="{91240B29-F687-4f45-9708-019B960494DF}">
-                <a14:hiddenLine xmlns:a14="http://schemas.microsoft.com/office/drawing/2010/main" xmlns="" w="9525">
+                <a14:hiddenLine xmlns="" xmlns:a14="http://schemas.microsoft.com/office/drawing/2010/main" w="9525">
                   <a:solidFill>
                     <a:srgbClr val="000000"/>
                   </a:solidFill>
@@ -3686,7 +3686,7 @@
             </a:ln>
             <a:extLst>
               <a:ext uri="{91240B29-F687-4f45-9708-019B960494DF}">
-                <a14:hiddenLine xmlns:a14="http://schemas.microsoft.com/office/drawing/2010/main" xmlns="" w="9525">
+                <a14:hiddenLine xmlns="" xmlns:a14="http://schemas.microsoft.com/office/drawing/2010/main" w="9525">
                   <a:solidFill>
                     <a:srgbClr val="000000"/>
                   </a:solidFill>
@@ -3748,7 +3748,7 @@
             </a:ln>
             <a:extLst>
               <a:ext uri="{91240B29-F687-4f45-9708-019B960494DF}">
-                <a14:hiddenLine xmlns:a14="http://schemas.microsoft.com/office/drawing/2010/main" xmlns="" w="9525">
+                <a14:hiddenLine xmlns="" xmlns:a14="http://schemas.microsoft.com/office/drawing/2010/main" w="9525">
                   <a:solidFill>
                     <a:srgbClr val="000000"/>
                   </a:solidFill>
@@ -3838,7 +3838,7 @@
             </a:ln>
             <a:extLst>
               <a:ext uri="{91240B29-F687-4f45-9708-019B960494DF}">
-                <a14:hiddenLine xmlns:a14="http://schemas.microsoft.com/office/drawing/2010/main" xmlns="" w="9525">
+                <a14:hiddenLine xmlns="" xmlns:a14="http://schemas.microsoft.com/office/drawing/2010/main" w="9525">
                   <a:solidFill>
                     <a:srgbClr val="000000"/>
                   </a:solidFill>
@@ -3928,7 +3928,7 @@
             </a:ln>
             <a:extLst>
               <a:ext uri="{91240B29-F687-4f45-9708-019B960494DF}">
-                <a14:hiddenLine xmlns:a14="http://schemas.microsoft.com/office/drawing/2010/main" xmlns="" w="9525">
+                <a14:hiddenLine xmlns="" xmlns:a14="http://schemas.microsoft.com/office/drawing/2010/main" w="9525">
                   <a:solidFill>
                     <a:srgbClr val="000000"/>
                   </a:solidFill>
@@ -3990,7 +3990,7 @@
             </a:ln>
             <a:extLst>
               <a:ext uri="{91240B29-F687-4f45-9708-019B960494DF}">
-                <a14:hiddenLine xmlns:a14="http://schemas.microsoft.com/office/drawing/2010/main" xmlns="" w="9525">
+                <a14:hiddenLine xmlns="" xmlns:a14="http://schemas.microsoft.com/office/drawing/2010/main" w="9525">
                   <a:solidFill>
                     <a:srgbClr val="000000"/>
                   </a:solidFill>
@@ -4110,7 +4110,7 @@
             </a:ln>
             <a:extLst>
               <a:ext uri="{91240B29-F687-4f45-9708-019B960494DF}">
-                <a14:hiddenLine xmlns:a14="http://schemas.microsoft.com/office/drawing/2010/main" xmlns="" w="9525">
+                <a14:hiddenLine xmlns="" xmlns:a14="http://schemas.microsoft.com/office/drawing/2010/main" w="9525">
                   <a:solidFill>
                     <a:srgbClr val="000000"/>
                   </a:solidFill>
@@ -4178,7 +4178,7 @@
             </a:ln>
             <a:extLst>
               <a:ext uri="{91240B29-F687-4f45-9708-019B960494DF}">
-                <a14:hiddenLine xmlns:a14="http://schemas.microsoft.com/office/drawing/2010/main" xmlns="" w="9525">
+                <a14:hiddenLine xmlns="" xmlns:a14="http://schemas.microsoft.com/office/drawing/2010/main" w="9525">
                   <a:solidFill>
                     <a:srgbClr val="000000"/>
                   </a:solidFill>
@@ -4268,7 +4268,7 @@
             </a:ln>
             <a:extLst>
               <a:ext uri="{91240B29-F687-4f45-9708-019B960494DF}">
-                <a14:hiddenLine xmlns:a14="http://schemas.microsoft.com/office/drawing/2010/main" xmlns="" w="9525">
+                <a14:hiddenLine xmlns="" xmlns:a14="http://schemas.microsoft.com/office/drawing/2010/main" w="9525">
                   <a:solidFill>
                     <a:srgbClr val="000000"/>
                   </a:solidFill>
@@ -8997,7 +8997,7 @@
           <a:noFill/>
           <a:extLst>
             <a:ext uri="{909E8E84-426E-40dd-AFC4-6F175D3DCCD1}">
-              <a14:hiddenFill xmlns:a14="http://schemas.microsoft.com/office/drawing/2010/main" xmlns="">
+              <a14:hiddenFill xmlns="" xmlns:a14="http://schemas.microsoft.com/office/drawing/2010/main">
                 <a:solidFill>
                   <a:srgbClr val="FFFFFF"/>
                 </a:solidFill>
@@ -9071,7 +9071,7 @@
               </a:ln>
               <a:extLst>
                 <a:ext uri="{91240B29-F687-4f45-9708-019B960494DF}">
-                  <a14:hiddenLine xmlns:a14="http://schemas.microsoft.com/office/drawing/2010/main" xmlns="" w="9525">
+                  <a14:hiddenLine xmlns="" xmlns:a14="http://schemas.microsoft.com/office/drawing/2010/main" w="9525">
                     <a:solidFill>
                       <a:srgbClr val="000000"/>
                     </a:solidFill>
@@ -9161,7 +9161,7 @@
               </a:ln>
               <a:extLst>
                 <a:ext uri="{91240B29-F687-4f45-9708-019B960494DF}">
-                  <a14:hiddenLine xmlns:a14="http://schemas.microsoft.com/office/drawing/2010/main" xmlns="" w="9525">
+                  <a14:hiddenLine xmlns="" xmlns:a14="http://schemas.microsoft.com/office/drawing/2010/main" w="9525">
                     <a:solidFill>
                       <a:srgbClr val="000000"/>
                     </a:solidFill>
@@ -9251,7 +9251,7 @@
               </a:ln>
               <a:extLst>
                 <a:ext uri="{91240B29-F687-4f45-9708-019B960494DF}">
-                  <a14:hiddenLine xmlns:a14="http://schemas.microsoft.com/office/drawing/2010/main" xmlns="" w="9525">
+                  <a14:hiddenLine xmlns="" xmlns:a14="http://schemas.microsoft.com/office/drawing/2010/main" w="9525">
                     <a:solidFill>
                       <a:srgbClr val="000000"/>
                     </a:solidFill>
@@ -9313,7 +9313,7 @@
               </a:ln>
               <a:extLst>
                 <a:ext uri="{91240B29-F687-4f45-9708-019B960494DF}">
-                  <a14:hiddenLine xmlns:a14="http://schemas.microsoft.com/office/drawing/2010/main" xmlns="" w="9525">
+                  <a14:hiddenLine xmlns="" xmlns:a14="http://schemas.microsoft.com/office/drawing/2010/main" w="9525">
                     <a:solidFill>
                       <a:srgbClr val="000000"/>
                     </a:solidFill>
@@ -9403,7 +9403,7 @@
               </a:ln>
               <a:extLst>
                 <a:ext uri="{91240B29-F687-4f45-9708-019B960494DF}">
-                  <a14:hiddenLine xmlns:a14="http://schemas.microsoft.com/office/drawing/2010/main" xmlns="" w="9525">
+                  <a14:hiddenLine xmlns="" xmlns:a14="http://schemas.microsoft.com/office/drawing/2010/main" w="9525">
                     <a:solidFill>
                       <a:srgbClr val="000000"/>
                     </a:solidFill>
@@ -9465,7 +9465,7 @@
               </a:ln>
               <a:extLst>
                 <a:ext uri="{91240B29-F687-4f45-9708-019B960494DF}">
-                  <a14:hiddenLine xmlns:a14="http://schemas.microsoft.com/office/drawing/2010/main" xmlns="" w="9525">
+                  <a14:hiddenLine xmlns="" xmlns:a14="http://schemas.microsoft.com/office/drawing/2010/main" w="9525">
                     <a:solidFill>
                       <a:srgbClr val="000000"/>
                     </a:solidFill>
@@ -9527,7 +9527,7 @@
               </a:ln>
               <a:extLst>
                 <a:ext uri="{91240B29-F687-4f45-9708-019B960494DF}">
-                  <a14:hiddenLine xmlns:a14="http://schemas.microsoft.com/office/drawing/2010/main" xmlns="" w="9525">
+                  <a14:hiddenLine xmlns="" xmlns:a14="http://schemas.microsoft.com/office/drawing/2010/main" w="9525">
                     <a:solidFill>
                       <a:srgbClr val="000000"/>
                     </a:solidFill>
@@ -9617,7 +9617,7 @@
               </a:ln>
               <a:extLst>
                 <a:ext uri="{91240B29-F687-4f45-9708-019B960494DF}">
-                  <a14:hiddenLine xmlns:a14="http://schemas.microsoft.com/office/drawing/2010/main" xmlns="" w="9525">
+                  <a14:hiddenLine xmlns="" xmlns:a14="http://schemas.microsoft.com/office/drawing/2010/main" w="9525">
                     <a:solidFill>
                       <a:srgbClr val="000000"/>
                     </a:solidFill>
@@ -9707,7 +9707,7 @@
               </a:ln>
               <a:extLst>
                 <a:ext uri="{91240B29-F687-4f45-9708-019B960494DF}">
-                  <a14:hiddenLine xmlns:a14="http://schemas.microsoft.com/office/drawing/2010/main" xmlns="" w="9525">
+                  <a14:hiddenLine xmlns="" xmlns:a14="http://schemas.microsoft.com/office/drawing/2010/main" w="9525">
                     <a:solidFill>
                       <a:srgbClr val="000000"/>
                     </a:solidFill>
@@ -9769,7 +9769,7 @@
               </a:ln>
               <a:extLst>
                 <a:ext uri="{91240B29-F687-4f45-9708-019B960494DF}">
-                  <a14:hiddenLine xmlns:a14="http://schemas.microsoft.com/office/drawing/2010/main" xmlns="" w="9525">
+                  <a14:hiddenLine xmlns="" xmlns:a14="http://schemas.microsoft.com/office/drawing/2010/main" w="9525">
                     <a:solidFill>
                       <a:srgbClr val="000000"/>
                     </a:solidFill>
@@ -9879,7 +9879,7 @@
               </a:ln>
               <a:extLst>
                 <a:ext uri="{91240B29-F687-4f45-9708-019B960494DF}">
-                  <a14:hiddenLine xmlns:a14="http://schemas.microsoft.com/office/drawing/2010/main" xmlns="" w="9525">
+                  <a14:hiddenLine xmlns="" xmlns:a14="http://schemas.microsoft.com/office/drawing/2010/main" w="9525">
                     <a:solidFill>
                       <a:srgbClr val="000000"/>
                     </a:solidFill>
@@ -9963,7 +9963,7 @@
               </a:ln>
               <a:extLst>
                 <a:ext uri="{91240B29-F687-4f45-9708-019B960494DF}">
-                  <a14:hiddenLine xmlns:a14="http://schemas.microsoft.com/office/drawing/2010/main" xmlns="" w="9525">
+                  <a14:hiddenLine xmlns="" xmlns:a14="http://schemas.microsoft.com/office/drawing/2010/main" w="9525">
                     <a:solidFill>
                       <a:srgbClr val="000000"/>
                     </a:solidFill>
@@ -10025,7 +10025,7 @@
               </a:ln>
               <a:extLst>
                 <a:ext uri="{91240B29-F687-4f45-9708-019B960494DF}">
-                  <a14:hiddenLine xmlns:a14="http://schemas.microsoft.com/office/drawing/2010/main" xmlns="" w="9525">
+                  <a14:hiddenLine xmlns="" xmlns:a14="http://schemas.microsoft.com/office/drawing/2010/main" w="9525">
                     <a:solidFill>
                       <a:srgbClr val="000000"/>
                     </a:solidFill>
@@ -10087,7 +10087,7 @@
               </a:ln>
               <a:extLst>
                 <a:ext uri="{91240B29-F687-4f45-9708-019B960494DF}">
-                  <a14:hiddenLine xmlns:a14="http://schemas.microsoft.com/office/drawing/2010/main" xmlns="" w="9525">
+                  <a14:hiddenLine xmlns="" xmlns:a14="http://schemas.microsoft.com/office/drawing/2010/main" w="9525">
                     <a:solidFill>
                       <a:srgbClr val="000000"/>
                     </a:solidFill>
@@ -10177,7 +10177,7 @@
               </a:ln>
               <a:extLst>
                 <a:ext uri="{91240B29-F687-4f45-9708-019B960494DF}">
-                  <a14:hiddenLine xmlns:a14="http://schemas.microsoft.com/office/drawing/2010/main" xmlns="" w="9525">
+                  <a14:hiddenLine xmlns="" xmlns:a14="http://schemas.microsoft.com/office/drawing/2010/main" w="9525">
                     <a:solidFill>
                       <a:srgbClr val="000000"/>
                     </a:solidFill>
@@ -10211,7 +10211,7 @@
               </a:ln>
               <a:extLst>
                 <a:ext uri="{91240B29-F687-4f45-9708-019B960494DF}">
-                  <a14:hiddenLine xmlns:a14="http://schemas.microsoft.com/office/drawing/2010/main" xmlns="" w="9525">
+                  <a14:hiddenLine xmlns="" xmlns:a14="http://schemas.microsoft.com/office/drawing/2010/main" w="9525">
                     <a:solidFill>
                       <a:srgbClr val="000000"/>
                     </a:solidFill>
@@ -10276,7 +10276,7 @@
               </a:ln>
               <a:extLst>
                 <a:ext uri="{91240B29-F687-4f45-9708-019B960494DF}">
-                  <a14:hiddenLine xmlns:a14="http://schemas.microsoft.com/office/drawing/2010/main" xmlns="" w="9525">
+                  <a14:hiddenLine xmlns="" xmlns:a14="http://schemas.microsoft.com/office/drawing/2010/main" w="9525">
                     <a:solidFill>
                       <a:srgbClr val="000000"/>
                     </a:solidFill>
@@ -10366,7 +10366,7 @@
               </a:ln>
               <a:extLst>
                 <a:ext uri="{91240B29-F687-4f45-9708-019B960494DF}">
-                  <a14:hiddenLine xmlns:a14="http://schemas.microsoft.com/office/drawing/2010/main" xmlns="" w="9525">
+                  <a14:hiddenLine xmlns="" xmlns:a14="http://schemas.microsoft.com/office/drawing/2010/main" w="9525">
                     <a:solidFill>
                       <a:srgbClr val="000000"/>
                     </a:solidFill>
@@ -10428,7 +10428,7 @@
               </a:ln>
               <a:extLst>
                 <a:ext uri="{91240B29-F687-4f45-9708-019B960494DF}">
-                  <a14:hiddenLine xmlns:a14="http://schemas.microsoft.com/office/drawing/2010/main" xmlns="" w="9525">
+                  <a14:hiddenLine xmlns="" xmlns:a14="http://schemas.microsoft.com/office/drawing/2010/main" w="9525">
                     <a:solidFill>
                       <a:srgbClr val="000000"/>
                     </a:solidFill>
@@ -10518,7 +10518,7 @@
               </a:ln>
               <a:extLst>
                 <a:ext uri="{91240B29-F687-4f45-9708-019B960494DF}">
-                  <a14:hiddenLine xmlns:a14="http://schemas.microsoft.com/office/drawing/2010/main" xmlns="" w="9525">
+                  <a14:hiddenLine xmlns="" xmlns:a14="http://schemas.microsoft.com/office/drawing/2010/main" w="9525">
                     <a:solidFill>
                       <a:srgbClr val="000000"/>
                     </a:solidFill>
@@ -10583,7 +10583,7 @@
               </a:ln>
               <a:extLst>
                 <a:ext uri="{91240B29-F687-4f45-9708-019B960494DF}">
-                  <a14:hiddenLine xmlns:a14="http://schemas.microsoft.com/office/drawing/2010/main" xmlns="" w="9525">
+                  <a14:hiddenLine xmlns="" xmlns:a14="http://schemas.microsoft.com/office/drawing/2010/main" w="9525">
                     <a:solidFill>
                       <a:srgbClr val="000000"/>
                     </a:solidFill>
@@ -10645,7 +10645,7 @@
               </a:ln>
               <a:extLst>
                 <a:ext uri="{91240B29-F687-4f45-9708-019B960494DF}">
-                  <a14:hiddenLine xmlns:a14="http://schemas.microsoft.com/office/drawing/2010/main" xmlns="" w="9525">
+                  <a14:hiddenLine xmlns="" xmlns:a14="http://schemas.microsoft.com/office/drawing/2010/main" w="9525">
                     <a:solidFill>
                       <a:srgbClr val="000000"/>
                     </a:solidFill>
@@ -10735,7 +10735,7 @@
               </a:ln>
               <a:extLst>
                 <a:ext uri="{91240B29-F687-4f45-9708-019B960494DF}">
-                  <a14:hiddenLine xmlns:a14="http://schemas.microsoft.com/office/drawing/2010/main" xmlns="" w="9525">
+                  <a14:hiddenLine xmlns="" xmlns:a14="http://schemas.microsoft.com/office/drawing/2010/main" w="9525">
                     <a:solidFill>
                       <a:srgbClr val="000000"/>
                     </a:solidFill>
@@ -10825,7 +10825,7 @@
               </a:ln>
               <a:extLst>
                 <a:ext uri="{91240B29-F687-4f45-9708-019B960494DF}">
-                  <a14:hiddenLine xmlns:a14="http://schemas.microsoft.com/office/drawing/2010/main" xmlns="" w="9525">
+                  <a14:hiddenLine xmlns="" xmlns:a14="http://schemas.microsoft.com/office/drawing/2010/main" w="9525">
                     <a:solidFill>
                       <a:srgbClr val="000000"/>
                     </a:solidFill>
@@ -10890,7 +10890,7 @@
               </a:ln>
               <a:extLst>
                 <a:ext uri="{91240B29-F687-4f45-9708-019B960494DF}">
-                  <a14:hiddenLine xmlns:a14="http://schemas.microsoft.com/office/drawing/2010/main" xmlns="" w="9525">
+                  <a14:hiddenLine xmlns="" xmlns:a14="http://schemas.microsoft.com/office/drawing/2010/main" w="9525">
                     <a:solidFill>
                       <a:srgbClr val="000000"/>
                     </a:solidFill>
@@ -11010,7 +11010,7 @@
               </a:ln>
               <a:extLst>
                 <a:ext uri="{91240B29-F687-4f45-9708-019B960494DF}">
-                  <a14:hiddenLine xmlns:a14="http://schemas.microsoft.com/office/drawing/2010/main" xmlns="" w="9525">
+                  <a14:hiddenLine xmlns="" xmlns:a14="http://schemas.microsoft.com/office/drawing/2010/main" w="9525">
                     <a:solidFill>
                       <a:srgbClr val="000000"/>
                     </a:solidFill>
@@ -11091,7 +11091,7 @@
               </a:ln>
               <a:extLst>
                 <a:ext uri="{91240B29-F687-4f45-9708-019B960494DF}">
-                  <a14:hiddenLine xmlns:a14="http://schemas.microsoft.com/office/drawing/2010/main" xmlns="" w="9525">
+                  <a14:hiddenLine xmlns="" xmlns:a14="http://schemas.microsoft.com/office/drawing/2010/main" w="9525">
                     <a:solidFill>
                       <a:srgbClr val="000000"/>
                     </a:solidFill>
@@ -11206,7 +11206,7 @@
               </a:ln>
               <a:extLst>
                 <a:ext uri="{91240B29-F687-4f45-9708-019B960494DF}">
-                  <a14:hiddenLine xmlns:a14="http://schemas.microsoft.com/office/drawing/2010/main" xmlns="" w="9525">
+                  <a14:hiddenLine xmlns="" xmlns:a14="http://schemas.microsoft.com/office/drawing/2010/main" w="9525">
                     <a:solidFill>
                       <a:srgbClr val="000000"/>
                     </a:solidFill>
@@ -11296,7 +11296,7 @@
               </a:ln>
               <a:extLst>
                 <a:ext uri="{91240B29-F687-4f45-9708-019B960494DF}">
-                  <a14:hiddenLine xmlns:a14="http://schemas.microsoft.com/office/drawing/2010/main" xmlns="" w="9525">
+                  <a14:hiddenLine xmlns="" xmlns:a14="http://schemas.microsoft.com/office/drawing/2010/main" w="9525">
                     <a:solidFill>
                       <a:srgbClr val="000000"/>
                     </a:solidFill>
@@ -11361,7 +11361,7 @@
               </a:ln>
               <a:extLst>
                 <a:ext uri="{91240B29-F687-4f45-9708-019B960494DF}">
-                  <a14:hiddenLine xmlns:a14="http://schemas.microsoft.com/office/drawing/2010/main" xmlns="" w="9525">
+                  <a14:hiddenLine xmlns="" xmlns:a14="http://schemas.microsoft.com/office/drawing/2010/main" w="9525">
                     <a:solidFill>
                       <a:srgbClr val="000000"/>
                     </a:solidFill>
@@ -11451,7 +11451,7 @@
               </a:ln>
               <a:extLst>
                 <a:ext uri="{91240B29-F687-4f45-9708-019B960494DF}">
-                  <a14:hiddenLine xmlns:a14="http://schemas.microsoft.com/office/drawing/2010/main" xmlns="" w="9525">
+                  <a14:hiddenLine xmlns="" xmlns:a14="http://schemas.microsoft.com/office/drawing/2010/main" w="9525">
                     <a:solidFill>
                       <a:srgbClr val="000000"/>
                     </a:solidFill>
@@ -11519,7 +11519,7 @@
               </a:ln>
               <a:extLst>
                 <a:ext uri="{91240B29-F687-4f45-9708-019B960494DF}">
-                  <a14:hiddenLine xmlns:a14="http://schemas.microsoft.com/office/drawing/2010/main" xmlns="" w="9525">
+                  <a14:hiddenLine xmlns="" xmlns:a14="http://schemas.microsoft.com/office/drawing/2010/main" w="9525">
                     <a:solidFill>
                       <a:srgbClr val="000000"/>
                     </a:solidFill>
@@ -11609,7 +11609,7 @@
               </a:ln>
               <a:extLst>
                 <a:ext uri="{91240B29-F687-4f45-9708-019B960494DF}">
-                  <a14:hiddenLine xmlns:a14="http://schemas.microsoft.com/office/drawing/2010/main" xmlns="" w="9525">
+                  <a14:hiddenLine xmlns="" xmlns:a14="http://schemas.microsoft.com/office/drawing/2010/main" w="9525">
                     <a:solidFill>
                       <a:srgbClr val="000000"/>
                     </a:solidFill>
@@ -11677,7 +11677,7 @@
               </a:ln>
               <a:extLst>
                 <a:ext uri="{91240B29-F687-4f45-9708-019B960494DF}">
-                  <a14:hiddenLine xmlns:a14="http://schemas.microsoft.com/office/drawing/2010/main" xmlns="" w="9525">
+                  <a14:hiddenLine xmlns="" xmlns:a14="http://schemas.microsoft.com/office/drawing/2010/main" w="9525">
                     <a:solidFill>
                       <a:srgbClr val="000000"/>
                     </a:solidFill>
@@ -11767,7 +11767,7 @@
               </a:ln>
               <a:extLst>
                 <a:ext uri="{91240B29-F687-4f45-9708-019B960494DF}">
-                  <a14:hiddenLine xmlns:a14="http://schemas.microsoft.com/office/drawing/2010/main" xmlns="" w="9525">
+                  <a14:hiddenLine xmlns="" xmlns:a14="http://schemas.microsoft.com/office/drawing/2010/main" w="9525">
                     <a:solidFill>
                       <a:srgbClr val="000000"/>
                     </a:solidFill>
@@ -11801,7 +11801,7 @@
               </a:ln>
               <a:extLst>
                 <a:ext uri="{91240B29-F687-4f45-9708-019B960494DF}">
-                  <a14:hiddenLine xmlns:a14="http://schemas.microsoft.com/office/drawing/2010/main" xmlns="" w="9525">
+                  <a14:hiddenLine xmlns="" xmlns:a14="http://schemas.microsoft.com/office/drawing/2010/main" w="9525">
                     <a:solidFill>
                       <a:srgbClr val="000000"/>
                     </a:solidFill>
@@ -13479,7 +13479,7 @@
             <a:pPr lvl="1"/>
             <a:r>
               <a:rPr lang="pt-PT" dirty="0"/>
-              <a:t>Filipe Fonseca: ½</a:t>
+              <a:t>Filipe Fonseca: 1/3</a:t>
             </a:r>
           </a:p>
           <a:p>
@@ -14257,7 +14257,7 @@
           <a:noFill/>
           <a:extLst>
             <a:ext uri="{909E8E84-426E-40dd-AFC4-6F175D3DCCD1}">
-              <a14:hiddenFill xmlns="" xmlns:a16="http://schemas.microsoft.com/office/drawing/2014/main" xmlns:p14="http://schemas.microsoft.com/office/powerpoint/2010/main" xmlns:a14="http://schemas.microsoft.com/office/drawing/2010/main">
+              <a14:hiddenFill xmlns:a14="http://schemas.microsoft.com/office/drawing/2010/main" xmlns:p14="http://schemas.microsoft.com/office/powerpoint/2010/main" xmlns:a16="http://schemas.microsoft.com/office/drawing/2014/main" xmlns="">
                 <a:solidFill>
                   <a:srgbClr val="FFFFFF"/>
                 </a:solidFill>
@@ -14348,7 +14348,7 @@
             </a:ln>
             <a:extLst>
               <a:ext uri="{91240B29-F687-4f45-9708-019B960494DF}">
-                <a14:hiddenLine xmlns="" xmlns:a16="http://schemas.microsoft.com/office/drawing/2014/main" xmlns:p14="http://schemas.microsoft.com/office/powerpoint/2010/main" xmlns:a14="http://schemas.microsoft.com/office/drawing/2010/main" w="9525">
+                <a14:hiddenLine xmlns:a14="http://schemas.microsoft.com/office/drawing/2010/main" xmlns:p14="http://schemas.microsoft.com/office/powerpoint/2010/main" xmlns:a16="http://schemas.microsoft.com/office/drawing/2014/main" xmlns="" w="9525">
                   <a:solidFill>
                     <a:srgbClr val="000000"/>
                   </a:solidFill>
@@ -14453,7 +14453,7 @@
             </a:ln>
             <a:extLst>
               <a:ext uri="{91240B29-F687-4f45-9708-019B960494DF}">
-                <a14:hiddenLine xmlns="" xmlns:a16="http://schemas.microsoft.com/office/drawing/2014/main" xmlns:p14="http://schemas.microsoft.com/office/powerpoint/2010/main" xmlns:a14="http://schemas.microsoft.com/office/drawing/2010/main" w="9525">
+                <a14:hiddenLine xmlns:a14="http://schemas.microsoft.com/office/drawing/2010/main" xmlns:p14="http://schemas.microsoft.com/office/powerpoint/2010/main" xmlns:a16="http://schemas.microsoft.com/office/drawing/2014/main" xmlns="" w="9525">
                   <a:solidFill>
                     <a:srgbClr val="000000"/>
                   </a:solidFill>
@@ -14558,7 +14558,7 @@
             </a:ln>
             <a:extLst>
               <a:ext uri="{91240B29-F687-4f45-9708-019B960494DF}">
-                <a14:hiddenLine xmlns="" xmlns:a16="http://schemas.microsoft.com/office/drawing/2014/main" xmlns:p14="http://schemas.microsoft.com/office/powerpoint/2010/main" xmlns:a14="http://schemas.microsoft.com/office/drawing/2010/main" w="9525">
+                <a14:hiddenLine xmlns:a14="http://schemas.microsoft.com/office/drawing/2010/main" xmlns:p14="http://schemas.microsoft.com/office/powerpoint/2010/main" xmlns:a16="http://schemas.microsoft.com/office/drawing/2014/main" xmlns="" w="9525">
                   <a:solidFill>
                     <a:srgbClr val="000000"/>
                   </a:solidFill>
@@ -14607,7 +14607,7 @@
             </a:ln>
             <a:extLst>
               <a:ext uri="{91240B29-F687-4f45-9708-019B960494DF}">
-                <a14:hiddenLine xmlns="" xmlns:a16="http://schemas.microsoft.com/office/drawing/2014/main" xmlns:p14="http://schemas.microsoft.com/office/powerpoint/2010/main" xmlns:a14="http://schemas.microsoft.com/office/drawing/2010/main" w="9525">
+                <a14:hiddenLine xmlns:a14="http://schemas.microsoft.com/office/drawing/2010/main" xmlns:p14="http://schemas.microsoft.com/office/powerpoint/2010/main" xmlns:a16="http://schemas.microsoft.com/office/drawing/2014/main" xmlns="" w="9525">
                   <a:solidFill>
                     <a:srgbClr val="000000"/>
                   </a:solidFill>
@@ -14712,7 +14712,7 @@
             </a:ln>
             <a:extLst>
               <a:ext uri="{91240B29-F687-4f45-9708-019B960494DF}">
-                <a14:hiddenLine xmlns="" xmlns:a16="http://schemas.microsoft.com/office/drawing/2014/main" xmlns:p14="http://schemas.microsoft.com/office/powerpoint/2010/main" xmlns:a14="http://schemas.microsoft.com/office/drawing/2010/main" w="9525">
+                <a14:hiddenLine xmlns:a14="http://schemas.microsoft.com/office/drawing/2010/main" xmlns:p14="http://schemas.microsoft.com/office/powerpoint/2010/main" xmlns:a16="http://schemas.microsoft.com/office/drawing/2014/main" xmlns="" w="9525">
                   <a:solidFill>
                     <a:srgbClr val="000000"/>
                   </a:solidFill>
@@ -14789,7 +14789,7 @@
             </a:ln>
             <a:extLst>
               <a:ext uri="{91240B29-F687-4f45-9708-019B960494DF}">
-                <a14:hiddenLine xmlns="" xmlns:a16="http://schemas.microsoft.com/office/drawing/2014/main" xmlns:p14="http://schemas.microsoft.com/office/powerpoint/2010/main" xmlns:a14="http://schemas.microsoft.com/office/drawing/2010/main" w="9525">
+                <a14:hiddenLine xmlns:a14="http://schemas.microsoft.com/office/drawing/2010/main" xmlns:p14="http://schemas.microsoft.com/office/powerpoint/2010/main" xmlns:a16="http://schemas.microsoft.com/office/drawing/2014/main" xmlns="" w="9525">
                   <a:solidFill>
                     <a:srgbClr val="000000"/>
                   </a:solidFill>
@@ -14866,7 +14866,7 @@
             </a:ln>
             <a:extLst>
               <a:ext uri="{91240B29-F687-4f45-9708-019B960494DF}">
-                <a14:hiddenLine xmlns="" xmlns:a16="http://schemas.microsoft.com/office/drawing/2014/main" xmlns:p14="http://schemas.microsoft.com/office/powerpoint/2010/main" xmlns:a14="http://schemas.microsoft.com/office/drawing/2010/main" w="9525">
+                <a14:hiddenLine xmlns:a14="http://schemas.microsoft.com/office/drawing/2010/main" xmlns:p14="http://schemas.microsoft.com/office/powerpoint/2010/main" xmlns:a16="http://schemas.microsoft.com/office/drawing/2014/main" xmlns="" w="9525">
                   <a:solidFill>
                     <a:srgbClr val="000000"/>
                   </a:solidFill>
@@ -14971,7 +14971,7 @@
             </a:ln>
             <a:extLst>
               <a:ext uri="{91240B29-F687-4f45-9708-019B960494DF}">
-                <a14:hiddenLine xmlns="" xmlns:a16="http://schemas.microsoft.com/office/drawing/2014/main" xmlns:p14="http://schemas.microsoft.com/office/powerpoint/2010/main" xmlns:a14="http://schemas.microsoft.com/office/drawing/2010/main" w="9525">
+                <a14:hiddenLine xmlns:a14="http://schemas.microsoft.com/office/drawing/2010/main" xmlns:p14="http://schemas.microsoft.com/office/powerpoint/2010/main" xmlns:a16="http://schemas.microsoft.com/office/drawing/2014/main" xmlns="" w="9525">
                   <a:solidFill>
                     <a:srgbClr val="000000"/>
                   </a:solidFill>
@@ -15048,7 +15048,7 @@
             </a:ln>
             <a:extLst>
               <a:ext uri="{91240B29-F687-4f45-9708-019B960494DF}">
-                <a14:hiddenLine xmlns="" xmlns:a16="http://schemas.microsoft.com/office/drawing/2014/main" xmlns:p14="http://schemas.microsoft.com/office/powerpoint/2010/main" xmlns:a14="http://schemas.microsoft.com/office/drawing/2010/main" w="9525">
+                <a14:hiddenLine xmlns:a14="http://schemas.microsoft.com/office/drawing/2010/main" xmlns:p14="http://schemas.microsoft.com/office/powerpoint/2010/main" xmlns:a16="http://schemas.microsoft.com/office/drawing/2014/main" xmlns="" w="9525">
                   <a:solidFill>
                     <a:srgbClr val="000000"/>
                   </a:solidFill>
@@ -15125,7 +15125,7 @@
             </a:ln>
             <a:extLst>
               <a:ext uri="{91240B29-F687-4f45-9708-019B960494DF}">
-                <a14:hiddenLine xmlns="" xmlns:a16="http://schemas.microsoft.com/office/drawing/2014/main" xmlns:p14="http://schemas.microsoft.com/office/powerpoint/2010/main" xmlns:a14="http://schemas.microsoft.com/office/drawing/2010/main" w="9525">
+                <a14:hiddenLine xmlns:a14="http://schemas.microsoft.com/office/drawing/2010/main" xmlns:p14="http://schemas.microsoft.com/office/powerpoint/2010/main" xmlns:a16="http://schemas.microsoft.com/office/drawing/2014/main" xmlns="" w="9525">
                   <a:solidFill>
                     <a:srgbClr val="000000"/>
                   </a:solidFill>
@@ -15230,7 +15230,7 @@
             </a:ln>
             <a:extLst>
               <a:ext uri="{91240B29-F687-4f45-9708-019B960494DF}">
-                <a14:hiddenLine xmlns="" xmlns:a16="http://schemas.microsoft.com/office/drawing/2014/main" xmlns:p14="http://schemas.microsoft.com/office/powerpoint/2010/main" xmlns:a14="http://schemas.microsoft.com/office/drawing/2010/main" w="9525">
+                <a14:hiddenLine xmlns:a14="http://schemas.microsoft.com/office/drawing/2010/main" xmlns:p14="http://schemas.microsoft.com/office/powerpoint/2010/main" xmlns:a16="http://schemas.microsoft.com/office/drawing/2014/main" xmlns="" w="9525">
                   <a:solidFill>
                     <a:srgbClr val="000000"/>
                   </a:solidFill>
@@ -15335,7 +15335,7 @@
             </a:ln>
             <a:extLst>
               <a:ext uri="{91240B29-F687-4f45-9708-019B960494DF}">
-                <a14:hiddenLine xmlns="" xmlns:a16="http://schemas.microsoft.com/office/drawing/2014/main" xmlns:p14="http://schemas.microsoft.com/office/powerpoint/2010/main" xmlns:a14="http://schemas.microsoft.com/office/drawing/2010/main" w="9525">
+                <a14:hiddenLine xmlns:a14="http://schemas.microsoft.com/office/drawing/2010/main" xmlns:p14="http://schemas.microsoft.com/office/powerpoint/2010/main" xmlns:a16="http://schemas.microsoft.com/office/drawing/2014/main" xmlns="" w="9525">
                   <a:solidFill>
                     <a:srgbClr val="000000"/>
                   </a:solidFill>
@@ -15412,7 +15412,7 @@
             </a:ln>
             <a:extLst>
               <a:ext uri="{91240B29-F687-4f45-9708-019B960494DF}">
-                <a14:hiddenLine xmlns="" xmlns:a16="http://schemas.microsoft.com/office/drawing/2014/main" xmlns:p14="http://schemas.microsoft.com/office/powerpoint/2010/main" xmlns:a14="http://schemas.microsoft.com/office/drawing/2010/main" w="9525">
+                <a14:hiddenLine xmlns:a14="http://schemas.microsoft.com/office/drawing/2010/main" xmlns:p14="http://schemas.microsoft.com/office/powerpoint/2010/main" xmlns:a16="http://schemas.microsoft.com/office/drawing/2014/main" xmlns="" w="9525">
                   <a:solidFill>
                     <a:srgbClr val="000000"/>
                   </a:solidFill>
@@ -15537,7 +15537,7 @@
             </a:ln>
             <a:extLst>
               <a:ext uri="{91240B29-F687-4f45-9708-019B960494DF}">
-                <a14:hiddenLine xmlns="" xmlns:a16="http://schemas.microsoft.com/office/drawing/2014/main" xmlns:p14="http://schemas.microsoft.com/office/powerpoint/2010/main" xmlns:a14="http://schemas.microsoft.com/office/drawing/2010/main" w="9525">
+                <a14:hiddenLine xmlns:a14="http://schemas.microsoft.com/office/drawing/2010/main" xmlns:p14="http://schemas.microsoft.com/office/powerpoint/2010/main" xmlns:a16="http://schemas.microsoft.com/office/drawing/2014/main" xmlns="" w="9525">
                   <a:solidFill>
                     <a:srgbClr val="000000"/>
                   </a:solidFill>
@@ -15614,7 +15614,7 @@
             </a:ln>
             <a:extLst>
               <a:ext uri="{91240B29-F687-4f45-9708-019B960494DF}">
-                <a14:hiddenLine xmlns="" xmlns:a16="http://schemas.microsoft.com/office/drawing/2014/main" xmlns:p14="http://schemas.microsoft.com/office/powerpoint/2010/main" xmlns:a14="http://schemas.microsoft.com/office/drawing/2010/main" w="9525">
+                <a14:hiddenLine xmlns:a14="http://schemas.microsoft.com/office/drawing/2010/main" xmlns:p14="http://schemas.microsoft.com/office/powerpoint/2010/main" xmlns:a16="http://schemas.microsoft.com/office/drawing/2014/main" xmlns="" w="9525">
                   <a:solidFill>
                     <a:srgbClr val="000000"/>
                   </a:solidFill>
@@ -15719,7 +15719,7 @@
             </a:ln>
             <a:extLst>
               <a:ext uri="{91240B29-F687-4f45-9708-019B960494DF}">
-                <a14:hiddenLine xmlns="" xmlns:a16="http://schemas.microsoft.com/office/drawing/2014/main" xmlns:p14="http://schemas.microsoft.com/office/powerpoint/2010/main" xmlns:a14="http://schemas.microsoft.com/office/drawing/2010/main" w="9525">
+                <a14:hiddenLine xmlns:a14="http://schemas.microsoft.com/office/drawing/2010/main" xmlns:p14="http://schemas.microsoft.com/office/powerpoint/2010/main" xmlns:a16="http://schemas.microsoft.com/office/drawing/2014/main" xmlns="" w="9525">
                   <a:solidFill>
                     <a:srgbClr val="000000"/>
                   </a:solidFill>
@@ -15824,7 +15824,7 @@
             </a:ln>
             <a:extLst>
               <a:ext uri="{91240B29-F687-4f45-9708-019B960494DF}">
-                <a14:hiddenLine xmlns="" xmlns:a16="http://schemas.microsoft.com/office/drawing/2014/main" xmlns:p14="http://schemas.microsoft.com/office/powerpoint/2010/main" xmlns:a14="http://schemas.microsoft.com/office/drawing/2010/main" w="9525">
+                <a14:hiddenLine xmlns:a14="http://schemas.microsoft.com/office/drawing/2010/main" xmlns:p14="http://schemas.microsoft.com/office/powerpoint/2010/main" xmlns:a16="http://schemas.microsoft.com/office/drawing/2014/main" xmlns="" w="9525">
                   <a:solidFill>
                     <a:srgbClr val="000000"/>
                   </a:solidFill>
@@ -15901,7 +15901,7 @@
             </a:ln>
             <a:extLst>
               <a:ext uri="{91240B29-F687-4f45-9708-019B960494DF}">
-                <a14:hiddenLine xmlns="" xmlns:a16="http://schemas.microsoft.com/office/drawing/2014/main" xmlns:p14="http://schemas.microsoft.com/office/powerpoint/2010/main" xmlns:a14="http://schemas.microsoft.com/office/drawing/2010/main" w="9525">
+                <a14:hiddenLine xmlns:a14="http://schemas.microsoft.com/office/drawing/2010/main" xmlns:p14="http://schemas.microsoft.com/office/powerpoint/2010/main" xmlns:a16="http://schemas.microsoft.com/office/drawing/2014/main" xmlns="" w="9525">
                   <a:solidFill>
                     <a:srgbClr val="000000"/>
                   </a:solidFill>
@@ -16006,7 +16006,7 @@
             </a:ln>
             <a:extLst>
               <a:ext uri="{91240B29-F687-4f45-9708-019B960494DF}">
-                <a14:hiddenLine xmlns="" xmlns:a16="http://schemas.microsoft.com/office/drawing/2014/main" xmlns:p14="http://schemas.microsoft.com/office/powerpoint/2010/main" xmlns:a14="http://schemas.microsoft.com/office/drawing/2010/main" w="9525">
+                <a14:hiddenLine xmlns:a14="http://schemas.microsoft.com/office/drawing/2010/main" xmlns:p14="http://schemas.microsoft.com/office/powerpoint/2010/main" xmlns:a16="http://schemas.microsoft.com/office/drawing/2014/main" xmlns="" w="9525">
                   <a:solidFill>
                     <a:srgbClr val="000000"/>
                   </a:solidFill>
@@ -16111,7 +16111,7 @@
             </a:ln>
             <a:extLst>
               <a:ext uri="{91240B29-F687-4f45-9708-019B960494DF}">
-                <a14:hiddenLine xmlns="" xmlns:a16="http://schemas.microsoft.com/office/drawing/2014/main" xmlns:p14="http://schemas.microsoft.com/office/powerpoint/2010/main" xmlns:a14="http://schemas.microsoft.com/office/drawing/2010/main" w="9525">
+                <a14:hiddenLine xmlns:a14="http://schemas.microsoft.com/office/drawing/2010/main" xmlns:p14="http://schemas.microsoft.com/office/powerpoint/2010/main" xmlns:a16="http://schemas.microsoft.com/office/drawing/2014/main" xmlns="" w="9525">
                   <a:solidFill>
                     <a:srgbClr val="000000"/>
                   </a:solidFill>
@@ -16182,7 +16182,7 @@
             </a:ln>
             <a:extLst>
               <a:ext uri="{91240B29-F687-4f45-9708-019B960494DF}">
-                <a14:hiddenLine xmlns="" xmlns:a16="http://schemas.microsoft.com/office/drawing/2014/main" xmlns:p14="http://schemas.microsoft.com/office/powerpoint/2010/main" xmlns:a14="http://schemas.microsoft.com/office/drawing/2010/main" w="9525">
+                <a14:hiddenLine xmlns:a14="http://schemas.microsoft.com/office/drawing/2010/main" xmlns:p14="http://schemas.microsoft.com/office/powerpoint/2010/main" xmlns:a16="http://schemas.microsoft.com/office/drawing/2014/main" xmlns="" w="9525">
                   <a:solidFill>
                     <a:srgbClr val="000000"/>
                   </a:solidFill>
@@ -16287,7 +16287,7 @@
             </a:ln>
             <a:extLst>
               <a:ext uri="{91240B29-F687-4f45-9708-019B960494DF}">
-                <a14:hiddenLine xmlns="" xmlns:a16="http://schemas.microsoft.com/office/drawing/2014/main" xmlns:p14="http://schemas.microsoft.com/office/powerpoint/2010/main" xmlns:a14="http://schemas.microsoft.com/office/drawing/2010/main" w="9525">
+                <a14:hiddenLine xmlns:a14="http://schemas.microsoft.com/office/drawing/2010/main" xmlns:p14="http://schemas.microsoft.com/office/powerpoint/2010/main" xmlns:a16="http://schemas.microsoft.com/office/drawing/2014/main" xmlns="" w="9525">
                   <a:solidFill>
                     <a:srgbClr val="000000"/>
                   </a:solidFill>
@@ -16358,7 +16358,7 @@
             </a:ln>
             <a:extLst>
               <a:ext uri="{91240B29-F687-4f45-9708-019B960494DF}">
-                <a14:hiddenLine xmlns="" xmlns:a16="http://schemas.microsoft.com/office/drawing/2014/main" xmlns:p14="http://schemas.microsoft.com/office/powerpoint/2010/main" xmlns:a14="http://schemas.microsoft.com/office/drawing/2010/main" w="9525">
+                <a14:hiddenLine xmlns:a14="http://schemas.microsoft.com/office/drawing/2010/main" xmlns:p14="http://schemas.microsoft.com/office/powerpoint/2010/main" xmlns:a16="http://schemas.microsoft.com/office/drawing/2014/main" xmlns="" w="9525">
                   <a:solidFill>
                     <a:srgbClr val="000000"/>
                   </a:solidFill>
@@ -16463,7 +16463,7 @@
             </a:ln>
             <a:extLst>
               <a:ext uri="{91240B29-F687-4f45-9708-019B960494DF}">
-                <a14:hiddenLine xmlns="" xmlns:a16="http://schemas.microsoft.com/office/drawing/2014/main" xmlns:p14="http://schemas.microsoft.com/office/powerpoint/2010/main" xmlns:a14="http://schemas.microsoft.com/office/drawing/2010/main" w="9525">
+                <a14:hiddenLine xmlns:a14="http://schemas.microsoft.com/office/drawing/2010/main" xmlns:p14="http://schemas.microsoft.com/office/powerpoint/2010/main" xmlns:a16="http://schemas.microsoft.com/office/drawing/2014/main" xmlns="" w="9525">
                   <a:solidFill>
                     <a:srgbClr val="000000"/>
                   </a:solidFill>
@@ -16546,7 +16546,7 @@
             </a:ln>
             <a:extLst>
               <a:ext uri="{91240B29-F687-4f45-9708-019B960494DF}">
-                <a14:hiddenLine xmlns="" xmlns:a16="http://schemas.microsoft.com/office/drawing/2014/main" xmlns:p14="http://schemas.microsoft.com/office/powerpoint/2010/main" xmlns:a14="http://schemas.microsoft.com/office/drawing/2010/main" w="9525">
+                <a14:hiddenLine xmlns:a14="http://schemas.microsoft.com/office/drawing/2010/main" xmlns:p14="http://schemas.microsoft.com/office/powerpoint/2010/main" xmlns:a16="http://schemas.microsoft.com/office/drawing/2014/main" xmlns="" w="9525">
                   <a:solidFill>
                     <a:srgbClr val="000000"/>
                   </a:solidFill>
@@ -16651,7 +16651,7 @@
             </a:ln>
             <a:extLst>
               <a:ext uri="{91240B29-F687-4f45-9708-019B960494DF}">
-                <a14:hiddenLine xmlns="" xmlns:a16="http://schemas.microsoft.com/office/drawing/2014/main" xmlns:p14="http://schemas.microsoft.com/office/powerpoint/2010/main" xmlns:a14="http://schemas.microsoft.com/office/drawing/2010/main" w="9525">
+                <a14:hiddenLine xmlns:a14="http://schemas.microsoft.com/office/drawing/2010/main" xmlns:p14="http://schemas.microsoft.com/office/powerpoint/2010/main" xmlns:a16="http://schemas.microsoft.com/office/drawing/2014/main" xmlns="" w="9525">
                   <a:solidFill>
                     <a:srgbClr val="000000"/>
                   </a:solidFill>
@@ -16734,7 +16734,7 @@
             </a:ln>
             <a:extLst>
               <a:ext uri="{91240B29-F687-4f45-9708-019B960494DF}">
-                <a14:hiddenLine xmlns="" xmlns:a16="http://schemas.microsoft.com/office/drawing/2014/main" xmlns:p14="http://schemas.microsoft.com/office/powerpoint/2010/main" xmlns:a14="http://schemas.microsoft.com/office/drawing/2010/main" w="9525">
+                <a14:hiddenLine xmlns:a14="http://schemas.microsoft.com/office/drawing/2010/main" xmlns:p14="http://schemas.microsoft.com/office/powerpoint/2010/main" xmlns:a16="http://schemas.microsoft.com/office/drawing/2014/main" xmlns="" w="9525">
                   <a:solidFill>
                     <a:srgbClr val="000000"/>
                   </a:solidFill>
@@ -16839,7 +16839,7 @@
             </a:ln>
             <a:extLst>
               <a:ext uri="{91240B29-F687-4f45-9708-019B960494DF}">
-                <a14:hiddenLine xmlns="" xmlns:a16="http://schemas.microsoft.com/office/drawing/2014/main" xmlns:p14="http://schemas.microsoft.com/office/powerpoint/2010/main" xmlns:a14="http://schemas.microsoft.com/office/drawing/2010/main" w="9525">
+                <a14:hiddenLine xmlns:a14="http://schemas.microsoft.com/office/drawing/2010/main" xmlns:p14="http://schemas.microsoft.com/office/powerpoint/2010/main" xmlns:a16="http://schemas.microsoft.com/office/drawing/2014/main" xmlns="" w="9525">
                   <a:solidFill>
                     <a:srgbClr val="000000"/>
                   </a:solidFill>
@@ -16888,7 +16888,7 @@
             </a:ln>
             <a:extLst>
               <a:ext uri="{91240B29-F687-4f45-9708-019B960494DF}">
-                <a14:hiddenLine xmlns="" xmlns:a16="http://schemas.microsoft.com/office/drawing/2014/main" xmlns:p14="http://schemas.microsoft.com/office/powerpoint/2010/main" xmlns:a14="http://schemas.microsoft.com/office/drawing/2010/main" w="9525">
+                <a14:hiddenLine xmlns:a14="http://schemas.microsoft.com/office/drawing/2010/main" xmlns:p14="http://schemas.microsoft.com/office/powerpoint/2010/main" xmlns:a16="http://schemas.microsoft.com/office/drawing/2014/main" xmlns="" w="9525">
                   <a:solidFill>
                     <a:srgbClr val="000000"/>
                   </a:solidFill>
@@ -16993,7 +16993,7 @@
             </a:ln>
             <a:extLst>
               <a:ext uri="{91240B29-F687-4f45-9708-019B960494DF}">
-                <a14:hiddenLine xmlns="" xmlns:a16="http://schemas.microsoft.com/office/drawing/2014/main" xmlns:p14="http://schemas.microsoft.com/office/powerpoint/2010/main" xmlns:a14="http://schemas.microsoft.com/office/drawing/2010/main" w="9525">
+                <a14:hiddenLine xmlns:a14="http://schemas.microsoft.com/office/drawing/2010/main" xmlns:p14="http://schemas.microsoft.com/office/powerpoint/2010/main" xmlns:a16="http://schemas.microsoft.com/office/drawing/2014/main" xmlns="" w="9525">
                   <a:solidFill>
                     <a:srgbClr val="000000"/>
                   </a:solidFill>
@@ -17070,7 +17070,7 @@
             </a:ln>
             <a:extLst>
               <a:ext uri="{91240B29-F687-4f45-9708-019B960494DF}">
-                <a14:hiddenLine xmlns="" xmlns:a16="http://schemas.microsoft.com/office/drawing/2014/main" xmlns:p14="http://schemas.microsoft.com/office/powerpoint/2010/main" xmlns:a14="http://schemas.microsoft.com/office/drawing/2010/main" w="9525">
+                <a14:hiddenLine xmlns:a14="http://schemas.microsoft.com/office/drawing/2010/main" xmlns:p14="http://schemas.microsoft.com/office/powerpoint/2010/main" xmlns:a16="http://schemas.microsoft.com/office/drawing/2014/main" xmlns="" w="9525">
                   <a:solidFill>
                     <a:srgbClr val="000000"/>
                   </a:solidFill>
@@ -17147,7 +17147,7 @@
             </a:ln>
             <a:extLst>
               <a:ext uri="{91240B29-F687-4f45-9708-019B960494DF}">
-                <a14:hiddenLine xmlns="" xmlns:a16="http://schemas.microsoft.com/office/drawing/2014/main" xmlns:p14="http://schemas.microsoft.com/office/powerpoint/2010/main" xmlns:a14="http://schemas.microsoft.com/office/drawing/2010/main" w="9525">
+                <a14:hiddenLine xmlns:a14="http://schemas.microsoft.com/office/drawing/2010/main" xmlns:p14="http://schemas.microsoft.com/office/powerpoint/2010/main" xmlns:a16="http://schemas.microsoft.com/office/drawing/2014/main" xmlns="" w="9525">
                   <a:solidFill>
                     <a:srgbClr val="000000"/>
                   </a:solidFill>
@@ -17252,7 +17252,7 @@
             </a:ln>
             <a:extLst>
               <a:ext uri="{91240B29-F687-4f45-9708-019B960494DF}">
-                <a14:hiddenLine xmlns="" xmlns:a16="http://schemas.microsoft.com/office/drawing/2014/main" xmlns:p14="http://schemas.microsoft.com/office/powerpoint/2010/main" xmlns:a14="http://schemas.microsoft.com/office/drawing/2010/main" w="9525">
+                <a14:hiddenLine xmlns:a14="http://schemas.microsoft.com/office/drawing/2010/main" xmlns:p14="http://schemas.microsoft.com/office/powerpoint/2010/main" xmlns:a16="http://schemas.microsoft.com/office/drawing/2014/main" xmlns="" w="9525">
                   <a:solidFill>
                     <a:srgbClr val="000000"/>
                   </a:solidFill>
@@ -17335,7 +17335,7 @@
             </a:ln>
             <a:extLst>
               <a:ext uri="{91240B29-F687-4f45-9708-019B960494DF}">
-                <a14:hiddenLine xmlns="" xmlns:a16="http://schemas.microsoft.com/office/drawing/2014/main" xmlns:p14="http://schemas.microsoft.com/office/powerpoint/2010/main" xmlns:a14="http://schemas.microsoft.com/office/drawing/2010/main" w="9525">
+                <a14:hiddenLine xmlns:a14="http://schemas.microsoft.com/office/drawing/2010/main" xmlns:p14="http://schemas.microsoft.com/office/powerpoint/2010/main" xmlns:a16="http://schemas.microsoft.com/office/drawing/2014/main" xmlns="" w="9525">
                   <a:solidFill>
                     <a:srgbClr val="000000"/>
                   </a:solidFill>
@@ -17412,7 +17412,7 @@
             </a:ln>
             <a:extLst>
               <a:ext uri="{91240B29-F687-4f45-9708-019B960494DF}">
-                <a14:hiddenLine xmlns="" xmlns:a16="http://schemas.microsoft.com/office/drawing/2014/main" xmlns:p14="http://schemas.microsoft.com/office/powerpoint/2010/main" xmlns:a14="http://schemas.microsoft.com/office/drawing/2010/main" w="9525">
+                <a14:hiddenLine xmlns:a14="http://schemas.microsoft.com/office/drawing/2010/main" xmlns:p14="http://schemas.microsoft.com/office/powerpoint/2010/main" xmlns:a16="http://schemas.microsoft.com/office/drawing/2014/main" xmlns="" w="9525">
                   <a:solidFill>
                     <a:srgbClr val="000000"/>
                   </a:solidFill>
@@ -17517,7 +17517,7 @@
             </a:ln>
             <a:extLst>
               <a:ext uri="{91240B29-F687-4f45-9708-019B960494DF}">
-                <a14:hiddenLine xmlns="" xmlns:a16="http://schemas.microsoft.com/office/drawing/2014/main" xmlns:p14="http://schemas.microsoft.com/office/powerpoint/2010/main" xmlns:a14="http://schemas.microsoft.com/office/drawing/2010/main" w="9525">
+                <a14:hiddenLine xmlns:a14="http://schemas.microsoft.com/office/drawing/2010/main" xmlns:p14="http://schemas.microsoft.com/office/powerpoint/2010/main" xmlns:a16="http://schemas.microsoft.com/office/drawing/2014/main" xmlns="" w="9525">
                   <a:solidFill>
                     <a:srgbClr val="000000"/>
                   </a:solidFill>
@@ -17594,7 +17594,7 @@
             </a:ln>
             <a:extLst>
               <a:ext uri="{91240B29-F687-4f45-9708-019B960494DF}">
-                <a14:hiddenLine xmlns="" xmlns:a16="http://schemas.microsoft.com/office/drawing/2014/main" xmlns:p14="http://schemas.microsoft.com/office/powerpoint/2010/main" xmlns:a14="http://schemas.microsoft.com/office/drawing/2010/main" w="9525">
+                <a14:hiddenLine xmlns:a14="http://schemas.microsoft.com/office/drawing/2010/main" xmlns:p14="http://schemas.microsoft.com/office/powerpoint/2010/main" xmlns:a16="http://schemas.microsoft.com/office/drawing/2014/main" xmlns="" w="9525">
                   <a:solidFill>
                     <a:srgbClr val="000000"/>
                   </a:solidFill>
@@ -17699,7 +17699,7 @@
             </a:ln>
             <a:extLst>
               <a:ext uri="{91240B29-F687-4f45-9708-019B960494DF}">
-                <a14:hiddenLine xmlns="" xmlns:a16="http://schemas.microsoft.com/office/drawing/2014/main" xmlns:p14="http://schemas.microsoft.com/office/powerpoint/2010/main" xmlns:a14="http://schemas.microsoft.com/office/drawing/2010/main" w="9525">
+                <a14:hiddenLine xmlns:a14="http://schemas.microsoft.com/office/drawing/2010/main" xmlns:p14="http://schemas.microsoft.com/office/powerpoint/2010/main" xmlns:a16="http://schemas.microsoft.com/office/drawing/2014/main" xmlns="" w="9525">
                   <a:solidFill>
                     <a:srgbClr val="000000"/>
                   </a:solidFill>
@@ -17776,7 +17776,7 @@
             </a:ln>
             <a:extLst>
               <a:ext uri="{91240B29-F687-4f45-9708-019B960494DF}">
-                <a14:hiddenLine xmlns="" xmlns:a16="http://schemas.microsoft.com/office/drawing/2014/main" xmlns:p14="http://schemas.microsoft.com/office/powerpoint/2010/main" xmlns:a14="http://schemas.microsoft.com/office/drawing/2010/main" w="9525">
+                <a14:hiddenLine xmlns:a14="http://schemas.microsoft.com/office/drawing/2010/main" xmlns:p14="http://schemas.microsoft.com/office/powerpoint/2010/main" xmlns:a16="http://schemas.microsoft.com/office/drawing/2014/main" xmlns="" w="9525">
                   <a:solidFill>
                     <a:srgbClr val="000000"/>
                   </a:solidFill>
@@ -17881,7 +17881,7 @@
             </a:ln>
             <a:extLst>
               <a:ext uri="{91240B29-F687-4f45-9708-019B960494DF}">
-                <a14:hiddenLine xmlns="" xmlns:a16="http://schemas.microsoft.com/office/drawing/2014/main" xmlns:p14="http://schemas.microsoft.com/office/powerpoint/2010/main" xmlns:a14="http://schemas.microsoft.com/office/drawing/2010/main" w="9525">
+                <a14:hiddenLine xmlns:a14="http://schemas.microsoft.com/office/drawing/2010/main" xmlns:p14="http://schemas.microsoft.com/office/powerpoint/2010/main" xmlns:a16="http://schemas.microsoft.com/office/drawing/2014/main" xmlns="" w="9525">
                   <a:solidFill>
                     <a:srgbClr val="000000"/>
                   </a:solidFill>
@@ -17930,7 +17930,7 @@
             </a:ln>
             <a:extLst>
               <a:ext uri="{91240B29-F687-4f45-9708-019B960494DF}">
-                <a14:hiddenLine xmlns="" xmlns:a16="http://schemas.microsoft.com/office/drawing/2014/main" xmlns:p14="http://schemas.microsoft.com/office/powerpoint/2010/main" xmlns:a14="http://schemas.microsoft.com/office/drawing/2010/main" w="9525">
+                <a14:hiddenLine xmlns:a14="http://schemas.microsoft.com/office/drawing/2010/main" xmlns:p14="http://schemas.microsoft.com/office/powerpoint/2010/main" xmlns:a16="http://schemas.microsoft.com/office/drawing/2014/main" xmlns="" w="9525">
                   <a:solidFill>
                     <a:srgbClr val="000000"/>
                   </a:solidFill>
@@ -18010,7 +18010,7 @@
             </a:ln>
             <a:extLst>
               <a:ext uri="{91240B29-F687-4f45-9708-019B960494DF}">
-                <a14:hiddenLine xmlns="" xmlns:a16="http://schemas.microsoft.com/office/drawing/2014/main" xmlns:p14="http://schemas.microsoft.com/office/powerpoint/2010/main" xmlns:a14="http://schemas.microsoft.com/office/drawing/2010/main" w="9525">
+                <a14:hiddenLine xmlns:a14="http://schemas.microsoft.com/office/drawing/2010/main" xmlns:p14="http://schemas.microsoft.com/office/powerpoint/2010/main" xmlns:a16="http://schemas.microsoft.com/office/drawing/2014/main" xmlns="" w="9525">
                   <a:solidFill>
                     <a:srgbClr val="000000"/>
                   </a:solidFill>
@@ -18115,7 +18115,7 @@
             </a:ln>
             <a:extLst>
               <a:ext uri="{91240B29-F687-4f45-9708-019B960494DF}">
-                <a14:hiddenLine xmlns="" xmlns:a16="http://schemas.microsoft.com/office/drawing/2014/main" xmlns:p14="http://schemas.microsoft.com/office/powerpoint/2010/main" xmlns:a14="http://schemas.microsoft.com/office/drawing/2010/main" w="9525">
+                <a14:hiddenLine xmlns:a14="http://schemas.microsoft.com/office/drawing/2010/main" xmlns:p14="http://schemas.microsoft.com/office/powerpoint/2010/main" xmlns:a16="http://schemas.microsoft.com/office/drawing/2014/main" xmlns="" w="9525">
                   <a:solidFill>
                     <a:srgbClr val="000000"/>
                   </a:solidFill>
@@ -18192,7 +18192,7 @@
             </a:ln>
             <a:extLst>
               <a:ext uri="{91240B29-F687-4f45-9708-019B960494DF}">
-                <a14:hiddenLine xmlns="" xmlns:a16="http://schemas.microsoft.com/office/drawing/2014/main" xmlns:p14="http://schemas.microsoft.com/office/powerpoint/2010/main" xmlns:a14="http://schemas.microsoft.com/office/drawing/2010/main" w="9525">
+                <a14:hiddenLine xmlns:a14="http://schemas.microsoft.com/office/drawing/2010/main" xmlns:p14="http://schemas.microsoft.com/office/powerpoint/2010/main" xmlns:a16="http://schemas.microsoft.com/office/drawing/2014/main" xmlns="" w="9525">
                   <a:solidFill>
                     <a:srgbClr val="000000"/>
                   </a:solidFill>
@@ -18297,7 +18297,7 @@
             </a:ln>
             <a:extLst>
               <a:ext uri="{91240B29-F687-4f45-9708-019B960494DF}">
-                <a14:hiddenLine xmlns="" xmlns:a16="http://schemas.microsoft.com/office/drawing/2014/main" xmlns:p14="http://schemas.microsoft.com/office/powerpoint/2010/main" xmlns:a14="http://schemas.microsoft.com/office/drawing/2010/main" w="9525">
+                <a14:hiddenLine xmlns:a14="http://schemas.microsoft.com/office/drawing/2010/main" xmlns:p14="http://schemas.microsoft.com/office/powerpoint/2010/main" xmlns:a16="http://schemas.microsoft.com/office/drawing/2014/main" xmlns="" w="9525">
                   <a:solidFill>
                     <a:srgbClr val="000000"/>
                   </a:solidFill>
@@ -18402,7 +18402,7 @@
             </a:ln>
             <a:extLst>
               <a:ext uri="{91240B29-F687-4f45-9708-019B960494DF}">
-                <a14:hiddenLine xmlns="" xmlns:a16="http://schemas.microsoft.com/office/drawing/2014/main" xmlns:p14="http://schemas.microsoft.com/office/powerpoint/2010/main" xmlns:a14="http://schemas.microsoft.com/office/drawing/2010/main" w="9525">
+                <a14:hiddenLine xmlns:a14="http://schemas.microsoft.com/office/drawing/2010/main" xmlns:p14="http://schemas.microsoft.com/office/powerpoint/2010/main" xmlns:a16="http://schemas.microsoft.com/office/drawing/2014/main" xmlns="" w="9525">
                   <a:solidFill>
                     <a:srgbClr val="000000"/>
                   </a:solidFill>
@@ -18482,7 +18482,7 @@
             </a:ln>
             <a:extLst>
               <a:ext uri="{91240B29-F687-4f45-9708-019B960494DF}">
-                <a14:hiddenLine xmlns="" xmlns:a16="http://schemas.microsoft.com/office/drawing/2014/main" xmlns:p14="http://schemas.microsoft.com/office/powerpoint/2010/main" xmlns:a14="http://schemas.microsoft.com/office/drawing/2010/main" w="9525">
+                <a14:hiddenLine xmlns:a14="http://schemas.microsoft.com/office/drawing/2010/main" xmlns:p14="http://schemas.microsoft.com/office/powerpoint/2010/main" xmlns:a16="http://schemas.microsoft.com/office/drawing/2014/main" xmlns="" w="9525">
                   <a:solidFill>
                     <a:srgbClr val="000000"/>
                   </a:solidFill>
@@ -18559,7 +18559,7 @@
             </a:ln>
             <a:extLst>
               <a:ext uri="{91240B29-F687-4f45-9708-019B960494DF}">
-                <a14:hiddenLine xmlns="" xmlns:a16="http://schemas.microsoft.com/office/drawing/2014/main" xmlns:p14="http://schemas.microsoft.com/office/powerpoint/2010/main" xmlns:a14="http://schemas.microsoft.com/office/drawing/2010/main" w="9525">
+                <a14:hiddenLine xmlns:a14="http://schemas.microsoft.com/office/drawing/2010/main" xmlns:p14="http://schemas.microsoft.com/office/powerpoint/2010/main" xmlns:a16="http://schemas.microsoft.com/office/drawing/2014/main" xmlns="" w="9525">
                   <a:solidFill>
                     <a:srgbClr val="000000"/>
                   </a:solidFill>
@@ -18664,7 +18664,7 @@
             </a:ln>
             <a:extLst>
               <a:ext uri="{91240B29-F687-4f45-9708-019B960494DF}">
-                <a14:hiddenLine xmlns="" xmlns:a16="http://schemas.microsoft.com/office/drawing/2014/main" xmlns:p14="http://schemas.microsoft.com/office/powerpoint/2010/main" xmlns:a14="http://schemas.microsoft.com/office/drawing/2010/main" w="9525">
+                <a14:hiddenLine xmlns:a14="http://schemas.microsoft.com/office/drawing/2010/main" xmlns:p14="http://schemas.microsoft.com/office/powerpoint/2010/main" xmlns:a16="http://schemas.microsoft.com/office/drawing/2014/main" xmlns="" w="9525">
                   <a:solidFill>
                     <a:srgbClr val="000000"/>
                   </a:solidFill>
@@ -18769,7 +18769,7 @@
             </a:ln>
             <a:extLst>
               <a:ext uri="{91240B29-F687-4f45-9708-019B960494DF}">
-                <a14:hiddenLine xmlns="" xmlns:a16="http://schemas.microsoft.com/office/drawing/2014/main" xmlns:p14="http://schemas.microsoft.com/office/powerpoint/2010/main" xmlns:a14="http://schemas.microsoft.com/office/drawing/2010/main" w="9525">
+                <a14:hiddenLine xmlns:a14="http://schemas.microsoft.com/office/drawing/2010/main" xmlns:p14="http://schemas.microsoft.com/office/powerpoint/2010/main" xmlns:a16="http://schemas.microsoft.com/office/drawing/2014/main" xmlns="" w="9525">
                   <a:solidFill>
                     <a:srgbClr val="000000"/>
                   </a:solidFill>
@@ -18846,7 +18846,7 @@
             </a:ln>
             <a:extLst>
               <a:ext uri="{91240B29-F687-4f45-9708-019B960494DF}">
-                <a14:hiddenLine xmlns="" xmlns:a16="http://schemas.microsoft.com/office/drawing/2014/main" xmlns:p14="http://schemas.microsoft.com/office/powerpoint/2010/main" xmlns:a14="http://schemas.microsoft.com/office/drawing/2010/main" w="9525">
+                <a14:hiddenLine xmlns:a14="http://schemas.microsoft.com/office/drawing/2010/main" xmlns:p14="http://schemas.microsoft.com/office/powerpoint/2010/main" xmlns:a16="http://schemas.microsoft.com/office/drawing/2014/main" xmlns="" w="9525">
                   <a:solidFill>
                     <a:srgbClr val="000000"/>
                   </a:solidFill>
@@ -18981,7 +18981,7 @@
             </a:ln>
             <a:extLst>
               <a:ext uri="{91240B29-F687-4f45-9708-019B960494DF}">
-                <a14:hiddenLine xmlns="" xmlns:a16="http://schemas.microsoft.com/office/drawing/2014/main" xmlns:p14="http://schemas.microsoft.com/office/powerpoint/2010/main" xmlns:a14="http://schemas.microsoft.com/office/drawing/2010/main" w="9525">
+                <a14:hiddenLine xmlns:a14="http://schemas.microsoft.com/office/drawing/2010/main" xmlns:p14="http://schemas.microsoft.com/office/powerpoint/2010/main" xmlns:a16="http://schemas.microsoft.com/office/drawing/2014/main" xmlns="" w="9525">
                   <a:solidFill>
                     <a:srgbClr val="000000"/>
                   </a:solidFill>
@@ -19064,7 +19064,7 @@
             </a:ln>
             <a:extLst>
               <a:ext uri="{91240B29-F687-4f45-9708-019B960494DF}">
-                <a14:hiddenLine xmlns="" xmlns:a16="http://schemas.microsoft.com/office/drawing/2014/main" xmlns:p14="http://schemas.microsoft.com/office/powerpoint/2010/main" xmlns:a14="http://schemas.microsoft.com/office/drawing/2010/main" w="9525">
+                <a14:hiddenLine xmlns:a14="http://schemas.microsoft.com/office/drawing/2010/main" xmlns:p14="http://schemas.microsoft.com/office/powerpoint/2010/main" xmlns:a16="http://schemas.microsoft.com/office/drawing/2014/main" xmlns="" w="9525">
                   <a:solidFill>
                     <a:srgbClr val="000000"/>
                   </a:solidFill>
@@ -19169,7 +19169,7 @@
             </a:ln>
             <a:extLst>
               <a:ext uri="{91240B29-F687-4f45-9708-019B960494DF}">
-                <a14:hiddenLine xmlns="" xmlns:a16="http://schemas.microsoft.com/office/drawing/2014/main" xmlns:p14="http://schemas.microsoft.com/office/powerpoint/2010/main" xmlns:a14="http://schemas.microsoft.com/office/drawing/2010/main" w="9525">
+                <a14:hiddenLine xmlns:a14="http://schemas.microsoft.com/office/drawing/2010/main" xmlns:p14="http://schemas.microsoft.com/office/powerpoint/2010/main" xmlns:a16="http://schemas.microsoft.com/office/drawing/2014/main" xmlns="" w="9525">
                   <a:solidFill>
                     <a:srgbClr val="000000"/>
                   </a:solidFill>
